--- a/docs/Presentation.pptx
+++ b/docs/Presentation.pptx
@@ -4,29 +4,32 @@
   <p:sldMasterIdLst>
     <p:sldMasterId id="2147483648" r:id="rId1"/>
   </p:sldMasterIdLst>
+  <p:notesMasterIdLst>
+    <p:notesMasterId r:id="rId19"/>
+  </p:notesMasterIdLst>
   <p:sldIdLst>
-    <p:sldId id="256" r:id="rId3"/>
-    <p:sldId id="257" r:id="rId4"/>
-    <p:sldId id="258" r:id="rId5"/>
-    <p:sldId id="260" r:id="rId6"/>
-    <p:sldId id="259" r:id="rId7"/>
-    <p:sldId id="265" r:id="rId8"/>
-    <p:sldId id="261" r:id="rId9"/>
-    <p:sldId id="262" r:id="rId10"/>
-    <p:sldId id="263" r:id="rId11"/>
-    <p:sldId id="291" r:id="rId12"/>
-    <p:sldId id="277" r:id="rId13"/>
-    <p:sldId id="292" r:id="rId14"/>
-    <p:sldId id="293" r:id="rId15"/>
-    <p:sldId id="279" r:id="rId16"/>
-    <p:sldId id="294" r:id="rId17"/>
-    <p:sldId id="298" r:id="rId18"/>
-    <p:sldId id="285" r:id="rId19"/>
+    <p:sldId id="256" r:id="rId2"/>
+    <p:sldId id="257" r:id="rId3"/>
+    <p:sldId id="258" r:id="rId4"/>
+    <p:sldId id="260" r:id="rId5"/>
+    <p:sldId id="259" r:id="rId6"/>
+    <p:sldId id="265" r:id="rId7"/>
+    <p:sldId id="261" r:id="rId8"/>
+    <p:sldId id="262" r:id="rId9"/>
+    <p:sldId id="263" r:id="rId10"/>
+    <p:sldId id="291" r:id="rId11"/>
+    <p:sldId id="277" r:id="rId12"/>
+    <p:sldId id="292" r:id="rId13"/>
+    <p:sldId id="293" r:id="rId14"/>
+    <p:sldId id="279" r:id="rId15"/>
+    <p:sldId id="294" r:id="rId16"/>
+    <p:sldId id="298" r:id="rId17"/>
+    <p:sldId id="285" r:id="rId18"/>
   </p:sldIdLst>
   <p:sldSz cx="12192000" cy="6858000"/>
   <p:notesSz cx="6858000" cy="9144000"/>
   <p:custDataLst>
-    <p:tags r:id="rId23"/>
+    <p:tags r:id="rId20"/>
   </p:custDataLst>
   <p:defaultTextStyle>
     <a:defPPr>
@@ -123,11 +126,16 @@
       </a:defRPr>
     </a:lvl9pPr>
   </p:defaultTextStyle>
+  <p:extLst>
+    <p:ext uri="{EFAFB233-063F-42B5-8137-9DF3F51BA10A}">
+      <p15:sldGuideLst xmlns:p15="http://schemas.microsoft.com/office/powerpoint/2012/main"/>
+    </p:ext>
+  </p:extLst>
 </p:presentation>
 </file>
 
 <file path=ppt/diagrams/colors1.xml><?xml version="1.0" encoding="utf-8"?>
-<dgm:colorsDef xmlns:dgm="http://schemas.openxmlformats.org/drawingml/2006/diagram" xmlns:a="http://schemas.openxmlformats.org/drawingml/2006/main" uniqueId="urn:microsoft.com/office/officeart/2005/8/colors/accent1_2">
+<dgm:colorsDef xmlns:dgm="http://schemas.openxmlformats.org/drawingml/2006/diagram" xmlns:a="http://schemas.openxmlformats.org/drawingml/2006/main" uniqueId="urn:microsoft.com/office/officeart/2005/8/colors/accent1_2#1">
   <dgm:title val=""/>
   <dgm:desc val=""/>
   <dgm:catLst>
@@ -877,10 +885,11 @@
 <dgm:dataModel xmlns:dgm="http://schemas.openxmlformats.org/drawingml/2006/diagram" xmlns:a="http://schemas.openxmlformats.org/drawingml/2006/main">
   <dgm:ptLst>
     <dgm:pt modelId="{EFE73B03-4D71-4565-8C52-4902BE6377A4}" type="doc">
-      <dgm:prSet loTypeId="hierarchy" loCatId="hierarchy" qsTypeId="urn:microsoft.com/office/officeart/2005/8/quickstyle/simple1" qsCatId="simple" csTypeId="urn:microsoft.com/office/officeart/2005/8/colors/accent1_2" csCatId="accent1" phldr="0"/>
+      <dgm:prSet loTypeId="urn:microsoft.com/office/officeart/2005/8/layout/hierarchy2#1" loCatId="hierarchy" qsTypeId="urn:microsoft.com/office/officeart/2005/8/quickstyle/simple1#1" qsCatId="simple" csTypeId="urn:microsoft.com/office/officeart/2005/8/colors/accent1_2#1" csCatId="accent1" phldr="0"/>
       <dgm:spPr/>
       <dgm:t>
         <a:bodyPr/>
+        <a:lstStyle/>
         <a:p>
           <a:endParaRPr lang="zh-CN" altLang="en-US"/>
         </a:p>
@@ -891,6 +900,7 @@
       <dgm:spPr/>
       <dgm:t>
         <a:bodyPr vert="horz" wrap="square"/>
+        <a:lstStyle/>
         <a:p>
           <a:pPr>
             <a:lnSpc>
@@ -907,25 +917,26 @@
             <a:rPr lang="en-US" altLang="zh-CN"/>
             <a:t>Steamed Egg</a:t>
           </a:r>
-          <a:endParaRPr lang="en-US" altLang="zh-CN"/>
         </a:p>
       </dgm:t>
     </dgm:pt>
-    <dgm:pt modelId="{2AFB1B2A-8749-4E5E-9CB9-0B60F81C46F8}" cxnId="{A075B7AD-C16A-4CED-9C91-8CEB6F04D4F2}" type="parTrans">
+    <dgm:pt modelId="{2AFB1B2A-8749-4E5E-9CB9-0B60F81C46F8}" type="parTrans" cxnId="{A075B7AD-C16A-4CED-9C91-8CEB6F04D4F2}">
       <dgm:prSet/>
       <dgm:spPr/>
       <dgm:t>
         <a:bodyPr/>
+        <a:lstStyle/>
         <a:p>
           <a:endParaRPr lang="zh-CN" altLang="en-US"/>
         </a:p>
       </dgm:t>
     </dgm:pt>
-    <dgm:pt modelId="{E0FFEB56-236E-4FE9-83BF-31494E265D5A}" cxnId="{A075B7AD-C16A-4CED-9C91-8CEB6F04D4F2}" type="sibTrans">
+    <dgm:pt modelId="{E0FFEB56-236E-4FE9-83BF-31494E265D5A}" type="sibTrans" cxnId="{A075B7AD-C16A-4CED-9C91-8CEB6F04D4F2}">
       <dgm:prSet/>
       <dgm:spPr/>
       <dgm:t>
         <a:bodyPr/>
+        <a:lstStyle/>
         <a:p>
           <a:endParaRPr lang="zh-CN" altLang="en-US"/>
         </a:p>
@@ -936,6 +947,7 @@
       <dgm:spPr/>
       <dgm:t>
         <a:bodyPr vert="horz" wrap="square"/>
+        <a:lstStyle/>
         <a:p>
           <a:pPr>
             <a:lnSpc>
@@ -950,35 +962,28 @@
           </a:pPr>
           <a:r>
             <a:rPr lang="zh-CN" altLang="en-US"/>
-            <a:t>增</a:t>
+            <a:t>增删改</a:t>
           </a:r>
-          <a:r>
-            <a:rPr lang="zh-CN" altLang="en-US"/>
-            <a:t>删改</a:t>
-          </a:r>
-          <a:r>
-            <a:rPr lang="zh-CN" altLang="en-US"/>
-            <a:t/>
-          </a:r>
-          <a:endParaRPr lang="zh-CN" altLang="en-US"/>
         </a:p>
       </dgm:t>
     </dgm:pt>
-    <dgm:pt modelId="{AC2BFF99-DAE2-494A-88AB-85D75BC6D2EE}" cxnId="{1EF7E714-9C9E-43D5-9D3C-449273D4FB21}" type="parTrans">
+    <dgm:pt modelId="{AC2BFF99-DAE2-494A-88AB-85D75BC6D2EE}" type="parTrans" cxnId="{1EF7E714-9C9E-43D5-9D3C-449273D4FB21}">
       <dgm:prSet/>
       <dgm:spPr/>
       <dgm:t>
         <a:bodyPr/>
+        <a:lstStyle/>
         <a:p>
           <a:endParaRPr lang="zh-CN" altLang="en-US"/>
         </a:p>
       </dgm:t>
     </dgm:pt>
-    <dgm:pt modelId="{B98A0394-6758-42EB-8D0E-4491BED52B6C}" cxnId="{1EF7E714-9C9E-43D5-9D3C-449273D4FB21}" type="sibTrans">
+    <dgm:pt modelId="{B98A0394-6758-42EB-8D0E-4491BED52B6C}" type="sibTrans" cxnId="{1EF7E714-9C9E-43D5-9D3C-449273D4FB21}">
       <dgm:prSet/>
       <dgm:spPr/>
       <dgm:t>
         <a:bodyPr/>
+        <a:lstStyle/>
         <a:p>
           <a:endParaRPr lang="zh-CN" altLang="en-US"/>
         </a:p>
@@ -989,6 +994,7 @@
       <dgm:spPr/>
       <dgm:t>
         <a:bodyPr vert="horz" wrap="square"/>
+        <a:lstStyle/>
         <a:p>
           <a:pPr>
             <a:lnSpc>
@@ -1003,43 +1009,28 @@
           </a:pPr>
           <a:r>
             <a:rPr lang="zh-CN" altLang="en-US"/>
-            <a:t>增加、</a:t>
+            <a:t>增加、修改（每天）</a:t>
           </a:r>
-          <a:r>
-            <a:rPr lang="zh-CN" altLang="en-US"/>
-            <a:t>修改（</a:t>
-          </a:r>
-          <a:r>
-            <a:rPr lang="zh-CN" altLang="en-US"/>
-            <a:t>每天</a:t>
-          </a:r>
-          <a:r>
-            <a:rPr lang="zh-CN" altLang="en-US"/>
-            <a:t>）</a:t>
-          </a:r>
-          <a:r>
-            <a:rPr lang="zh-CN" altLang="en-US"/>
-            <a:t/>
-          </a:r>
-          <a:endParaRPr lang="zh-CN" altLang="en-US"/>
         </a:p>
       </dgm:t>
     </dgm:pt>
-    <dgm:pt modelId="{581124B7-0397-40F7-9B1D-41220103BA68}" cxnId="{76611430-BA12-4850-A445-4AE40DCC64C6}" type="parTrans">
+    <dgm:pt modelId="{581124B7-0397-40F7-9B1D-41220103BA68}" type="parTrans" cxnId="{76611430-BA12-4850-A445-4AE40DCC64C6}">
       <dgm:prSet/>
       <dgm:spPr/>
       <dgm:t>
         <a:bodyPr/>
+        <a:lstStyle/>
         <a:p>
           <a:endParaRPr lang="zh-CN" altLang="en-US"/>
         </a:p>
       </dgm:t>
     </dgm:pt>
-    <dgm:pt modelId="{A23C44A9-E7A6-467B-BF93-DD0656347715}" cxnId="{76611430-BA12-4850-A445-4AE40DCC64C6}" type="sibTrans">
+    <dgm:pt modelId="{A23C44A9-E7A6-467B-BF93-DD0656347715}" type="sibTrans" cxnId="{76611430-BA12-4850-A445-4AE40DCC64C6}">
       <dgm:prSet/>
       <dgm:spPr/>
       <dgm:t>
         <a:bodyPr/>
+        <a:lstStyle/>
         <a:p>
           <a:endParaRPr lang="zh-CN" altLang="en-US"/>
         </a:p>
@@ -1050,6 +1041,7 @@
       <dgm:spPr/>
       <dgm:t>
         <a:bodyPr vert="horz" wrap="square"/>
+        <a:lstStyle/>
         <a:p>
           <a:pPr>
             <a:lnSpc>
@@ -1066,7 +1058,6 @@
             <a:rPr lang="zh-CN"/>
             <a:t>删除</a:t>
           </a:r>
-          <a:endParaRPr lang="zh-CN"/>
         </a:p>
         <a:p>
           <a:pPr>
@@ -1082,29 +1073,23 @@
           </a:pPr>
           <a:r>
             <a:rPr lang="zh-CN"/>
-            <a:t>（</a:t>
+            <a:t>（定期）</a:t>
           </a:r>
-          <a:r>
-            <a:rPr lang="zh-CN"/>
-            <a:t>定期</a:t>
-          </a:r>
-          <a:r>
-            <a:rPr lang="zh-CN"/>
-            <a:t>）</a:t>
-          </a:r>
-          <a:r>
-            <a:rPr lang="zh-CN"/>
-            <a:t/>
-          </a:r>
-          <a:endParaRPr lang="zh-CN"/>
         </a:p>
       </dgm:t>
     </dgm:pt>
-    <dgm:pt modelId="{84391E2C-A639-4BE9-BE0E-0B2906A28317}" cxnId="{666960AC-BBAA-49BF-9E3C-29EFE22439BA}" type="parTrans">
+    <dgm:pt modelId="{84391E2C-A639-4BE9-BE0E-0B2906A28317}" type="parTrans" cxnId="{666960AC-BBAA-49BF-9E3C-29EFE22439BA}">
       <dgm:prSet/>
       <dgm:spPr/>
+      <dgm:t>
+        <a:bodyPr/>
+        <a:lstStyle/>
+        <a:p>
+          <a:endParaRPr lang="zh-CN" altLang="en-US"/>
+        </a:p>
+      </dgm:t>
     </dgm:pt>
-    <dgm:pt modelId="{CCB268ED-4C0F-4E5E-A38F-E5579941C644}" cxnId="{666960AC-BBAA-49BF-9E3C-29EFE22439BA}" type="sibTrans">
+    <dgm:pt modelId="{CCB268ED-4C0F-4E5E-A38F-E5579941C644}" type="sibTrans" cxnId="{666960AC-BBAA-49BF-9E3C-29EFE22439BA}">
       <dgm:prSet/>
       <dgm:spPr/>
     </dgm:pt>
@@ -1113,6 +1098,7 @@
       <dgm:spPr/>
       <dgm:t>
         <a:bodyPr vert="horz" wrap="square"/>
+        <a:lstStyle/>
         <a:p>
           <a:pPr>
             <a:lnSpc>
@@ -1129,29 +1115,26 @@
             <a:rPr lang="zh-CN" altLang="en-US"/>
             <a:t>查询</a:t>
           </a:r>
-          <a:r>
-            <a:rPr lang="zh-CN" altLang="en-US"/>
-            <a:t/>
-          </a:r>
-          <a:endParaRPr lang="zh-CN" altLang="en-US"/>
         </a:p>
       </dgm:t>
     </dgm:pt>
-    <dgm:pt modelId="{367D7799-1E5C-4947-8AD1-85D1E0D367AF}" cxnId="{78BB98E4-F175-4D78-867D-14BFE3BF29A0}" type="parTrans">
+    <dgm:pt modelId="{367D7799-1E5C-4947-8AD1-85D1E0D367AF}" type="parTrans" cxnId="{78BB98E4-F175-4D78-867D-14BFE3BF29A0}">
       <dgm:prSet/>
       <dgm:spPr/>
       <dgm:t>
         <a:bodyPr/>
+        <a:lstStyle/>
         <a:p>
           <a:endParaRPr lang="zh-CN" altLang="en-US"/>
         </a:p>
       </dgm:t>
     </dgm:pt>
-    <dgm:pt modelId="{7FFEBD18-7D5B-41C0-A8F3-60942A71708D}" cxnId="{78BB98E4-F175-4D78-867D-14BFE3BF29A0}" type="sibTrans">
+    <dgm:pt modelId="{7FFEBD18-7D5B-41C0-A8F3-60942A71708D}" type="sibTrans" cxnId="{78BB98E4-F175-4D78-867D-14BFE3BF29A0}">
       <dgm:prSet/>
       <dgm:spPr/>
       <dgm:t>
         <a:bodyPr/>
+        <a:lstStyle/>
         <a:p>
           <a:endParaRPr lang="zh-CN" altLang="en-US"/>
         </a:p>
@@ -1190,7 +1173,7 @@
       <dgm:spPr/>
     </dgm:pt>
     <dgm:pt modelId="{C1833E64-0598-4ED8-B73B-4C820BB35531}" type="pres">
-      <dgm:prSet presAssocID="{AC2BFF99-DAE2-494A-88AB-85D75BC6D2EE}" presName="connTx" presStyleCnt="0"/>
+      <dgm:prSet presAssocID="{AC2BFF99-DAE2-494A-88AB-85D75BC6D2EE}" presName="connTx" presStyleLbl="parChTrans1D2" presStyleIdx="0" presStyleCnt="2"/>
       <dgm:spPr/>
     </dgm:pt>
     <dgm:pt modelId="{46F58ACF-5130-428E-B3EF-87D6FEC0C921}" type="pres">
@@ -1214,7 +1197,7 @@
       <dgm:spPr/>
     </dgm:pt>
     <dgm:pt modelId="{C3EBFA62-33AA-4455-9D61-7B96DA4B37A4}" type="pres">
-      <dgm:prSet presAssocID="{581124B7-0397-40F7-9B1D-41220103BA68}" presName="connTx" presStyleCnt="0"/>
+      <dgm:prSet presAssocID="{581124B7-0397-40F7-9B1D-41220103BA68}" presName="connTx" presStyleLbl="parChTrans1D3" presStyleIdx="0" presStyleCnt="2"/>
       <dgm:spPr/>
     </dgm:pt>
     <dgm:pt modelId="{2DF34A52-3962-401F-8488-13EE54243675}" type="pres">
@@ -1238,7 +1221,7 @@
       <dgm:spPr/>
     </dgm:pt>
     <dgm:pt modelId="{723AD850-FCE3-41A3-B602-2265249F6798}" type="pres">
-      <dgm:prSet presAssocID="{84391E2C-A639-4BE9-BE0E-0B2906A28317}" presName="connTx" presStyleCnt="0"/>
+      <dgm:prSet presAssocID="{84391E2C-A639-4BE9-BE0E-0B2906A28317}" presName="connTx" presStyleLbl="parChTrans1D3" presStyleIdx="1" presStyleCnt="2"/>
       <dgm:spPr/>
     </dgm:pt>
     <dgm:pt modelId="{8534638E-32BD-42C8-BB81-7AB33B535C64}" type="pres">
@@ -1262,7 +1245,7 @@
       <dgm:spPr/>
     </dgm:pt>
     <dgm:pt modelId="{0F4B7785-0023-487B-801C-9850969E1D34}" type="pres">
-      <dgm:prSet presAssocID="{367D7799-1E5C-4947-8AD1-85D1E0D367AF}" presName="connTx" presStyleCnt="0"/>
+      <dgm:prSet presAssocID="{367D7799-1E5C-4947-8AD1-85D1E0D367AF}" presName="connTx" presStyleLbl="parChTrans1D2" presStyleIdx="1" presStyleCnt="2"/>
       <dgm:spPr/>
     </dgm:pt>
     <dgm:pt modelId="{4925E953-147A-4210-9A9C-63730A307231}" type="pres">
@@ -1283,96 +1266,110 @@
     </dgm:pt>
   </dgm:ptLst>
   <dgm:cxnLst>
+    <dgm:cxn modelId="{020B0609-28B9-47F2-8AAA-9FB0CACB306E}" type="presOf" srcId="{C78C4F92-AD69-46C8-910C-41059E8ED0A9}" destId="{29F748CF-C0E7-4DEA-B3A3-0E8AEB5CA964}" srcOrd="0" destOrd="0" presId="urn:microsoft.com/office/officeart/2005/8/layout/hierarchy2#1"/>
+    <dgm:cxn modelId="{4ED1350B-961F-4400-84F5-ADAF82F444AE}" type="presOf" srcId="{581124B7-0397-40F7-9B1D-41220103BA68}" destId="{E81582B1-A130-479F-ACE3-61EF727591CE}" srcOrd="0" destOrd="0" presId="urn:microsoft.com/office/officeart/2005/8/layout/hierarchy2#1"/>
+    <dgm:cxn modelId="{1EF7E714-9C9E-43D5-9D3C-449273D4FB21}" srcId="{0605F139-5EF0-48E7-A091-192233D2011D}" destId="{4530EE7D-F557-4815-9ED2-EABC47F46978}" srcOrd="0" destOrd="0" parTransId="{AC2BFF99-DAE2-494A-88AB-85D75BC6D2EE}" sibTransId="{B98A0394-6758-42EB-8D0E-4491BED52B6C}"/>
+    <dgm:cxn modelId="{FEDEA71C-F7E9-44F2-A1F0-215666A7E81C}" type="presOf" srcId="{AC2BFF99-DAE2-494A-88AB-85D75BC6D2EE}" destId="{B47BD6C9-6D53-4A69-975F-9CF96E25F10F}" srcOrd="0" destOrd="0" presId="urn:microsoft.com/office/officeart/2005/8/layout/hierarchy2#1"/>
+    <dgm:cxn modelId="{F6B50629-1C1B-4053-86EE-4C61BF6DB3BE}" type="presOf" srcId="{EFE73B03-4D71-4565-8C52-4902BE6377A4}" destId="{5FBAB40F-6011-4629-9B30-77C9439C91BF}" srcOrd="0" destOrd="0" presId="urn:microsoft.com/office/officeart/2005/8/layout/hierarchy2#1"/>
+    <dgm:cxn modelId="{76611430-BA12-4850-A445-4AE40DCC64C6}" srcId="{4530EE7D-F557-4815-9ED2-EABC47F46978}" destId="{C78C4F92-AD69-46C8-910C-41059E8ED0A9}" srcOrd="0" destOrd="0" parTransId="{581124B7-0397-40F7-9B1D-41220103BA68}" sibTransId="{A23C44A9-E7A6-467B-BF93-DD0656347715}"/>
+    <dgm:cxn modelId="{34417330-9878-4FA4-AAE7-11F4DDC7669E}" type="presOf" srcId="{367D7799-1E5C-4947-8AD1-85D1E0D367AF}" destId="{0F4B7785-0023-487B-801C-9850969E1D34}" srcOrd="1" destOrd="0" presId="urn:microsoft.com/office/officeart/2005/8/layout/hierarchy2#1"/>
+    <dgm:cxn modelId="{72F35C39-4AB0-45E8-A89F-1A111202891D}" type="presOf" srcId="{9C0C9B4A-978D-4DD8-93EC-28C38E1B8453}" destId="{F178C3EE-24DF-41ED-ABEA-31350F0D3D22}" srcOrd="0" destOrd="0" presId="urn:microsoft.com/office/officeart/2005/8/layout/hierarchy2#1"/>
+    <dgm:cxn modelId="{FC4CCD3F-8DA2-453A-B0CF-EC126067CADB}" type="presOf" srcId="{367D7799-1E5C-4947-8AD1-85D1E0D367AF}" destId="{2E81B90F-7494-41FF-808F-F7F82B993B40}" srcOrd="0" destOrd="0" presId="urn:microsoft.com/office/officeart/2005/8/layout/hierarchy2#1"/>
+    <dgm:cxn modelId="{9ED48B45-849E-4B5B-BEAA-87AC6F325B84}" type="presOf" srcId="{84391E2C-A639-4BE9-BE0E-0B2906A28317}" destId="{2FBAAB05-024B-4A25-91EE-6E30B30C0E27}" srcOrd="0" destOrd="0" presId="urn:microsoft.com/office/officeart/2005/8/layout/hierarchy2#1"/>
+    <dgm:cxn modelId="{9D24026B-3C63-48D1-B288-1FFA8721D4F3}" type="presOf" srcId="{84391E2C-A639-4BE9-BE0E-0B2906A28317}" destId="{723AD850-FCE3-41A3-B602-2265249F6798}" srcOrd="1" destOrd="0" presId="urn:microsoft.com/office/officeart/2005/8/layout/hierarchy2#1"/>
+    <dgm:cxn modelId="{5235D595-02CC-491F-BF15-FAA789708556}" type="presOf" srcId="{AC2BFF99-DAE2-494A-88AB-85D75BC6D2EE}" destId="{C1833E64-0598-4ED8-B73B-4C820BB35531}" srcOrd="1" destOrd="0" presId="urn:microsoft.com/office/officeart/2005/8/layout/hierarchy2#1"/>
+    <dgm:cxn modelId="{18476BAB-A1E7-4D64-8DBC-2132148428B7}" type="presOf" srcId="{0605F139-5EF0-48E7-A091-192233D2011D}" destId="{24E3F4AB-32FB-4CE0-9DAC-FC4DD26B5900}" srcOrd="0" destOrd="0" presId="urn:microsoft.com/office/officeart/2005/8/layout/hierarchy2#1"/>
+    <dgm:cxn modelId="{666960AC-BBAA-49BF-9E3C-29EFE22439BA}" srcId="{4530EE7D-F557-4815-9ED2-EABC47F46978}" destId="{9C0C9B4A-978D-4DD8-93EC-28C38E1B8453}" srcOrd="1" destOrd="0" parTransId="{84391E2C-A639-4BE9-BE0E-0B2906A28317}" sibTransId="{CCB268ED-4C0F-4E5E-A38F-E5579941C644}"/>
     <dgm:cxn modelId="{A075B7AD-C16A-4CED-9C91-8CEB6F04D4F2}" srcId="{EFE73B03-4D71-4565-8C52-4902BE6377A4}" destId="{0605F139-5EF0-48E7-A091-192233D2011D}" srcOrd="0" destOrd="0" parTransId="{2AFB1B2A-8749-4E5E-9CB9-0B60F81C46F8}" sibTransId="{E0FFEB56-236E-4FE9-83BF-31494E265D5A}"/>
-    <dgm:cxn modelId="{1EF7E714-9C9E-43D5-9D3C-449273D4FB21}" srcId="{0605F139-5EF0-48E7-A091-192233D2011D}" destId="{4530EE7D-F557-4815-9ED2-EABC47F46978}" srcOrd="0" destOrd="0" parTransId="{AC2BFF99-DAE2-494A-88AB-85D75BC6D2EE}" sibTransId="{B98A0394-6758-42EB-8D0E-4491BED52B6C}"/>
-    <dgm:cxn modelId="{76611430-BA12-4850-A445-4AE40DCC64C6}" srcId="{4530EE7D-F557-4815-9ED2-EABC47F46978}" destId="{C78C4F92-AD69-46C8-910C-41059E8ED0A9}" srcOrd="0" destOrd="0" parTransId="{581124B7-0397-40F7-9B1D-41220103BA68}" sibTransId="{A23C44A9-E7A6-467B-BF93-DD0656347715}"/>
-    <dgm:cxn modelId="{666960AC-BBAA-49BF-9E3C-29EFE22439BA}" srcId="{4530EE7D-F557-4815-9ED2-EABC47F46978}" destId="{9C0C9B4A-978D-4DD8-93EC-28C38E1B8453}" srcOrd="1" destOrd="0" parTransId="{84391E2C-A639-4BE9-BE0E-0B2906A28317}" sibTransId="{CCB268ED-4C0F-4E5E-A38F-E5579941C644}"/>
+    <dgm:cxn modelId="{6A50E1DE-E295-4777-8D86-9A8777CD45FF}" type="presOf" srcId="{4E4A1E17-A3EC-4A54-9171-277E11A0B287}" destId="{3D382021-A429-4403-82FF-5A95DD3EBB20}" srcOrd="0" destOrd="0" presId="urn:microsoft.com/office/officeart/2005/8/layout/hierarchy2#1"/>
     <dgm:cxn modelId="{78BB98E4-F175-4D78-867D-14BFE3BF29A0}" srcId="{0605F139-5EF0-48E7-A091-192233D2011D}" destId="{4E4A1E17-A3EC-4A54-9171-277E11A0B287}" srcOrd="1" destOrd="0" parTransId="{367D7799-1E5C-4947-8AD1-85D1E0D367AF}" sibTransId="{7FFEBD18-7D5B-41C0-A8F3-60942A71708D}"/>
-    <dgm:cxn modelId="{F6B50629-1C1B-4053-86EE-4C61BF6DB3BE}" type="presOf" srcId="{EFE73B03-4D71-4565-8C52-4902BE6377A4}" destId="{5FBAB40F-6011-4629-9B30-77C9439C91BF}" srcOrd="0" destOrd="0" presId="urn:microsoft.com/office/officeart/2005/8/layout/hierarchy2"/>
-    <dgm:cxn modelId="{01B0F8C6-7A6F-4361-A9BF-55ACCBA0DB78}" type="presParOf" srcId="{5FBAB40F-6011-4629-9B30-77C9439C91BF}" destId="{2332AA2E-A989-4175-BB73-78EA4C3BDB65}" srcOrd="0" destOrd="0" presId="urn:microsoft.com/office/officeart/2005/8/layout/hierarchy2"/>
-    <dgm:cxn modelId="{586A992D-6270-47F7-9E1F-FB4425C2DF17}" type="presParOf" srcId="{2332AA2E-A989-4175-BB73-78EA4C3BDB65}" destId="{24E3F4AB-32FB-4CE0-9DAC-FC4DD26B5900}" srcOrd="0" destOrd="0" presId="urn:microsoft.com/office/officeart/2005/8/layout/hierarchy2"/>
-    <dgm:cxn modelId="{18476BAB-A1E7-4D64-8DBC-2132148428B7}" type="presOf" srcId="{0605F139-5EF0-48E7-A091-192233D2011D}" destId="{24E3F4AB-32FB-4CE0-9DAC-FC4DD26B5900}" srcOrd="0" destOrd="0" presId="urn:microsoft.com/office/officeart/2005/8/layout/hierarchy2"/>
-    <dgm:cxn modelId="{0228B231-D857-4954-AF1B-FCB7BA44FAF1}" type="presParOf" srcId="{2332AA2E-A989-4175-BB73-78EA4C3BDB65}" destId="{44F25638-8073-4DA7-9390-5AC06A304565}" srcOrd="1" destOrd="0" presId="urn:microsoft.com/office/officeart/2005/8/layout/hierarchy2"/>
-    <dgm:cxn modelId="{6BDE2EE9-12FB-4734-AEE8-282435CD735F}" type="presParOf" srcId="{44F25638-8073-4DA7-9390-5AC06A304565}" destId="{B47BD6C9-6D53-4A69-975F-9CF96E25F10F}" srcOrd="0" destOrd="1" presId="urn:microsoft.com/office/officeart/2005/8/layout/hierarchy2"/>
-    <dgm:cxn modelId="{FEDEA71C-F7E9-44F2-A1F0-215666A7E81C}" type="presOf" srcId="{AC2BFF99-DAE2-494A-88AB-85D75BC6D2EE}" destId="{B47BD6C9-6D53-4A69-975F-9CF96E25F10F}" srcOrd="0" destOrd="0" presId="urn:microsoft.com/office/officeart/2005/8/layout/hierarchy2"/>
-    <dgm:cxn modelId="{86942D4B-E3CF-4CDB-83F2-42275F216A7D}" type="presParOf" srcId="{B47BD6C9-6D53-4A69-975F-9CF96E25F10F}" destId="{C1833E64-0598-4ED8-B73B-4C820BB35531}" srcOrd="0" destOrd="0" presId="urn:microsoft.com/office/officeart/2005/8/layout/hierarchy2"/>
-    <dgm:cxn modelId="{5235D595-02CC-491F-BF15-FAA789708556}" type="presOf" srcId="{AC2BFF99-DAE2-494A-88AB-85D75BC6D2EE}" destId="{C1833E64-0598-4ED8-B73B-4C820BB35531}" srcOrd="1" destOrd="0" presId="urn:microsoft.com/office/officeart/2005/8/layout/hierarchy2"/>
-    <dgm:cxn modelId="{A80B9FA1-43F7-48AE-A478-F9CC8526CEBD}" type="presParOf" srcId="{44F25638-8073-4DA7-9390-5AC06A304565}" destId="{46F58ACF-5130-428E-B3EF-87D6FEC0C921}" srcOrd="1" destOrd="1" presId="urn:microsoft.com/office/officeart/2005/8/layout/hierarchy2"/>
-    <dgm:cxn modelId="{F2227411-C22D-4C28-903A-2CBC3541D9BD}" type="presParOf" srcId="{46F58ACF-5130-428E-B3EF-87D6FEC0C921}" destId="{3C0D5057-54F2-42F8-ADAD-AA27A1CC1A1B}" srcOrd="0" destOrd="1" presId="urn:microsoft.com/office/officeart/2005/8/layout/hierarchy2"/>
-    <dgm:cxn modelId="{040CDCEB-9C28-42F3-818F-73D3BE58A9DD}" type="presOf" srcId="{4530EE7D-F557-4815-9ED2-EABC47F46978}" destId="{3C0D5057-54F2-42F8-ADAD-AA27A1CC1A1B}" srcOrd="0" destOrd="0" presId="urn:microsoft.com/office/officeart/2005/8/layout/hierarchy2"/>
-    <dgm:cxn modelId="{FE6CF303-8688-4C5B-9661-BC2282EB7AF1}" type="presParOf" srcId="{46F58ACF-5130-428E-B3EF-87D6FEC0C921}" destId="{48673F39-879C-4946-8DC7-FD68F0552920}" srcOrd="1" destOrd="1" presId="urn:microsoft.com/office/officeart/2005/8/layout/hierarchy2"/>
-    <dgm:cxn modelId="{6B5DB06E-BC2B-4395-A032-CD0CD4963D12}" type="presParOf" srcId="{48673F39-879C-4946-8DC7-FD68F0552920}" destId="{E81582B1-A130-479F-ACE3-61EF727591CE}" srcOrd="0" destOrd="1" presId="urn:microsoft.com/office/officeart/2005/8/layout/hierarchy2"/>
-    <dgm:cxn modelId="{4ED1350B-961F-4400-84F5-ADAF82F444AE}" type="presOf" srcId="{581124B7-0397-40F7-9B1D-41220103BA68}" destId="{E81582B1-A130-479F-ACE3-61EF727591CE}" srcOrd="0" destOrd="0" presId="urn:microsoft.com/office/officeart/2005/8/layout/hierarchy2"/>
-    <dgm:cxn modelId="{59ACA4F8-601E-4978-B632-310BC2E1B3BF}" type="presParOf" srcId="{E81582B1-A130-479F-ACE3-61EF727591CE}" destId="{C3EBFA62-33AA-4455-9D61-7B96DA4B37A4}" srcOrd="0" destOrd="0" presId="urn:microsoft.com/office/officeart/2005/8/layout/hierarchy2"/>
-    <dgm:cxn modelId="{4E5A89F1-DA49-41CE-87CA-D7FF49893D95}" type="presOf" srcId="{581124B7-0397-40F7-9B1D-41220103BA68}" destId="{C3EBFA62-33AA-4455-9D61-7B96DA4B37A4}" srcOrd="1" destOrd="0" presId="urn:microsoft.com/office/officeart/2005/8/layout/hierarchy2"/>
-    <dgm:cxn modelId="{E92E9676-EECC-43D6-AFA5-994CFC323882}" type="presParOf" srcId="{48673F39-879C-4946-8DC7-FD68F0552920}" destId="{2DF34A52-3962-401F-8488-13EE54243675}" srcOrd="1" destOrd="1" presId="urn:microsoft.com/office/officeart/2005/8/layout/hierarchy2"/>
-    <dgm:cxn modelId="{EDC2A685-4FEF-45E2-ADC3-337AFE2DB540}" type="presParOf" srcId="{2DF34A52-3962-401F-8488-13EE54243675}" destId="{29F748CF-C0E7-4DEA-B3A3-0E8AEB5CA964}" srcOrd="0" destOrd="1" presId="urn:microsoft.com/office/officeart/2005/8/layout/hierarchy2"/>
-    <dgm:cxn modelId="{020B0609-28B9-47F2-8AAA-9FB0CACB306E}" type="presOf" srcId="{C78C4F92-AD69-46C8-910C-41059E8ED0A9}" destId="{29F748CF-C0E7-4DEA-B3A3-0E8AEB5CA964}" srcOrd="0" destOrd="0" presId="urn:microsoft.com/office/officeart/2005/8/layout/hierarchy2"/>
-    <dgm:cxn modelId="{28AF01D0-A2D7-4888-A9C7-2F65B777C6FC}" type="presParOf" srcId="{2DF34A52-3962-401F-8488-13EE54243675}" destId="{02AC44EF-F1FC-4C54-8D55-2436304955F9}" srcOrd="1" destOrd="1" presId="urn:microsoft.com/office/officeart/2005/8/layout/hierarchy2"/>
-    <dgm:cxn modelId="{44A059D1-FBC8-4360-A5EF-CCB1652B7601}" type="presParOf" srcId="{48673F39-879C-4946-8DC7-FD68F0552920}" destId="{2FBAAB05-024B-4A25-91EE-6E30B30C0E27}" srcOrd="2" destOrd="1" presId="urn:microsoft.com/office/officeart/2005/8/layout/hierarchy2"/>
-    <dgm:cxn modelId="{9ED48B45-849E-4B5B-BEAA-87AC6F325B84}" type="presOf" srcId="{84391E2C-A639-4BE9-BE0E-0B2906A28317}" destId="{2FBAAB05-024B-4A25-91EE-6E30B30C0E27}" srcOrd="0" destOrd="0" presId="urn:microsoft.com/office/officeart/2005/8/layout/hierarchy2"/>
-    <dgm:cxn modelId="{4142BD69-DEC6-43BB-BE62-A6AA400B6692}" type="presParOf" srcId="{2FBAAB05-024B-4A25-91EE-6E30B30C0E27}" destId="{723AD850-FCE3-41A3-B602-2265249F6798}" srcOrd="0" destOrd="2" presId="urn:microsoft.com/office/officeart/2005/8/layout/hierarchy2"/>
-    <dgm:cxn modelId="{9D24026B-3C63-48D1-B288-1FFA8721D4F3}" type="presOf" srcId="{84391E2C-A639-4BE9-BE0E-0B2906A28317}" destId="{723AD850-FCE3-41A3-B602-2265249F6798}" srcOrd="1" destOrd="0" presId="urn:microsoft.com/office/officeart/2005/8/layout/hierarchy2"/>
-    <dgm:cxn modelId="{B80A45AD-6000-4EE9-A813-12045966CD36}" type="presParOf" srcId="{48673F39-879C-4946-8DC7-FD68F0552920}" destId="{8534638E-32BD-42C8-BB81-7AB33B535C64}" srcOrd="3" destOrd="1" presId="urn:microsoft.com/office/officeart/2005/8/layout/hierarchy2"/>
-    <dgm:cxn modelId="{A89C484A-FF65-4FBD-9A6B-E0D7EB431976}" type="presParOf" srcId="{8534638E-32BD-42C8-BB81-7AB33B535C64}" destId="{F178C3EE-24DF-41ED-ABEA-31350F0D3D22}" srcOrd="0" destOrd="3" presId="urn:microsoft.com/office/officeart/2005/8/layout/hierarchy2"/>
-    <dgm:cxn modelId="{72F35C39-4AB0-45E8-A89F-1A111202891D}" type="presOf" srcId="{9C0C9B4A-978D-4DD8-93EC-28C38E1B8453}" destId="{F178C3EE-24DF-41ED-ABEA-31350F0D3D22}" srcOrd="0" destOrd="0" presId="urn:microsoft.com/office/officeart/2005/8/layout/hierarchy2"/>
-    <dgm:cxn modelId="{1FD51410-98A5-4C04-9CF4-7A320E57F321}" type="presParOf" srcId="{8534638E-32BD-42C8-BB81-7AB33B535C64}" destId="{F353D2CE-0503-4633-AC64-2829897B8854}" srcOrd="1" destOrd="3" presId="urn:microsoft.com/office/officeart/2005/8/layout/hierarchy2"/>
-    <dgm:cxn modelId="{2AE88C87-B028-4A50-9066-1A97B227A20F}" type="presParOf" srcId="{44F25638-8073-4DA7-9390-5AC06A304565}" destId="{2E81B90F-7494-41FF-808F-F7F82B993B40}" srcOrd="2" destOrd="1" presId="urn:microsoft.com/office/officeart/2005/8/layout/hierarchy2"/>
-    <dgm:cxn modelId="{FC4CCD3F-8DA2-453A-B0CF-EC126067CADB}" type="presOf" srcId="{367D7799-1E5C-4947-8AD1-85D1E0D367AF}" destId="{2E81B90F-7494-41FF-808F-F7F82B993B40}" srcOrd="0" destOrd="0" presId="urn:microsoft.com/office/officeart/2005/8/layout/hierarchy2"/>
-    <dgm:cxn modelId="{1BBB0204-10B0-416B-857F-A329C5F43F1C}" type="presParOf" srcId="{2E81B90F-7494-41FF-808F-F7F82B993B40}" destId="{0F4B7785-0023-487B-801C-9850969E1D34}" srcOrd="0" destOrd="2" presId="urn:microsoft.com/office/officeart/2005/8/layout/hierarchy2"/>
-    <dgm:cxn modelId="{34417330-9878-4FA4-AAE7-11F4DDC7669E}" type="presOf" srcId="{367D7799-1E5C-4947-8AD1-85D1E0D367AF}" destId="{0F4B7785-0023-487B-801C-9850969E1D34}" srcOrd="1" destOrd="0" presId="urn:microsoft.com/office/officeart/2005/8/layout/hierarchy2"/>
-    <dgm:cxn modelId="{0BADC523-1FE2-47B7-A290-34D69173FC85}" type="presParOf" srcId="{44F25638-8073-4DA7-9390-5AC06A304565}" destId="{4925E953-147A-4210-9A9C-63730A307231}" srcOrd="3" destOrd="1" presId="urn:microsoft.com/office/officeart/2005/8/layout/hierarchy2"/>
-    <dgm:cxn modelId="{76977F07-B7A8-4C1C-95B5-D47F4C942A85}" type="presParOf" srcId="{4925E953-147A-4210-9A9C-63730A307231}" destId="{3D382021-A429-4403-82FF-5A95DD3EBB20}" srcOrd="0" destOrd="3" presId="urn:microsoft.com/office/officeart/2005/8/layout/hierarchy2"/>
-    <dgm:cxn modelId="{6A50E1DE-E295-4777-8D86-9A8777CD45FF}" type="presOf" srcId="{4E4A1E17-A3EC-4A54-9171-277E11A0B287}" destId="{3D382021-A429-4403-82FF-5A95DD3EBB20}" srcOrd="0" destOrd="0" presId="urn:microsoft.com/office/officeart/2005/8/layout/hierarchy2"/>
-    <dgm:cxn modelId="{59B6E5D7-7CED-4E5F-9020-472481E378EE}" type="presParOf" srcId="{4925E953-147A-4210-9A9C-63730A307231}" destId="{6D231649-1A42-47D5-A289-01058E6A05B6}" srcOrd="1" destOrd="3" presId="urn:microsoft.com/office/officeart/2005/8/layout/hierarchy2"/>
+    <dgm:cxn modelId="{040CDCEB-9C28-42F3-818F-73D3BE58A9DD}" type="presOf" srcId="{4530EE7D-F557-4815-9ED2-EABC47F46978}" destId="{3C0D5057-54F2-42F8-ADAD-AA27A1CC1A1B}" srcOrd="0" destOrd="0" presId="urn:microsoft.com/office/officeart/2005/8/layout/hierarchy2#1"/>
+    <dgm:cxn modelId="{4E5A89F1-DA49-41CE-87CA-D7FF49893D95}" type="presOf" srcId="{581124B7-0397-40F7-9B1D-41220103BA68}" destId="{C3EBFA62-33AA-4455-9D61-7B96DA4B37A4}" srcOrd="1" destOrd="0" presId="urn:microsoft.com/office/officeart/2005/8/layout/hierarchy2#1"/>
+    <dgm:cxn modelId="{01B0F8C6-7A6F-4361-A9BF-55ACCBA0DB78}" type="presParOf" srcId="{5FBAB40F-6011-4629-9B30-77C9439C91BF}" destId="{2332AA2E-A989-4175-BB73-78EA4C3BDB65}" srcOrd="0" destOrd="0" presId="urn:microsoft.com/office/officeart/2005/8/layout/hierarchy2#1"/>
+    <dgm:cxn modelId="{586A992D-6270-47F7-9E1F-FB4425C2DF17}" type="presParOf" srcId="{2332AA2E-A989-4175-BB73-78EA4C3BDB65}" destId="{24E3F4AB-32FB-4CE0-9DAC-FC4DD26B5900}" srcOrd="0" destOrd="0" presId="urn:microsoft.com/office/officeart/2005/8/layout/hierarchy2#1"/>
+    <dgm:cxn modelId="{0228B231-D857-4954-AF1B-FCB7BA44FAF1}" type="presParOf" srcId="{2332AA2E-A989-4175-BB73-78EA4C3BDB65}" destId="{44F25638-8073-4DA7-9390-5AC06A304565}" srcOrd="1" destOrd="0" presId="urn:microsoft.com/office/officeart/2005/8/layout/hierarchy2#1"/>
+    <dgm:cxn modelId="{6BDE2EE9-12FB-4734-AEE8-282435CD735F}" type="presParOf" srcId="{44F25638-8073-4DA7-9390-5AC06A304565}" destId="{B47BD6C9-6D53-4A69-975F-9CF96E25F10F}" srcOrd="0" destOrd="0" presId="urn:microsoft.com/office/officeart/2005/8/layout/hierarchy2#1"/>
+    <dgm:cxn modelId="{86942D4B-E3CF-4CDB-83F2-42275F216A7D}" type="presParOf" srcId="{B47BD6C9-6D53-4A69-975F-9CF96E25F10F}" destId="{C1833E64-0598-4ED8-B73B-4C820BB35531}" srcOrd="0" destOrd="0" presId="urn:microsoft.com/office/officeart/2005/8/layout/hierarchy2#1"/>
+    <dgm:cxn modelId="{A80B9FA1-43F7-48AE-A478-F9CC8526CEBD}" type="presParOf" srcId="{44F25638-8073-4DA7-9390-5AC06A304565}" destId="{46F58ACF-5130-428E-B3EF-87D6FEC0C921}" srcOrd="1" destOrd="0" presId="urn:microsoft.com/office/officeart/2005/8/layout/hierarchy2#1"/>
+    <dgm:cxn modelId="{F2227411-C22D-4C28-903A-2CBC3541D9BD}" type="presParOf" srcId="{46F58ACF-5130-428E-B3EF-87D6FEC0C921}" destId="{3C0D5057-54F2-42F8-ADAD-AA27A1CC1A1B}" srcOrd="0" destOrd="0" presId="urn:microsoft.com/office/officeart/2005/8/layout/hierarchy2#1"/>
+    <dgm:cxn modelId="{FE6CF303-8688-4C5B-9661-BC2282EB7AF1}" type="presParOf" srcId="{46F58ACF-5130-428E-B3EF-87D6FEC0C921}" destId="{48673F39-879C-4946-8DC7-FD68F0552920}" srcOrd="1" destOrd="0" presId="urn:microsoft.com/office/officeart/2005/8/layout/hierarchy2#1"/>
+    <dgm:cxn modelId="{6B5DB06E-BC2B-4395-A032-CD0CD4963D12}" type="presParOf" srcId="{48673F39-879C-4946-8DC7-FD68F0552920}" destId="{E81582B1-A130-479F-ACE3-61EF727591CE}" srcOrd="0" destOrd="0" presId="urn:microsoft.com/office/officeart/2005/8/layout/hierarchy2#1"/>
+    <dgm:cxn modelId="{59ACA4F8-601E-4978-B632-310BC2E1B3BF}" type="presParOf" srcId="{E81582B1-A130-479F-ACE3-61EF727591CE}" destId="{C3EBFA62-33AA-4455-9D61-7B96DA4B37A4}" srcOrd="0" destOrd="0" presId="urn:microsoft.com/office/officeart/2005/8/layout/hierarchy2#1"/>
+    <dgm:cxn modelId="{E92E9676-EECC-43D6-AFA5-994CFC323882}" type="presParOf" srcId="{48673F39-879C-4946-8DC7-FD68F0552920}" destId="{2DF34A52-3962-401F-8488-13EE54243675}" srcOrd="1" destOrd="0" presId="urn:microsoft.com/office/officeart/2005/8/layout/hierarchy2#1"/>
+    <dgm:cxn modelId="{EDC2A685-4FEF-45E2-ADC3-337AFE2DB540}" type="presParOf" srcId="{2DF34A52-3962-401F-8488-13EE54243675}" destId="{29F748CF-C0E7-4DEA-B3A3-0E8AEB5CA964}" srcOrd="0" destOrd="0" presId="urn:microsoft.com/office/officeart/2005/8/layout/hierarchy2#1"/>
+    <dgm:cxn modelId="{28AF01D0-A2D7-4888-A9C7-2F65B777C6FC}" type="presParOf" srcId="{2DF34A52-3962-401F-8488-13EE54243675}" destId="{02AC44EF-F1FC-4C54-8D55-2436304955F9}" srcOrd="1" destOrd="0" presId="urn:microsoft.com/office/officeart/2005/8/layout/hierarchy2#1"/>
+    <dgm:cxn modelId="{44A059D1-FBC8-4360-A5EF-CCB1652B7601}" type="presParOf" srcId="{48673F39-879C-4946-8DC7-FD68F0552920}" destId="{2FBAAB05-024B-4A25-91EE-6E30B30C0E27}" srcOrd="2" destOrd="0" presId="urn:microsoft.com/office/officeart/2005/8/layout/hierarchy2#1"/>
+    <dgm:cxn modelId="{4142BD69-DEC6-43BB-BE62-A6AA400B6692}" type="presParOf" srcId="{2FBAAB05-024B-4A25-91EE-6E30B30C0E27}" destId="{723AD850-FCE3-41A3-B602-2265249F6798}" srcOrd="0" destOrd="0" presId="urn:microsoft.com/office/officeart/2005/8/layout/hierarchy2#1"/>
+    <dgm:cxn modelId="{B80A45AD-6000-4EE9-A813-12045966CD36}" type="presParOf" srcId="{48673F39-879C-4946-8DC7-FD68F0552920}" destId="{8534638E-32BD-42C8-BB81-7AB33B535C64}" srcOrd="3" destOrd="0" presId="urn:microsoft.com/office/officeart/2005/8/layout/hierarchy2#1"/>
+    <dgm:cxn modelId="{A89C484A-FF65-4FBD-9A6B-E0D7EB431976}" type="presParOf" srcId="{8534638E-32BD-42C8-BB81-7AB33B535C64}" destId="{F178C3EE-24DF-41ED-ABEA-31350F0D3D22}" srcOrd="0" destOrd="0" presId="urn:microsoft.com/office/officeart/2005/8/layout/hierarchy2#1"/>
+    <dgm:cxn modelId="{1FD51410-98A5-4C04-9CF4-7A320E57F321}" type="presParOf" srcId="{8534638E-32BD-42C8-BB81-7AB33B535C64}" destId="{F353D2CE-0503-4633-AC64-2829897B8854}" srcOrd="1" destOrd="0" presId="urn:microsoft.com/office/officeart/2005/8/layout/hierarchy2#1"/>
+    <dgm:cxn modelId="{2AE88C87-B028-4A50-9066-1A97B227A20F}" type="presParOf" srcId="{44F25638-8073-4DA7-9390-5AC06A304565}" destId="{2E81B90F-7494-41FF-808F-F7F82B993B40}" srcOrd="2" destOrd="0" presId="urn:microsoft.com/office/officeart/2005/8/layout/hierarchy2#1"/>
+    <dgm:cxn modelId="{1BBB0204-10B0-416B-857F-A329C5F43F1C}" type="presParOf" srcId="{2E81B90F-7494-41FF-808F-F7F82B993B40}" destId="{0F4B7785-0023-487B-801C-9850969E1D34}" srcOrd="0" destOrd="0" presId="urn:microsoft.com/office/officeart/2005/8/layout/hierarchy2#1"/>
+    <dgm:cxn modelId="{0BADC523-1FE2-47B7-A290-34D69173FC85}" type="presParOf" srcId="{44F25638-8073-4DA7-9390-5AC06A304565}" destId="{4925E953-147A-4210-9A9C-63730A307231}" srcOrd="3" destOrd="0" presId="urn:microsoft.com/office/officeart/2005/8/layout/hierarchy2#1"/>
+    <dgm:cxn modelId="{76977F07-B7A8-4C1C-95B5-D47F4C942A85}" type="presParOf" srcId="{4925E953-147A-4210-9A9C-63730A307231}" destId="{3D382021-A429-4403-82FF-5A95DD3EBB20}" srcOrd="0" destOrd="0" presId="urn:microsoft.com/office/officeart/2005/8/layout/hierarchy2#1"/>
+    <dgm:cxn modelId="{59B6E5D7-7CED-4E5F-9020-472481E378EE}" type="presParOf" srcId="{4925E953-147A-4210-9A9C-63730A307231}" destId="{6D231649-1A42-47D5-A289-01058E6A05B6}" srcOrd="1" destOrd="0" presId="urn:microsoft.com/office/officeart/2005/8/layout/hierarchy2#1"/>
   </dgm:cxnLst>
   <dgm:bg/>
   <dgm:whole/>
   <dgm:extLst>
     <a:ext uri="http://schemas.microsoft.com/office/drawing/2008/diagram">
-      <dsp:dataModelExt xmlns:dsp="http://schemas.microsoft.com/office/drawing/2008/diagram" relId="rId7" minVer="http://schemas.openxmlformats.org/drawingml/2006/diagram"/>
+      <dsp:dataModelExt xmlns:dsp="http://schemas.microsoft.com/office/drawing/2008/diagram" relId="rId8" minVer="http://schemas.openxmlformats.org/drawingml/2006/diagram"/>
     </a:ext>
   </dgm:extLst>
 </dgm:dataModel>
 </file>
 
 <file path=ppt/diagrams/drawing1.xml><?xml version="1.0" encoding="utf-8"?>
-<dsp:drawing xmlns:dgm="http://schemas.openxmlformats.org/drawingml/2006/diagram" xmlns:dsp="http://schemas.microsoft.com/office/drawing/2008/diagram" xmlns:a="http://schemas.openxmlformats.org/drawingml/2006/main" xmlns:r="http://schemas.openxmlformats.org/officeDocument/2006/relationships">
+<dsp:drawing xmlns:dgm="http://schemas.openxmlformats.org/drawingml/2006/diagram" xmlns:dsp="http://schemas.microsoft.com/office/drawing/2008/diagram" xmlns:a="http://schemas.openxmlformats.org/drawingml/2006/main">
   <dsp:spTree>
     <dsp:nvGrpSpPr>
-      <dsp:cNvPr id="2" name="组合 1"/>
+      <dsp:cNvPr id="0" name=""/>
       <dsp:cNvGrpSpPr/>
     </dsp:nvGrpSpPr>
-    <dsp:grpSpPr>
-      <a:xfrm>
-        <a:off x="0" y="0"/>
-        <a:ext cx="8437245" cy="4481195"/>
-        <a:chOff x="0" y="0"/>
-        <a:chExt cx="8437245" cy="4481195"/>
-      </a:xfrm>
-    </dsp:grpSpPr>
+    <dsp:grpSpPr/>
     <dsp:sp modelId="{24E3F4AB-32FB-4CE0-9DAC-FC4DD26B5900}">
       <dsp:nvSpPr>
-        <dsp:cNvPr id="3" name="圆角矩形 2"/>
+        <dsp:cNvPr id="0" name=""/>
         <dsp:cNvSpPr/>
       </dsp:nvSpPr>
       <dsp:spPr bwMode="white">
         <a:xfrm>
-          <a:off x="0" y="2004688"/>
-          <a:ext cx="2220328" cy="1110164"/>
+          <a:off x="3060" y="2004858"/>
+          <a:ext cx="2218716" cy="1109358"/>
         </a:xfrm>
         <a:prstGeom prst="roundRect">
           <a:avLst>
             <a:gd name="adj" fmla="val 10000"/>
           </a:avLst>
         </a:prstGeom>
+        <a:solidFill>
+          <a:schemeClr val="accent1">
+            <a:hueOff val="0"/>
+            <a:satOff val="0"/>
+            <a:lumOff val="0"/>
+            <a:alphaOff val="0"/>
+          </a:schemeClr>
+        </a:solidFill>
+        <a:ln w="12700" cap="flat" cmpd="sng" algn="ctr">
+          <a:solidFill>
+            <a:schemeClr val="lt1">
+              <a:hueOff val="0"/>
+              <a:satOff val="0"/>
+              <a:lumOff val="0"/>
+              <a:alphaOff val="0"/>
+            </a:schemeClr>
+          </a:solidFill>
+          <a:prstDash val="solid"/>
+          <a:miter lim="800000"/>
+        </a:ln>
+        <a:effectLst/>
       </dsp:spPr>
       <dsp:style>
         <a:lnRef idx="2">
-          <a:schemeClr val="lt1"/>
+          <a:scrgbClr r="0" g="0" b="0"/>
         </a:lnRef>
         <a:fillRef idx="1">
-          <a:schemeClr val="accent1"/>
+          <a:scrgbClr r="0" g="0" b="0"/>
         </a:fillRef>
         <a:effectRef idx="0">
           <a:scrgbClr r="0" g="0" b="0"/>
@@ -1382,38 +1379,12 @@
         </a:fontRef>
       </dsp:style>
       <dsp:txBody>
-        <a:bodyPr vert="horz" wrap="square" lIns="17780" tIns="17780" rIns="17780" bIns="17780" anchor="ctr"/>
-        <a:lstStyle>
-          <a:lvl1pPr algn="ctr">
-            <a:defRPr sz="2800"/>
-          </a:lvl1pPr>
-          <a:lvl2pPr marL="228600" indent="-228600" algn="ctr">
-            <a:defRPr sz="2100"/>
-          </a:lvl2pPr>
-          <a:lvl3pPr marL="457200" indent="-228600" algn="ctr">
-            <a:defRPr sz="2100"/>
-          </a:lvl3pPr>
-          <a:lvl4pPr marL="685800" indent="-228600" algn="ctr">
-            <a:defRPr sz="2100"/>
-          </a:lvl4pPr>
-          <a:lvl5pPr marL="914400" indent="-228600" algn="ctr">
-            <a:defRPr sz="2100"/>
-          </a:lvl5pPr>
-          <a:lvl6pPr marL="1143000" indent="-228600" algn="ctr">
-            <a:defRPr sz="2100"/>
-          </a:lvl6pPr>
-          <a:lvl7pPr marL="1371600" indent="-228600" algn="ctr">
-            <a:defRPr sz="2100"/>
-          </a:lvl7pPr>
-          <a:lvl8pPr marL="1600200" indent="-228600" algn="ctr">
-            <a:defRPr sz="2100"/>
-          </a:lvl8pPr>
-          <a:lvl9pPr marL="1828800" indent="-228600" algn="ctr">
-            <a:defRPr sz="2100"/>
-          </a:lvl9pPr>
-        </a:lstStyle>
+        <a:bodyPr spcFirstLastPara="0" vert="horz" wrap="square" lIns="16510" tIns="16510" rIns="16510" bIns="16510" numCol="1" spcCol="1270" anchor="ctr" anchorCtr="0">
+          <a:noAutofit/>
+        </a:bodyPr>
+        <a:lstStyle/>
         <a:p>
-          <a:pPr lvl="0">
+          <a:pPr marL="0" lvl="0" indent="0" algn="ctr" defTabSz="1155700">
             <a:lnSpc>
               <a:spcPct val="100000"/>
             </a:lnSpc>
@@ -1423,54 +1394,68 @@
             <a:spcAft>
               <a:spcPct val="35000"/>
             </a:spcAft>
+            <a:buNone/>
           </a:pPr>
           <a:r>
-            <a:rPr lang="en-US" altLang="zh-CN"/>
+            <a:rPr lang="en-US" altLang="zh-CN" sz="2600" kern="1200"/>
             <a:t>Steamed Egg</a:t>
           </a:r>
-          <a:endParaRPr lang="en-US" altLang="zh-CN"/>
         </a:p>
       </dsp:txBody>
       <dsp:txXfrm>
-        <a:off x="0" y="2004688"/>
-        <a:ext cx="2220328" cy="1110164"/>
+        <a:off x="35552" y="2037350"/>
+        <a:ext cx="2153732" cy="1044374"/>
       </dsp:txXfrm>
     </dsp:sp>
     <dsp:sp modelId="{B47BD6C9-6D53-4A69-975F-9CF96E25F10F}">
       <dsp:nvSpPr>
-        <dsp:cNvPr id="4" name="任意多边形 3"/>
+        <dsp:cNvPr id="0" name=""/>
         <dsp:cNvSpPr/>
       </dsp:nvSpPr>
       <dsp:spPr bwMode="white">
-        <a:xfrm>
-          <a:off x="2117525" y="2218301"/>
-          <a:ext cx="1093737" cy="44593"/>
+        <a:xfrm rot="19457599">
+          <a:off x="2119049" y="2218317"/>
+          <a:ext cx="1092943" cy="44560"/>
         </a:xfrm>
         <a:custGeom>
           <a:avLst/>
           <a:gdLst/>
           <a:ahLst/>
           <a:cxnLst/>
+          <a:rect l="0" t="0" r="0" b="0"/>
           <a:pathLst>
-            <a:path w="1722" h="70">
+            <a:path>
               <a:moveTo>
-                <a:pt x="162" y="538"/>
+                <a:pt x="0" y="22280"/>
               </a:moveTo>
               <a:lnTo>
-                <a:pt x="1561" y="-468"/>
+                <a:pt x="1092943" y="22280"/>
               </a:lnTo>
             </a:path>
           </a:pathLst>
         </a:custGeom>
+        <a:noFill/>
+        <a:ln w="12700" cap="flat" cmpd="sng" algn="ctr">
+          <a:solidFill>
+            <a:schemeClr val="accent1">
+              <a:shade val="60000"/>
+              <a:hueOff val="0"/>
+              <a:satOff val="0"/>
+              <a:lumOff val="0"/>
+              <a:alphaOff val="0"/>
+            </a:schemeClr>
+          </a:solidFill>
+          <a:prstDash val="solid"/>
+          <a:miter lim="800000"/>
+        </a:ln>
+        <a:effectLst/>
       </dsp:spPr>
       <dsp:style>
         <a:lnRef idx="2">
-          <a:schemeClr val="accent1">
-            <a:shade val="60000"/>
-          </a:schemeClr>
+          <a:scrgbClr r="0" g="0" b="0"/>
         </a:lnRef>
         <a:fillRef idx="0">
-          <a:schemeClr val="accent1"/>
+          <a:scrgbClr r="0" g="0" b="0"/>
         </a:fillRef>
         <a:effectRef idx="0">
           <a:scrgbClr r="0" g="0" b="0"/>
@@ -1478,38 +1463,89 @@
         <a:fontRef idx="minor"/>
       </dsp:style>
       <dsp:txBody>
-        <a:bodyPr lIns="12700" tIns="0" rIns="12700" bIns="0" anchor="ctr"/>
-        <a:lstStyle>
-          <a:lvl1pPr algn="ctr">
-            <a:defRPr sz="5500"/>
-          </a:lvl1pPr>
-          <a:lvl2pPr marL="285750" indent="-285750" algn="ctr">
-            <a:defRPr sz="4200"/>
-          </a:lvl2pPr>
-          <a:lvl3pPr marL="571500" indent="-285750" algn="ctr">
-            <a:defRPr sz="4200"/>
-          </a:lvl3pPr>
-          <a:lvl4pPr marL="857250" indent="-285750" algn="ctr">
-            <a:defRPr sz="4200"/>
-          </a:lvl4pPr>
-          <a:lvl5pPr marL="1143000" indent="-285750" algn="ctr">
-            <a:defRPr sz="4200"/>
-          </a:lvl5pPr>
-          <a:lvl6pPr marL="1428750" indent="-285750" algn="ctr">
-            <a:defRPr sz="4200"/>
-          </a:lvl6pPr>
-          <a:lvl7pPr marL="1714500" indent="-285750" algn="ctr">
-            <a:defRPr sz="4200"/>
-          </a:lvl7pPr>
-          <a:lvl8pPr marL="2000250" indent="-285750" algn="ctr">
-            <a:defRPr sz="4200"/>
-          </a:lvl8pPr>
-          <a:lvl9pPr marL="2286000" indent="-285750" algn="ctr">
-            <a:defRPr sz="4200"/>
-          </a:lvl9pPr>
-        </a:lstStyle>
+        <a:bodyPr spcFirstLastPara="0" vert="horz" wrap="square" lIns="12700" tIns="0" rIns="12700" bIns="0" numCol="1" spcCol="1270" anchor="ctr" anchorCtr="0">
+          <a:noAutofit/>
+        </a:bodyPr>
+        <a:lstStyle/>
         <a:p>
-          <a:pPr lvl="0">
+          <a:pPr marL="0" lvl="0" indent="0" algn="ctr" defTabSz="222250">
+            <a:lnSpc>
+              <a:spcPct val="90000"/>
+            </a:lnSpc>
+            <a:spcBef>
+              <a:spcPct val="0"/>
+            </a:spcBef>
+            <a:spcAft>
+              <a:spcPct val="35000"/>
+            </a:spcAft>
+            <a:buNone/>
+          </a:pPr>
+          <a:endParaRPr lang="zh-CN" altLang="en-US" sz="500" kern="1200"/>
+        </a:p>
+      </dsp:txBody>
+      <dsp:txXfrm>
+        <a:off x="2638197" y="2213273"/>
+        <a:ext cx="54647" cy="54647"/>
+      </dsp:txXfrm>
+    </dsp:sp>
+    <dsp:sp modelId="{3C0D5057-54F2-42F8-ADAD-AA27A1CC1A1B}">
+      <dsp:nvSpPr>
+        <dsp:cNvPr id="0" name=""/>
+        <dsp:cNvSpPr/>
+      </dsp:nvSpPr>
+      <dsp:spPr bwMode="white">
+        <a:xfrm>
+          <a:off x="3109264" y="1366977"/>
+          <a:ext cx="2218716" cy="1109358"/>
+        </a:xfrm>
+        <a:prstGeom prst="roundRect">
+          <a:avLst>
+            <a:gd name="adj" fmla="val 10000"/>
+          </a:avLst>
+        </a:prstGeom>
+        <a:solidFill>
+          <a:schemeClr val="accent1">
+            <a:hueOff val="0"/>
+            <a:satOff val="0"/>
+            <a:lumOff val="0"/>
+            <a:alphaOff val="0"/>
+          </a:schemeClr>
+        </a:solidFill>
+        <a:ln w="12700" cap="flat" cmpd="sng" algn="ctr">
+          <a:solidFill>
+            <a:schemeClr val="lt1">
+              <a:hueOff val="0"/>
+              <a:satOff val="0"/>
+              <a:lumOff val="0"/>
+              <a:alphaOff val="0"/>
+            </a:schemeClr>
+          </a:solidFill>
+          <a:prstDash val="solid"/>
+          <a:miter lim="800000"/>
+        </a:ln>
+        <a:effectLst/>
+      </dsp:spPr>
+      <dsp:style>
+        <a:lnRef idx="2">
+          <a:scrgbClr r="0" g="0" b="0"/>
+        </a:lnRef>
+        <a:fillRef idx="1">
+          <a:scrgbClr r="0" g="0" b="0"/>
+        </a:fillRef>
+        <a:effectRef idx="0">
+          <a:scrgbClr r="0" g="0" b="0"/>
+        </a:effectRef>
+        <a:fontRef idx="minor">
+          <a:schemeClr val="lt1"/>
+        </a:fontRef>
+      </dsp:style>
+      <dsp:txBody>
+        <a:bodyPr spcFirstLastPara="0" vert="horz" wrap="square" lIns="16510" tIns="16510" rIns="16510" bIns="16510" numCol="1" spcCol="1270" anchor="ctr" anchorCtr="0">
+          <a:noAutofit/>
+        </a:bodyPr>
+        <a:lstStyle/>
+        <a:p>
+          <a:pPr marL="0" lvl="0" indent="0" algn="ctr" defTabSz="1155700">
             <a:lnSpc>
               <a:spcPct val="100000"/>
             </a:lnSpc>
@@ -1519,37 +1555,143 @@
             <a:spcAft>
               <a:spcPct val="35000"/>
             </a:spcAft>
+            <a:buNone/>
           </a:pPr>
-          <a:endParaRPr lang="zh-CN" altLang="en-US"/>
+          <a:r>
+            <a:rPr lang="zh-CN" altLang="en-US" sz="2600" kern="1200"/>
+            <a:t>增删改</a:t>
+          </a:r>
         </a:p>
       </dsp:txBody>
       <dsp:txXfrm>
-        <a:off x="2117525" y="2218301"/>
-        <a:ext cx="1093737" cy="44593"/>
+        <a:off x="3141756" y="1399469"/>
+        <a:ext cx="2153732" cy="1044374"/>
       </dsp:txXfrm>
     </dsp:sp>
-    <dsp:sp modelId="{3C0D5057-54F2-42F8-ADAD-AA27A1CC1A1B}">
+    <dsp:sp modelId="{E81582B1-A130-479F-ACE3-61EF727591CE}">
       <dsp:nvSpPr>
-        <dsp:cNvPr id="5" name="圆角矩形 4"/>
+        <dsp:cNvPr id="0" name=""/>
+        <dsp:cNvSpPr/>
+      </dsp:nvSpPr>
+      <dsp:spPr bwMode="white">
+        <a:xfrm rot="19457599">
+          <a:off x="5225252" y="1580436"/>
+          <a:ext cx="1092943" cy="44560"/>
+        </a:xfrm>
+        <a:custGeom>
+          <a:avLst/>
+          <a:gdLst/>
+          <a:ahLst/>
+          <a:cxnLst/>
+          <a:rect l="0" t="0" r="0" b="0"/>
+          <a:pathLst>
+            <a:path>
+              <a:moveTo>
+                <a:pt x="0" y="22280"/>
+              </a:moveTo>
+              <a:lnTo>
+                <a:pt x="1092943" y="22280"/>
+              </a:lnTo>
+            </a:path>
+          </a:pathLst>
+        </a:custGeom>
+        <a:noFill/>
+        <a:ln w="12700" cap="flat" cmpd="sng" algn="ctr">
+          <a:solidFill>
+            <a:schemeClr val="accent1">
+              <a:shade val="80000"/>
+              <a:hueOff val="0"/>
+              <a:satOff val="0"/>
+              <a:lumOff val="0"/>
+              <a:alphaOff val="0"/>
+            </a:schemeClr>
+          </a:solidFill>
+          <a:prstDash val="solid"/>
+          <a:miter lim="800000"/>
+        </a:ln>
+        <a:effectLst/>
+      </dsp:spPr>
+      <dsp:style>
+        <a:lnRef idx="2">
+          <a:scrgbClr r="0" g="0" b="0"/>
+        </a:lnRef>
+        <a:fillRef idx="0">
+          <a:scrgbClr r="0" g="0" b="0"/>
+        </a:fillRef>
+        <a:effectRef idx="0">
+          <a:scrgbClr r="0" g="0" b="0"/>
+        </a:effectRef>
+        <a:fontRef idx="minor"/>
+      </dsp:style>
+      <dsp:txBody>
+        <a:bodyPr spcFirstLastPara="0" vert="horz" wrap="square" lIns="12700" tIns="0" rIns="12700" bIns="0" numCol="1" spcCol="1270" anchor="ctr" anchorCtr="0">
+          <a:noAutofit/>
+        </a:bodyPr>
+        <a:lstStyle/>
+        <a:p>
+          <a:pPr marL="0" lvl="0" indent="0" algn="ctr" defTabSz="222250">
+            <a:lnSpc>
+              <a:spcPct val="90000"/>
+            </a:lnSpc>
+            <a:spcBef>
+              <a:spcPct val="0"/>
+            </a:spcBef>
+            <a:spcAft>
+              <a:spcPct val="35000"/>
+            </a:spcAft>
+            <a:buNone/>
+          </a:pPr>
+          <a:endParaRPr lang="zh-CN" altLang="en-US" sz="500" kern="1200"/>
+        </a:p>
+      </dsp:txBody>
+      <dsp:txXfrm>
+        <a:off x="5744400" y="1575392"/>
+        <a:ext cx="54647" cy="54647"/>
+      </dsp:txXfrm>
+    </dsp:sp>
+    <dsp:sp modelId="{29F748CF-C0E7-4DEA-B3A3-0E8AEB5CA964}">
+      <dsp:nvSpPr>
+        <dsp:cNvPr id="0" name=""/>
         <dsp:cNvSpPr/>
       </dsp:nvSpPr>
       <dsp:spPr bwMode="white">
         <a:xfrm>
-          <a:off x="3108459" y="1366343"/>
-          <a:ext cx="2220328" cy="1110164"/>
+          <a:off x="6215467" y="729096"/>
+          <a:ext cx="2218716" cy="1109358"/>
         </a:xfrm>
         <a:prstGeom prst="roundRect">
           <a:avLst>
             <a:gd name="adj" fmla="val 10000"/>
           </a:avLst>
         </a:prstGeom>
+        <a:solidFill>
+          <a:schemeClr val="accent1">
+            <a:hueOff val="0"/>
+            <a:satOff val="0"/>
+            <a:lumOff val="0"/>
+            <a:alphaOff val="0"/>
+          </a:schemeClr>
+        </a:solidFill>
+        <a:ln w="12700" cap="flat" cmpd="sng" algn="ctr">
+          <a:solidFill>
+            <a:schemeClr val="lt1">
+              <a:hueOff val="0"/>
+              <a:satOff val="0"/>
+              <a:lumOff val="0"/>
+              <a:alphaOff val="0"/>
+            </a:schemeClr>
+          </a:solidFill>
+          <a:prstDash val="solid"/>
+          <a:miter lim="800000"/>
+        </a:ln>
+        <a:effectLst/>
       </dsp:spPr>
       <dsp:style>
         <a:lnRef idx="2">
-          <a:schemeClr val="lt1"/>
+          <a:scrgbClr r="0" g="0" b="0"/>
         </a:lnRef>
         <a:fillRef idx="1">
-          <a:schemeClr val="accent1"/>
+          <a:scrgbClr r="0" g="0" b="0"/>
         </a:fillRef>
         <a:effectRef idx="0">
           <a:scrgbClr r="0" g="0" b="0"/>
@@ -1559,38 +1701,12 @@
         </a:fontRef>
       </dsp:style>
       <dsp:txBody>
-        <a:bodyPr vert="horz" wrap="square" lIns="17780" tIns="17780" rIns="17780" bIns="17780" anchor="ctr"/>
-        <a:lstStyle>
-          <a:lvl1pPr algn="ctr">
-            <a:defRPr sz="2800"/>
-          </a:lvl1pPr>
-          <a:lvl2pPr marL="228600" indent="-228600" algn="ctr">
-            <a:defRPr sz="2100"/>
-          </a:lvl2pPr>
-          <a:lvl3pPr marL="457200" indent="-228600" algn="ctr">
-            <a:defRPr sz="2100"/>
-          </a:lvl3pPr>
-          <a:lvl4pPr marL="685800" indent="-228600" algn="ctr">
-            <a:defRPr sz="2100"/>
-          </a:lvl4pPr>
-          <a:lvl5pPr marL="914400" indent="-228600" algn="ctr">
-            <a:defRPr sz="2100"/>
-          </a:lvl5pPr>
-          <a:lvl6pPr marL="1143000" indent="-228600" algn="ctr">
-            <a:defRPr sz="2100"/>
-          </a:lvl6pPr>
-          <a:lvl7pPr marL="1371600" indent="-228600" algn="ctr">
-            <a:defRPr sz="2100"/>
-          </a:lvl7pPr>
-          <a:lvl8pPr marL="1600200" indent="-228600" algn="ctr">
-            <a:defRPr sz="2100"/>
-          </a:lvl8pPr>
-          <a:lvl9pPr marL="1828800" indent="-228600" algn="ctr">
-            <a:defRPr sz="2100"/>
-          </a:lvl9pPr>
-        </a:lstStyle>
+        <a:bodyPr spcFirstLastPara="0" vert="horz" wrap="square" lIns="16510" tIns="16510" rIns="16510" bIns="16510" numCol="1" spcCol="1270" anchor="ctr" anchorCtr="0">
+          <a:noAutofit/>
+        </a:bodyPr>
+        <a:lstStyle/>
         <a:p>
-          <a:pPr lvl="0">
+          <a:pPr marL="0" lvl="0" indent="0" algn="ctr" defTabSz="1155700">
             <a:lnSpc>
               <a:spcPct val="100000"/>
             </a:lnSpc>
@@ -1600,58 +1716,68 @@
             <a:spcAft>
               <a:spcPct val="35000"/>
             </a:spcAft>
+            <a:buNone/>
           </a:pPr>
           <a:r>
-            <a:rPr lang="zh-CN" altLang="en-US"/>
-            <a:t>增</a:t>
+            <a:rPr lang="zh-CN" altLang="en-US" sz="2600" kern="1200"/>
+            <a:t>增加、修改（每天）</a:t>
           </a:r>
-          <a:r>
-            <a:rPr lang="zh-CN" altLang="en-US"/>
-            <a:t>删改</a:t>
-          </a:r>
-          <a:endParaRPr lang="zh-CN" altLang="en-US"/>
         </a:p>
       </dsp:txBody>
       <dsp:txXfrm>
-        <a:off x="3108459" y="1366343"/>
-        <a:ext cx="2220328" cy="1110164"/>
+        <a:off x="6247959" y="761588"/>
+        <a:ext cx="2153732" cy="1044374"/>
       </dsp:txXfrm>
     </dsp:sp>
-    <dsp:sp modelId="{E81582B1-A130-479F-ACE3-61EF727591CE}">
+    <dsp:sp modelId="{2FBAAB05-024B-4A25-91EE-6E30B30C0E27}">
       <dsp:nvSpPr>
-        <dsp:cNvPr id="8" name="任意多边形 7"/>
+        <dsp:cNvPr id="0" name=""/>
         <dsp:cNvSpPr/>
       </dsp:nvSpPr>
       <dsp:spPr bwMode="white">
-        <a:xfrm>
-          <a:off x="5225983" y="1579957"/>
-          <a:ext cx="1093737" cy="44593"/>
+        <a:xfrm rot="2142401">
+          <a:off x="5225252" y="2218317"/>
+          <a:ext cx="1092943" cy="44560"/>
         </a:xfrm>
         <a:custGeom>
           <a:avLst/>
           <a:gdLst/>
           <a:ahLst/>
           <a:cxnLst/>
+          <a:rect l="0" t="0" r="0" b="0"/>
           <a:pathLst>
-            <a:path w="1722" h="70">
+            <a:path>
               <a:moveTo>
-                <a:pt x="162" y="538"/>
+                <a:pt x="0" y="22280"/>
               </a:moveTo>
               <a:lnTo>
-                <a:pt x="1561" y="-468"/>
+                <a:pt x="1092943" y="22280"/>
               </a:lnTo>
             </a:path>
           </a:pathLst>
         </a:custGeom>
+        <a:noFill/>
+        <a:ln w="12700" cap="flat" cmpd="sng" algn="ctr">
+          <a:solidFill>
+            <a:schemeClr val="accent1">
+              <a:shade val="80000"/>
+              <a:hueOff val="0"/>
+              <a:satOff val="0"/>
+              <a:lumOff val="0"/>
+              <a:alphaOff val="0"/>
+            </a:schemeClr>
+          </a:solidFill>
+          <a:prstDash val="solid"/>
+          <a:miter lim="800000"/>
+        </a:ln>
+        <a:effectLst/>
       </dsp:spPr>
       <dsp:style>
         <a:lnRef idx="2">
-          <a:schemeClr val="accent1">
-            <a:shade val="80000"/>
-          </a:schemeClr>
+          <a:scrgbClr r="0" g="0" b="0"/>
         </a:lnRef>
         <a:fillRef idx="0">
-          <a:schemeClr val="accent1"/>
+          <a:scrgbClr r="0" g="0" b="0"/>
         </a:fillRef>
         <a:effectRef idx="0">
           <a:scrgbClr r="0" g="0" b="0"/>
@@ -1659,38 +1785,89 @@
         <a:fontRef idx="minor"/>
       </dsp:style>
       <dsp:txBody>
-        <a:bodyPr lIns="12700" tIns="0" rIns="12700" bIns="0" anchor="ctr"/>
-        <a:lstStyle>
-          <a:lvl1pPr algn="ctr">
-            <a:defRPr sz="5500"/>
-          </a:lvl1pPr>
-          <a:lvl2pPr marL="285750" indent="-285750" algn="ctr">
-            <a:defRPr sz="4200"/>
-          </a:lvl2pPr>
-          <a:lvl3pPr marL="571500" indent="-285750" algn="ctr">
-            <a:defRPr sz="4200"/>
-          </a:lvl3pPr>
-          <a:lvl4pPr marL="857250" indent="-285750" algn="ctr">
-            <a:defRPr sz="4200"/>
-          </a:lvl4pPr>
-          <a:lvl5pPr marL="1143000" indent="-285750" algn="ctr">
-            <a:defRPr sz="4200"/>
-          </a:lvl5pPr>
-          <a:lvl6pPr marL="1428750" indent="-285750" algn="ctr">
-            <a:defRPr sz="4200"/>
-          </a:lvl6pPr>
-          <a:lvl7pPr marL="1714500" indent="-285750" algn="ctr">
-            <a:defRPr sz="4200"/>
-          </a:lvl7pPr>
-          <a:lvl8pPr marL="2000250" indent="-285750" algn="ctr">
-            <a:defRPr sz="4200"/>
-          </a:lvl8pPr>
-          <a:lvl9pPr marL="2286000" indent="-285750" algn="ctr">
-            <a:defRPr sz="4200"/>
-          </a:lvl9pPr>
-        </a:lstStyle>
+        <a:bodyPr spcFirstLastPara="0" vert="horz" wrap="square" lIns="12700" tIns="0" rIns="12700" bIns="0" numCol="1" spcCol="1270" anchor="ctr" anchorCtr="0">
+          <a:noAutofit/>
+        </a:bodyPr>
+        <a:lstStyle/>
         <a:p>
-          <a:pPr lvl="0">
+          <a:pPr marL="0" lvl="0" indent="0" algn="ctr" defTabSz="222250">
+            <a:lnSpc>
+              <a:spcPct val="90000"/>
+            </a:lnSpc>
+            <a:spcBef>
+              <a:spcPct val="0"/>
+            </a:spcBef>
+            <a:spcAft>
+              <a:spcPct val="35000"/>
+            </a:spcAft>
+            <a:buNone/>
+          </a:pPr>
+          <a:endParaRPr lang="zh-CN" altLang="en-US" sz="500" kern="1200"/>
+        </a:p>
+      </dsp:txBody>
+      <dsp:txXfrm>
+        <a:off x="5744400" y="2213273"/>
+        <a:ext cx="54647" cy="54647"/>
+      </dsp:txXfrm>
+    </dsp:sp>
+    <dsp:sp modelId="{F178C3EE-24DF-41ED-ABEA-31350F0D3D22}">
+      <dsp:nvSpPr>
+        <dsp:cNvPr id="0" name=""/>
+        <dsp:cNvSpPr/>
+      </dsp:nvSpPr>
+      <dsp:spPr bwMode="white">
+        <a:xfrm>
+          <a:off x="6215467" y="2004858"/>
+          <a:ext cx="2218716" cy="1109358"/>
+        </a:xfrm>
+        <a:prstGeom prst="roundRect">
+          <a:avLst>
+            <a:gd name="adj" fmla="val 10000"/>
+          </a:avLst>
+        </a:prstGeom>
+        <a:solidFill>
+          <a:schemeClr val="accent1">
+            <a:hueOff val="0"/>
+            <a:satOff val="0"/>
+            <a:lumOff val="0"/>
+            <a:alphaOff val="0"/>
+          </a:schemeClr>
+        </a:solidFill>
+        <a:ln w="12700" cap="flat" cmpd="sng" algn="ctr">
+          <a:solidFill>
+            <a:schemeClr val="lt1">
+              <a:hueOff val="0"/>
+              <a:satOff val="0"/>
+              <a:lumOff val="0"/>
+              <a:alphaOff val="0"/>
+            </a:schemeClr>
+          </a:solidFill>
+          <a:prstDash val="solid"/>
+          <a:miter lim="800000"/>
+        </a:ln>
+        <a:effectLst/>
+      </dsp:spPr>
+      <dsp:style>
+        <a:lnRef idx="2">
+          <a:scrgbClr r="0" g="0" b="0"/>
+        </a:lnRef>
+        <a:fillRef idx="1">
+          <a:scrgbClr r="0" g="0" b="0"/>
+        </a:fillRef>
+        <a:effectRef idx="0">
+          <a:scrgbClr r="0" g="0" b="0"/>
+        </a:effectRef>
+        <a:fontRef idx="minor">
+          <a:schemeClr val="lt1"/>
+        </a:fontRef>
+      </dsp:style>
+      <dsp:txBody>
+        <a:bodyPr spcFirstLastPara="0" vert="horz" wrap="square" lIns="16510" tIns="16510" rIns="16510" bIns="16510" numCol="1" spcCol="1270" anchor="ctr" anchorCtr="0">
+          <a:noAutofit/>
+        </a:bodyPr>
+        <a:lstStyle/>
+        <a:p>
+          <a:pPr marL="0" lvl="0" indent="0" algn="ctr" defTabSz="1155700">
             <a:lnSpc>
               <a:spcPct val="100000"/>
             </a:lnSpc>
@@ -1700,37 +1877,161 @@
             <a:spcAft>
               <a:spcPct val="35000"/>
             </a:spcAft>
+            <a:buNone/>
           </a:pPr>
-          <a:endParaRPr lang="zh-CN" altLang="en-US"/>
+          <a:r>
+            <a:rPr lang="zh-CN" sz="2600" kern="1200"/>
+            <a:t>删除</a:t>
+          </a:r>
+        </a:p>
+        <a:p>
+          <a:pPr marL="0" lvl="0" indent="0" algn="ctr" defTabSz="1155700">
+            <a:lnSpc>
+              <a:spcPct val="100000"/>
+            </a:lnSpc>
+            <a:spcBef>
+              <a:spcPct val="0"/>
+            </a:spcBef>
+            <a:spcAft>
+              <a:spcPct val="35000"/>
+            </a:spcAft>
+            <a:buNone/>
+          </a:pPr>
+          <a:r>
+            <a:rPr lang="zh-CN" sz="2600" kern="1200"/>
+            <a:t>（定期）</a:t>
+          </a:r>
         </a:p>
       </dsp:txBody>
       <dsp:txXfrm>
-        <a:off x="5225983" y="1579957"/>
-        <a:ext cx="1093737" cy="44593"/>
+        <a:off x="6247959" y="2037350"/>
+        <a:ext cx="2153732" cy="1044374"/>
       </dsp:txXfrm>
     </dsp:sp>
-    <dsp:sp modelId="{29F748CF-C0E7-4DEA-B3A3-0E8AEB5CA964}">
+    <dsp:sp modelId="{2E81B90F-7494-41FF-808F-F7F82B993B40}">
       <dsp:nvSpPr>
-        <dsp:cNvPr id="9" name="圆角矩形 8"/>
+        <dsp:cNvPr id="0" name=""/>
+        <dsp:cNvSpPr/>
+      </dsp:nvSpPr>
+      <dsp:spPr bwMode="white">
+        <a:xfrm rot="2142401">
+          <a:off x="2119049" y="2856198"/>
+          <a:ext cx="1092943" cy="44560"/>
+        </a:xfrm>
+        <a:custGeom>
+          <a:avLst/>
+          <a:gdLst/>
+          <a:ahLst/>
+          <a:cxnLst/>
+          <a:rect l="0" t="0" r="0" b="0"/>
+          <a:pathLst>
+            <a:path>
+              <a:moveTo>
+                <a:pt x="0" y="22280"/>
+              </a:moveTo>
+              <a:lnTo>
+                <a:pt x="1092943" y="22280"/>
+              </a:lnTo>
+            </a:path>
+          </a:pathLst>
+        </a:custGeom>
+        <a:noFill/>
+        <a:ln w="12700" cap="flat" cmpd="sng" algn="ctr">
+          <a:solidFill>
+            <a:schemeClr val="accent1">
+              <a:shade val="60000"/>
+              <a:hueOff val="0"/>
+              <a:satOff val="0"/>
+              <a:lumOff val="0"/>
+              <a:alphaOff val="0"/>
+            </a:schemeClr>
+          </a:solidFill>
+          <a:prstDash val="solid"/>
+          <a:miter lim="800000"/>
+        </a:ln>
+        <a:effectLst/>
+      </dsp:spPr>
+      <dsp:style>
+        <a:lnRef idx="2">
+          <a:scrgbClr r="0" g="0" b="0"/>
+        </a:lnRef>
+        <a:fillRef idx="0">
+          <a:scrgbClr r="0" g="0" b="0"/>
+        </a:fillRef>
+        <a:effectRef idx="0">
+          <a:scrgbClr r="0" g="0" b="0"/>
+        </a:effectRef>
+        <a:fontRef idx="minor"/>
+      </dsp:style>
+      <dsp:txBody>
+        <a:bodyPr spcFirstLastPara="0" vert="horz" wrap="square" lIns="12700" tIns="0" rIns="12700" bIns="0" numCol="1" spcCol="1270" anchor="ctr" anchorCtr="0">
+          <a:noAutofit/>
+        </a:bodyPr>
+        <a:lstStyle/>
+        <a:p>
+          <a:pPr marL="0" lvl="0" indent="0" algn="ctr" defTabSz="222250">
+            <a:lnSpc>
+              <a:spcPct val="90000"/>
+            </a:lnSpc>
+            <a:spcBef>
+              <a:spcPct val="0"/>
+            </a:spcBef>
+            <a:spcAft>
+              <a:spcPct val="35000"/>
+            </a:spcAft>
+            <a:buNone/>
+          </a:pPr>
+          <a:endParaRPr lang="zh-CN" altLang="en-US" sz="500" kern="1200"/>
+        </a:p>
+      </dsp:txBody>
+      <dsp:txXfrm>
+        <a:off x="2638197" y="2851154"/>
+        <a:ext cx="54647" cy="54647"/>
+      </dsp:txXfrm>
+    </dsp:sp>
+    <dsp:sp modelId="{3D382021-A429-4403-82FF-5A95DD3EBB20}">
+      <dsp:nvSpPr>
+        <dsp:cNvPr id="0" name=""/>
         <dsp:cNvSpPr/>
       </dsp:nvSpPr>
       <dsp:spPr bwMode="white">
         <a:xfrm>
-          <a:off x="6216917" y="727999"/>
-          <a:ext cx="2220328" cy="1110164"/>
+          <a:off x="3109264" y="2642739"/>
+          <a:ext cx="2218716" cy="1109358"/>
         </a:xfrm>
         <a:prstGeom prst="roundRect">
           <a:avLst>
             <a:gd name="adj" fmla="val 10000"/>
           </a:avLst>
         </a:prstGeom>
+        <a:solidFill>
+          <a:schemeClr val="accent1">
+            <a:hueOff val="0"/>
+            <a:satOff val="0"/>
+            <a:lumOff val="0"/>
+            <a:alphaOff val="0"/>
+          </a:schemeClr>
+        </a:solidFill>
+        <a:ln w="12700" cap="flat" cmpd="sng" algn="ctr">
+          <a:solidFill>
+            <a:schemeClr val="lt1">
+              <a:hueOff val="0"/>
+              <a:satOff val="0"/>
+              <a:lumOff val="0"/>
+              <a:alphaOff val="0"/>
+            </a:schemeClr>
+          </a:solidFill>
+          <a:prstDash val="solid"/>
+          <a:miter lim="800000"/>
+        </a:ln>
+        <a:effectLst/>
       </dsp:spPr>
       <dsp:style>
         <a:lnRef idx="2">
-          <a:schemeClr val="lt1"/>
+          <a:scrgbClr r="0" g="0" b="0"/>
         </a:lnRef>
         <a:fillRef idx="1">
-          <a:schemeClr val="accent1"/>
+          <a:scrgbClr r="0" g="0" b="0"/>
         </a:fillRef>
         <a:effectRef idx="0">
           <a:scrgbClr r="0" g="0" b="0"/>
@@ -1740,38 +2041,12 @@
         </a:fontRef>
       </dsp:style>
       <dsp:txBody>
-        <a:bodyPr vert="horz" wrap="square" lIns="17780" tIns="17780" rIns="17780" bIns="17780" anchor="ctr"/>
-        <a:lstStyle>
-          <a:lvl1pPr algn="ctr">
-            <a:defRPr sz="2800"/>
-          </a:lvl1pPr>
-          <a:lvl2pPr marL="228600" indent="-228600" algn="ctr">
-            <a:defRPr sz="2100"/>
-          </a:lvl2pPr>
-          <a:lvl3pPr marL="457200" indent="-228600" algn="ctr">
-            <a:defRPr sz="2100"/>
-          </a:lvl3pPr>
-          <a:lvl4pPr marL="685800" indent="-228600" algn="ctr">
-            <a:defRPr sz="2100"/>
-          </a:lvl4pPr>
-          <a:lvl5pPr marL="914400" indent="-228600" algn="ctr">
-            <a:defRPr sz="2100"/>
-          </a:lvl5pPr>
-          <a:lvl6pPr marL="1143000" indent="-228600" algn="ctr">
-            <a:defRPr sz="2100"/>
-          </a:lvl6pPr>
-          <a:lvl7pPr marL="1371600" indent="-228600" algn="ctr">
-            <a:defRPr sz="2100"/>
-          </a:lvl7pPr>
-          <a:lvl8pPr marL="1600200" indent="-228600" algn="ctr">
-            <a:defRPr sz="2100"/>
-          </a:lvl8pPr>
-          <a:lvl9pPr marL="1828800" indent="-228600" algn="ctr">
-            <a:defRPr sz="2100"/>
-          </a:lvl9pPr>
-        </a:lstStyle>
+        <a:bodyPr spcFirstLastPara="0" vert="horz" wrap="square" lIns="16510" tIns="16510" rIns="16510" bIns="16510" numCol="1" spcCol="1270" anchor="ctr" anchorCtr="0">
+          <a:noAutofit/>
+        </a:bodyPr>
+        <a:lstStyle/>
         <a:p>
-          <a:pPr lvl="0">
+          <a:pPr marL="0" lvl="0" indent="0" algn="ctr" defTabSz="1155700">
             <a:lnSpc>
               <a:spcPct val="100000"/>
             </a:lnSpc>
@@ -1781,408 +2056,17 @@
             <a:spcAft>
               <a:spcPct val="35000"/>
             </a:spcAft>
+            <a:buNone/>
           </a:pPr>
           <a:r>
-            <a:rPr lang="zh-CN" altLang="en-US"/>
-            <a:t>增加、</a:t>
+            <a:rPr lang="zh-CN" altLang="en-US" sz="2600" kern="1200"/>
+            <a:t>查询</a:t>
           </a:r>
-          <a:r>
-            <a:rPr lang="zh-CN" altLang="en-US"/>
-            <a:t>修改（</a:t>
-          </a:r>
-          <a:r>
-            <a:rPr lang="zh-CN" altLang="en-US"/>
-            <a:t>每天</a:t>
-          </a:r>
-          <a:r>
-            <a:rPr lang="zh-CN" altLang="en-US"/>
-            <a:t>）</a:t>
-          </a:r>
-          <a:endParaRPr lang="zh-CN" altLang="en-US"/>
         </a:p>
       </dsp:txBody>
       <dsp:txXfrm>
-        <a:off x="6216917" y="727999"/>
-        <a:ext cx="2220328" cy="1110164"/>
-      </dsp:txXfrm>
-    </dsp:sp>
-    <dsp:sp modelId="{2FBAAB05-024B-4A25-91EE-6E30B30C0E27}">
-      <dsp:nvSpPr>
-        <dsp:cNvPr id="16" name="任意多边形 15"/>
-        <dsp:cNvSpPr/>
-      </dsp:nvSpPr>
-      <dsp:spPr bwMode="white">
-        <a:xfrm>
-          <a:off x="5225983" y="2218301"/>
-          <a:ext cx="1093737" cy="44593"/>
-        </a:xfrm>
-        <a:custGeom>
-          <a:avLst/>
-          <a:gdLst/>
-          <a:ahLst/>
-          <a:cxnLst/>
-          <a:pathLst>
-            <a:path w="1722" h="70">
-              <a:moveTo>
-                <a:pt x="162" y="-468"/>
-              </a:moveTo>
-              <a:lnTo>
-                <a:pt x="1561" y="538"/>
-              </a:lnTo>
-            </a:path>
-          </a:pathLst>
-        </a:custGeom>
-      </dsp:spPr>
-      <dsp:style>
-        <a:lnRef idx="2">
-          <a:schemeClr val="accent1">
-            <a:shade val="80000"/>
-          </a:schemeClr>
-        </a:lnRef>
-        <a:fillRef idx="0">
-          <a:schemeClr val="accent1"/>
-        </a:fillRef>
-        <a:effectRef idx="0">
-          <a:scrgbClr r="0" g="0" b="0"/>
-        </a:effectRef>
-        <a:fontRef idx="minor"/>
-      </dsp:style>
-      <dsp:txBody>
-        <a:bodyPr lIns="12700" tIns="0" rIns="12700" bIns="0" anchor="ctr"/>
-        <a:lstStyle>
-          <a:lvl1pPr algn="ctr">
-            <a:defRPr sz="5500"/>
-          </a:lvl1pPr>
-          <a:lvl2pPr marL="285750" indent="-285750" algn="ctr">
-            <a:defRPr sz="4200"/>
-          </a:lvl2pPr>
-          <a:lvl3pPr marL="571500" indent="-285750" algn="ctr">
-            <a:defRPr sz="4200"/>
-          </a:lvl3pPr>
-          <a:lvl4pPr marL="857250" indent="-285750" algn="ctr">
-            <a:defRPr sz="4200"/>
-          </a:lvl4pPr>
-          <a:lvl5pPr marL="1143000" indent="-285750" algn="ctr">
-            <a:defRPr sz="4200"/>
-          </a:lvl5pPr>
-          <a:lvl6pPr marL="1428750" indent="-285750" algn="ctr">
-            <a:defRPr sz="4200"/>
-          </a:lvl6pPr>
-          <a:lvl7pPr marL="1714500" indent="-285750" algn="ctr">
-            <a:defRPr sz="4200"/>
-          </a:lvl7pPr>
-          <a:lvl8pPr marL="2000250" indent="-285750" algn="ctr">
-            <a:defRPr sz="4200"/>
-          </a:lvl8pPr>
-          <a:lvl9pPr marL="2286000" indent="-285750" algn="ctr">
-            <a:defRPr sz="4200"/>
-          </a:lvl9pPr>
-        </a:lstStyle>
-        <a:p>
-          <a:pPr lvl="0">
-            <a:lnSpc>
-              <a:spcPct val="100000"/>
-            </a:lnSpc>
-            <a:spcBef>
-              <a:spcPct val="0"/>
-            </a:spcBef>
-            <a:spcAft>
-              <a:spcPct val="35000"/>
-            </a:spcAft>
-          </a:pPr>
-        </a:p>
-      </dsp:txBody>
-      <dsp:txXfrm>
-        <a:off x="5225983" y="2218301"/>
-        <a:ext cx="1093737" cy="44593"/>
-      </dsp:txXfrm>
-    </dsp:sp>
-    <dsp:sp modelId="{F178C3EE-24DF-41ED-ABEA-31350F0D3D22}">
-      <dsp:nvSpPr>
-        <dsp:cNvPr id="17" name="圆角矩形 16"/>
-        <dsp:cNvSpPr/>
-      </dsp:nvSpPr>
-      <dsp:spPr bwMode="white">
-        <a:xfrm>
-          <a:off x="6216917" y="2004688"/>
-          <a:ext cx="2220328" cy="1110164"/>
-        </a:xfrm>
-        <a:prstGeom prst="roundRect">
-          <a:avLst>
-            <a:gd name="adj" fmla="val 10000"/>
-          </a:avLst>
-        </a:prstGeom>
-      </dsp:spPr>
-      <dsp:style>
-        <a:lnRef idx="2">
-          <a:schemeClr val="lt1"/>
-        </a:lnRef>
-        <a:fillRef idx="1">
-          <a:schemeClr val="accent1"/>
-        </a:fillRef>
-        <a:effectRef idx="0">
-          <a:scrgbClr r="0" g="0" b="0"/>
-        </a:effectRef>
-        <a:fontRef idx="minor">
-          <a:schemeClr val="lt1"/>
-        </a:fontRef>
-      </dsp:style>
-      <dsp:txBody>
-        <a:bodyPr vert="horz" wrap="square" lIns="17780" tIns="17780" rIns="17780" bIns="17780" anchor="ctr"/>
-        <a:lstStyle>
-          <a:lvl1pPr algn="ctr">
-            <a:defRPr sz="2800"/>
-          </a:lvl1pPr>
-          <a:lvl2pPr marL="228600" indent="-228600" algn="ctr">
-            <a:defRPr sz="2100"/>
-          </a:lvl2pPr>
-          <a:lvl3pPr marL="457200" indent="-228600" algn="ctr">
-            <a:defRPr sz="2100"/>
-          </a:lvl3pPr>
-          <a:lvl4pPr marL="685800" indent="-228600" algn="ctr">
-            <a:defRPr sz="2100"/>
-          </a:lvl4pPr>
-          <a:lvl5pPr marL="914400" indent="-228600" algn="ctr">
-            <a:defRPr sz="2100"/>
-          </a:lvl5pPr>
-          <a:lvl6pPr marL="1143000" indent="-228600" algn="ctr">
-            <a:defRPr sz="2100"/>
-          </a:lvl6pPr>
-          <a:lvl7pPr marL="1371600" indent="-228600" algn="ctr">
-            <a:defRPr sz="2100"/>
-          </a:lvl7pPr>
-          <a:lvl8pPr marL="1600200" indent="-228600" algn="ctr">
-            <a:defRPr sz="2100"/>
-          </a:lvl8pPr>
-          <a:lvl9pPr marL="1828800" indent="-228600" algn="ctr">
-            <a:defRPr sz="2100"/>
-          </a:lvl9pPr>
-        </a:lstStyle>
-        <a:p>
-          <a:pPr lvl="0">
-            <a:lnSpc>
-              <a:spcPct val="100000"/>
-            </a:lnSpc>
-            <a:spcBef>
-              <a:spcPct val="0"/>
-            </a:spcBef>
-            <a:spcAft>
-              <a:spcPct val="35000"/>
-            </a:spcAft>
-          </a:pPr>
-          <a:r>
-            <a:rPr lang="zh-CN"/>
-            <a:t>删除</a:t>
-          </a:r>
-          <a:endParaRPr lang="zh-CN"/>
-        </a:p>
-        <a:p>
-          <a:pPr lvl="0">
-            <a:lnSpc>
-              <a:spcPct val="100000"/>
-            </a:lnSpc>
-            <a:spcBef>
-              <a:spcPct val="0"/>
-            </a:spcBef>
-            <a:spcAft>
-              <a:spcPct val="35000"/>
-            </a:spcAft>
-          </a:pPr>
-          <a:r>
-            <a:rPr lang="zh-CN"/>
-            <a:t>（</a:t>
-          </a:r>
-          <a:r>
-            <a:rPr lang="zh-CN"/>
-            <a:t>定期</a:t>
-          </a:r>
-          <a:r>
-            <a:rPr lang="zh-CN"/>
-            <a:t>）</a:t>
-          </a:r>
-          <a:endParaRPr lang="zh-CN"/>
-        </a:p>
-      </dsp:txBody>
-      <dsp:txXfrm>
-        <a:off x="6216917" y="2004688"/>
-        <a:ext cx="2220328" cy="1110164"/>
-      </dsp:txXfrm>
-    </dsp:sp>
-    <dsp:sp modelId="{2E81B90F-7494-41FF-808F-F7F82B993B40}">
-      <dsp:nvSpPr>
-        <dsp:cNvPr id="10" name="任意多边形 9"/>
-        <dsp:cNvSpPr/>
-      </dsp:nvSpPr>
-      <dsp:spPr bwMode="white">
-        <a:xfrm>
-          <a:off x="2117525" y="2856645"/>
-          <a:ext cx="1093737" cy="44593"/>
-        </a:xfrm>
-        <a:custGeom>
-          <a:avLst/>
-          <a:gdLst/>
-          <a:ahLst/>
-          <a:cxnLst/>
-          <a:pathLst>
-            <a:path w="1722" h="70">
-              <a:moveTo>
-                <a:pt x="162" y="-468"/>
-              </a:moveTo>
-              <a:lnTo>
-                <a:pt x="1561" y="538"/>
-              </a:lnTo>
-            </a:path>
-          </a:pathLst>
-        </a:custGeom>
-      </dsp:spPr>
-      <dsp:style>
-        <a:lnRef idx="2">
-          <a:schemeClr val="accent1">
-            <a:shade val="60000"/>
-          </a:schemeClr>
-        </a:lnRef>
-        <a:fillRef idx="0">
-          <a:schemeClr val="accent1"/>
-        </a:fillRef>
-        <a:effectRef idx="0">
-          <a:scrgbClr r="0" g="0" b="0"/>
-        </a:effectRef>
-        <a:fontRef idx="minor"/>
-      </dsp:style>
-      <dsp:txBody>
-        <a:bodyPr lIns="12700" tIns="0" rIns="12700" bIns="0" anchor="ctr"/>
-        <a:lstStyle>
-          <a:lvl1pPr algn="ctr">
-            <a:defRPr sz="5500"/>
-          </a:lvl1pPr>
-          <a:lvl2pPr marL="285750" indent="-285750" algn="ctr">
-            <a:defRPr sz="4200"/>
-          </a:lvl2pPr>
-          <a:lvl3pPr marL="571500" indent="-285750" algn="ctr">
-            <a:defRPr sz="4200"/>
-          </a:lvl3pPr>
-          <a:lvl4pPr marL="857250" indent="-285750" algn="ctr">
-            <a:defRPr sz="4200"/>
-          </a:lvl4pPr>
-          <a:lvl5pPr marL="1143000" indent="-285750" algn="ctr">
-            <a:defRPr sz="4200"/>
-          </a:lvl5pPr>
-          <a:lvl6pPr marL="1428750" indent="-285750" algn="ctr">
-            <a:defRPr sz="4200"/>
-          </a:lvl6pPr>
-          <a:lvl7pPr marL="1714500" indent="-285750" algn="ctr">
-            <a:defRPr sz="4200"/>
-          </a:lvl7pPr>
-          <a:lvl8pPr marL="2000250" indent="-285750" algn="ctr">
-            <a:defRPr sz="4200"/>
-          </a:lvl8pPr>
-          <a:lvl9pPr marL="2286000" indent="-285750" algn="ctr">
-            <a:defRPr sz="4200"/>
-          </a:lvl9pPr>
-        </a:lstStyle>
-        <a:p>
-          <a:pPr lvl="0">
-            <a:lnSpc>
-              <a:spcPct val="100000"/>
-            </a:lnSpc>
-            <a:spcBef>
-              <a:spcPct val="0"/>
-            </a:spcBef>
-            <a:spcAft>
-              <a:spcPct val="35000"/>
-            </a:spcAft>
-          </a:pPr>
-          <a:endParaRPr lang="zh-CN" altLang="en-US"/>
-        </a:p>
-      </dsp:txBody>
-      <dsp:txXfrm>
-        <a:off x="2117525" y="2856645"/>
-        <a:ext cx="1093737" cy="44593"/>
-      </dsp:txXfrm>
-    </dsp:sp>
-    <dsp:sp modelId="{3D382021-A429-4403-82FF-5A95DD3EBB20}">
-      <dsp:nvSpPr>
-        <dsp:cNvPr id="11" name="圆角矩形 10"/>
-        <dsp:cNvSpPr/>
-      </dsp:nvSpPr>
-      <dsp:spPr bwMode="white">
-        <a:xfrm>
-          <a:off x="3108459" y="2643032"/>
-          <a:ext cx="2220328" cy="1110164"/>
-        </a:xfrm>
-        <a:prstGeom prst="roundRect">
-          <a:avLst>
-            <a:gd name="adj" fmla="val 10000"/>
-          </a:avLst>
-        </a:prstGeom>
-      </dsp:spPr>
-      <dsp:style>
-        <a:lnRef idx="2">
-          <a:schemeClr val="lt1"/>
-        </a:lnRef>
-        <a:fillRef idx="1">
-          <a:schemeClr val="accent1"/>
-        </a:fillRef>
-        <a:effectRef idx="0">
-          <a:scrgbClr r="0" g="0" b="0"/>
-        </a:effectRef>
-        <a:fontRef idx="minor">
-          <a:schemeClr val="lt1"/>
-        </a:fontRef>
-      </dsp:style>
-      <dsp:txBody>
-        <a:bodyPr vert="horz" wrap="square" lIns="17780" tIns="17780" rIns="17780" bIns="17780" anchor="ctr"/>
-        <a:lstStyle>
-          <a:lvl1pPr algn="ctr">
-            <a:defRPr sz="2800"/>
-          </a:lvl1pPr>
-          <a:lvl2pPr marL="228600" indent="-228600" algn="ctr">
-            <a:defRPr sz="2100"/>
-          </a:lvl2pPr>
-          <a:lvl3pPr marL="457200" indent="-228600" algn="ctr">
-            <a:defRPr sz="2100"/>
-          </a:lvl3pPr>
-          <a:lvl4pPr marL="685800" indent="-228600" algn="ctr">
-            <a:defRPr sz="2100"/>
-          </a:lvl4pPr>
-          <a:lvl5pPr marL="914400" indent="-228600" algn="ctr">
-            <a:defRPr sz="2100"/>
-          </a:lvl5pPr>
-          <a:lvl6pPr marL="1143000" indent="-228600" algn="ctr">
-            <a:defRPr sz="2100"/>
-          </a:lvl6pPr>
-          <a:lvl7pPr marL="1371600" indent="-228600" algn="ctr">
-            <a:defRPr sz="2100"/>
-          </a:lvl7pPr>
-          <a:lvl8pPr marL="1600200" indent="-228600" algn="ctr">
-            <a:defRPr sz="2100"/>
-          </a:lvl8pPr>
-          <a:lvl9pPr marL="1828800" indent="-228600" algn="ctr">
-            <a:defRPr sz="2100"/>
-          </a:lvl9pPr>
-        </a:lstStyle>
-        <a:p>
-          <a:pPr lvl="0">
-            <a:lnSpc>
-              <a:spcPct val="100000"/>
-            </a:lnSpc>
-            <a:spcBef>
-              <a:spcPct val="0"/>
-            </a:spcBef>
-            <a:spcAft>
-              <a:spcPct val="35000"/>
-            </a:spcAft>
-          </a:pPr>
-          <a:r>
-            <a:rPr lang="zh-CN" altLang="en-US"/>
-            <a:t>查询</a:t>
-          </a:r>
-          <a:endParaRPr lang="zh-CN" altLang="en-US"/>
-        </a:p>
-      </dsp:txBody>
-      <dsp:txXfrm>
-        <a:off x="3108459" y="2643032"/>
-        <a:ext cx="2220328" cy="1110164"/>
+        <a:off x="3141756" y="2675231"/>
+        <a:ext cx="2153732" cy="1044374"/>
       </dsp:txXfrm>
     </dsp:sp>
   </dsp:spTree>
@@ -2190,7 +2074,7 @@
 </file>
 
 <file path=ppt/diagrams/layout1.xml><?xml version="1.0" encoding="utf-8"?>
-<dgm:layoutDef xmlns:dgm="http://schemas.openxmlformats.org/drawingml/2006/diagram" xmlns:a="http://schemas.openxmlformats.org/drawingml/2006/main" uniqueId="urn:microsoft.com/office/officeart/2005/8/layout/hierarchy2">
+<dgm:layoutDef xmlns:dgm="http://schemas.openxmlformats.org/drawingml/2006/diagram" xmlns:a="http://schemas.openxmlformats.org/drawingml/2006/main" uniqueId="urn:microsoft.com/office/officeart/2005/8/layout/hierarchy2#1">
   <dgm:title val=""/>
   <dgm:desc val=""/>
   <dgm:catLst>
@@ -2512,7 +2396,7 @@
 </file>
 
 <file path=ppt/diagrams/quickStyle1.xml><?xml version="1.0" encoding="utf-8"?>
-<dgm:styleDef xmlns:dgm="http://schemas.openxmlformats.org/drawingml/2006/diagram" xmlns:a="http://schemas.openxmlformats.org/drawingml/2006/main" uniqueId="urn:microsoft.com/office/officeart/2005/8/quickstyle/simple1">
+<dgm:styleDef xmlns:dgm="http://schemas.openxmlformats.org/drawingml/2006/diagram" xmlns:a="http://schemas.openxmlformats.org/drawingml/2006/main" uniqueId="urn:microsoft.com/office/officeart/2005/8/quickstyle/simple1#1">
   <dgm:title val=""/>
   <dgm:desc val=""/>
   <dgm:catLst>
@@ -2527,6 +2411,7 @@
       <a:camera prst="orthographicFront"/>
       <a:lightRig rig="threePt" dir="t"/>
     </dgm:scene3d>
+    <dgm:sp3d/>
     <dgm:txPr/>
     <dgm:style>
       <a:lnRef idx="2">
@@ -2546,6 +2431,7 @@
       <a:camera prst="orthographicFront"/>
       <a:lightRig rig="threePt" dir="t"/>
     </dgm:scene3d>
+    <dgm:sp3d/>
     <dgm:txPr/>
     <dgm:style>
       <a:lnRef idx="2">
@@ -2565,6 +2451,7 @@
       <a:camera prst="orthographicFront"/>
       <a:lightRig rig="threePt" dir="t"/>
     </dgm:scene3d>
+    <dgm:sp3d/>
     <dgm:txPr/>
     <dgm:style>
       <a:lnRef idx="2">
@@ -2584,6 +2471,7 @@
       <a:camera prst="orthographicFront"/>
       <a:lightRig rig="threePt" dir="t"/>
     </dgm:scene3d>
+    <dgm:sp3d/>
     <dgm:txPr/>
     <dgm:style>
       <a:lnRef idx="2">
@@ -2605,6 +2493,7 @@
       <a:camera prst="orthographicFront"/>
       <a:lightRig rig="threePt" dir="t"/>
     </dgm:scene3d>
+    <dgm:sp3d/>
     <dgm:txPr/>
     <dgm:style>
       <a:lnRef idx="2">
@@ -2626,6 +2515,7 @@
       <a:camera prst="orthographicFront"/>
       <a:lightRig rig="threePt" dir="t"/>
     </dgm:scene3d>
+    <dgm:sp3d/>
     <dgm:txPr/>
     <dgm:style>
       <a:lnRef idx="2">
@@ -2647,6 +2537,7 @@
       <a:camera prst="orthographicFront"/>
       <a:lightRig rig="threePt" dir="t"/>
     </dgm:scene3d>
+    <dgm:sp3d/>
     <dgm:txPr/>
     <dgm:style>
       <a:lnRef idx="2">
@@ -2668,6 +2559,7 @@
       <a:camera prst="orthographicFront"/>
       <a:lightRig rig="threePt" dir="t"/>
     </dgm:scene3d>
+    <dgm:sp3d/>
     <dgm:txPr/>
     <dgm:style>
       <a:lnRef idx="2">
@@ -2689,6 +2581,7 @@
       <a:camera prst="orthographicFront"/>
       <a:lightRig rig="threePt" dir="t"/>
     </dgm:scene3d>
+    <dgm:sp3d/>
     <dgm:txPr/>
     <dgm:style>
       <a:lnRef idx="2">
@@ -2710,6 +2603,7 @@
       <a:camera prst="orthographicFront"/>
       <a:lightRig rig="threePt" dir="t"/>
     </dgm:scene3d>
+    <dgm:sp3d/>
     <dgm:txPr/>
     <dgm:style>
       <a:lnRef idx="2">
@@ -2729,6 +2623,7 @@
       <a:camera prst="orthographicFront"/>
       <a:lightRig rig="threePt" dir="t"/>
     </dgm:scene3d>
+    <dgm:sp3d/>
     <dgm:txPr/>
     <dgm:style>
       <a:lnRef idx="2">
@@ -2748,6 +2643,7 @@
       <a:camera prst="orthographicFront"/>
       <a:lightRig rig="threePt" dir="t"/>
     </dgm:scene3d>
+    <dgm:sp3d/>
     <dgm:txPr/>
     <dgm:style>
       <a:lnRef idx="2">
@@ -2767,6 +2663,7 @@
       <a:camera prst="orthographicFront"/>
       <a:lightRig rig="threePt" dir="t"/>
     </dgm:scene3d>
+    <dgm:sp3d/>
     <dgm:txPr/>
     <dgm:style>
       <a:lnRef idx="0">
@@ -2786,6 +2683,7 @@
       <a:camera prst="orthographicFront"/>
       <a:lightRig rig="threePt" dir="t"/>
     </dgm:scene3d>
+    <dgm:sp3d/>
     <dgm:txPr/>
     <dgm:style>
       <a:lnRef idx="0">
@@ -2807,6 +2705,7 @@
       <a:camera prst="orthographicFront"/>
       <a:lightRig rig="threePt" dir="t"/>
     </dgm:scene3d>
+    <dgm:sp3d/>
     <dgm:txPr/>
     <dgm:style>
       <a:lnRef idx="2">
@@ -2826,6 +2725,7 @@
       <a:camera prst="orthographicFront"/>
       <a:lightRig rig="threePt" dir="t"/>
     </dgm:scene3d>
+    <dgm:sp3d/>
     <dgm:txPr/>
     <dgm:style>
       <a:lnRef idx="2">
@@ -2845,6 +2745,7 @@
       <a:camera prst="orthographicFront"/>
       <a:lightRig rig="threePt" dir="t"/>
     </dgm:scene3d>
+    <dgm:sp3d/>
     <dgm:txPr/>
     <dgm:style>
       <a:lnRef idx="0">
@@ -2864,6 +2765,7 @@
       <a:camera prst="orthographicFront"/>
       <a:lightRig rig="threePt" dir="t"/>
     </dgm:scene3d>
+    <dgm:sp3d/>
     <dgm:txPr/>
     <dgm:style>
       <a:lnRef idx="2">
@@ -2883,6 +2785,7 @@
       <a:camera prst="orthographicFront"/>
       <a:lightRig rig="threePt" dir="t"/>
     </dgm:scene3d>
+    <dgm:sp3d/>
     <dgm:txPr/>
     <dgm:style>
       <a:lnRef idx="2">
@@ -2902,6 +2805,7 @@
       <a:camera prst="orthographicFront"/>
       <a:lightRig rig="threePt" dir="t"/>
     </dgm:scene3d>
+    <dgm:sp3d/>
     <dgm:txPr/>
     <dgm:style>
       <a:lnRef idx="2">
@@ -2921,6 +2825,7 @@
       <a:camera prst="orthographicFront"/>
       <a:lightRig rig="threePt" dir="t"/>
     </dgm:scene3d>
+    <dgm:sp3d/>
     <dgm:txPr/>
     <dgm:style>
       <a:lnRef idx="2">
@@ -2940,6 +2845,7 @@
       <a:camera prst="orthographicFront"/>
       <a:lightRig rig="threePt" dir="t"/>
     </dgm:scene3d>
+    <dgm:sp3d/>
     <dgm:txPr/>
     <dgm:style>
       <a:lnRef idx="2">
@@ -2959,6 +2865,7 @@
       <a:camera prst="orthographicFront"/>
       <a:lightRig rig="threePt" dir="t"/>
     </dgm:scene3d>
+    <dgm:sp3d/>
     <dgm:txPr/>
     <dgm:style>
       <a:lnRef idx="2">
@@ -2978,6 +2885,7 @@
       <a:camera prst="orthographicFront"/>
       <a:lightRig rig="threePt" dir="t"/>
     </dgm:scene3d>
+    <dgm:sp3d/>
     <dgm:txPr/>
     <dgm:style>
       <a:lnRef idx="2">
@@ -2997,6 +2905,7 @@
       <a:camera prst="orthographicFront"/>
       <a:lightRig rig="threePt" dir="t"/>
     </dgm:scene3d>
+    <dgm:sp3d/>
     <dgm:txPr/>
     <dgm:style>
       <a:lnRef idx="2">
@@ -3016,6 +2925,7 @@
       <a:camera prst="orthographicFront"/>
       <a:lightRig rig="threePt" dir="t"/>
     </dgm:scene3d>
+    <dgm:sp3d/>
     <dgm:txPr/>
     <dgm:style>
       <a:lnRef idx="0">
@@ -3037,6 +2947,7 @@
       <a:camera prst="orthographicFront"/>
       <a:lightRig rig="threePt" dir="t"/>
     </dgm:scene3d>
+    <dgm:sp3d/>
     <dgm:txPr/>
     <dgm:style>
       <a:lnRef idx="2">
@@ -3058,6 +2969,7 @@
       <a:camera prst="orthographicFront"/>
       <a:lightRig rig="threePt" dir="t"/>
     </dgm:scene3d>
+    <dgm:sp3d/>
     <dgm:txPr/>
     <dgm:style>
       <a:lnRef idx="2">
@@ -3079,6 +2991,7 @@
       <a:camera prst="orthographicFront"/>
       <a:lightRig rig="threePt" dir="t"/>
     </dgm:scene3d>
+    <dgm:sp3d/>
     <dgm:txPr/>
     <dgm:style>
       <a:lnRef idx="2">
@@ -3100,6 +3013,7 @@
       <a:camera prst="orthographicFront"/>
       <a:lightRig rig="threePt" dir="t"/>
     </dgm:scene3d>
+    <dgm:sp3d/>
     <dgm:txPr/>
     <dgm:style>
       <a:lnRef idx="2">
@@ -3121,6 +3035,7 @@
       <a:camera prst="orthographicFront"/>
       <a:lightRig rig="threePt" dir="t"/>
     </dgm:scene3d>
+    <dgm:sp3d/>
     <dgm:txPr/>
     <dgm:style>
       <a:lnRef idx="2">
@@ -3142,6 +3057,7 @@
       <a:camera prst="orthographicFront"/>
       <a:lightRig rig="threePt" dir="t"/>
     </dgm:scene3d>
+    <dgm:sp3d/>
     <dgm:txPr/>
     <dgm:style>
       <a:lnRef idx="2">
@@ -3163,6 +3079,7 @@
       <a:camera prst="orthographicFront"/>
       <a:lightRig rig="threePt" dir="t"/>
     </dgm:scene3d>
+    <dgm:sp3d/>
     <dgm:txPr/>
     <dgm:style>
       <a:lnRef idx="2">
@@ -3182,6 +3099,7 @@
       <a:camera prst="orthographicFront"/>
       <a:lightRig rig="threePt" dir="t"/>
     </dgm:scene3d>
+    <dgm:sp3d/>
     <dgm:txPr/>
     <dgm:style>
       <a:lnRef idx="2">
@@ -3201,6 +3119,7 @@
       <a:camera prst="orthographicFront"/>
       <a:lightRig rig="threePt" dir="t"/>
     </dgm:scene3d>
+    <dgm:sp3d/>
     <dgm:txPr/>
     <dgm:style>
       <a:lnRef idx="2">
@@ -3220,6 +3139,7 @@
       <a:camera prst="orthographicFront"/>
       <a:lightRig rig="threePt" dir="t"/>
     </dgm:scene3d>
+    <dgm:sp3d/>
     <dgm:txPr/>
     <dgm:style>
       <a:lnRef idx="2">
@@ -3239,6 +3159,7 @@
       <a:camera prst="orthographicFront"/>
       <a:lightRig rig="threePt" dir="t"/>
     </dgm:scene3d>
+    <dgm:sp3d/>
     <dgm:txPr/>
     <dgm:style>
       <a:lnRef idx="2">
@@ -3260,6 +3181,7 @@
       <a:camera prst="orthographicFront"/>
       <a:lightRig rig="threePt" dir="t"/>
     </dgm:scene3d>
+    <dgm:sp3d/>
     <dgm:txPr/>
     <dgm:style>
       <a:lnRef idx="2">
@@ -3281,6 +3203,7 @@
       <a:camera prst="orthographicFront"/>
       <a:lightRig rig="threePt" dir="t"/>
     </dgm:scene3d>
+    <dgm:sp3d/>
     <dgm:txPr/>
     <dgm:style>
       <a:lnRef idx="2">
@@ -3302,6 +3225,7 @@
       <a:camera prst="orthographicFront"/>
       <a:lightRig rig="threePt" dir="t"/>
     </dgm:scene3d>
+    <dgm:sp3d/>
     <dgm:txPr/>
     <dgm:style>
       <a:lnRef idx="2">
@@ -3323,6 +3247,7 @@
       <a:camera prst="orthographicFront"/>
       <a:lightRig rig="threePt" dir="t"/>
     </dgm:scene3d>
+    <dgm:sp3d/>
     <dgm:txPr/>
     <dgm:style>
       <a:lnRef idx="0">
@@ -3342,6 +3267,7 @@
       <a:camera prst="orthographicFront"/>
       <a:lightRig rig="threePt" dir="t"/>
     </dgm:scene3d>
+    <dgm:sp3d/>
     <dgm:txPr/>
     <dgm:style>
       <a:lnRef idx="1">
@@ -3361,6 +3287,7 @@
       <a:camera prst="orthographicFront"/>
       <a:lightRig rig="threePt" dir="t"/>
     </dgm:scene3d>
+    <dgm:sp3d/>
     <dgm:txPr/>
     <dgm:style>
       <a:lnRef idx="0">
@@ -3382,6 +3309,7 @@
       <a:camera prst="orthographicFront"/>
       <a:lightRig rig="threePt" dir="t"/>
     </dgm:scene3d>
+    <dgm:sp3d/>
     <dgm:txPr/>
     <dgm:style>
       <a:lnRef idx="2">
@@ -3401,6 +3329,7 @@
       <a:camera prst="orthographicFront"/>
       <a:lightRig rig="threePt" dir="t"/>
     </dgm:scene3d>
+    <dgm:sp3d/>
     <dgm:txPr/>
     <dgm:style>
       <a:lnRef idx="2">
@@ -3420,6 +3349,7 @@
       <a:camera prst="orthographicFront"/>
       <a:lightRig rig="threePt" dir="t"/>
     </dgm:scene3d>
+    <dgm:sp3d/>
     <dgm:txPr/>
     <dgm:style>
       <a:lnRef idx="2">
@@ -3439,6 +3369,7 @@
       <a:camera prst="orthographicFront"/>
       <a:lightRig rig="threePt" dir="t"/>
     </dgm:scene3d>
+    <dgm:sp3d/>
     <dgm:txPr/>
     <dgm:style>
       <a:lnRef idx="1">
@@ -3458,6 +3389,7 @@
       <a:camera prst="orthographicFront"/>
       <a:lightRig rig="threePt" dir="t"/>
     </dgm:scene3d>
+    <dgm:sp3d/>
     <dgm:txPr/>
     <dgm:style>
       <a:lnRef idx="0">
@@ -3477,6 +3409,7 @@
       <a:camera prst="orthographicFront"/>
       <a:lightRig rig="threePt" dir="t"/>
     </dgm:scene3d>
+    <dgm:sp3d/>
     <dgm:txPr/>
     <dgm:style>
       <a:lnRef idx="2">
@@ -3496,6 +3429,355 @@
 </dgm:styleDef>
 </file>
 
+<file path=ppt/notesMasters/notesMaster1.xml><?xml version="1.0" encoding="utf-8"?>
+<p:notesMaster xmlns:a="http://schemas.openxmlformats.org/drawingml/2006/main" xmlns:r="http://schemas.openxmlformats.org/officeDocument/2006/relationships" xmlns:p="http://schemas.openxmlformats.org/presentationml/2006/main">
+  <p:cSld>
+    <p:bg>
+      <p:bgRef idx="1001">
+        <a:schemeClr val="bg1"/>
+      </p:bgRef>
+    </p:bg>
+    <p:spTree>
+      <p:nvGrpSpPr>
+        <p:cNvPr id="1" name=""/>
+        <p:cNvGrpSpPr/>
+        <p:nvPr/>
+      </p:nvGrpSpPr>
+      <p:grpSpPr>
+        <a:xfrm>
+          <a:off x="0" y="0"/>
+          <a:ext cx="0" cy="0"/>
+          <a:chOff x="0" y="0"/>
+          <a:chExt cx="0" cy="0"/>
+        </a:xfrm>
+      </p:grpSpPr>
+      <p:sp>
+        <p:nvSpPr>
+          <p:cNvPr id="2" name="页眉占位符 1"/>
+          <p:cNvSpPr>
+            <a:spLocks noGrp="1"/>
+          </p:cNvSpPr>
+          <p:nvPr>
+            <p:ph type="hdr" sz="quarter"/>
+          </p:nvPr>
+        </p:nvSpPr>
+        <p:spPr>
+          <a:xfrm>
+            <a:off x="0" y="0"/>
+            <a:ext cx="2971800" cy="458788"/>
+          </a:xfrm>
+          <a:prstGeom prst="rect">
+            <a:avLst/>
+          </a:prstGeom>
+        </p:spPr>
+        <p:txBody>
+          <a:bodyPr vert="horz" lIns="91440" tIns="45720" rIns="91440" bIns="45720" rtlCol="0"/>
+          <a:lstStyle>
+            <a:lvl1pPr algn="l">
+              <a:defRPr sz="1200"/>
+            </a:lvl1pPr>
+          </a:lstStyle>
+          <a:p>
+            <a:endParaRPr lang="zh-CN" altLang="en-US"/>
+          </a:p>
+        </p:txBody>
+      </p:sp>
+      <p:sp>
+        <p:nvSpPr>
+          <p:cNvPr id="3" name="日期占位符 2"/>
+          <p:cNvSpPr>
+            <a:spLocks noGrp="1"/>
+          </p:cNvSpPr>
+          <p:nvPr>
+            <p:ph type="dt" idx="1"/>
+          </p:nvPr>
+        </p:nvSpPr>
+        <p:spPr>
+          <a:xfrm>
+            <a:off x="3884613" y="0"/>
+            <a:ext cx="2971800" cy="458788"/>
+          </a:xfrm>
+          <a:prstGeom prst="rect">
+            <a:avLst/>
+          </a:prstGeom>
+        </p:spPr>
+        <p:txBody>
+          <a:bodyPr vert="horz" lIns="91440" tIns="45720" rIns="91440" bIns="45720" rtlCol="0"/>
+          <a:lstStyle>
+            <a:lvl1pPr algn="r">
+              <a:defRPr sz="1200"/>
+            </a:lvl1pPr>
+          </a:lstStyle>
+          <a:p>
+            <a:fld id="{8B3D9143-04A8-4493-A2F5-F81D52B992B5}" type="datetimeFigureOut">
+              <a:rPr lang="zh-CN" altLang="en-US" smtClean="0"/>
+              <a:t>2019/12/25</a:t>
+            </a:fld>
+            <a:endParaRPr lang="zh-CN" altLang="en-US"/>
+          </a:p>
+        </p:txBody>
+      </p:sp>
+      <p:sp>
+        <p:nvSpPr>
+          <p:cNvPr id="4" name="幻灯片图像占位符 3"/>
+          <p:cNvSpPr>
+            <a:spLocks noGrp="1" noRot="1" noChangeAspect="1"/>
+          </p:cNvSpPr>
+          <p:nvPr>
+            <p:ph type="sldImg" idx="2"/>
+          </p:nvPr>
+        </p:nvSpPr>
+        <p:spPr>
+          <a:xfrm>
+            <a:off x="685800" y="1143000"/>
+            <a:ext cx="5486400" cy="3086100"/>
+          </a:xfrm>
+          <a:prstGeom prst="rect">
+            <a:avLst/>
+          </a:prstGeom>
+          <a:noFill/>
+          <a:ln w="12700">
+            <a:solidFill>
+              <a:prstClr val="black"/>
+            </a:solidFill>
+          </a:ln>
+        </p:spPr>
+        <p:txBody>
+          <a:bodyPr vert="horz" lIns="91440" tIns="45720" rIns="91440" bIns="45720" rtlCol="0" anchor="ctr"/>
+          <a:lstStyle/>
+          <a:p>
+            <a:endParaRPr lang="zh-CN" altLang="en-US"/>
+          </a:p>
+        </p:txBody>
+      </p:sp>
+      <p:sp>
+        <p:nvSpPr>
+          <p:cNvPr id="5" name="备注占位符 4"/>
+          <p:cNvSpPr>
+            <a:spLocks noGrp="1"/>
+          </p:cNvSpPr>
+          <p:nvPr>
+            <p:ph type="body" sz="quarter" idx="3"/>
+          </p:nvPr>
+        </p:nvSpPr>
+        <p:spPr>
+          <a:xfrm>
+            <a:off x="685800" y="4400550"/>
+            <a:ext cx="5486400" cy="3600450"/>
+          </a:xfrm>
+          <a:prstGeom prst="rect">
+            <a:avLst/>
+          </a:prstGeom>
+        </p:spPr>
+        <p:txBody>
+          <a:bodyPr vert="horz" lIns="91440" tIns="45720" rIns="91440" bIns="45720" rtlCol="0"/>
+          <a:lstStyle/>
+          <a:p>
+            <a:pPr lvl="0"/>
+            <a:r>
+              <a:rPr lang="zh-CN" altLang="en-US"/>
+              <a:t>单击此处编辑母版文本样式</a:t>
+            </a:r>
+          </a:p>
+          <a:p>
+            <a:pPr lvl="1"/>
+            <a:r>
+              <a:rPr lang="zh-CN" altLang="en-US"/>
+              <a:t>二级</a:t>
+            </a:r>
+          </a:p>
+          <a:p>
+            <a:pPr lvl="2"/>
+            <a:r>
+              <a:rPr lang="zh-CN" altLang="en-US"/>
+              <a:t>三级</a:t>
+            </a:r>
+          </a:p>
+          <a:p>
+            <a:pPr lvl="3"/>
+            <a:r>
+              <a:rPr lang="zh-CN" altLang="en-US"/>
+              <a:t>四级</a:t>
+            </a:r>
+          </a:p>
+          <a:p>
+            <a:pPr lvl="4"/>
+            <a:r>
+              <a:rPr lang="zh-CN" altLang="en-US"/>
+              <a:t>五级</a:t>
+            </a:r>
+          </a:p>
+        </p:txBody>
+      </p:sp>
+      <p:sp>
+        <p:nvSpPr>
+          <p:cNvPr id="6" name="页脚占位符 5"/>
+          <p:cNvSpPr>
+            <a:spLocks noGrp="1"/>
+          </p:cNvSpPr>
+          <p:nvPr>
+            <p:ph type="ftr" sz="quarter" idx="4"/>
+          </p:nvPr>
+        </p:nvSpPr>
+        <p:spPr>
+          <a:xfrm>
+            <a:off x="0" y="8685213"/>
+            <a:ext cx="2971800" cy="458787"/>
+          </a:xfrm>
+          <a:prstGeom prst="rect">
+            <a:avLst/>
+          </a:prstGeom>
+        </p:spPr>
+        <p:txBody>
+          <a:bodyPr vert="horz" lIns="91440" tIns="45720" rIns="91440" bIns="45720" rtlCol="0" anchor="b"/>
+          <a:lstStyle>
+            <a:lvl1pPr algn="l">
+              <a:defRPr sz="1200"/>
+            </a:lvl1pPr>
+          </a:lstStyle>
+          <a:p>
+            <a:endParaRPr lang="zh-CN" altLang="en-US"/>
+          </a:p>
+        </p:txBody>
+      </p:sp>
+      <p:sp>
+        <p:nvSpPr>
+          <p:cNvPr id="7" name="灯片编号占位符 6"/>
+          <p:cNvSpPr>
+            <a:spLocks noGrp="1"/>
+          </p:cNvSpPr>
+          <p:nvPr>
+            <p:ph type="sldNum" sz="quarter" idx="5"/>
+          </p:nvPr>
+        </p:nvSpPr>
+        <p:spPr>
+          <a:xfrm>
+            <a:off x="3884613" y="8685213"/>
+            <a:ext cx="2971800" cy="458787"/>
+          </a:xfrm>
+          <a:prstGeom prst="rect">
+            <a:avLst/>
+          </a:prstGeom>
+        </p:spPr>
+        <p:txBody>
+          <a:bodyPr vert="horz" lIns="91440" tIns="45720" rIns="91440" bIns="45720" rtlCol="0" anchor="b"/>
+          <a:lstStyle>
+            <a:lvl1pPr algn="r">
+              <a:defRPr sz="1200"/>
+            </a:lvl1pPr>
+          </a:lstStyle>
+          <a:p>
+            <a:fld id="{0D42372C-F6F8-4EFD-AD9F-D57EBEEA8A4A}" type="slidenum">
+              <a:rPr lang="zh-CN" altLang="en-US" smtClean="0"/>
+              <a:t>‹#›</a:t>
+            </a:fld>
+            <a:endParaRPr lang="zh-CN" altLang="en-US"/>
+          </a:p>
+        </p:txBody>
+      </p:sp>
+    </p:spTree>
+    <p:extLst>
+      <p:ext uri="{BB962C8B-B14F-4D97-AF65-F5344CB8AC3E}">
+        <p14:creationId xmlns:p14="http://schemas.microsoft.com/office/powerpoint/2010/main" val="1567977731"/>
+      </p:ext>
+    </p:extLst>
+  </p:cSld>
+  <p:clrMap bg1="lt1" tx1="dk1" bg2="lt2" tx2="dk2" accent1="accent1" accent2="accent2" accent3="accent3" accent4="accent4" accent5="accent5" accent6="accent6" hlink="hlink" folHlink="folHlink"/>
+  <p:notesStyle>
+    <a:lvl1pPr marL="0" algn="l" defTabSz="914400" rtl="0" eaLnBrk="1" latinLnBrk="0" hangingPunct="1">
+      <a:defRPr sz="1200" kern="1200">
+        <a:solidFill>
+          <a:schemeClr val="tx1"/>
+        </a:solidFill>
+        <a:latin typeface="+mn-lt"/>
+        <a:ea typeface="+mn-ea"/>
+        <a:cs typeface="+mn-cs"/>
+      </a:defRPr>
+    </a:lvl1pPr>
+    <a:lvl2pPr marL="457200" algn="l" defTabSz="914400" rtl="0" eaLnBrk="1" latinLnBrk="0" hangingPunct="1">
+      <a:defRPr sz="1200" kern="1200">
+        <a:solidFill>
+          <a:schemeClr val="tx1"/>
+        </a:solidFill>
+        <a:latin typeface="+mn-lt"/>
+        <a:ea typeface="+mn-ea"/>
+        <a:cs typeface="+mn-cs"/>
+      </a:defRPr>
+    </a:lvl2pPr>
+    <a:lvl3pPr marL="914400" algn="l" defTabSz="914400" rtl="0" eaLnBrk="1" latinLnBrk="0" hangingPunct="1">
+      <a:defRPr sz="1200" kern="1200">
+        <a:solidFill>
+          <a:schemeClr val="tx1"/>
+        </a:solidFill>
+        <a:latin typeface="+mn-lt"/>
+        <a:ea typeface="+mn-ea"/>
+        <a:cs typeface="+mn-cs"/>
+      </a:defRPr>
+    </a:lvl3pPr>
+    <a:lvl4pPr marL="1371600" algn="l" defTabSz="914400" rtl="0" eaLnBrk="1" latinLnBrk="0" hangingPunct="1">
+      <a:defRPr sz="1200" kern="1200">
+        <a:solidFill>
+          <a:schemeClr val="tx1"/>
+        </a:solidFill>
+        <a:latin typeface="+mn-lt"/>
+        <a:ea typeface="+mn-ea"/>
+        <a:cs typeface="+mn-cs"/>
+      </a:defRPr>
+    </a:lvl4pPr>
+    <a:lvl5pPr marL="1828800" algn="l" defTabSz="914400" rtl="0" eaLnBrk="1" latinLnBrk="0" hangingPunct="1">
+      <a:defRPr sz="1200" kern="1200">
+        <a:solidFill>
+          <a:schemeClr val="tx1"/>
+        </a:solidFill>
+        <a:latin typeface="+mn-lt"/>
+        <a:ea typeface="+mn-ea"/>
+        <a:cs typeface="+mn-cs"/>
+      </a:defRPr>
+    </a:lvl5pPr>
+    <a:lvl6pPr marL="2286000" algn="l" defTabSz="914400" rtl="0" eaLnBrk="1" latinLnBrk="0" hangingPunct="1">
+      <a:defRPr sz="1200" kern="1200">
+        <a:solidFill>
+          <a:schemeClr val="tx1"/>
+        </a:solidFill>
+        <a:latin typeface="+mn-lt"/>
+        <a:ea typeface="+mn-ea"/>
+        <a:cs typeface="+mn-cs"/>
+      </a:defRPr>
+    </a:lvl6pPr>
+    <a:lvl7pPr marL="2743200" algn="l" defTabSz="914400" rtl="0" eaLnBrk="1" latinLnBrk="0" hangingPunct="1">
+      <a:defRPr sz="1200" kern="1200">
+        <a:solidFill>
+          <a:schemeClr val="tx1"/>
+        </a:solidFill>
+        <a:latin typeface="+mn-lt"/>
+        <a:ea typeface="+mn-ea"/>
+        <a:cs typeface="+mn-cs"/>
+      </a:defRPr>
+    </a:lvl7pPr>
+    <a:lvl8pPr marL="3200400" algn="l" defTabSz="914400" rtl="0" eaLnBrk="1" latinLnBrk="0" hangingPunct="1">
+      <a:defRPr sz="1200" kern="1200">
+        <a:solidFill>
+          <a:schemeClr val="tx1"/>
+        </a:solidFill>
+        <a:latin typeface="+mn-lt"/>
+        <a:ea typeface="+mn-ea"/>
+        <a:cs typeface="+mn-cs"/>
+      </a:defRPr>
+    </a:lvl8pPr>
+    <a:lvl9pPr marL="3657600" algn="l" defTabSz="914400" rtl="0" eaLnBrk="1" latinLnBrk="0" hangingPunct="1">
+      <a:defRPr sz="1200" kern="1200">
+        <a:solidFill>
+          <a:schemeClr val="tx1"/>
+        </a:solidFill>
+        <a:latin typeface="+mn-lt"/>
+        <a:ea typeface="+mn-ea"/>
+        <a:cs typeface="+mn-cs"/>
+      </a:defRPr>
+    </a:lvl9pPr>
+  </p:notesStyle>
+</p:notesMaster>
+</file>
+
 <file path=ppt/slideLayouts/slideLayout1.xml><?xml version="1.0" encoding="utf-8"?>
 <p:sldLayout xmlns:a="http://schemas.openxmlformats.org/drawingml/2006/main" xmlns:r="http://schemas.openxmlformats.org/officeDocument/2006/relationships" xmlns:p="http://schemas.openxmlformats.org/presentationml/2006/main" type="title" preserve="1">
   <p:cSld name="标题幻灯片">
@@ -3538,10 +3820,9 @@
           </a:lstStyle>
           <a:p>
             <a:r>
-              <a:rPr lang="zh-CN" altLang="en-US" smtClean="0"/>
+              <a:rPr lang="zh-CN" altLang="en-US"/>
               <a:t>单击此处编辑母版标题样式</a:t>
             </a:r>
-            <a:endParaRPr lang="zh-CN" altLang="en-US"/>
           </a:p>
         </p:txBody>
       </p:sp>
@@ -3603,10 +3884,9 @@
           </a:lstStyle>
           <a:p>
             <a:r>
-              <a:rPr lang="zh-CN" altLang="en-US" smtClean="0"/>
+              <a:rPr lang="zh-CN" altLang="en-US"/>
               <a:t>单击此处编辑母版副标题样式</a:t>
             </a:r>
-            <a:endParaRPr lang="zh-CN" altLang="en-US"/>
           </a:p>
         </p:txBody>
       </p:sp>
@@ -3623,12 +3903,21 @@
         <p:spPr/>
         <p:txBody>
           <a:bodyPr/>
-          <a:lstStyle/>
-          <a:p>
-            <a:fld id="{9BDFDD57-4F60-4CBE-BE7D-104E160654DE}" type="datetimeFigureOut">
+          <a:lstStyle>
+            <a:lvl1pPr>
+              <a:defRPr>
+                <a:solidFill>
+                  <a:schemeClr val="tx1"/>
+                </a:solidFill>
+              </a:defRPr>
+            </a:lvl1pPr>
+          </a:lstStyle>
+          <a:p>
+            <a:fld id="{1191E6A3-E934-48A3-8E7C-E027E253AB3B}" type="datetime1">
               <a:rPr lang="zh-CN" altLang="en-US" smtClean="0"/>
+              <a:t>2019/12/25</a:t>
             </a:fld>
-            <a:endParaRPr lang="zh-CN" altLang="en-US"/>
+            <a:endParaRPr lang="zh-CN" altLang="en-US" dirty="0"/>
           </a:p>
         </p:txBody>
       </p:sp>
@@ -3645,9 +3934,25 @@
         <p:spPr/>
         <p:txBody>
           <a:bodyPr/>
-          <a:lstStyle/>
-          <a:p>
-            <a:endParaRPr lang="zh-CN" altLang="en-US"/>
+          <a:lstStyle>
+            <a:lvl1pPr>
+              <a:defRPr>
+                <a:solidFill>
+                  <a:schemeClr val="tx1"/>
+                </a:solidFill>
+              </a:defRPr>
+            </a:lvl1pPr>
+          </a:lstStyle>
+          <a:p>
+            <a:r>
+              <a:rPr lang="en-US" altLang="zh-CN"/>
+              <a:t>https://github.com/UncooleBen/SteamedEgg.git </a:t>
+            </a:r>
+            <a:r>
+              <a:rPr lang="zh-CN" altLang="en-US"/>
+              <a:t>李尚真 彭钧涛 郭源杰 </a:t>
+            </a:r>
+            <a:endParaRPr lang="zh-CN" altLang="en-US" dirty="0"/>
           </a:p>
         </p:txBody>
       </p:sp>
@@ -3664,10 +3969,20 @@
         <p:spPr/>
         <p:txBody>
           <a:bodyPr/>
-          <a:lstStyle/>
+          <a:lstStyle>
+            <a:lvl1pPr>
+              <a:defRPr>
+                <a:solidFill>
+                  <a:schemeClr val="tx1"/>
+                </a:solidFill>
+              </a:defRPr>
+            </a:lvl1pPr>
+          </a:lstStyle>
           <a:p>
             <a:fld id="{C5A8F65C-32B6-44AD-B5C6-741E2EBC8CAC}" type="slidenum">
               <a:rPr lang="zh-CN" altLang="en-US" smtClean="0"/>
+              <a:pPr/>
+              <a:t>‹#›</a:t>
             </a:fld>
             <a:endParaRPr lang="zh-CN" altLang="en-US"/>
           </a:p>
@@ -3714,10 +4029,9 @@
           <a:lstStyle/>
           <a:p>
             <a:r>
-              <a:rPr lang="zh-CN" altLang="en-US" smtClean="0"/>
+              <a:rPr lang="zh-CN" altLang="en-US"/>
               <a:t>单击此处编辑母版标题样式</a:t>
             </a:r>
-            <a:endParaRPr lang="zh-CN" altLang="en-US"/>
           </a:p>
         </p:txBody>
       </p:sp>
@@ -3738,42 +4052,37 @@
           <a:p>
             <a:pPr lvl="0"/>
             <a:r>
-              <a:rPr lang="zh-CN" altLang="en-US" smtClean="0"/>
+              <a:rPr lang="zh-CN" altLang="en-US"/>
               <a:t>单击此处编辑母版文本样式</a:t>
             </a:r>
-            <a:endParaRPr lang="zh-CN" altLang="en-US" smtClean="0"/>
           </a:p>
           <a:p>
             <a:pPr lvl="1"/>
             <a:r>
-              <a:rPr lang="zh-CN" altLang="en-US" smtClean="0"/>
+              <a:rPr lang="zh-CN" altLang="en-US"/>
               <a:t>第二级</a:t>
             </a:r>
-            <a:endParaRPr lang="zh-CN" altLang="en-US" smtClean="0"/>
           </a:p>
           <a:p>
             <a:pPr lvl="2"/>
             <a:r>
-              <a:rPr lang="zh-CN" altLang="en-US" smtClean="0"/>
+              <a:rPr lang="zh-CN" altLang="en-US"/>
               <a:t>第三级</a:t>
             </a:r>
-            <a:endParaRPr lang="zh-CN" altLang="en-US" smtClean="0"/>
           </a:p>
           <a:p>
             <a:pPr lvl="3"/>
             <a:r>
-              <a:rPr lang="zh-CN" altLang="en-US" smtClean="0"/>
+              <a:rPr lang="zh-CN" altLang="en-US"/>
               <a:t>第四级</a:t>
             </a:r>
-            <a:endParaRPr lang="zh-CN" altLang="en-US" smtClean="0"/>
           </a:p>
           <a:p>
             <a:pPr lvl="4"/>
             <a:r>
-              <a:rPr lang="zh-CN" altLang="en-US" smtClean="0"/>
+              <a:rPr lang="zh-CN" altLang="en-US"/>
               <a:t>第五级</a:t>
             </a:r>
-            <a:endParaRPr lang="zh-CN" altLang="en-US"/>
           </a:p>
         </p:txBody>
       </p:sp>
@@ -3792,8 +4101,9 @@
           <a:bodyPr/>
           <a:lstStyle/>
           <a:p>
-            <a:fld id="{9BDFDD57-4F60-4CBE-BE7D-104E160654DE}" type="datetimeFigureOut">
+            <a:fld id="{D64A03BF-5441-4F63-88F6-AA1E20016300}" type="datetime1">
               <a:rPr lang="zh-CN" altLang="en-US" smtClean="0"/>
+              <a:t>2019/12/25</a:t>
             </a:fld>
             <a:endParaRPr lang="zh-CN" altLang="en-US"/>
           </a:p>
@@ -3814,7 +4124,14 @@
           <a:bodyPr/>
           <a:lstStyle/>
           <a:p>
-            <a:endParaRPr lang="zh-CN" altLang="en-US"/>
+            <a:r>
+              <a:rPr lang="en-US" altLang="zh-CN"/>
+              <a:t>https://github.com/UncooleBen/SteamedEgg.git </a:t>
+            </a:r>
+            <a:r>
+              <a:rPr lang="zh-CN" altLang="en-US"/>
+              <a:t>李尚真 彭钧涛 郭源杰 </a:t>
+            </a:r>
           </a:p>
         </p:txBody>
       </p:sp>
@@ -3835,6 +4152,7 @@
           <a:p>
             <a:fld id="{C5A8F65C-32B6-44AD-B5C6-741E2EBC8CAC}" type="slidenum">
               <a:rPr lang="zh-CN" altLang="en-US" smtClean="0"/>
+              <a:t>‹#›</a:t>
             </a:fld>
             <a:endParaRPr lang="zh-CN" altLang="en-US"/>
           </a:p>
@@ -3886,10 +4204,9 @@
           <a:lstStyle/>
           <a:p>
             <a:r>
-              <a:rPr lang="zh-CN" altLang="en-US" smtClean="0"/>
+              <a:rPr lang="zh-CN" altLang="en-US"/>
               <a:t>单击此处编辑母版标题样式</a:t>
             </a:r>
-            <a:endParaRPr lang="zh-CN" altLang="en-US"/>
           </a:p>
         </p:txBody>
       </p:sp>
@@ -3915,42 +4232,37 @@
           <a:p>
             <a:pPr lvl="0"/>
             <a:r>
-              <a:rPr lang="zh-CN" altLang="en-US" smtClean="0"/>
+              <a:rPr lang="zh-CN" altLang="en-US"/>
               <a:t>单击此处编辑母版文本样式</a:t>
             </a:r>
-            <a:endParaRPr lang="zh-CN" altLang="en-US" smtClean="0"/>
           </a:p>
           <a:p>
             <a:pPr lvl="1"/>
             <a:r>
-              <a:rPr lang="zh-CN" altLang="en-US" smtClean="0"/>
+              <a:rPr lang="zh-CN" altLang="en-US"/>
               <a:t>第二级</a:t>
             </a:r>
-            <a:endParaRPr lang="zh-CN" altLang="en-US" smtClean="0"/>
           </a:p>
           <a:p>
             <a:pPr lvl="2"/>
             <a:r>
-              <a:rPr lang="zh-CN" altLang="en-US" smtClean="0"/>
+              <a:rPr lang="zh-CN" altLang="en-US"/>
               <a:t>第三级</a:t>
             </a:r>
-            <a:endParaRPr lang="zh-CN" altLang="en-US" smtClean="0"/>
           </a:p>
           <a:p>
             <a:pPr lvl="3"/>
             <a:r>
-              <a:rPr lang="zh-CN" altLang="en-US" smtClean="0"/>
+              <a:rPr lang="zh-CN" altLang="en-US"/>
               <a:t>第四级</a:t>
             </a:r>
-            <a:endParaRPr lang="zh-CN" altLang="en-US" smtClean="0"/>
           </a:p>
           <a:p>
             <a:pPr lvl="4"/>
             <a:r>
-              <a:rPr lang="zh-CN" altLang="en-US" smtClean="0"/>
+              <a:rPr lang="zh-CN" altLang="en-US"/>
               <a:t>第五级</a:t>
             </a:r>
-            <a:endParaRPr lang="zh-CN" altLang="en-US"/>
           </a:p>
         </p:txBody>
       </p:sp>
@@ -3969,8 +4281,9 @@
           <a:bodyPr/>
           <a:lstStyle/>
           <a:p>
-            <a:fld id="{9BDFDD57-4F60-4CBE-BE7D-104E160654DE}" type="datetimeFigureOut">
+            <a:fld id="{F519459A-63EC-4227-B4A3-7957399F6623}" type="datetime1">
               <a:rPr lang="zh-CN" altLang="en-US" smtClean="0"/>
+              <a:t>2019/12/25</a:t>
             </a:fld>
             <a:endParaRPr lang="zh-CN" altLang="en-US"/>
           </a:p>
@@ -3991,7 +4304,14 @@
           <a:bodyPr/>
           <a:lstStyle/>
           <a:p>
-            <a:endParaRPr lang="zh-CN" altLang="en-US"/>
+            <a:r>
+              <a:rPr lang="en-US" altLang="zh-CN"/>
+              <a:t>https://github.com/UncooleBen/SteamedEgg.git </a:t>
+            </a:r>
+            <a:r>
+              <a:rPr lang="zh-CN" altLang="en-US"/>
+              <a:t>李尚真 彭钧涛 郭源杰 </a:t>
+            </a:r>
           </a:p>
         </p:txBody>
       </p:sp>
@@ -4012,6 +4332,7 @@
           <a:p>
             <a:fld id="{C5A8F65C-32B6-44AD-B5C6-741E2EBC8CAC}" type="slidenum">
               <a:rPr lang="zh-CN" altLang="en-US" smtClean="0"/>
+              <a:t>‹#›</a:t>
             </a:fld>
             <a:endParaRPr lang="zh-CN" altLang="en-US"/>
           </a:p>
@@ -4058,10 +4379,9 @@
           <a:lstStyle/>
           <a:p>
             <a:r>
-              <a:rPr lang="zh-CN" altLang="en-US" smtClean="0"/>
+              <a:rPr lang="zh-CN" altLang="en-US"/>
               <a:t>单击此处编辑母版标题样式</a:t>
             </a:r>
-            <a:endParaRPr lang="zh-CN" altLang="en-US"/>
           </a:p>
         </p:txBody>
       </p:sp>
@@ -4082,42 +4402,37 @@
           <a:p>
             <a:pPr lvl="0"/>
             <a:r>
-              <a:rPr lang="zh-CN" altLang="en-US" smtClean="0"/>
+              <a:rPr lang="zh-CN" altLang="en-US"/>
               <a:t>单击此处编辑母版文本样式</a:t>
             </a:r>
-            <a:endParaRPr lang="zh-CN" altLang="en-US" smtClean="0"/>
           </a:p>
           <a:p>
             <a:pPr lvl="1"/>
             <a:r>
-              <a:rPr lang="zh-CN" altLang="en-US" smtClean="0"/>
+              <a:rPr lang="zh-CN" altLang="en-US"/>
               <a:t>第二级</a:t>
             </a:r>
-            <a:endParaRPr lang="zh-CN" altLang="en-US" smtClean="0"/>
           </a:p>
           <a:p>
             <a:pPr lvl="2"/>
             <a:r>
-              <a:rPr lang="zh-CN" altLang="en-US" smtClean="0"/>
+              <a:rPr lang="zh-CN" altLang="en-US"/>
               <a:t>第三级</a:t>
             </a:r>
-            <a:endParaRPr lang="zh-CN" altLang="en-US" smtClean="0"/>
           </a:p>
           <a:p>
             <a:pPr lvl="3"/>
             <a:r>
-              <a:rPr lang="zh-CN" altLang="en-US" smtClean="0"/>
+              <a:rPr lang="zh-CN" altLang="en-US"/>
               <a:t>第四级</a:t>
             </a:r>
-            <a:endParaRPr lang="zh-CN" altLang="en-US" smtClean="0"/>
           </a:p>
           <a:p>
             <a:pPr lvl="4"/>
             <a:r>
-              <a:rPr lang="zh-CN" altLang="en-US" smtClean="0"/>
+              <a:rPr lang="zh-CN" altLang="en-US"/>
               <a:t>第五级</a:t>
             </a:r>
-            <a:endParaRPr lang="zh-CN" altLang="en-US"/>
           </a:p>
         </p:txBody>
       </p:sp>
@@ -4136,8 +4451,9 @@
           <a:bodyPr/>
           <a:lstStyle/>
           <a:p>
-            <a:fld id="{9BDFDD57-4F60-4CBE-BE7D-104E160654DE}" type="datetimeFigureOut">
+            <a:fld id="{9DDEA34F-43D7-49D8-B739-48B55453C9E3}" type="datetime1">
               <a:rPr lang="zh-CN" altLang="en-US" smtClean="0"/>
+              <a:t>2019/12/25</a:t>
             </a:fld>
             <a:endParaRPr lang="zh-CN" altLang="en-US"/>
           </a:p>
@@ -4158,7 +4474,14 @@
           <a:bodyPr/>
           <a:lstStyle/>
           <a:p>
-            <a:endParaRPr lang="zh-CN" altLang="en-US"/>
+            <a:r>
+              <a:rPr lang="en-US" altLang="zh-CN"/>
+              <a:t>https://github.com/UncooleBen/SteamedEgg.git </a:t>
+            </a:r>
+            <a:r>
+              <a:rPr lang="zh-CN" altLang="en-US"/>
+              <a:t>李尚真 彭钧涛 郭源杰 </a:t>
+            </a:r>
           </a:p>
         </p:txBody>
       </p:sp>
@@ -4179,6 +4502,7 @@
           <a:p>
             <a:fld id="{C5A8F65C-32B6-44AD-B5C6-741E2EBC8CAC}" type="slidenum">
               <a:rPr lang="zh-CN" altLang="en-US" smtClean="0"/>
+              <a:t>‹#›</a:t>
             </a:fld>
             <a:endParaRPr lang="zh-CN" altLang="en-US"/>
           </a:p>
@@ -4234,10 +4558,9 @@
           </a:lstStyle>
           <a:p>
             <a:r>
-              <a:rPr lang="zh-CN" altLang="en-US" smtClean="0"/>
+              <a:rPr lang="zh-CN" altLang="en-US"/>
               <a:t>单击此处编辑母版标题样式</a:t>
             </a:r>
-            <a:endParaRPr lang="zh-CN" altLang="en-US"/>
           </a:p>
         </p:txBody>
       </p:sp>
@@ -4354,10 +4677,9 @@
           <a:p>
             <a:pPr lvl="0"/>
             <a:r>
-              <a:rPr lang="zh-CN" altLang="en-US" smtClean="0"/>
+              <a:rPr lang="zh-CN" altLang="en-US"/>
               <a:t>单击此处编辑母版文本样式</a:t>
             </a:r>
-            <a:endParaRPr lang="zh-CN" altLang="en-US" smtClean="0"/>
           </a:p>
         </p:txBody>
       </p:sp>
@@ -4376,8 +4698,9 @@
           <a:bodyPr/>
           <a:lstStyle/>
           <a:p>
-            <a:fld id="{9BDFDD57-4F60-4CBE-BE7D-104E160654DE}" type="datetimeFigureOut">
+            <a:fld id="{6F8B2CE7-9D61-4378-B34C-28860562A975}" type="datetime1">
               <a:rPr lang="zh-CN" altLang="en-US" smtClean="0"/>
+              <a:t>2019/12/25</a:t>
             </a:fld>
             <a:endParaRPr lang="zh-CN" altLang="en-US"/>
           </a:p>
@@ -4398,7 +4721,14 @@
           <a:bodyPr/>
           <a:lstStyle/>
           <a:p>
-            <a:endParaRPr lang="zh-CN" altLang="en-US"/>
+            <a:r>
+              <a:rPr lang="en-US" altLang="zh-CN"/>
+              <a:t>https://github.com/UncooleBen/SteamedEgg.git </a:t>
+            </a:r>
+            <a:r>
+              <a:rPr lang="zh-CN" altLang="en-US"/>
+              <a:t>李尚真 彭钧涛 郭源杰 </a:t>
+            </a:r>
           </a:p>
         </p:txBody>
       </p:sp>
@@ -4419,6 +4749,7 @@
           <a:p>
             <a:fld id="{C5A8F65C-32B6-44AD-B5C6-741E2EBC8CAC}" type="slidenum">
               <a:rPr lang="zh-CN" altLang="en-US" smtClean="0"/>
+              <a:t>‹#›</a:t>
             </a:fld>
             <a:endParaRPr lang="zh-CN" altLang="en-US"/>
           </a:p>
@@ -4465,10 +4796,9 @@
           <a:lstStyle/>
           <a:p>
             <a:r>
-              <a:rPr lang="zh-CN" altLang="en-US" smtClean="0"/>
+              <a:rPr lang="zh-CN" altLang="en-US"/>
               <a:t>单击此处编辑母版标题样式</a:t>
             </a:r>
-            <a:endParaRPr lang="zh-CN" altLang="en-US"/>
           </a:p>
         </p:txBody>
       </p:sp>
@@ -4494,42 +4824,37 @@
           <a:p>
             <a:pPr lvl="0"/>
             <a:r>
-              <a:rPr lang="zh-CN" altLang="en-US" smtClean="0"/>
+              <a:rPr lang="zh-CN" altLang="en-US"/>
               <a:t>单击此处编辑母版文本样式</a:t>
             </a:r>
-            <a:endParaRPr lang="zh-CN" altLang="en-US" smtClean="0"/>
           </a:p>
           <a:p>
             <a:pPr lvl="1"/>
             <a:r>
-              <a:rPr lang="zh-CN" altLang="en-US" smtClean="0"/>
+              <a:rPr lang="zh-CN" altLang="en-US"/>
               <a:t>第二级</a:t>
             </a:r>
-            <a:endParaRPr lang="zh-CN" altLang="en-US" smtClean="0"/>
           </a:p>
           <a:p>
             <a:pPr lvl="2"/>
             <a:r>
-              <a:rPr lang="zh-CN" altLang="en-US" smtClean="0"/>
+              <a:rPr lang="zh-CN" altLang="en-US"/>
               <a:t>第三级</a:t>
             </a:r>
-            <a:endParaRPr lang="zh-CN" altLang="en-US" smtClean="0"/>
           </a:p>
           <a:p>
             <a:pPr lvl="3"/>
             <a:r>
-              <a:rPr lang="zh-CN" altLang="en-US" smtClean="0"/>
+              <a:rPr lang="zh-CN" altLang="en-US"/>
               <a:t>第四级</a:t>
             </a:r>
-            <a:endParaRPr lang="zh-CN" altLang="en-US" smtClean="0"/>
           </a:p>
           <a:p>
             <a:pPr lvl="4"/>
             <a:r>
-              <a:rPr lang="zh-CN" altLang="en-US" smtClean="0"/>
+              <a:rPr lang="zh-CN" altLang="en-US"/>
               <a:t>第五级</a:t>
             </a:r>
-            <a:endParaRPr lang="zh-CN" altLang="en-US"/>
           </a:p>
         </p:txBody>
       </p:sp>
@@ -4555,42 +4880,37 @@
           <a:p>
             <a:pPr lvl="0"/>
             <a:r>
-              <a:rPr lang="zh-CN" altLang="en-US" smtClean="0"/>
+              <a:rPr lang="zh-CN" altLang="en-US"/>
               <a:t>单击此处编辑母版文本样式</a:t>
             </a:r>
-            <a:endParaRPr lang="zh-CN" altLang="en-US" smtClean="0"/>
           </a:p>
           <a:p>
             <a:pPr lvl="1"/>
             <a:r>
-              <a:rPr lang="zh-CN" altLang="en-US" smtClean="0"/>
+              <a:rPr lang="zh-CN" altLang="en-US"/>
               <a:t>第二级</a:t>
             </a:r>
-            <a:endParaRPr lang="zh-CN" altLang="en-US" smtClean="0"/>
           </a:p>
           <a:p>
             <a:pPr lvl="2"/>
             <a:r>
-              <a:rPr lang="zh-CN" altLang="en-US" smtClean="0"/>
+              <a:rPr lang="zh-CN" altLang="en-US"/>
               <a:t>第三级</a:t>
             </a:r>
-            <a:endParaRPr lang="zh-CN" altLang="en-US" smtClean="0"/>
           </a:p>
           <a:p>
             <a:pPr lvl="3"/>
             <a:r>
-              <a:rPr lang="zh-CN" altLang="en-US" smtClean="0"/>
+              <a:rPr lang="zh-CN" altLang="en-US"/>
               <a:t>第四级</a:t>
             </a:r>
-            <a:endParaRPr lang="zh-CN" altLang="en-US" smtClean="0"/>
           </a:p>
           <a:p>
             <a:pPr lvl="4"/>
             <a:r>
-              <a:rPr lang="zh-CN" altLang="en-US" smtClean="0"/>
+              <a:rPr lang="zh-CN" altLang="en-US"/>
               <a:t>第五级</a:t>
             </a:r>
-            <a:endParaRPr lang="zh-CN" altLang="en-US"/>
           </a:p>
         </p:txBody>
       </p:sp>
@@ -4609,8 +4929,9 @@
           <a:bodyPr/>
           <a:lstStyle/>
           <a:p>
-            <a:fld id="{9BDFDD57-4F60-4CBE-BE7D-104E160654DE}" type="datetimeFigureOut">
+            <a:fld id="{1D2CCFAF-FF1C-4E00-9C6B-9D4B580A29B4}" type="datetime1">
               <a:rPr lang="zh-CN" altLang="en-US" smtClean="0"/>
+              <a:t>2019/12/25</a:t>
             </a:fld>
             <a:endParaRPr lang="zh-CN" altLang="en-US"/>
           </a:p>
@@ -4631,7 +4952,14 @@
           <a:bodyPr/>
           <a:lstStyle/>
           <a:p>
-            <a:endParaRPr lang="zh-CN" altLang="en-US"/>
+            <a:r>
+              <a:rPr lang="en-US" altLang="zh-CN"/>
+              <a:t>https://github.com/UncooleBen/SteamedEgg.git </a:t>
+            </a:r>
+            <a:r>
+              <a:rPr lang="zh-CN" altLang="en-US"/>
+              <a:t>李尚真 彭钧涛 郭源杰 </a:t>
+            </a:r>
           </a:p>
         </p:txBody>
       </p:sp>
@@ -4652,6 +4980,7 @@
           <a:p>
             <a:fld id="{C5A8F65C-32B6-44AD-B5C6-741E2EBC8CAC}" type="slidenum">
               <a:rPr lang="zh-CN" altLang="en-US" smtClean="0"/>
+              <a:t>‹#›</a:t>
             </a:fld>
             <a:endParaRPr lang="zh-CN" altLang="en-US"/>
           </a:p>
@@ -4703,10 +5032,9 @@
           <a:lstStyle/>
           <a:p>
             <a:r>
-              <a:rPr lang="zh-CN" altLang="en-US" smtClean="0"/>
+              <a:rPr lang="zh-CN" altLang="en-US"/>
               <a:t>单击此处编辑母版标题样式</a:t>
             </a:r>
-            <a:endParaRPr lang="zh-CN" altLang="en-US"/>
           </a:p>
         </p:txBody>
       </p:sp>
@@ -4769,10 +5097,9 @@
           <a:p>
             <a:pPr lvl="0"/>
             <a:r>
-              <a:rPr lang="zh-CN" altLang="en-US" smtClean="0"/>
+              <a:rPr lang="zh-CN" altLang="en-US"/>
               <a:t>单击此处编辑母版文本样式</a:t>
             </a:r>
-            <a:endParaRPr lang="zh-CN" altLang="en-US" smtClean="0"/>
           </a:p>
         </p:txBody>
       </p:sp>
@@ -4798,42 +5125,37 @@
           <a:p>
             <a:pPr lvl="0"/>
             <a:r>
-              <a:rPr lang="zh-CN" altLang="en-US" smtClean="0"/>
+              <a:rPr lang="zh-CN" altLang="en-US"/>
               <a:t>单击此处编辑母版文本样式</a:t>
             </a:r>
-            <a:endParaRPr lang="zh-CN" altLang="en-US" smtClean="0"/>
           </a:p>
           <a:p>
             <a:pPr lvl="1"/>
             <a:r>
-              <a:rPr lang="zh-CN" altLang="en-US" smtClean="0"/>
+              <a:rPr lang="zh-CN" altLang="en-US"/>
               <a:t>第二级</a:t>
             </a:r>
-            <a:endParaRPr lang="zh-CN" altLang="en-US" smtClean="0"/>
           </a:p>
           <a:p>
             <a:pPr lvl="2"/>
             <a:r>
-              <a:rPr lang="zh-CN" altLang="en-US" smtClean="0"/>
+              <a:rPr lang="zh-CN" altLang="en-US"/>
               <a:t>第三级</a:t>
             </a:r>
-            <a:endParaRPr lang="zh-CN" altLang="en-US" smtClean="0"/>
           </a:p>
           <a:p>
             <a:pPr lvl="3"/>
             <a:r>
-              <a:rPr lang="zh-CN" altLang="en-US" smtClean="0"/>
+              <a:rPr lang="zh-CN" altLang="en-US"/>
               <a:t>第四级</a:t>
             </a:r>
-            <a:endParaRPr lang="zh-CN" altLang="en-US" smtClean="0"/>
           </a:p>
           <a:p>
             <a:pPr lvl="4"/>
             <a:r>
-              <a:rPr lang="zh-CN" altLang="en-US" smtClean="0"/>
+              <a:rPr lang="zh-CN" altLang="en-US"/>
               <a:t>第五级</a:t>
             </a:r>
-            <a:endParaRPr lang="zh-CN" altLang="en-US"/>
           </a:p>
         </p:txBody>
       </p:sp>
@@ -4896,10 +5218,9 @@
           <a:p>
             <a:pPr lvl="0"/>
             <a:r>
-              <a:rPr lang="zh-CN" altLang="en-US" smtClean="0"/>
+              <a:rPr lang="zh-CN" altLang="en-US"/>
               <a:t>单击此处编辑母版文本样式</a:t>
             </a:r>
-            <a:endParaRPr lang="zh-CN" altLang="en-US" smtClean="0"/>
           </a:p>
         </p:txBody>
       </p:sp>
@@ -4925,42 +5246,37 @@
           <a:p>
             <a:pPr lvl="0"/>
             <a:r>
-              <a:rPr lang="zh-CN" altLang="en-US" smtClean="0"/>
+              <a:rPr lang="zh-CN" altLang="en-US"/>
               <a:t>单击此处编辑母版文本样式</a:t>
             </a:r>
-            <a:endParaRPr lang="zh-CN" altLang="en-US" smtClean="0"/>
           </a:p>
           <a:p>
             <a:pPr lvl="1"/>
             <a:r>
-              <a:rPr lang="zh-CN" altLang="en-US" smtClean="0"/>
+              <a:rPr lang="zh-CN" altLang="en-US"/>
               <a:t>第二级</a:t>
             </a:r>
-            <a:endParaRPr lang="zh-CN" altLang="en-US" smtClean="0"/>
           </a:p>
           <a:p>
             <a:pPr lvl="2"/>
             <a:r>
-              <a:rPr lang="zh-CN" altLang="en-US" smtClean="0"/>
+              <a:rPr lang="zh-CN" altLang="en-US"/>
               <a:t>第三级</a:t>
             </a:r>
-            <a:endParaRPr lang="zh-CN" altLang="en-US" smtClean="0"/>
           </a:p>
           <a:p>
             <a:pPr lvl="3"/>
             <a:r>
-              <a:rPr lang="zh-CN" altLang="en-US" smtClean="0"/>
+              <a:rPr lang="zh-CN" altLang="en-US"/>
               <a:t>第四级</a:t>
             </a:r>
-            <a:endParaRPr lang="zh-CN" altLang="en-US" smtClean="0"/>
           </a:p>
           <a:p>
             <a:pPr lvl="4"/>
             <a:r>
-              <a:rPr lang="zh-CN" altLang="en-US" smtClean="0"/>
+              <a:rPr lang="zh-CN" altLang="en-US"/>
               <a:t>第五级</a:t>
             </a:r>
-            <a:endParaRPr lang="zh-CN" altLang="en-US"/>
           </a:p>
         </p:txBody>
       </p:sp>
@@ -4979,8 +5295,9 @@
           <a:bodyPr/>
           <a:lstStyle/>
           <a:p>
-            <a:fld id="{9BDFDD57-4F60-4CBE-BE7D-104E160654DE}" type="datetimeFigureOut">
+            <a:fld id="{DD4DDBB5-FB23-40C8-96E3-69F1DD9D07EB}" type="datetime1">
               <a:rPr lang="zh-CN" altLang="en-US" smtClean="0"/>
+              <a:t>2019/12/25</a:t>
             </a:fld>
             <a:endParaRPr lang="zh-CN" altLang="en-US"/>
           </a:p>
@@ -5001,7 +5318,14 @@
           <a:bodyPr/>
           <a:lstStyle/>
           <a:p>
-            <a:endParaRPr lang="zh-CN" altLang="en-US"/>
+            <a:r>
+              <a:rPr lang="en-US" altLang="zh-CN"/>
+              <a:t>https://github.com/UncooleBen/SteamedEgg.git </a:t>
+            </a:r>
+            <a:r>
+              <a:rPr lang="zh-CN" altLang="en-US"/>
+              <a:t>李尚真 彭钧涛 郭源杰 </a:t>
+            </a:r>
           </a:p>
         </p:txBody>
       </p:sp>
@@ -5022,6 +5346,7 @@
           <a:p>
             <a:fld id="{C5A8F65C-32B6-44AD-B5C6-741E2EBC8CAC}" type="slidenum">
               <a:rPr lang="zh-CN" altLang="en-US" smtClean="0"/>
+              <a:t>‹#›</a:t>
             </a:fld>
             <a:endParaRPr lang="zh-CN" altLang="en-US"/>
           </a:p>
@@ -5068,10 +5393,9 @@
           <a:lstStyle/>
           <a:p>
             <a:r>
-              <a:rPr lang="zh-CN" altLang="en-US" smtClean="0"/>
+              <a:rPr lang="zh-CN" altLang="en-US"/>
               <a:t>单击此处编辑母版标题样式</a:t>
             </a:r>
-            <a:endParaRPr lang="zh-CN" altLang="en-US"/>
           </a:p>
         </p:txBody>
       </p:sp>
@@ -5090,8 +5414,9 @@
           <a:bodyPr/>
           <a:lstStyle/>
           <a:p>
-            <a:fld id="{9BDFDD57-4F60-4CBE-BE7D-104E160654DE}" type="datetimeFigureOut">
+            <a:fld id="{A5BE189D-B1FB-4F37-A840-200B4EAAC173}" type="datetime1">
               <a:rPr lang="zh-CN" altLang="en-US" smtClean="0"/>
+              <a:t>2019/12/25</a:t>
             </a:fld>
             <a:endParaRPr lang="zh-CN" altLang="en-US"/>
           </a:p>
@@ -5112,7 +5437,14 @@
           <a:bodyPr/>
           <a:lstStyle/>
           <a:p>
-            <a:endParaRPr lang="zh-CN" altLang="en-US"/>
+            <a:r>
+              <a:rPr lang="en-US" altLang="zh-CN"/>
+              <a:t>https://github.com/UncooleBen/SteamedEgg.git </a:t>
+            </a:r>
+            <a:r>
+              <a:rPr lang="zh-CN" altLang="en-US"/>
+              <a:t>李尚真 彭钧涛 郭源杰 </a:t>
+            </a:r>
           </a:p>
         </p:txBody>
       </p:sp>
@@ -5133,6 +5465,7 @@
           <a:p>
             <a:fld id="{C5A8F65C-32B6-44AD-B5C6-741E2EBC8CAC}" type="slidenum">
               <a:rPr lang="zh-CN" altLang="en-US" smtClean="0"/>
+              <a:t>‹#›</a:t>
             </a:fld>
             <a:endParaRPr lang="zh-CN" altLang="en-US"/>
           </a:p>
@@ -5178,8 +5511,9 @@
           <a:bodyPr/>
           <a:lstStyle/>
           <a:p>
-            <a:fld id="{9BDFDD57-4F60-4CBE-BE7D-104E160654DE}" type="datetimeFigureOut">
+            <a:fld id="{1ED857DF-65F8-4DB9-ADDB-3A706D887929}" type="datetime1">
               <a:rPr lang="zh-CN" altLang="en-US" smtClean="0"/>
+              <a:t>2019/12/25</a:t>
             </a:fld>
             <a:endParaRPr lang="zh-CN" altLang="en-US"/>
           </a:p>
@@ -5200,7 +5534,14 @@
           <a:bodyPr/>
           <a:lstStyle/>
           <a:p>
-            <a:endParaRPr lang="zh-CN" altLang="en-US"/>
+            <a:r>
+              <a:rPr lang="en-US" altLang="zh-CN"/>
+              <a:t>https://github.com/UncooleBen/SteamedEgg.git </a:t>
+            </a:r>
+            <a:r>
+              <a:rPr lang="zh-CN" altLang="en-US"/>
+              <a:t>李尚真 彭钧涛 郭源杰 </a:t>
+            </a:r>
           </a:p>
         </p:txBody>
       </p:sp>
@@ -5221,6 +5562,7 @@
           <a:p>
             <a:fld id="{C5A8F65C-32B6-44AD-B5C6-741E2EBC8CAC}" type="slidenum">
               <a:rPr lang="zh-CN" altLang="en-US" smtClean="0"/>
+              <a:t>‹#›</a:t>
             </a:fld>
             <a:endParaRPr lang="zh-CN" altLang="en-US"/>
           </a:p>
@@ -5276,10 +5618,9 @@
           </a:lstStyle>
           <a:p>
             <a:r>
-              <a:rPr lang="zh-CN" altLang="en-US" smtClean="0"/>
+              <a:rPr lang="zh-CN" altLang="en-US"/>
               <a:t>单击此处编辑母版标题样式</a:t>
             </a:r>
-            <a:endParaRPr lang="zh-CN" altLang="en-US"/>
           </a:p>
         </p:txBody>
       </p:sp>
@@ -5333,42 +5674,37 @@
           <a:p>
             <a:pPr lvl="0"/>
             <a:r>
-              <a:rPr lang="zh-CN" altLang="en-US" smtClean="0"/>
+              <a:rPr lang="zh-CN" altLang="en-US"/>
               <a:t>单击此处编辑母版文本样式</a:t>
             </a:r>
-            <a:endParaRPr lang="zh-CN" altLang="en-US" smtClean="0"/>
           </a:p>
           <a:p>
             <a:pPr lvl="1"/>
             <a:r>
-              <a:rPr lang="zh-CN" altLang="en-US" smtClean="0"/>
+              <a:rPr lang="zh-CN" altLang="en-US"/>
               <a:t>第二级</a:t>
             </a:r>
-            <a:endParaRPr lang="zh-CN" altLang="en-US" smtClean="0"/>
           </a:p>
           <a:p>
             <a:pPr lvl="2"/>
             <a:r>
-              <a:rPr lang="zh-CN" altLang="en-US" smtClean="0"/>
+              <a:rPr lang="zh-CN" altLang="en-US"/>
               <a:t>第三级</a:t>
             </a:r>
-            <a:endParaRPr lang="zh-CN" altLang="en-US" smtClean="0"/>
           </a:p>
           <a:p>
             <a:pPr lvl="3"/>
             <a:r>
-              <a:rPr lang="zh-CN" altLang="en-US" smtClean="0"/>
+              <a:rPr lang="zh-CN" altLang="en-US"/>
               <a:t>第四级</a:t>
             </a:r>
-            <a:endParaRPr lang="zh-CN" altLang="en-US" smtClean="0"/>
           </a:p>
           <a:p>
             <a:pPr lvl="4"/>
             <a:r>
-              <a:rPr lang="zh-CN" altLang="en-US" smtClean="0"/>
+              <a:rPr lang="zh-CN" altLang="en-US"/>
               <a:t>第五级</a:t>
             </a:r>
-            <a:endParaRPr lang="zh-CN" altLang="en-US"/>
           </a:p>
         </p:txBody>
       </p:sp>
@@ -5431,10 +5767,9 @@
           <a:p>
             <a:pPr lvl="0"/>
             <a:r>
-              <a:rPr lang="zh-CN" altLang="en-US" smtClean="0"/>
+              <a:rPr lang="zh-CN" altLang="en-US"/>
               <a:t>单击此处编辑母版文本样式</a:t>
             </a:r>
-            <a:endParaRPr lang="zh-CN" altLang="en-US" smtClean="0"/>
           </a:p>
         </p:txBody>
       </p:sp>
@@ -5453,8 +5788,9 @@
           <a:bodyPr/>
           <a:lstStyle/>
           <a:p>
-            <a:fld id="{9BDFDD57-4F60-4CBE-BE7D-104E160654DE}" type="datetimeFigureOut">
+            <a:fld id="{0E4343CB-31C3-410A-A31D-F0245317B46F}" type="datetime1">
               <a:rPr lang="zh-CN" altLang="en-US" smtClean="0"/>
+              <a:t>2019/12/25</a:t>
             </a:fld>
             <a:endParaRPr lang="zh-CN" altLang="en-US"/>
           </a:p>
@@ -5475,7 +5811,14 @@
           <a:bodyPr/>
           <a:lstStyle/>
           <a:p>
-            <a:endParaRPr lang="zh-CN" altLang="en-US"/>
+            <a:r>
+              <a:rPr lang="en-US" altLang="zh-CN"/>
+              <a:t>https://github.com/UncooleBen/SteamedEgg.git </a:t>
+            </a:r>
+            <a:r>
+              <a:rPr lang="zh-CN" altLang="en-US"/>
+              <a:t>李尚真 彭钧涛 郭源杰 </a:t>
+            </a:r>
           </a:p>
         </p:txBody>
       </p:sp>
@@ -5496,6 +5839,7 @@
           <a:p>
             <a:fld id="{C5A8F65C-32B6-44AD-B5C6-741E2EBC8CAC}" type="slidenum">
               <a:rPr lang="zh-CN" altLang="en-US" smtClean="0"/>
+              <a:t>‹#›</a:t>
             </a:fld>
             <a:endParaRPr lang="zh-CN" altLang="en-US"/>
           </a:p>
@@ -5551,10 +5895,9 @@
           </a:lstStyle>
           <a:p>
             <a:r>
-              <a:rPr lang="zh-CN" altLang="en-US" smtClean="0"/>
+              <a:rPr lang="zh-CN" altLang="en-US"/>
               <a:t>单击此处编辑母版标题样式</a:t>
             </a:r>
-            <a:endParaRPr lang="zh-CN" altLang="en-US"/>
           </a:p>
         </p:txBody>
       </p:sp>
@@ -5678,10 +6021,9 @@
           <a:p>
             <a:pPr lvl="0"/>
             <a:r>
-              <a:rPr lang="zh-CN" altLang="en-US" smtClean="0"/>
+              <a:rPr lang="zh-CN" altLang="en-US"/>
               <a:t>单击此处编辑母版文本样式</a:t>
             </a:r>
-            <a:endParaRPr lang="zh-CN" altLang="en-US" smtClean="0"/>
           </a:p>
         </p:txBody>
       </p:sp>
@@ -5700,8 +6042,9 @@
           <a:bodyPr/>
           <a:lstStyle/>
           <a:p>
-            <a:fld id="{9BDFDD57-4F60-4CBE-BE7D-104E160654DE}" type="datetimeFigureOut">
+            <a:fld id="{02A17163-7903-4F90-BD5B-F2A756FAB604}" type="datetime1">
               <a:rPr lang="zh-CN" altLang="en-US" smtClean="0"/>
+              <a:t>2019/12/25</a:t>
             </a:fld>
             <a:endParaRPr lang="zh-CN" altLang="en-US"/>
           </a:p>
@@ -5722,7 +6065,14 @@
           <a:bodyPr/>
           <a:lstStyle/>
           <a:p>
-            <a:endParaRPr lang="zh-CN" altLang="en-US"/>
+            <a:r>
+              <a:rPr lang="en-US" altLang="zh-CN"/>
+              <a:t>https://github.com/UncooleBen/SteamedEgg.git </a:t>
+            </a:r>
+            <a:r>
+              <a:rPr lang="zh-CN" altLang="en-US"/>
+              <a:t>李尚真 彭钧涛 郭源杰 </a:t>
+            </a:r>
           </a:p>
         </p:txBody>
       </p:sp>
@@ -5743,6 +6093,7 @@
           <a:p>
             <a:fld id="{C5A8F65C-32B6-44AD-B5C6-741E2EBC8CAC}" type="slidenum">
               <a:rPr lang="zh-CN" altLang="en-US" smtClean="0"/>
+              <a:t>‹#›</a:t>
             </a:fld>
             <a:endParaRPr lang="zh-CN" altLang="en-US"/>
           </a:p>
@@ -5804,10 +6155,9 @@
           <a:lstStyle/>
           <a:p>
             <a:r>
-              <a:rPr lang="zh-CN" altLang="en-US" smtClean="0"/>
+              <a:rPr lang="zh-CN" altLang="en-US"/>
               <a:t>单击此处编辑母版标题样式</a:t>
             </a:r>
-            <a:endParaRPr lang="zh-CN" altLang="en-US"/>
           </a:p>
         </p:txBody>
       </p:sp>
@@ -5838,42 +6188,37 @@
           <a:p>
             <a:pPr lvl="0"/>
             <a:r>
-              <a:rPr lang="zh-CN" altLang="en-US" smtClean="0"/>
+              <a:rPr lang="zh-CN" altLang="en-US"/>
               <a:t>单击此处编辑母版文本样式</a:t>
             </a:r>
-            <a:endParaRPr lang="zh-CN" altLang="en-US" smtClean="0"/>
           </a:p>
           <a:p>
             <a:pPr lvl="1"/>
             <a:r>
-              <a:rPr lang="zh-CN" altLang="en-US" smtClean="0"/>
+              <a:rPr lang="zh-CN" altLang="en-US"/>
               <a:t>第二级</a:t>
             </a:r>
-            <a:endParaRPr lang="zh-CN" altLang="en-US" smtClean="0"/>
           </a:p>
           <a:p>
             <a:pPr lvl="2"/>
             <a:r>
-              <a:rPr lang="zh-CN" altLang="en-US" smtClean="0"/>
+              <a:rPr lang="zh-CN" altLang="en-US"/>
               <a:t>第三级</a:t>
             </a:r>
-            <a:endParaRPr lang="zh-CN" altLang="en-US" smtClean="0"/>
           </a:p>
           <a:p>
             <a:pPr lvl="3"/>
             <a:r>
-              <a:rPr lang="zh-CN" altLang="en-US" smtClean="0"/>
+              <a:rPr lang="zh-CN" altLang="en-US"/>
               <a:t>第四级</a:t>
             </a:r>
-            <a:endParaRPr lang="zh-CN" altLang="en-US" smtClean="0"/>
           </a:p>
           <a:p>
             <a:pPr lvl="4"/>
             <a:r>
-              <a:rPr lang="zh-CN" altLang="en-US" smtClean="0"/>
+              <a:rPr lang="zh-CN" altLang="en-US"/>
               <a:t>第五级</a:t>
             </a:r>
-            <a:endParaRPr lang="zh-CN" altLang="en-US"/>
           </a:p>
         </p:txBody>
       </p:sp>
@@ -5902,16 +6247,15 @@
             <a:lvl1pPr algn="l">
               <a:defRPr sz="1200">
                 <a:solidFill>
-                  <a:schemeClr val="tx1">
-                    <a:tint val="75000"/>
-                  </a:schemeClr>
+                  <a:schemeClr val="tx1"/>
                 </a:solidFill>
               </a:defRPr>
             </a:lvl1pPr>
           </a:lstStyle>
           <a:p>
-            <a:fld id="{9BDFDD57-4F60-4CBE-BE7D-104E160654DE}" type="datetimeFigureOut">
+            <a:fld id="{1CB38B2F-6E57-49A0-BF38-ADA41B6CDBDE}" type="datetime1">
               <a:rPr lang="zh-CN" altLang="en-US" smtClean="0"/>
+              <a:t>2019/12/25</a:t>
             </a:fld>
             <a:endParaRPr lang="zh-CN" altLang="en-US"/>
           </a:p>
@@ -5929,8 +6273,8 @@
         </p:nvSpPr>
         <p:spPr>
           <a:xfrm>
-            <a:off x="4038600" y="6356350"/>
-            <a:ext cx="4114800" cy="365125"/>
+            <a:off x="3748135" y="6356350"/>
+            <a:ext cx="4680641" cy="365125"/>
           </a:xfrm>
           <a:prstGeom prst="rect">
             <a:avLst/>
@@ -5942,15 +6286,20 @@
             <a:lvl1pPr algn="ctr">
               <a:defRPr sz="1200">
                 <a:solidFill>
-                  <a:schemeClr val="tx1">
-                    <a:tint val="75000"/>
-                  </a:schemeClr>
+                  <a:schemeClr val="tx1"/>
                 </a:solidFill>
               </a:defRPr>
             </a:lvl1pPr>
           </a:lstStyle>
           <a:p>
-            <a:endParaRPr lang="zh-CN" altLang="en-US"/>
+            <a:r>
+              <a:rPr lang="en-US" altLang="zh-CN"/>
+              <a:t>https://github.com/UncooleBen/SteamedEgg.git </a:t>
+            </a:r>
+            <a:r>
+              <a:rPr lang="zh-CN" altLang="en-US"/>
+              <a:t>李尚真 彭钧涛 郭源杰 </a:t>
+            </a:r>
           </a:p>
         </p:txBody>
       </p:sp>
@@ -5979,9 +6328,7 @@
             <a:lvl1pPr algn="r">
               <a:defRPr sz="1200">
                 <a:solidFill>
-                  <a:schemeClr val="tx1">
-                    <a:tint val="75000"/>
-                  </a:schemeClr>
+                  <a:schemeClr val="tx1"/>
                 </a:solidFill>
               </a:defRPr>
             </a:lvl1pPr>
@@ -5989,6 +6336,8 @@
           <a:p>
             <a:fld id="{C5A8F65C-32B6-44AD-B5C6-741E2EBC8CAC}" type="slidenum">
               <a:rPr lang="zh-CN" altLang="en-US" smtClean="0"/>
+              <a:pPr/>
+              <a:t>‹#›</a:t>
             </a:fld>
             <a:endParaRPr lang="zh-CN" altLang="en-US"/>
           </a:p>
@@ -6010,6 +6359,7 @@
     <p:sldLayoutId id="2147483658" r:id="rId10"/>
     <p:sldLayoutId id="2147483659" r:id="rId11"/>
   </p:sldLayoutIdLst>
+  <p:hf hdr="0"/>
   <p:txStyles>
     <p:titleStyle>
       <a:lvl1pPr algn="l" defTabSz="914400" rtl="0" eaLnBrk="1" latinLnBrk="0" hangingPunct="1">
@@ -6299,7 +6649,7 @@
     <p:bg>
       <p:bgPr>
         <a:blipFill dpi="0" rotWithShape="1">
-          <a:blip r:embed="rId1">
+          <a:blip r:embed="rId3">
             <a:lum/>
           </a:blip>
           <a:srcRect/>
@@ -6391,24 +6741,6 @@
               </a:rPr>
               <a:t>Steamed Egg</a:t>
             </a:r>
-            <a:endParaRPr lang="en-US" sz="6000" b="1" dirty="0">
-              <a:solidFill>
-                <a:schemeClr val="tx1">
-                  <a:lumMod val="65000"/>
-                  <a:lumOff val="35000"/>
-                </a:schemeClr>
-              </a:solidFill>
-              <a:effectLst>
-                <a:outerShdw blurRad="63500" dist="38100" dir="2700000" algn="tl" rotWithShape="0">
-                  <a:prstClr val="black">
-                    <a:alpha val="40000"/>
-                  </a:prstClr>
-                </a:outerShdw>
-              </a:effectLst>
-              <a:latin typeface="微软雅黑" panose="020B0503020204020204" pitchFamily="34" charset="-122"/>
-              <a:ea typeface="微软雅黑" panose="020B0503020204020204" pitchFamily="34" charset="-122"/>
-              <a:sym typeface="微软雅黑" panose="020B0503020204020204" pitchFamily="34" charset="-122"/>
-            </a:endParaRPr>
           </a:p>
         </p:txBody>
       </p:sp>
@@ -6420,8 +6752,8 @@
         </p:nvSpPr>
         <p:spPr>
           <a:xfrm>
-            <a:off x="7712688" y="5218370"/>
-            <a:ext cx="3192145" cy="1383665"/>
+            <a:off x="7388352" y="4596578"/>
+            <a:ext cx="4696057" cy="1383665"/>
           </a:xfrm>
           <a:prstGeom prst="rect">
             <a:avLst/>
@@ -6437,7 +6769,7 @@
           <a:p>
             <a:pPr algn="l"/>
             <a:r>
-              <a:rPr lang="en-US" sz="2800" b="1" dirty="0" smtClean="0">
+              <a:rPr lang="en-US" sz="2800" b="1" dirty="0">
                 <a:solidFill>
                   <a:srgbClr val="FEFEFE"/>
                 </a:solidFill>
@@ -6455,7 +6787,7 @@
               <a:t>10161900218 </a:t>
             </a:r>
             <a:r>
-              <a:rPr lang="zh-CN" altLang="en-US" sz="2800" b="1" dirty="0" smtClean="0">
+              <a:rPr lang="zh-CN" altLang="en-US" sz="2800" b="1" dirty="0">
                 <a:solidFill>
                   <a:srgbClr val="FEFEFE"/>
                 </a:solidFill>
@@ -6472,26 +6804,11 @@
               </a:rPr>
               <a:t>李尚真</a:t>
             </a:r>
-            <a:endParaRPr lang="zh-CN" altLang="en-US" sz="2800" b="1" dirty="0" smtClean="0">
-              <a:solidFill>
-                <a:srgbClr val="FEFEFE"/>
-              </a:solidFill>
-              <a:effectLst>
-                <a:outerShdw blurRad="50800" dist="38100" dir="2700000" algn="tl" rotWithShape="0">
-                  <a:prstClr val="black">
-                    <a:alpha val="40000"/>
-                  </a:prstClr>
-                </a:outerShdw>
-              </a:effectLst>
-              <a:latin typeface="Kartika" panose="02020503030404060203" pitchFamily="18" charset="0"/>
-              <a:ea typeface="方正姚体" panose="02010601030101010101" pitchFamily="2" charset="-122"/>
-              <a:cs typeface="Kartika" panose="02020503030404060203" pitchFamily="18" charset="0"/>
-            </a:endParaRPr>
           </a:p>
           <a:p>
             <a:pPr algn="l"/>
             <a:r>
-              <a:rPr lang="zh-CN" altLang="en-US" sz="2800" b="1" dirty="0" smtClean="0">
+              <a:rPr lang="zh-CN" altLang="en-US" sz="2800" b="1" dirty="0">
                 <a:solidFill>
                   <a:srgbClr val="FEFEFE"/>
                 </a:solidFill>
@@ -6508,26 +6825,11 @@
               </a:rPr>
               <a:t>10164601140 彭钧涛</a:t>
             </a:r>
-            <a:endParaRPr lang="zh-CN" altLang="en-US" sz="2800" b="1" dirty="0" smtClean="0">
-              <a:solidFill>
-                <a:srgbClr val="FEFEFE"/>
-              </a:solidFill>
-              <a:effectLst>
-                <a:outerShdw blurRad="50800" dist="38100" dir="2700000" algn="tl" rotWithShape="0">
-                  <a:prstClr val="black">
-                    <a:alpha val="40000"/>
-                  </a:prstClr>
-                </a:outerShdw>
-              </a:effectLst>
-              <a:latin typeface="Kartika" panose="02020503030404060203" pitchFamily="18" charset="0"/>
-              <a:ea typeface="方正姚体" panose="02010601030101010101" pitchFamily="2" charset="-122"/>
-              <a:cs typeface="Kartika" panose="02020503030404060203" pitchFamily="18" charset="0"/>
-            </a:endParaRPr>
           </a:p>
           <a:p>
             <a:pPr algn="l"/>
             <a:r>
-              <a:rPr lang="zh-CN" altLang="en-US" sz="2800" b="1" dirty="0" smtClean="0">
+              <a:rPr lang="zh-CN" altLang="en-US" sz="2800" b="1" dirty="0">
                 <a:solidFill>
                   <a:srgbClr val="FEFEFE"/>
                 </a:solidFill>
@@ -6544,39 +6846,107 @@
               </a:rPr>
               <a:t>10164800305 郭源杰</a:t>
             </a:r>
-            <a:endParaRPr lang="zh-CN" altLang="en-US" sz="2800" b="1" dirty="0" smtClean="0">
-              <a:solidFill>
-                <a:srgbClr val="FEFEFE"/>
-              </a:solidFill>
-              <a:effectLst>
-                <a:outerShdw blurRad="50800" dist="38100" dir="2700000" algn="tl" rotWithShape="0">
-                  <a:prstClr val="black">
-                    <a:alpha val="40000"/>
-                  </a:prstClr>
-                </a:outerShdw>
-              </a:effectLst>
-              <a:latin typeface="Kartika" panose="02020503030404060203" pitchFamily="18" charset="0"/>
-              <a:ea typeface="方正姚体" panose="02010601030101010101" pitchFamily="2" charset="-122"/>
-              <a:cs typeface="Kartika" panose="02020503030404060203" pitchFamily="18" charset="0"/>
-            </a:endParaRPr>
+          </a:p>
+        </p:txBody>
+      </p:sp>
+      <p:sp>
+        <p:nvSpPr>
+          <p:cNvPr id="2" name="日期占位符 1">
+            <a:extLst>
+              <a:ext uri="{FF2B5EF4-FFF2-40B4-BE49-F238E27FC236}">
+                <a16:creationId xmlns:a16="http://schemas.microsoft.com/office/drawing/2014/main" id="{C38CCD9D-0C81-49C3-A9EF-90ED9CF9661B}"/>
+              </a:ext>
+            </a:extLst>
+          </p:cNvPr>
+          <p:cNvSpPr>
+            <a:spLocks noGrp="1"/>
+          </p:cNvSpPr>
+          <p:nvPr>
+            <p:ph type="dt" sz="half" idx="10"/>
+          </p:nvPr>
+        </p:nvSpPr>
+        <p:spPr/>
+        <p:txBody>
+          <a:bodyPr/>
+          <a:lstStyle/>
+          <a:p>
+            <a:fld id="{5A8F99F1-FADF-4667-B00E-E6E8AA9223FB}" type="datetime1">
+              <a:rPr lang="zh-CN" altLang="en-US" smtClean="0"/>
+              <a:t>2019/12/25</a:t>
+            </a:fld>
+            <a:endParaRPr lang="zh-CN" altLang="en-US"/>
+          </a:p>
+        </p:txBody>
+      </p:sp>
+      <p:sp>
+        <p:nvSpPr>
+          <p:cNvPr id="3" name="页脚占位符 2">
+            <a:extLst>
+              <a:ext uri="{FF2B5EF4-FFF2-40B4-BE49-F238E27FC236}">
+                <a16:creationId xmlns:a16="http://schemas.microsoft.com/office/drawing/2014/main" id="{3FE07938-1B53-4805-A7E2-BD49D0DA149F}"/>
+              </a:ext>
+            </a:extLst>
+          </p:cNvPr>
+          <p:cNvSpPr>
+            <a:spLocks noGrp="1"/>
+          </p:cNvSpPr>
+          <p:nvPr>
+            <p:ph type="ftr" sz="quarter" idx="11"/>
+          </p:nvPr>
+        </p:nvSpPr>
+        <p:spPr/>
+        <p:txBody>
+          <a:bodyPr/>
+          <a:lstStyle/>
+          <a:p>
+            <a:r>
+              <a:rPr lang="en-US" altLang="zh-CN"/>
+              <a:t>https://github.com/UncooleBen/SteamedEgg.git </a:t>
+            </a:r>
+            <a:r>
+              <a:rPr lang="zh-CN" altLang="en-US"/>
+              <a:t>李尚真 彭钧涛 郭源杰 </a:t>
+            </a:r>
+          </a:p>
+        </p:txBody>
+      </p:sp>
+      <p:sp>
+        <p:nvSpPr>
+          <p:cNvPr id="4" name="灯片编号占位符 3">
+            <a:extLst>
+              <a:ext uri="{FF2B5EF4-FFF2-40B4-BE49-F238E27FC236}">
+                <a16:creationId xmlns:a16="http://schemas.microsoft.com/office/drawing/2014/main" id="{88FDC65A-9173-487E-A764-FC7A700BCC44}"/>
+              </a:ext>
+            </a:extLst>
+          </p:cNvPr>
+          <p:cNvSpPr>
+            <a:spLocks noGrp="1"/>
+          </p:cNvSpPr>
+          <p:nvPr>
+            <p:ph type="sldNum" sz="quarter" idx="12"/>
+          </p:nvPr>
+        </p:nvSpPr>
+        <p:spPr/>
+        <p:txBody>
+          <a:bodyPr/>
+          <a:lstStyle/>
+          <a:p>
+            <a:fld id="{C5A8F65C-32B6-44AD-B5C6-741E2EBC8CAC}" type="slidenum">
+              <a:rPr lang="zh-CN" altLang="en-US" smtClean="0"/>
+              <a:t>1</a:t>
+            </a:fld>
+            <a:endParaRPr lang="zh-CN" altLang="en-US"/>
           </a:p>
         </p:txBody>
       </p:sp>
     </p:spTree>
     <p:custDataLst>
-      <p:tags r:id="rId2"/>
+      <p:tags r:id="rId1"/>
     </p:custDataLst>
   </p:cSld>
   <p:clrMapOvr>
     <a:masterClrMapping/>
   </p:clrMapOvr>
-  <p:timing>
-    <p:tnLst>
-      <p:par>
-        <p:cTn id="1" dur="indefinite" restart="never" nodeType="tmRoot"/>
-      </p:par>
-    </p:tnLst>
-  </p:timing>
 </p:sld>
 </file>
 
@@ -6586,7 +6956,7 @@
     <p:bg>
       <p:bgPr>
         <a:blipFill dpi="0" rotWithShape="1">
-          <a:blip r:embed="rId1">
+          <a:blip r:embed="rId2">
             <a:lum/>
           </a:blip>
           <a:srcRect/>
@@ -6634,7 +7004,7 @@
             <p:nvPr/>
           </p:nvPicPr>
           <p:blipFill>
-            <a:blip r:embed="rId2">
+            <a:blip r:embed="rId3">
               <a:extLst>
                 <a:ext uri="{28A0092B-C50C-407E-A947-70E740481C1C}">
                   <a14:useLocalDpi xmlns:a14="http://schemas.microsoft.com/office/drawing/2010/main" val="0"/>
@@ -6664,7 +7034,7 @@
             <p:nvPr/>
           </p:nvPicPr>
           <p:blipFill rotWithShape="1">
-            <a:blip r:embed="rId2">
+            <a:blip r:embed="rId3">
               <a:extLst>
                 <a:ext uri="{28A0092B-C50C-407E-A947-70E740481C1C}">
                   <a14:useLocalDpi xmlns:a14="http://schemas.microsoft.com/office/drawing/2010/main" val="0"/>
@@ -6769,21 +7139,6 @@
               </a:rPr>
               <a:t>分析</a:t>
             </a:r>
-            <a:endParaRPr lang="zh-CN" altLang="en-US" sz="6000" b="1" dirty="0">
-              <a:solidFill>
-                <a:schemeClr val="bg1"/>
-              </a:solidFill>
-              <a:effectLst>
-                <a:outerShdw blurRad="50800" dist="38100" dir="2700000" algn="tl" rotWithShape="0">
-                  <a:prstClr val="black">
-                    <a:alpha val="40000"/>
-                  </a:prstClr>
-                </a:outerShdw>
-              </a:effectLst>
-              <a:latin typeface="微软雅黑" panose="020B0503020204020204" pitchFamily="34" charset="-122"/>
-              <a:ea typeface="微软雅黑" panose="020B0503020204020204" pitchFamily="34" charset="-122"/>
-              <a:sym typeface="微软雅黑" panose="020B0503020204020204" pitchFamily="34" charset="-122"/>
-            </a:endParaRPr>
           </a:p>
         </p:txBody>
       </p:sp>
@@ -7026,7 +7381,7 @@
           <p:nvPr/>
         </p:nvPicPr>
         <p:blipFill>
-          <a:blip r:embed="rId3"/>
+          <a:blip r:embed="rId4"/>
           <a:stretch>
             <a:fillRect/>
           </a:stretch>
@@ -7050,7 +7405,7 @@
           <p:nvPr/>
         </p:nvPicPr>
         <p:blipFill>
-          <a:blip r:embed="rId4"/>
+          <a:blip r:embed="rId5"/>
           <a:stretch>
             <a:fillRect/>
           </a:stretch>
@@ -7074,7 +7429,7 @@
           <p:nvPr/>
         </p:nvPicPr>
         <p:blipFill>
-          <a:blip r:embed="rId5"/>
+          <a:blip r:embed="rId6"/>
           <a:stretch>
             <a:fillRect/>
           </a:stretch>
@@ -7098,7 +7453,7 @@
           <p:nvPr/>
         </p:nvPicPr>
         <p:blipFill>
-          <a:blip r:embed="rId6"/>
+          <a:blip r:embed="rId7"/>
           <a:stretch>
             <a:fillRect/>
           </a:stretch>
@@ -7213,6 +7568,7 @@
           <a:bodyPr wrap="none" rtlCol="0" anchor="t">
             <a:spAutoFit/>
           </a:bodyPr>
+          <a:lstStyle/>
           <a:p>
             <a:pPr algn="ctr"/>
             <a:r>
@@ -7240,7 +7596,7 @@
                   <a:prstDash val="solid"/>
                 </a:ln>
                 <a:blipFill>
-                  <a:blip r:embed="rId7">
+                  <a:blip r:embed="rId8">
                     <a:alphaModFix amt="80000"/>
                   </a:blip>
                   <a:tile tx="0" ty="0" sx="82000" sy="72000" flip="none" algn="bl"/>
@@ -7255,43 +7611,96 @@
               </a:rPr>
               <a:t>MongoDB YES!</a:t>
             </a:r>
-            <a:endParaRPr lang="en-US" altLang="zh-CN" sz="7200" b="1">
-              <a:ln w="19050" cmpd="sng">
-                <a:gradFill>
-                  <a:gsLst>
-                    <a:gs pos="30000">
-                      <a:srgbClr val="DBEEC0"/>
-                    </a:gs>
-                    <a:gs pos="22000">
-                      <a:srgbClr val="2F8B93">
-                        <a:alpha val="100000"/>
-                      </a:srgbClr>
-                    </a:gs>
-                    <a:gs pos="63000">
-                      <a:srgbClr val="3088B5"/>
-                    </a:gs>
-                    <a:gs pos="81000">
-                      <a:srgbClr val="2D8E70"/>
-                    </a:gs>
-                  </a:gsLst>
-                  <a:lin ang="5400000" scaled="1"/>
-                </a:gradFill>
-                <a:prstDash val="solid"/>
-              </a:ln>
-              <a:blipFill>
-                <a:blip r:embed="rId7">
-                  <a:alphaModFix amt="80000"/>
-                </a:blip>
-                <a:tile tx="0" ty="0" sx="82000" sy="72000" flip="none" algn="bl"/>
-              </a:blipFill>
-              <a:effectLst>
-                <a:glow rad="50800">
-                  <a:srgbClr val="C5E499">
-                    <a:alpha val="49000"/>
-                  </a:srgbClr>
-                </a:glow>
-              </a:effectLst>
-            </a:endParaRPr>
+          </a:p>
+        </p:txBody>
+      </p:sp>
+      <p:sp>
+        <p:nvSpPr>
+          <p:cNvPr id="16" name="日期占位符 15">
+            <a:extLst>
+              <a:ext uri="{FF2B5EF4-FFF2-40B4-BE49-F238E27FC236}">
+                <a16:creationId xmlns:a16="http://schemas.microsoft.com/office/drawing/2014/main" id="{A806527A-2404-4DA6-9C30-C286D4D18CA7}"/>
+              </a:ext>
+            </a:extLst>
+          </p:cNvPr>
+          <p:cNvSpPr>
+            <a:spLocks noGrp="1"/>
+          </p:cNvSpPr>
+          <p:nvPr>
+            <p:ph type="dt" sz="half" idx="10"/>
+          </p:nvPr>
+        </p:nvSpPr>
+        <p:spPr/>
+        <p:txBody>
+          <a:bodyPr/>
+          <a:lstStyle/>
+          <a:p>
+            <a:fld id="{59176A7E-135F-469B-86ED-A921D6EA299C}" type="datetime1">
+              <a:rPr lang="zh-CN" altLang="en-US" smtClean="0"/>
+              <a:t>2019/12/25</a:t>
+            </a:fld>
+            <a:endParaRPr lang="zh-CN" altLang="en-US"/>
+          </a:p>
+        </p:txBody>
+      </p:sp>
+      <p:sp>
+        <p:nvSpPr>
+          <p:cNvPr id="18" name="页脚占位符 17">
+            <a:extLst>
+              <a:ext uri="{FF2B5EF4-FFF2-40B4-BE49-F238E27FC236}">
+                <a16:creationId xmlns:a16="http://schemas.microsoft.com/office/drawing/2014/main" id="{A5F9D4D7-2136-4FC5-AB58-5A4DCD88E2B3}"/>
+              </a:ext>
+            </a:extLst>
+          </p:cNvPr>
+          <p:cNvSpPr>
+            <a:spLocks noGrp="1"/>
+          </p:cNvSpPr>
+          <p:nvPr>
+            <p:ph type="ftr" sz="quarter" idx="11"/>
+          </p:nvPr>
+        </p:nvSpPr>
+        <p:spPr/>
+        <p:txBody>
+          <a:bodyPr/>
+          <a:lstStyle/>
+          <a:p>
+            <a:r>
+              <a:rPr lang="en-US" altLang="zh-CN"/>
+              <a:t>https://github.com/UncooleBen/SteamedEgg.git </a:t>
+            </a:r>
+            <a:r>
+              <a:rPr lang="zh-CN" altLang="en-US"/>
+              <a:t>李尚真 彭钧涛 郭源杰 </a:t>
+            </a:r>
+          </a:p>
+        </p:txBody>
+      </p:sp>
+      <p:sp>
+        <p:nvSpPr>
+          <p:cNvPr id="19" name="灯片编号占位符 18">
+            <a:extLst>
+              <a:ext uri="{FF2B5EF4-FFF2-40B4-BE49-F238E27FC236}">
+                <a16:creationId xmlns:a16="http://schemas.microsoft.com/office/drawing/2014/main" id="{F77D18BB-6658-4A25-8FCC-AA34CC8BE265}"/>
+              </a:ext>
+            </a:extLst>
+          </p:cNvPr>
+          <p:cNvSpPr>
+            <a:spLocks noGrp="1"/>
+          </p:cNvSpPr>
+          <p:nvPr>
+            <p:ph type="sldNum" sz="quarter" idx="12"/>
+          </p:nvPr>
+        </p:nvSpPr>
+        <p:spPr/>
+        <p:txBody>
+          <a:bodyPr/>
+          <a:lstStyle/>
+          <a:p>
+            <a:fld id="{C5A8F65C-32B6-44AD-B5C6-741E2EBC8CAC}" type="slidenum">
+              <a:rPr lang="zh-CN" altLang="en-US" smtClean="0"/>
+              <a:t>10</a:t>
+            </a:fld>
+            <a:endParaRPr lang="zh-CN" altLang="en-US"/>
           </a:p>
         </p:txBody>
       </p:sp>
@@ -7751,7 +8160,7 @@
     <p:bg>
       <p:bgPr>
         <a:blipFill dpi="0" rotWithShape="1">
-          <a:blip r:embed="rId1">
+          <a:blip r:embed="rId2">
             <a:lum/>
           </a:blip>
           <a:srcRect/>
@@ -7823,7 +8232,7 @@
           <a:lstStyle/>
           <a:p>
             <a:r>
-              <a:rPr lang="zh-CN" altLang="en-US" sz="6600" b="1" dirty="0" smtClean="0">
+              <a:rPr lang="zh-CN" altLang="en-US" sz="6600" b="1" dirty="0">
                 <a:solidFill>
                   <a:schemeClr val="tx1">
                     <a:lumMod val="65000"/>
@@ -7843,24 +8252,6 @@
               </a:rPr>
               <a:t>开发框架</a:t>
             </a:r>
-            <a:endParaRPr lang="zh-CN" altLang="en-US" sz="6600" b="1" dirty="0" smtClean="0">
-              <a:solidFill>
-                <a:schemeClr val="tx1">
-                  <a:lumMod val="65000"/>
-                  <a:lumOff val="35000"/>
-                </a:schemeClr>
-              </a:solidFill>
-              <a:effectLst>
-                <a:outerShdw blurRad="50800" dist="38100" dir="2700000" algn="tl" rotWithShape="0">
-                  <a:prstClr val="black">
-                    <a:alpha val="40000"/>
-                  </a:prstClr>
-                </a:outerShdw>
-              </a:effectLst>
-              <a:latin typeface="微软雅黑" panose="020B0503020204020204" pitchFamily="34" charset="-122"/>
-              <a:ea typeface="微软雅黑" panose="020B0503020204020204" pitchFamily="34" charset="-122"/>
-              <a:sym typeface="微软雅黑" panose="020B0503020204020204" pitchFamily="34" charset="-122"/>
-            </a:endParaRPr>
           </a:p>
         </p:txBody>
       </p:sp>
@@ -7888,7 +8279,7 @@
           <a:lstStyle/>
           <a:p>
             <a:r>
-              <a:rPr lang="en-US" altLang="zh-CN" sz="7200" b="1" dirty="0" smtClean="0">
+              <a:rPr lang="en-US" altLang="zh-CN" sz="7200" b="1" dirty="0">
                 <a:solidFill>
                   <a:schemeClr val="bg1"/>
                 </a:solidFill>
@@ -7903,27 +8294,9 @@
                 <a:ea typeface="方正姚体" panose="02010601030101010101" pitchFamily="2" charset="-122"/>
                 <a:cs typeface="Kartika" panose="02020503030404060203" pitchFamily="18" charset="0"/>
               </a:rPr>
-              <a:t>PART   </a:t>
-            </a:r>
-            <a:r>
-              <a:rPr lang="en-US" altLang="zh-CN" sz="7200" b="1" dirty="0" smtClean="0">
-                <a:solidFill>
-                  <a:schemeClr val="bg1"/>
-                </a:solidFill>
-                <a:effectLst>
-                  <a:outerShdw blurRad="50800" dist="38100" dir="2700000" algn="tl" rotWithShape="0">
-                    <a:prstClr val="black">
-                      <a:alpha val="40000"/>
-                    </a:prstClr>
-                  </a:outerShdw>
-                </a:effectLst>
-                <a:latin typeface="Kartika" panose="02020503030404060203" pitchFamily="18" charset="0"/>
-                <a:ea typeface="方正姚体" panose="02010601030101010101" pitchFamily="2" charset="-122"/>
-                <a:cs typeface="Kartika" panose="02020503030404060203" pitchFamily="18" charset="0"/>
-              </a:rPr>
-              <a:t>03</a:t>
-            </a:r>
-            <a:endParaRPr lang="zh-CN" altLang="en-US" sz="7200" b="1" dirty="0" smtClean="0">
+              <a:t>PART   03</a:t>
+            </a:r>
+            <a:endParaRPr lang="zh-CN" altLang="en-US" sz="7200" b="1" dirty="0">
               <a:solidFill>
                 <a:schemeClr val="bg1"/>
               </a:solidFill>
@@ -7941,18 +8314,101 @@
           </a:p>
         </p:txBody>
       </p:sp>
+      <p:sp>
+        <p:nvSpPr>
+          <p:cNvPr id="2" name="日期占位符 1">
+            <a:extLst>
+              <a:ext uri="{FF2B5EF4-FFF2-40B4-BE49-F238E27FC236}">
+                <a16:creationId xmlns:a16="http://schemas.microsoft.com/office/drawing/2014/main" id="{39088D04-8E91-49B4-AA79-EDB90418317C}"/>
+              </a:ext>
+            </a:extLst>
+          </p:cNvPr>
+          <p:cNvSpPr>
+            <a:spLocks noGrp="1"/>
+          </p:cNvSpPr>
+          <p:nvPr>
+            <p:ph type="dt" sz="half" idx="10"/>
+          </p:nvPr>
+        </p:nvSpPr>
+        <p:spPr/>
+        <p:txBody>
+          <a:bodyPr/>
+          <a:lstStyle/>
+          <a:p>
+            <a:fld id="{EDA3E460-0E34-4888-BE69-7CFB11E9A5F3}" type="datetime1">
+              <a:rPr lang="zh-CN" altLang="en-US" smtClean="0"/>
+              <a:t>2019/12/25</a:t>
+            </a:fld>
+            <a:endParaRPr lang="zh-CN" altLang="en-US"/>
+          </a:p>
+        </p:txBody>
+      </p:sp>
+      <p:sp>
+        <p:nvSpPr>
+          <p:cNvPr id="4" name="页脚占位符 3">
+            <a:extLst>
+              <a:ext uri="{FF2B5EF4-FFF2-40B4-BE49-F238E27FC236}">
+                <a16:creationId xmlns:a16="http://schemas.microsoft.com/office/drawing/2014/main" id="{503545D3-8310-4EBE-BA5D-62445229E785}"/>
+              </a:ext>
+            </a:extLst>
+          </p:cNvPr>
+          <p:cNvSpPr>
+            <a:spLocks noGrp="1"/>
+          </p:cNvSpPr>
+          <p:nvPr>
+            <p:ph type="ftr" sz="quarter" idx="11"/>
+          </p:nvPr>
+        </p:nvSpPr>
+        <p:spPr/>
+        <p:txBody>
+          <a:bodyPr/>
+          <a:lstStyle/>
+          <a:p>
+            <a:r>
+              <a:rPr lang="en-US" altLang="zh-CN"/>
+              <a:t>https://github.com/UncooleBen/SteamedEgg.git </a:t>
+            </a:r>
+            <a:r>
+              <a:rPr lang="zh-CN" altLang="en-US"/>
+              <a:t>李尚真 彭钧涛 郭源杰 </a:t>
+            </a:r>
+          </a:p>
+        </p:txBody>
+      </p:sp>
+      <p:sp>
+        <p:nvSpPr>
+          <p:cNvPr id="5" name="灯片编号占位符 4">
+            <a:extLst>
+              <a:ext uri="{FF2B5EF4-FFF2-40B4-BE49-F238E27FC236}">
+                <a16:creationId xmlns:a16="http://schemas.microsoft.com/office/drawing/2014/main" id="{C7CB7F1B-01B4-460E-B48D-2B9D44D26991}"/>
+              </a:ext>
+            </a:extLst>
+          </p:cNvPr>
+          <p:cNvSpPr>
+            <a:spLocks noGrp="1"/>
+          </p:cNvSpPr>
+          <p:nvPr>
+            <p:ph type="sldNum" sz="quarter" idx="12"/>
+          </p:nvPr>
+        </p:nvSpPr>
+        <p:spPr/>
+        <p:txBody>
+          <a:bodyPr/>
+          <a:lstStyle/>
+          <a:p>
+            <a:fld id="{C5A8F65C-32B6-44AD-B5C6-741E2EBC8CAC}" type="slidenum">
+              <a:rPr lang="zh-CN" altLang="en-US" smtClean="0"/>
+              <a:t>11</a:t>
+            </a:fld>
+            <a:endParaRPr lang="zh-CN" altLang="en-US"/>
+          </a:p>
+        </p:txBody>
+      </p:sp>
     </p:spTree>
   </p:cSld>
   <p:clrMapOvr>
     <a:masterClrMapping/>
   </p:clrMapOvr>
-  <p:timing>
-    <p:tnLst>
-      <p:par>
-        <p:cTn id="1" dur="indefinite" restart="never" nodeType="tmRoot"/>
-      </p:par>
-    </p:tnLst>
-  </p:timing>
 </p:sld>
 </file>
 
@@ -7962,7 +8418,7 @@
     <p:bg>
       <p:bgPr>
         <a:blipFill dpi="0" rotWithShape="1">
-          <a:blip r:embed="rId1">
+          <a:blip r:embed="rId2">
             <a:lum/>
           </a:blip>
           <a:srcRect/>
@@ -8010,7 +8466,7 @@
             <p:nvPr/>
           </p:nvPicPr>
           <p:blipFill>
-            <a:blip r:embed="rId2">
+            <a:blip r:embed="rId3">
               <a:extLst>
                 <a:ext uri="{28A0092B-C50C-407E-A947-70E740481C1C}">
                   <a14:useLocalDpi xmlns:a14="http://schemas.microsoft.com/office/drawing/2010/main" val="0"/>
@@ -8040,7 +8496,7 @@
             <p:nvPr/>
           </p:nvPicPr>
           <p:blipFill rotWithShape="1">
-            <a:blip r:embed="rId2">
+            <a:blip r:embed="rId3">
               <a:extLst>
                 <a:ext uri="{28A0092B-C50C-407E-A947-70E740481C1C}">
                   <a14:useLocalDpi xmlns:a14="http://schemas.microsoft.com/office/drawing/2010/main" val="0"/>
@@ -8127,21 +8583,6 @@
               </a:rPr>
               <a:t>开发框架</a:t>
             </a:r>
-            <a:endParaRPr lang="zh-CN" altLang="en-US" sz="6000" b="1" dirty="0">
-              <a:solidFill>
-                <a:schemeClr val="bg1"/>
-              </a:solidFill>
-              <a:effectLst>
-                <a:outerShdw blurRad="50800" dist="38100" dir="2700000" algn="tl" rotWithShape="0">
-                  <a:prstClr val="black">
-                    <a:alpha val="40000"/>
-                  </a:prstClr>
-                </a:outerShdw>
-              </a:effectLst>
-              <a:latin typeface="微软雅黑" panose="020B0503020204020204" pitchFamily="34" charset="-122"/>
-              <a:ea typeface="微软雅黑" panose="020B0503020204020204" pitchFamily="34" charset="-122"/>
-              <a:sym typeface="微软雅黑" panose="020B0503020204020204" pitchFamily="34" charset="-122"/>
-            </a:endParaRPr>
           </a:p>
         </p:txBody>
       </p:sp>
@@ -8387,22 +8828,105 @@
         </p:xfrm>
         <a:graphic>
           <a:graphicData uri="http://schemas.openxmlformats.org/drawingml/2006/diagram">
-            <dgm:relIds xmlns:dgm="http://schemas.openxmlformats.org/drawingml/2006/diagram" xmlns:r="http://schemas.openxmlformats.org/officeDocument/2006/relationships" r:dm="rId3" r:lo="rId4" r:qs="rId5" r:cs="rId6"/>
+            <dgm:relIds xmlns:dgm="http://schemas.openxmlformats.org/drawingml/2006/diagram" xmlns:r="http://schemas.openxmlformats.org/officeDocument/2006/relationships" r:dm="rId4" r:lo="rId5" r:qs="rId6" r:cs="rId7"/>
           </a:graphicData>
         </a:graphic>
       </p:graphicFrame>
+      <p:sp>
+        <p:nvSpPr>
+          <p:cNvPr id="4" name="日期占位符 3">
+            <a:extLst>
+              <a:ext uri="{FF2B5EF4-FFF2-40B4-BE49-F238E27FC236}">
+                <a16:creationId xmlns:a16="http://schemas.microsoft.com/office/drawing/2014/main" id="{215D797B-F2FD-4D71-ADA9-0E233BEECF1A}"/>
+              </a:ext>
+            </a:extLst>
+          </p:cNvPr>
+          <p:cNvSpPr>
+            <a:spLocks noGrp="1"/>
+          </p:cNvSpPr>
+          <p:nvPr>
+            <p:ph type="dt" sz="half" idx="10"/>
+          </p:nvPr>
+        </p:nvSpPr>
+        <p:spPr/>
+        <p:txBody>
+          <a:bodyPr/>
+          <a:lstStyle/>
+          <a:p>
+            <a:fld id="{40537DBD-BC54-41D0-BE49-7E226A709AE1}" type="datetime1">
+              <a:rPr lang="zh-CN" altLang="en-US" smtClean="0"/>
+              <a:t>2019/12/25</a:t>
+            </a:fld>
+            <a:endParaRPr lang="zh-CN" altLang="en-US"/>
+          </a:p>
+        </p:txBody>
+      </p:sp>
+      <p:sp>
+        <p:nvSpPr>
+          <p:cNvPr id="5" name="页脚占位符 4">
+            <a:extLst>
+              <a:ext uri="{FF2B5EF4-FFF2-40B4-BE49-F238E27FC236}">
+                <a16:creationId xmlns:a16="http://schemas.microsoft.com/office/drawing/2014/main" id="{3AB4F074-FCE6-4F90-B93B-A25E5D6076F4}"/>
+              </a:ext>
+            </a:extLst>
+          </p:cNvPr>
+          <p:cNvSpPr>
+            <a:spLocks noGrp="1"/>
+          </p:cNvSpPr>
+          <p:nvPr>
+            <p:ph type="ftr" sz="quarter" idx="11"/>
+          </p:nvPr>
+        </p:nvSpPr>
+        <p:spPr/>
+        <p:txBody>
+          <a:bodyPr/>
+          <a:lstStyle/>
+          <a:p>
+            <a:r>
+              <a:rPr lang="en-US" altLang="zh-CN"/>
+              <a:t>https://github.com/UncooleBen/SteamedEgg.git </a:t>
+            </a:r>
+            <a:r>
+              <a:rPr lang="zh-CN" altLang="en-US"/>
+              <a:t>李尚真 彭钧涛 郭源杰 </a:t>
+            </a:r>
+          </a:p>
+        </p:txBody>
+      </p:sp>
+      <p:sp>
+        <p:nvSpPr>
+          <p:cNvPr id="14" name="灯片编号占位符 13">
+            <a:extLst>
+              <a:ext uri="{FF2B5EF4-FFF2-40B4-BE49-F238E27FC236}">
+                <a16:creationId xmlns:a16="http://schemas.microsoft.com/office/drawing/2014/main" id="{3A8AEC8B-6BB9-42DE-913D-E153489DBBE2}"/>
+              </a:ext>
+            </a:extLst>
+          </p:cNvPr>
+          <p:cNvSpPr>
+            <a:spLocks noGrp="1"/>
+          </p:cNvSpPr>
+          <p:nvPr>
+            <p:ph type="sldNum" sz="quarter" idx="12"/>
+          </p:nvPr>
+        </p:nvSpPr>
+        <p:spPr/>
+        <p:txBody>
+          <a:bodyPr/>
+          <a:lstStyle/>
+          <a:p>
+            <a:fld id="{C5A8F65C-32B6-44AD-B5C6-741E2EBC8CAC}" type="slidenum">
+              <a:rPr lang="zh-CN" altLang="en-US" smtClean="0"/>
+              <a:t>12</a:t>
+            </a:fld>
+            <a:endParaRPr lang="zh-CN" altLang="en-US"/>
+          </a:p>
+        </p:txBody>
+      </p:sp>
     </p:spTree>
   </p:cSld>
   <p:clrMapOvr>
     <a:masterClrMapping/>
   </p:clrMapOvr>
-  <p:timing>
-    <p:tnLst>
-      <p:par>
-        <p:cTn id="1" dur="indefinite" restart="never" nodeType="tmRoot"/>
-      </p:par>
-    </p:tnLst>
-  </p:timing>
 </p:sld>
 </file>
 
@@ -8412,7 +8936,7 @@
     <p:bg>
       <p:bgPr>
         <a:blipFill dpi="0" rotWithShape="1">
-          <a:blip r:embed="rId1">
+          <a:blip r:embed="rId2">
             <a:lum/>
           </a:blip>
           <a:srcRect/>
@@ -8450,6 +8974,7 @@
         <p:spPr/>
         <p:txBody>
           <a:bodyPr/>
+          <a:lstStyle/>
           <a:p>
             <a:endParaRPr lang="zh-CN" altLang="en-US"/>
           </a:p>
@@ -8468,6 +8993,7 @@
         <p:spPr/>
         <p:txBody>
           <a:bodyPr/>
+          <a:lstStyle/>
           <a:p>
             <a:r>
               <a:rPr lang="zh-CN" altLang="en-US"/>
@@ -8488,7 +9014,6 @@
               <a:rPr lang="en-US" altLang="zh-CN"/>
               <a:t>SpringMVC</a:t>
             </a:r>
-            <a:endParaRPr lang="en-US" altLang="zh-CN"/>
           </a:p>
           <a:p>
             <a:r>
@@ -8503,7 +9028,6 @@
               <a:rPr lang="zh-CN" altLang="en-US"/>
               <a:t>脚本</a:t>
             </a:r>
-            <a:endParaRPr lang="zh-CN" altLang="en-US"/>
           </a:p>
         </p:txBody>
       </p:sp>
@@ -8530,7 +9054,7 @@
             <p:nvPr/>
           </p:nvPicPr>
           <p:blipFill>
-            <a:blip r:embed="rId2">
+            <a:blip r:embed="rId3">
               <a:extLst>
                 <a:ext uri="{28A0092B-C50C-407E-A947-70E740481C1C}">
                   <a14:useLocalDpi xmlns:a14="http://schemas.microsoft.com/office/drawing/2010/main" val="0"/>
@@ -8560,7 +9084,7 @@
             <p:nvPr/>
           </p:nvPicPr>
           <p:blipFill rotWithShape="1">
-            <a:blip r:embed="rId2">
+            <a:blip r:embed="rId3">
               <a:extLst>
                 <a:ext uri="{28A0092B-C50C-407E-A947-70E740481C1C}">
                   <a14:useLocalDpi xmlns:a14="http://schemas.microsoft.com/office/drawing/2010/main" val="0"/>
@@ -8647,21 +9171,6 @@
               </a:rPr>
               <a:t>开发框架</a:t>
             </a:r>
-            <a:endParaRPr lang="zh-CN" altLang="en-US" sz="6000" b="1" dirty="0">
-              <a:solidFill>
-                <a:schemeClr val="bg1"/>
-              </a:solidFill>
-              <a:effectLst>
-                <a:outerShdw blurRad="50800" dist="38100" dir="2700000" algn="tl" rotWithShape="0">
-                  <a:prstClr val="black">
-                    <a:alpha val="40000"/>
-                  </a:prstClr>
-                </a:outerShdw>
-              </a:effectLst>
-              <a:latin typeface="微软雅黑" panose="020B0503020204020204" pitchFamily="34" charset="-122"/>
-              <a:ea typeface="微软雅黑" panose="020B0503020204020204" pitchFamily="34" charset="-122"/>
-              <a:sym typeface="微软雅黑" panose="020B0503020204020204" pitchFamily="34" charset="-122"/>
-            </a:endParaRPr>
           </a:p>
         </p:txBody>
       </p:sp>
@@ -8895,18 +9404,101 @@
           </a:p>
         </p:txBody>
       </p:sp>
+      <p:sp>
+        <p:nvSpPr>
+          <p:cNvPr id="5" name="日期占位符 4">
+            <a:extLst>
+              <a:ext uri="{FF2B5EF4-FFF2-40B4-BE49-F238E27FC236}">
+                <a16:creationId xmlns:a16="http://schemas.microsoft.com/office/drawing/2014/main" id="{2FE45FEB-F805-43A3-8F37-E08FE6DF931D}"/>
+              </a:ext>
+            </a:extLst>
+          </p:cNvPr>
+          <p:cNvSpPr>
+            <a:spLocks noGrp="1"/>
+          </p:cNvSpPr>
+          <p:nvPr>
+            <p:ph type="dt" sz="half" idx="10"/>
+          </p:nvPr>
+        </p:nvSpPr>
+        <p:spPr/>
+        <p:txBody>
+          <a:bodyPr/>
+          <a:lstStyle/>
+          <a:p>
+            <a:fld id="{4AFF6B32-20A4-4D35-8213-A8EEBBE854D6}" type="datetime1">
+              <a:rPr lang="zh-CN" altLang="en-US" smtClean="0"/>
+              <a:t>2019/12/25</a:t>
+            </a:fld>
+            <a:endParaRPr lang="zh-CN" altLang="en-US"/>
+          </a:p>
+        </p:txBody>
+      </p:sp>
+      <p:sp>
+        <p:nvSpPr>
+          <p:cNvPr id="14" name="页脚占位符 13">
+            <a:extLst>
+              <a:ext uri="{FF2B5EF4-FFF2-40B4-BE49-F238E27FC236}">
+                <a16:creationId xmlns:a16="http://schemas.microsoft.com/office/drawing/2014/main" id="{8135BF1E-D642-4B7C-9147-B7659FA92564}"/>
+              </a:ext>
+            </a:extLst>
+          </p:cNvPr>
+          <p:cNvSpPr>
+            <a:spLocks noGrp="1"/>
+          </p:cNvSpPr>
+          <p:nvPr>
+            <p:ph type="ftr" sz="quarter" idx="11"/>
+          </p:nvPr>
+        </p:nvSpPr>
+        <p:spPr/>
+        <p:txBody>
+          <a:bodyPr/>
+          <a:lstStyle/>
+          <a:p>
+            <a:r>
+              <a:rPr lang="en-US" altLang="zh-CN"/>
+              <a:t>https://github.com/UncooleBen/SteamedEgg.git </a:t>
+            </a:r>
+            <a:r>
+              <a:rPr lang="zh-CN" altLang="en-US"/>
+              <a:t>李尚真 彭钧涛 郭源杰 </a:t>
+            </a:r>
+          </a:p>
+        </p:txBody>
+      </p:sp>
+      <p:sp>
+        <p:nvSpPr>
+          <p:cNvPr id="15" name="灯片编号占位符 14">
+            <a:extLst>
+              <a:ext uri="{FF2B5EF4-FFF2-40B4-BE49-F238E27FC236}">
+                <a16:creationId xmlns:a16="http://schemas.microsoft.com/office/drawing/2014/main" id="{06911C72-5373-4FC7-A5B3-2EF06451AF6E}"/>
+              </a:ext>
+            </a:extLst>
+          </p:cNvPr>
+          <p:cNvSpPr>
+            <a:spLocks noGrp="1"/>
+          </p:cNvSpPr>
+          <p:nvPr>
+            <p:ph type="sldNum" sz="quarter" idx="12"/>
+          </p:nvPr>
+        </p:nvSpPr>
+        <p:spPr/>
+        <p:txBody>
+          <a:bodyPr/>
+          <a:lstStyle/>
+          <a:p>
+            <a:fld id="{C5A8F65C-32B6-44AD-B5C6-741E2EBC8CAC}" type="slidenum">
+              <a:rPr lang="zh-CN" altLang="en-US" smtClean="0"/>
+              <a:t>13</a:t>
+            </a:fld>
+            <a:endParaRPr lang="zh-CN" altLang="en-US"/>
+          </a:p>
+        </p:txBody>
+      </p:sp>
     </p:spTree>
   </p:cSld>
   <p:clrMapOvr>
     <a:masterClrMapping/>
   </p:clrMapOvr>
-  <p:timing>
-    <p:tnLst>
-      <p:par>
-        <p:cTn id="1" dur="indefinite" restart="never" nodeType="tmRoot"/>
-      </p:par>
-    </p:tnLst>
-  </p:timing>
 </p:sld>
 </file>
 
@@ -8916,7 +9508,7 @@
     <p:bg>
       <p:bgPr>
         <a:blipFill dpi="0" rotWithShape="1">
-          <a:blip r:embed="rId1">
+          <a:blip r:embed="rId2">
             <a:lum/>
           </a:blip>
           <a:srcRect/>
@@ -8988,7 +9580,7 @@
           <a:lstStyle/>
           <a:p>
             <a:r>
-              <a:rPr lang="zh-CN" altLang="en-US" sz="6600" b="1" dirty="0" smtClean="0">
+              <a:rPr lang="zh-CN" altLang="en-US" sz="6600" b="1" dirty="0">
                 <a:solidFill>
                   <a:schemeClr val="tx1">
                     <a:lumMod val="65000"/>
@@ -9008,24 +9600,6 @@
               </a:rPr>
               <a:t>难点和挑战</a:t>
             </a:r>
-            <a:endParaRPr lang="zh-CN" altLang="en-US" sz="6600" b="1" dirty="0" smtClean="0">
-              <a:solidFill>
-                <a:schemeClr val="tx1">
-                  <a:lumMod val="65000"/>
-                  <a:lumOff val="35000"/>
-                </a:schemeClr>
-              </a:solidFill>
-              <a:effectLst>
-                <a:outerShdw blurRad="50800" dist="38100" dir="2700000" algn="tl" rotWithShape="0">
-                  <a:prstClr val="black">
-                    <a:alpha val="40000"/>
-                  </a:prstClr>
-                </a:outerShdw>
-              </a:effectLst>
-              <a:latin typeface="微软雅黑" panose="020B0503020204020204" pitchFamily="34" charset="-122"/>
-              <a:ea typeface="微软雅黑" panose="020B0503020204020204" pitchFamily="34" charset="-122"/>
-              <a:sym typeface="微软雅黑" panose="020B0503020204020204" pitchFamily="34" charset="-122"/>
-            </a:endParaRPr>
           </a:p>
         </p:txBody>
       </p:sp>
@@ -9053,7 +9627,7 @@
           <a:lstStyle/>
           <a:p>
             <a:r>
-              <a:rPr lang="en-US" altLang="zh-CN" sz="7200" b="1" dirty="0" smtClean="0">
+              <a:rPr lang="en-US" altLang="zh-CN" sz="7200" b="1" dirty="0">
                 <a:solidFill>
                   <a:schemeClr val="bg1"/>
                 </a:solidFill>
@@ -9068,27 +9642,9 @@
                 <a:ea typeface="方正姚体" panose="02010601030101010101" pitchFamily="2" charset="-122"/>
                 <a:cs typeface="Kartika" panose="02020503030404060203" pitchFamily="18" charset="0"/>
               </a:rPr>
-              <a:t>PART   </a:t>
-            </a:r>
-            <a:r>
-              <a:rPr lang="en-US" altLang="zh-CN" sz="7200" b="1" dirty="0" smtClean="0">
-                <a:solidFill>
-                  <a:schemeClr val="bg1"/>
-                </a:solidFill>
-                <a:effectLst>
-                  <a:outerShdw blurRad="50800" dist="38100" dir="2700000" algn="tl" rotWithShape="0">
-                    <a:prstClr val="black">
-                      <a:alpha val="40000"/>
-                    </a:prstClr>
-                  </a:outerShdw>
-                </a:effectLst>
-                <a:latin typeface="Kartika" panose="02020503030404060203" pitchFamily="18" charset="0"/>
-                <a:ea typeface="方正姚体" panose="02010601030101010101" pitchFamily="2" charset="-122"/>
-                <a:cs typeface="Kartika" panose="02020503030404060203" pitchFamily="18" charset="0"/>
-              </a:rPr>
-              <a:t>04</a:t>
-            </a:r>
-            <a:endParaRPr lang="zh-CN" altLang="en-US" sz="7200" b="1" dirty="0" smtClean="0">
+              <a:t>PART   04</a:t>
+            </a:r>
+            <a:endParaRPr lang="zh-CN" altLang="en-US" sz="7200" b="1" dirty="0">
               <a:solidFill>
                 <a:schemeClr val="bg1"/>
               </a:solidFill>
@@ -9106,18 +9662,101 @@
           </a:p>
         </p:txBody>
       </p:sp>
+      <p:sp>
+        <p:nvSpPr>
+          <p:cNvPr id="2" name="日期占位符 1">
+            <a:extLst>
+              <a:ext uri="{FF2B5EF4-FFF2-40B4-BE49-F238E27FC236}">
+                <a16:creationId xmlns:a16="http://schemas.microsoft.com/office/drawing/2014/main" id="{844E58CF-82E2-4A54-B837-F915A73975A1}"/>
+              </a:ext>
+            </a:extLst>
+          </p:cNvPr>
+          <p:cNvSpPr>
+            <a:spLocks noGrp="1"/>
+          </p:cNvSpPr>
+          <p:nvPr>
+            <p:ph type="dt" sz="half" idx="10"/>
+          </p:nvPr>
+        </p:nvSpPr>
+        <p:spPr/>
+        <p:txBody>
+          <a:bodyPr/>
+          <a:lstStyle/>
+          <a:p>
+            <a:fld id="{9B83B3D3-4757-4565-8501-D0E06CAE1B4A}" type="datetime1">
+              <a:rPr lang="zh-CN" altLang="en-US" smtClean="0"/>
+              <a:t>2019/12/25</a:t>
+            </a:fld>
+            <a:endParaRPr lang="zh-CN" altLang="en-US"/>
+          </a:p>
+        </p:txBody>
+      </p:sp>
+      <p:sp>
+        <p:nvSpPr>
+          <p:cNvPr id="4" name="页脚占位符 3">
+            <a:extLst>
+              <a:ext uri="{FF2B5EF4-FFF2-40B4-BE49-F238E27FC236}">
+                <a16:creationId xmlns:a16="http://schemas.microsoft.com/office/drawing/2014/main" id="{A56290EA-60FE-4C2C-8333-BBB80AFA9263}"/>
+              </a:ext>
+            </a:extLst>
+          </p:cNvPr>
+          <p:cNvSpPr>
+            <a:spLocks noGrp="1"/>
+          </p:cNvSpPr>
+          <p:nvPr>
+            <p:ph type="ftr" sz="quarter" idx="11"/>
+          </p:nvPr>
+        </p:nvSpPr>
+        <p:spPr/>
+        <p:txBody>
+          <a:bodyPr/>
+          <a:lstStyle/>
+          <a:p>
+            <a:r>
+              <a:rPr lang="en-US" altLang="zh-CN"/>
+              <a:t>https://github.com/UncooleBen/SteamedEgg.git </a:t>
+            </a:r>
+            <a:r>
+              <a:rPr lang="zh-CN" altLang="en-US"/>
+              <a:t>李尚真 彭钧涛 郭源杰 </a:t>
+            </a:r>
+          </a:p>
+        </p:txBody>
+      </p:sp>
+      <p:sp>
+        <p:nvSpPr>
+          <p:cNvPr id="5" name="灯片编号占位符 4">
+            <a:extLst>
+              <a:ext uri="{FF2B5EF4-FFF2-40B4-BE49-F238E27FC236}">
+                <a16:creationId xmlns:a16="http://schemas.microsoft.com/office/drawing/2014/main" id="{9FD3911F-B3A6-4CDC-9676-05BFBAD7AE18}"/>
+              </a:ext>
+            </a:extLst>
+          </p:cNvPr>
+          <p:cNvSpPr>
+            <a:spLocks noGrp="1"/>
+          </p:cNvSpPr>
+          <p:nvPr>
+            <p:ph type="sldNum" sz="quarter" idx="12"/>
+          </p:nvPr>
+        </p:nvSpPr>
+        <p:spPr/>
+        <p:txBody>
+          <a:bodyPr/>
+          <a:lstStyle/>
+          <a:p>
+            <a:fld id="{C5A8F65C-32B6-44AD-B5C6-741E2EBC8CAC}" type="slidenum">
+              <a:rPr lang="zh-CN" altLang="en-US" smtClean="0"/>
+              <a:t>14</a:t>
+            </a:fld>
+            <a:endParaRPr lang="zh-CN" altLang="en-US"/>
+          </a:p>
+        </p:txBody>
+      </p:sp>
     </p:spTree>
   </p:cSld>
   <p:clrMapOvr>
     <a:masterClrMapping/>
   </p:clrMapOvr>
-  <p:timing>
-    <p:tnLst>
-      <p:par>
-        <p:cTn id="1" dur="indefinite" restart="never" nodeType="tmRoot"/>
-      </p:par>
-    </p:tnLst>
-  </p:timing>
 </p:sld>
 </file>
 
@@ -9127,7 +9766,7 @@
     <p:bg>
       <p:bgPr>
         <a:blipFill dpi="0" rotWithShape="1">
-          <a:blip r:embed="rId1">
+          <a:blip r:embed="rId2">
             <a:lum/>
           </a:blip>
           <a:srcRect/>
@@ -9165,6 +9804,7 @@
         <p:spPr/>
         <p:txBody>
           <a:bodyPr/>
+          <a:lstStyle/>
           <a:p>
             <a:endParaRPr lang="zh-CN" altLang="en-US"/>
           </a:p>
@@ -9188,6 +9828,7 @@
         </p:spPr>
         <p:txBody>
           <a:bodyPr/>
+          <a:lstStyle/>
           <a:p>
             <a:r>
               <a:rPr lang="en-US" altLang="zh-CN"/>
@@ -9195,13 +9836,8 @@
             </a:r>
             <a:r>
               <a:rPr lang="zh-CN" altLang="en-US"/>
-              <a:t>服务器限制</a:t>
-            </a:r>
-            <a:r>
-              <a:rPr lang="zh-CN" altLang="en-US"/>
-              <a:t>访问频率</a:t>
-            </a:r>
-            <a:endParaRPr lang="zh-CN" altLang="en-US"/>
+              <a:t>服务器限制访问频率</a:t>
+            </a:r>
           </a:p>
           <a:p>
             <a:pPr lvl="1"/>
@@ -9224,14 +9860,12 @@
               <a:rPr lang="zh-CN" altLang="en-US"/>
               <a:t>策略及反爬虫人机验证</a:t>
             </a:r>
-            <a:endParaRPr lang="zh-CN" altLang="en-US"/>
           </a:p>
           <a:p>
             <a:r>
               <a:rPr lang="zh-CN" altLang="en-US"/>
               <a:t>表格上等距显示价格数据</a:t>
             </a:r>
-            <a:endParaRPr lang="zh-CN" altLang="en-US"/>
           </a:p>
           <a:p>
             <a:r>
@@ -9254,7 +9888,6 @@
               <a:rPr lang="zh-CN" altLang="en-US"/>
               <a:t>内存限制</a:t>
             </a:r>
-            <a:endParaRPr lang="zh-CN" altLang="en-US"/>
           </a:p>
           <a:p>
             <a:pPr lvl="1"/>
@@ -9285,7 +9918,7 @@
             <p:nvPr/>
           </p:nvPicPr>
           <p:blipFill>
-            <a:blip r:embed="rId2">
+            <a:blip r:embed="rId3">
               <a:extLst>
                 <a:ext uri="{28A0092B-C50C-407E-A947-70E740481C1C}">
                   <a14:useLocalDpi xmlns:a14="http://schemas.microsoft.com/office/drawing/2010/main" val="0"/>
@@ -9315,7 +9948,7 @@
             <p:nvPr/>
           </p:nvPicPr>
           <p:blipFill rotWithShape="1">
-            <a:blip r:embed="rId2">
+            <a:blip r:embed="rId3">
               <a:extLst>
                 <a:ext uri="{28A0092B-C50C-407E-A947-70E740481C1C}">
                   <a14:useLocalDpi xmlns:a14="http://schemas.microsoft.com/office/drawing/2010/main" val="0"/>
@@ -9402,21 +10035,6 @@
               </a:rPr>
               <a:t>难点和挑战</a:t>
             </a:r>
-            <a:endParaRPr lang="zh-CN" altLang="en-US" sz="6000" b="1" dirty="0">
-              <a:solidFill>
-                <a:schemeClr val="bg1"/>
-              </a:solidFill>
-              <a:effectLst>
-                <a:outerShdw blurRad="50800" dist="38100" dir="2700000" algn="tl" rotWithShape="0">
-                  <a:prstClr val="black">
-                    <a:alpha val="40000"/>
-                  </a:prstClr>
-                </a:outerShdw>
-              </a:effectLst>
-              <a:latin typeface="微软雅黑" panose="020B0503020204020204" pitchFamily="34" charset="-122"/>
-              <a:ea typeface="微软雅黑" panose="020B0503020204020204" pitchFamily="34" charset="-122"/>
-              <a:sym typeface="微软雅黑" panose="020B0503020204020204" pitchFamily="34" charset="-122"/>
-            </a:endParaRPr>
           </a:p>
         </p:txBody>
       </p:sp>
@@ -9659,7 +10277,7 @@
           <p:nvPr/>
         </p:nvPicPr>
         <p:blipFill>
-          <a:blip r:embed="rId3"/>
+          <a:blip r:embed="rId4"/>
           <a:stretch>
             <a:fillRect/>
           </a:stretch>
@@ -9674,6 +10292,96 @@
           </a:prstGeom>
         </p:spPr>
       </p:pic>
+      <p:sp>
+        <p:nvSpPr>
+          <p:cNvPr id="14" name="日期占位符 13">
+            <a:extLst>
+              <a:ext uri="{FF2B5EF4-FFF2-40B4-BE49-F238E27FC236}">
+                <a16:creationId xmlns:a16="http://schemas.microsoft.com/office/drawing/2014/main" id="{68DD98E2-E504-4867-A828-B938C30B0091}"/>
+              </a:ext>
+            </a:extLst>
+          </p:cNvPr>
+          <p:cNvSpPr>
+            <a:spLocks noGrp="1"/>
+          </p:cNvSpPr>
+          <p:nvPr>
+            <p:ph type="dt" sz="half" idx="10"/>
+          </p:nvPr>
+        </p:nvSpPr>
+        <p:spPr/>
+        <p:txBody>
+          <a:bodyPr/>
+          <a:lstStyle/>
+          <a:p>
+            <a:fld id="{1DDB3D9A-3679-44DE-A95C-3EC26AC03856}" type="datetime1">
+              <a:rPr lang="zh-CN" altLang="en-US" smtClean="0"/>
+              <a:t>2019/12/25</a:t>
+            </a:fld>
+            <a:endParaRPr lang="zh-CN" altLang="en-US"/>
+          </a:p>
+        </p:txBody>
+      </p:sp>
+      <p:sp>
+        <p:nvSpPr>
+          <p:cNvPr id="15" name="页脚占位符 14">
+            <a:extLst>
+              <a:ext uri="{FF2B5EF4-FFF2-40B4-BE49-F238E27FC236}">
+                <a16:creationId xmlns:a16="http://schemas.microsoft.com/office/drawing/2014/main" id="{3C620652-B81C-4115-ABF6-1C8DB284ADFA}"/>
+              </a:ext>
+            </a:extLst>
+          </p:cNvPr>
+          <p:cNvSpPr>
+            <a:spLocks noGrp="1"/>
+          </p:cNvSpPr>
+          <p:nvPr>
+            <p:ph type="ftr" sz="quarter" idx="11"/>
+          </p:nvPr>
+        </p:nvSpPr>
+        <p:spPr/>
+        <p:txBody>
+          <a:bodyPr/>
+          <a:lstStyle/>
+          <a:p>
+            <a:r>
+              <a:rPr lang="en-US" altLang="zh-CN"/>
+              <a:t>https://github.com/UncooleBen/SteamedEgg.git </a:t>
+            </a:r>
+            <a:r>
+              <a:rPr lang="zh-CN" altLang="en-US"/>
+              <a:t>李尚真 彭钧涛 郭源杰 </a:t>
+            </a:r>
+          </a:p>
+        </p:txBody>
+      </p:sp>
+      <p:sp>
+        <p:nvSpPr>
+          <p:cNvPr id="16" name="灯片编号占位符 15">
+            <a:extLst>
+              <a:ext uri="{FF2B5EF4-FFF2-40B4-BE49-F238E27FC236}">
+                <a16:creationId xmlns:a16="http://schemas.microsoft.com/office/drawing/2014/main" id="{6C13EA9E-E13E-4D81-AAED-1151544ED0E9}"/>
+              </a:ext>
+            </a:extLst>
+          </p:cNvPr>
+          <p:cNvSpPr>
+            <a:spLocks noGrp="1"/>
+          </p:cNvSpPr>
+          <p:nvPr>
+            <p:ph type="sldNum" sz="quarter" idx="12"/>
+          </p:nvPr>
+        </p:nvSpPr>
+        <p:spPr/>
+        <p:txBody>
+          <a:bodyPr/>
+          <a:lstStyle/>
+          <a:p>
+            <a:fld id="{C5A8F65C-32B6-44AD-B5C6-741E2EBC8CAC}" type="slidenum">
+              <a:rPr lang="zh-CN" altLang="en-US" smtClean="0"/>
+              <a:t>15</a:t>
+            </a:fld>
+            <a:endParaRPr lang="zh-CN" altLang="en-US"/>
+          </a:p>
+        </p:txBody>
+      </p:sp>
     </p:spTree>
   </p:cSld>
   <p:clrMapOvr>
@@ -10096,7 +10804,7 @@
     <p:bg>
       <p:bgPr>
         <a:blipFill dpi="0" rotWithShape="1">
-          <a:blip r:embed="rId1">
+          <a:blip r:embed="rId2">
             <a:lum/>
           </a:blip>
           <a:srcRect/>
@@ -10134,6 +10842,7 @@
         <p:spPr/>
         <p:txBody>
           <a:bodyPr/>
+          <a:lstStyle/>
           <a:p>
             <a:endParaRPr lang="zh-CN" altLang="en-US"/>
           </a:p>
@@ -10157,6 +10866,7 @@
         </p:spPr>
         <p:txBody>
           <a:bodyPr/>
+          <a:lstStyle/>
           <a:p>
             <a:r>
               <a:rPr lang="en-US" altLang="zh-CN"/>
@@ -10166,7 +10876,6 @@
               <a:rPr lang="zh-CN" altLang="en-US"/>
               <a:t>中有重复项，需要去重</a:t>
             </a:r>
-            <a:endParaRPr lang="zh-CN" altLang="en-US"/>
           </a:p>
           <a:p>
             <a:pPr lvl="1"/>
@@ -10197,7 +10906,7 @@
             <p:nvPr/>
           </p:nvPicPr>
           <p:blipFill>
-            <a:blip r:embed="rId2">
+            <a:blip r:embed="rId3">
               <a:extLst>
                 <a:ext uri="{28A0092B-C50C-407E-A947-70E740481C1C}">
                   <a14:useLocalDpi xmlns:a14="http://schemas.microsoft.com/office/drawing/2010/main" val="0"/>
@@ -10227,7 +10936,7 @@
             <p:nvPr/>
           </p:nvPicPr>
           <p:blipFill rotWithShape="1">
-            <a:blip r:embed="rId2">
+            <a:blip r:embed="rId3">
               <a:extLst>
                 <a:ext uri="{28A0092B-C50C-407E-A947-70E740481C1C}">
                   <a14:useLocalDpi xmlns:a14="http://schemas.microsoft.com/office/drawing/2010/main" val="0"/>
@@ -10314,21 +11023,6 @@
               </a:rPr>
               <a:t>难点和挑战</a:t>
             </a:r>
-            <a:endParaRPr lang="zh-CN" altLang="en-US" sz="6000" b="1" dirty="0">
-              <a:solidFill>
-                <a:schemeClr val="bg1"/>
-              </a:solidFill>
-              <a:effectLst>
-                <a:outerShdw blurRad="50800" dist="38100" dir="2700000" algn="tl" rotWithShape="0">
-                  <a:prstClr val="black">
-                    <a:alpha val="40000"/>
-                  </a:prstClr>
-                </a:outerShdw>
-              </a:effectLst>
-              <a:latin typeface="微软雅黑" panose="020B0503020204020204" pitchFamily="34" charset="-122"/>
-              <a:ea typeface="微软雅黑" panose="020B0503020204020204" pitchFamily="34" charset="-122"/>
-              <a:sym typeface="微软雅黑" panose="020B0503020204020204" pitchFamily="34" charset="-122"/>
-            </a:endParaRPr>
           </a:p>
         </p:txBody>
       </p:sp>
@@ -10558,6 +11252,96 @@
           <a:lstStyle/>
           <a:p>
             <a:pPr algn="ctr"/>
+            <a:endParaRPr lang="zh-CN" altLang="en-US"/>
+          </a:p>
+        </p:txBody>
+      </p:sp>
+      <p:sp>
+        <p:nvSpPr>
+          <p:cNvPr id="5" name="日期占位符 4">
+            <a:extLst>
+              <a:ext uri="{FF2B5EF4-FFF2-40B4-BE49-F238E27FC236}">
+                <a16:creationId xmlns:a16="http://schemas.microsoft.com/office/drawing/2014/main" id="{9B86F6B2-DF25-4711-AD70-CE83B7D18661}"/>
+              </a:ext>
+            </a:extLst>
+          </p:cNvPr>
+          <p:cNvSpPr>
+            <a:spLocks noGrp="1"/>
+          </p:cNvSpPr>
+          <p:nvPr>
+            <p:ph type="dt" sz="half" idx="10"/>
+          </p:nvPr>
+        </p:nvSpPr>
+        <p:spPr/>
+        <p:txBody>
+          <a:bodyPr/>
+          <a:lstStyle/>
+          <a:p>
+            <a:fld id="{6D609CE2-BA4D-46A9-A8AB-8120BA24ED07}" type="datetime1">
+              <a:rPr lang="zh-CN" altLang="en-US" smtClean="0"/>
+              <a:t>2019/12/25</a:t>
+            </a:fld>
+            <a:endParaRPr lang="zh-CN" altLang="en-US"/>
+          </a:p>
+        </p:txBody>
+      </p:sp>
+      <p:sp>
+        <p:nvSpPr>
+          <p:cNvPr id="14" name="页脚占位符 13">
+            <a:extLst>
+              <a:ext uri="{FF2B5EF4-FFF2-40B4-BE49-F238E27FC236}">
+                <a16:creationId xmlns:a16="http://schemas.microsoft.com/office/drawing/2014/main" id="{159085BC-A95B-451A-AA46-C99A85230805}"/>
+              </a:ext>
+            </a:extLst>
+          </p:cNvPr>
+          <p:cNvSpPr>
+            <a:spLocks noGrp="1"/>
+          </p:cNvSpPr>
+          <p:nvPr>
+            <p:ph type="ftr" sz="quarter" idx="11"/>
+          </p:nvPr>
+        </p:nvSpPr>
+        <p:spPr/>
+        <p:txBody>
+          <a:bodyPr/>
+          <a:lstStyle/>
+          <a:p>
+            <a:r>
+              <a:rPr lang="en-US" altLang="zh-CN"/>
+              <a:t>https://github.com/UncooleBen/SteamedEgg.git </a:t>
+            </a:r>
+            <a:r>
+              <a:rPr lang="zh-CN" altLang="en-US"/>
+              <a:t>李尚真 彭钧涛 郭源杰 </a:t>
+            </a:r>
+          </a:p>
+        </p:txBody>
+      </p:sp>
+      <p:sp>
+        <p:nvSpPr>
+          <p:cNvPr id="15" name="灯片编号占位符 14">
+            <a:extLst>
+              <a:ext uri="{FF2B5EF4-FFF2-40B4-BE49-F238E27FC236}">
+                <a16:creationId xmlns:a16="http://schemas.microsoft.com/office/drawing/2014/main" id="{25A26B9C-E958-422E-A122-CFE1F2FF4ABC}"/>
+              </a:ext>
+            </a:extLst>
+          </p:cNvPr>
+          <p:cNvSpPr>
+            <a:spLocks noGrp="1"/>
+          </p:cNvSpPr>
+          <p:nvPr>
+            <p:ph type="sldNum" sz="quarter" idx="12"/>
+          </p:nvPr>
+        </p:nvSpPr>
+        <p:spPr/>
+        <p:txBody>
+          <a:bodyPr/>
+          <a:lstStyle/>
+          <a:p>
+            <a:fld id="{C5A8F65C-32B6-44AD-B5C6-741E2EBC8CAC}" type="slidenum">
+              <a:rPr lang="zh-CN" altLang="en-US" smtClean="0"/>
+              <a:t>16</a:t>
+            </a:fld>
             <a:endParaRPr lang="zh-CN" altLang="en-US"/>
           </a:p>
         </p:txBody>
@@ -10667,7 +11451,7 @@
     <p:bg>
       <p:bgPr>
         <a:blipFill dpi="0" rotWithShape="1">
-          <a:blip r:embed="rId1">
+          <a:blip r:embed="rId2">
             <a:lum/>
           </a:blip>
           <a:srcRect/>
@@ -10739,7 +11523,7 @@
           <a:lstStyle/>
           <a:p>
             <a:r>
-              <a:rPr lang="zh-CN" altLang="en-US" sz="8000" b="1" dirty="0" smtClean="0">
+              <a:rPr lang="zh-CN" altLang="en-US" sz="8000" b="1" dirty="0">
                 <a:solidFill>
                   <a:schemeClr val="tx1">
                     <a:lumMod val="65000"/>
@@ -10788,8 +11572,8 @@
         </p:nvSpPr>
         <p:spPr>
           <a:xfrm>
-            <a:off x="7832703" y="5018345"/>
-            <a:ext cx="3192145" cy="1383665"/>
+            <a:off x="6931153" y="5018345"/>
+            <a:ext cx="4093696" cy="1383665"/>
           </a:xfrm>
           <a:prstGeom prst="rect">
             <a:avLst/>
@@ -10801,10 +11585,11 @@
           <a:bodyPr wrap="square" rtlCol="0">
             <a:spAutoFit/>
           </a:bodyPr>
+          <a:lstStyle/>
           <a:p>
             <a:pPr algn="l"/>
             <a:r>
-              <a:rPr lang="en-US" sz="2800" b="1" dirty="0" smtClean="0">
+              <a:rPr lang="en-US" sz="2800" b="1" dirty="0">
                 <a:solidFill>
                   <a:srgbClr val="FEFEFE"/>
                 </a:solidFill>
@@ -10822,7 +11607,7 @@
               <a:t>10161900218 </a:t>
             </a:r>
             <a:r>
-              <a:rPr lang="zh-CN" altLang="en-US" sz="2800" b="1" dirty="0" smtClean="0">
+              <a:rPr lang="zh-CN" altLang="en-US" sz="2800" b="1" dirty="0">
                 <a:solidFill>
                   <a:srgbClr val="FEFEFE"/>
                 </a:solidFill>
@@ -10839,26 +11624,11 @@
               </a:rPr>
               <a:t>李尚真</a:t>
             </a:r>
-            <a:endParaRPr lang="zh-CN" altLang="en-US" sz="2800" b="1" dirty="0" smtClean="0">
-              <a:solidFill>
-                <a:srgbClr val="FEFEFE"/>
-              </a:solidFill>
-              <a:effectLst>
-                <a:outerShdw blurRad="50800" dist="38100" dir="2700000" algn="tl" rotWithShape="0">
-                  <a:prstClr val="black">
-                    <a:alpha val="40000"/>
-                  </a:prstClr>
-                </a:outerShdw>
-              </a:effectLst>
-              <a:latin typeface="Kartika" panose="02020503030404060203" pitchFamily="18" charset="0"/>
-              <a:ea typeface="方正姚体" panose="02010601030101010101" pitchFamily="2" charset="-122"/>
-              <a:cs typeface="Kartika" panose="02020503030404060203" pitchFamily="18" charset="0"/>
-            </a:endParaRPr>
           </a:p>
           <a:p>
             <a:pPr algn="l"/>
             <a:r>
-              <a:rPr lang="zh-CN" altLang="en-US" sz="2800" b="1" dirty="0" smtClean="0">
+              <a:rPr lang="zh-CN" altLang="en-US" sz="2800" b="1" dirty="0">
                 <a:solidFill>
                   <a:srgbClr val="FEFEFE"/>
                 </a:solidFill>
@@ -10875,26 +11645,11 @@
               </a:rPr>
               <a:t>10164601140 彭钧涛</a:t>
             </a:r>
-            <a:endParaRPr lang="zh-CN" altLang="en-US" sz="2800" b="1" dirty="0" smtClean="0">
-              <a:solidFill>
-                <a:srgbClr val="FEFEFE"/>
-              </a:solidFill>
-              <a:effectLst>
-                <a:outerShdw blurRad="50800" dist="38100" dir="2700000" algn="tl" rotWithShape="0">
-                  <a:prstClr val="black">
-                    <a:alpha val="40000"/>
-                  </a:prstClr>
-                </a:outerShdw>
-              </a:effectLst>
-              <a:latin typeface="Kartika" panose="02020503030404060203" pitchFamily="18" charset="0"/>
-              <a:ea typeface="方正姚体" panose="02010601030101010101" pitchFamily="2" charset="-122"/>
-              <a:cs typeface="Kartika" panose="02020503030404060203" pitchFamily="18" charset="0"/>
-            </a:endParaRPr>
           </a:p>
           <a:p>
             <a:pPr algn="l"/>
             <a:r>
-              <a:rPr lang="zh-CN" altLang="en-US" sz="2800" b="1" dirty="0" smtClean="0">
+              <a:rPr lang="zh-CN" altLang="en-US" sz="2800" b="1" dirty="0">
                 <a:solidFill>
                   <a:srgbClr val="FEFEFE"/>
                 </a:solidFill>
@@ -10911,21 +11666,109 @@
               </a:rPr>
               <a:t>10164800305 郭源杰</a:t>
             </a:r>
-            <a:endParaRPr lang="zh-CN" altLang="en-US" sz="2800" b="1" dirty="0" smtClean="0">
+          </a:p>
+        </p:txBody>
+      </p:sp>
+      <p:sp>
+        <p:nvSpPr>
+          <p:cNvPr id="3" name="日期占位符 2">
+            <a:extLst>
+              <a:ext uri="{FF2B5EF4-FFF2-40B4-BE49-F238E27FC236}">
+                <a16:creationId xmlns:a16="http://schemas.microsoft.com/office/drawing/2014/main" id="{5ACB122F-9496-4B6C-9C2C-15FEF3DAEB68}"/>
+              </a:ext>
+            </a:extLst>
+          </p:cNvPr>
+          <p:cNvSpPr>
+            <a:spLocks noGrp="1"/>
+          </p:cNvSpPr>
+          <p:nvPr>
+            <p:ph type="dt" sz="half" idx="10"/>
+          </p:nvPr>
+        </p:nvSpPr>
+        <p:spPr/>
+        <p:txBody>
+          <a:bodyPr/>
+          <a:lstStyle/>
+          <a:p>
+            <a:fld id="{03DCF7B2-A8D2-4CC0-90BE-7ECBB038ED20}" type="datetime1">
+              <a:rPr lang="zh-CN" altLang="en-US" smtClean="0"/>
+              <a:t>2019/12/25</a:t>
+            </a:fld>
+            <a:endParaRPr lang="zh-CN" altLang="en-US"/>
+          </a:p>
+        </p:txBody>
+      </p:sp>
+      <p:sp>
+        <p:nvSpPr>
+          <p:cNvPr id="4" name="页脚占位符 3">
+            <a:extLst>
+              <a:ext uri="{FF2B5EF4-FFF2-40B4-BE49-F238E27FC236}">
+                <a16:creationId xmlns:a16="http://schemas.microsoft.com/office/drawing/2014/main" id="{64CEA395-11A4-437E-B748-3972353B6CFC}"/>
+              </a:ext>
+            </a:extLst>
+          </p:cNvPr>
+          <p:cNvSpPr>
+            <a:spLocks noGrp="1"/>
+          </p:cNvSpPr>
+          <p:nvPr>
+            <p:ph type="ftr" sz="quarter" idx="11"/>
+          </p:nvPr>
+        </p:nvSpPr>
+        <p:spPr/>
+        <p:txBody>
+          <a:bodyPr/>
+          <a:lstStyle/>
+          <a:p>
+            <a:r>
+              <a:rPr lang="en-US" altLang="zh-CN">
+                <a:solidFill>
+                  <a:schemeClr val="bg1"/>
+                </a:solidFill>
+              </a:rPr>
+              <a:t>https://github.com/UncooleBen/SteamedEgg.git </a:t>
+            </a:r>
+            <a:r>
+              <a:rPr lang="zh-CN" altLang="en-US">
+                <a:solidFill>
+                  <a:schemeClr val="bg1"/>
+                </a:solidFill>
+              </a:rPr>
+              <a:t>李尚真 彭钧涛 郭源杰 </a:t>
+            </a:r>
+            <a:endParaRPr lang="zh-CN" altLang="en-US" dirty="0">
               <a:solidFill>
-                <a:srgbClr val="FEFEFE"/>
+                <a:schemeClr val="bg1"/>
               </a:solidFill>
-              <a:effectLst>
-                <a:outerShdw blurRad="50800" dist="38100" dir="2700000" algn="tl" rotWithShape="0">
-                  <a:prstClr val="black">
-                    <a:alpha val="40000"/>
-                  </a:prstClr>
-                </a:outerShdw>
-              </a:effectLst>
-              <a:latin typeface="Kartika" panose="02020503030404060203" pitchFamily="18" charset="0"/>
-              <a:ea typeface="方正姚体" panose="02010601030101010101" pitchFamily="2" charset="-122"/>
-              <a:cs typeface="Kartika" panose="02020503030404060203" pitchFamily="18" charset="0"/>
             </a:endParaRPr>
+          </a:p>
+        </p:txBody>
+      </p:sp>
+      <p:sp>
+        <p:nvSpPr>
+          <p:cNvPr id="5" name="灯片编号占位符 4">
+            <a:extLst>
+              <a:ext uri="{FF2B5EF4-FFF2-40B4-BE49-F238E27FC236}">
+                <a16:creationId xmlns:a16="http://schemas.microsoft.com/office/drawing/2014/main" id="{F11503AC-8335-49BA-BC1E-EEC507BEC1FC}"/>
+              </a:ext>
+            </a:extLst>
+          </p:cNvPr>
+          <p:cNvSpPr>
+            <a:spLocks noGrp="1"/>
+          </p:cNvSpPr>
+          <p:nvPr>
+            <p:ph type="sldNum" sz="quarter" idx="12"/>
+          </p:nvPr>
+        </p:nvSpPr>
+        <p:spPr/>
+        <p:txBody>
+          <a:bodyPr/>
+          <a:lstStyle/>
+          <a:p>
+            <a:fld id="{C5A8F65C-32B6-44AD-B5C6-741E2EBC8CAC}" type="slidenum">
+              <a:rPr lang="zh-CN" altLang="en-US" smtClean="0"/>
+              <a:t>17</a:t>
+            </a:fld>
+            <a:endParaRPr lang="zh-CN" altLang="en-US"/>
           </a:p>
         </p:txBody>
       </p:sp>
@@ -10934,13 +11777,6 @@
   <p:clrMapOvr>
     <a:masterClrMapping/>
   </p:clrMapOvr>
-  <p:timing>
-    <p:tnLst>
-      <p:par>
-        <p:cTn id="1" dur="indefinite" restart="never" nodeType="tmRoot"/>
-      </p:par>
-    </p:tnLst>
-  </p:timing>
 </p:sld>
 </file>
 
@@ -10950,7 +11786,7 @@
     <p:bg>
       <p:bgPr>
         <a:blipFill dpi="0" rotWithShape="1">
-          <a:blip r:embed="rId1">
+          <a:blip r:embed="rId2">
             <a:lum/>
           </a:blip>
           <a:srcRect/>
@@ -11080,7 +11916,7 @@
           <a:lstStyle/>
           <a:p>
             <a:r>
-              <a:rPr lang="en-US" altLang="zh-CN" sz="3600" dirty="0" smtClean="0">
+              <a:rPr lang="en-US" altLang="zh-CN" sz="3600" dirty="0">
                 <a:solidFill>
                   <a:schemeClr val="bg1"/>
                 </a:solidFill>
@@ -11095,25 +11931,7 @@
                 <a:ea typeface="方正姚体" panose="02010601030101010101" pitchFamily="2" charset="-122"/>
                 <a:cs typeface="Kartika" panose="02020503030404060203" pitchFamily="18" charset="0"/>
               </a:rPr>
-              <a:t>CONT</a:t>
-            </a:r>
-            <a:r>
-              <a:rPr lang="en-US" altLang="zh-CN" sz="3600" dirty="0" smtClean="0">
-                <a:solidFill>
-                  <a:schemeClr val="bg1"/>
-                </a:solidFill>
-                <a:effectLst>
-                  <a:outerShdw blurRad="63500" dist="63500" dir="2700000" algn="tl" rotWithShape="0">
-                    <a:prstClr val="black">
-                      <a:alpha val="40000"/>
-                    </a:prstClr>
-                  </a:outerShdw>
-                </a:effectLst>
-                <a:latin typeface="Kartika" panose="02020503030404060203" pitchFamily="18" charset="0"/>
-                <a:ea typeface="方正姚体" panose="02010601030101010101" pitchFamily="2" charset="-122"/>
-                <a:cs typeface="Kartika" panose="02020503030404060203" pitchFamily="18" charset="0"/>
-              </a:rPr>
-              <a:t>ENTS</a:t>
+              <a:t>CONTENTS</a:t>
             </a:r>
             <a:endParaRPr lang="zh-CN" altLang="en-US" sz="3600" dirty="0">
               <a:solidFill>
@@ -11730,24 +12548,6 @@
               </a:rPr>
               <a:t>分析</a:t>
             </a:r>
-            <a:endParaRPr lang="zh-CN" altLang="en-US" sz="3200" b="1" dirty="0">
-              <a:solidFill>
-                <a:schemeClr val="tx1">
-                  <a:lumMod val="65000"/>
-                  <a:lumOff val="35000"/>
-                </a:schemeClr>
-              </a:solidFill>
-              <a:effectLst>
-                <a:outerShdw blurRad="50800" dist="38100" dir="2700000" algn="tl" rotWithShape="0">
-                  <a:prstClr val="black">
-                    <a:alpha val="40000"/>
-                  </a:prstClr>
-                </a:outerShdw>
-              </a:effectLst>
-              <a:latin typeface="微软雅黑" panose="020B0503020204020204" pitchFamily="34" charset="-122"/>
-              <a:ea typeface="微软雅黑" panose="020B0503020204020204" pitchFamily="34" charset="-122"/>
-              <a:sym typeface="微软雅黑" panose="020B0503020204020204" pitchFamily="34" charset="-122"/>
-            </a:endParaRPr>
           </a:p>
         </p:txBody>
       </p:sp>
@@ -11818,24 +12618,6 @@
               </a:rPr>
               <a:t>开发框架</a:t>
             </a:r>
-            <a:endParaRPr lang="zh-CN" altLang="en-US" sz="3200" b="1" dirty="0">
-              <a:solidFill>
-                <a:schemeClr val="tx1">
-                  <a:lumMod val="65000"/>
-                  <a:lumOff val="35000"/>
-                </a:schemeClr>
-              </a:solidFill>
-              <a:effectLst>
-                <a:outerShdw blurRad="50800" dist="38100" dir="2700000" algn="tl" rotWithShape="0">
-                  <a:prstClr val="black">
-                    <a:alpha val="40000"/>
-                  </a:prstClr>
-                </a:outerShdw>
-              </a:effectLst>
-              <a:latin typeface="微软雅黑" panose="020B0503020204020204" pitchFamily="34" charset="-122"/>
-              <a:ea typeface="微软雅黑" panose="020B0503020204020204" pitchFamily="34" charset="-122"/>
-              <a:sym typeface="微软雅黑" panose="020B0503020204020204" pitchFamily="34" charset="-122"/>
-            </a:endParaRPr>
           </a:p>
         </p:txBody>
       </p:sp>
@@ -11906,24 +12688,6 @@
               </a:rPr>
               <a:t>难点和挑战</a:t>
             </a:r>
-            <a:endParaRPr lang="zh-CN" altLang="en-US" sz="3200" b="1" dirty="0">
-              <a:solidFill>
-                <a:schemeClr val="tx1">
-                  <a:lumMod val="65000"/>
-                  <a:lumOff val="35000"/>
-                </a:schemeClr>
-              </a:solidFill>
-              <a:effectLst>
-                <a:outerShdw blurRad="50800" dist="38100" dir="2700000" algn="tl" rotWithShape="0">
-                  <a:prstClr val="black">
-                    <a:alpha val="40000"/>
-                  </a:prstClr>
-                </a:outerShdw>
-              </a:effectLst>
-              <a:latin typeface="微软雅黑" panose="020B0503020204020204" pitchFamily="34" charset="-122"/>
-              <a:ea typeface="微软雅黑" panose="020B0503020204020204" pitchFamily="34" charset="-122"/>
-              <a:sym typeface="微软雅黑" panose="020B0503020204020204" pitchFamily="34" charset="-122"/>
-            </a:endParaRPr>
           </a:p>
         </p:txBody>
       </p:sp>
@@ -11951,7 +12715,7 @@
           <a:lstStyle/>
           <a:p>
             <a:r>
-              <a:rPr lang="en-US" altLang="zh-CN" sz="3200" dirty="0" smtClean="0">
+              <a:rPr lang="en-US" altLang="zh-CN" sz="3200" dirty="0">
                 <a:gradFill>
                   <a:gsLst>
                     <a:gs pos="0">
@@ -11975,7 +12739,7 @@
               <a:t>  </a:t>
             </a:r>
             <a:r>
-              <a:rPr lang="en-US" altLang="zh-CN" sz="3200" dirty="0" smtClean="0">
+              <a:rPr lang="en-US" altLang="zh-CN" sz="3200" dirty="0">
                 <a:solidFill>
                   <a:schemeClr val="bg1"/>
                 </a:solidFill>
@@ -11990,7 +12754,7 @@
               </a:rPr>
               <a:t>1</a:t>
             </a:r>
-            <a:endParaRPr lang="en-US" altLang="zh-CN" sz="2400" dirty="0" smtClean="0">
+            <a:endParaRPr lang="en-US" altLang="zh-CN" sz="2400" dirty="0">
               <a:solidFill>
                 <a:schemeClr val="bg1"/>
               </a:solidFill>
@@ -12030,11 +12794,11 @@
           <a:lstStyle/>
           <a:p>
             <a:r>
-              <a:rPr lang="en-US" altLang="zh-CN" sz="3200" b="1" dirty="0" smtClean="0"/>
+              <a:rPr lang="en-US" altLang="zh-CN" sz="3200" b="1" dirty="0"/>
               <a:t>  </a:t>
             </a:r>
             <a:r>
-              <a:rPr lang="en-US" altLang="zh-CN" sz="3200" dirty="0" smtClean="0">
+              <a:rPr lang="en-US" altLang="zh-CN" sz="3200" dirty="0">
                 <a:solidFill>
                   <a:schemeClr val="bg1"/>
                 </a:solidFill>
@@ -12049,7 +12813,7 @@
               </a:rPr>
               <a:t>2</a:t>
             </a:r>
-            <a:endParaRPr lang="en-US" altLang="zh-CN" sz="2400" dirty="0" smtClean="0">
+            <a:endParaRPr lang="en-US" altLang="zh-CN" sz="2400" dirty="0">
               <a:solidFill>
                 <a:schemeClr val="bg1"/>
               </a:solidFill>
@@ -12089,7 +12853,7 @@
           <a:lstStyle/>
           <a:p>
             <a:r>
-              <a:rPr lang="en-US" altLang="zh-CN" sz="3200" dirty="0" smtClean="0">
+              <a:rPr lang="en-US" altLang="zh-CN" sz="3200" dirty="0">
                 <a:solidFill>
                   <a:schemeClr val="tx1">
                     <a:lumMod val="95000"/>
@@ -12101,7 +12865,7 @@
               <a:t>  </a:t>
             </a:r>
             <a:r>
-              <a:rPr lang="en-US" altLang="zh-CN" sz="3200" dirty="0" smtClean="0">
+              <a:rPr lang="en-US" altLang="zh-CN" sz="3200" dirty="0">
                 <a:solidFill>
                   <a:schemeClr val="bg1"/>
                 </a:solidFill>
@@ -12116,7 +12880,7 @@
               </a:rPr>
               <a:t>3</a:t>
             </a:r>
-            <a:endParaRPr lang="en-US" altLang="zh-CN" sz="2400" dirty="0" smtClean="0">
+            <a:endParaRPr lang="en-US" altLang="zh-CN" sz="2400" dirty="0">
               <a:solidFill>
                 <a:schemeClr val="bg1"/>
               </a:solidFill>
@@ -12156,11 +12920,11 @@
           <a:lstStyle/>
           <a:p>
             <a:r>
-              <a:rPr lang="en-US" altLang="zh-CN" sz="3200" b="1" dirty="0" smtClean="0"/>
+              <a:rPr lang="en-US" altLang="zh-CN" sz="3200" b="1" dirty="0"/>
               <a:t>  </a:t>
             </a:r>
             <a:r>
-              <a:rPr lang="en-US" altLang="zh-CN" sz="3200" dirty="0" smtClean="0">
+              <a:rPr lang="en-US" altLang="zh-CN" sz="3200" dirty="0">
                 <a:solidFill>
                   <a:schemeClr val="bg1"/>
                 </a:solidFill>
@@ -12175,7 +12939,7 @@
               </a:rPr>
               <a:t>4</a:t>
             </a:r>
-            <a:endParaRPr lang="en-US" altLang="zh-CN" sz="2400" dirty="0" smtClean="0">
+            <a:endParaRPr lang="en-US" altLang="zh-CN" sz="2400" dirty="0">
               <a:solidFill>
                 <a:schemeClr val="bg1"/>
               </a:solidFill>
@@ -12191,18 +12955,101 @@
           </a:p>
         </p:txBody>
       </p:sp>
+      <p:sp>
+        <p:nvSpPr>
+          <p:cNvPr id="21" name="日期占位符 20">
+            <a:extLst>
+              <a:ext uri="{FF2B5EF4-FFF2-40B4-BE49-F238E27FC236}">
+                <a16:creationId xmlns:a16="http://schemas.microsoft.com/office/drawing/2014/main" id="{D912BF2C-E576-490E-9176-1A360B16FD3B}"/>
+              </a:ext>
+            </a:extLst>
+          </p:cNvPr>
+          <p:cNvSpPr>
+            <a:spLocks noGrp="1"/>
+          </p:cNvSpPr>
+          <p:nvPr>
+            <p:ph type="dt" sz="half" idx="10"/>
+          </p:nvPr>
+        </p:nvSpPr>
+        <p:spPr/>
+        <p:txBody>
+          <a:bodyPr/>
+          <a:lstStyle/>
+          <a:p>
+            <a:fld id="{846164F1-DB9E-4944-BF40-812C77BDAB93}" type="datetime1">
+              <a:rPr lang="zh-CN" altLang="en-US" smtClean="0"/>
+              <a:t>2019/12/25</a:t>
+            </a:fld>
+            <a:endParaRPr lang="zh-CN" altLang="en-US"/>
+          </a:p>
+        </p:txBody>
+      </p:sp>
+      <p:sp>
+        <p:nvSpPr>
+          <p:cNvPr id="22" name="页脚占位符 21">
+            <a:extLst>
+              <a:ext uri="{FF2B5EF4-FFF2-40B4-BE49-F238E27FC236}">
+                <a16:creationId xmlns:a16="http://schemas.microsoft.com/office/drawing/2014/main" id="{C286534C-5F17-4858-896B-6462E1C21B05}"/>
+              </a:ext>
+            </a:extLst>
+          </p:cNvPr>
+          <p:cNvSpPr>
+            <a:spLocks noGrp="1"/>
+          </p:cNvSpPr>
+          <p:nvPr>
+            <p:ph type="ftr" sz="quarter" idx="11"/>
+          </p:nvPr>
+        </p:nvSpPr>
+        <p:spPr/>
+        <p:txBody>
+          <a:bodyPr/>
+          <a:lstStyle/>
+          <a:p>
+            <a:r>
+              <a:rPr lang="en-US" altLang="zh-CN"/>
+              <a:t>https://github.com/UncooleBen/SteamedEgg.git </a:t>
+            </a:r>
+            <a:r>
+              <a:rPr lang="zh-CN" altLang="en-US"/>
+              <a:t>李尚真 彭钧涛 郭源杰 </a:t>
+            </a:r>
+          </a:p>
+        </p:txBody>
+      </p:sp>
+      <p:sp>
+        <p:nvSpPr>
+          <p:cNvPr id="23" name="灯片编号占位符 22">
+            <a:extLst>
+              <a:ext uri="{FF2B5EF4-FFF2-40B4-BE49-F238E27FC236}">
+                <a16:creationId xmlns:a16="http://schemas.microsoft.com/office/drawing/2014/main" id="{C7D99AE4-2FC2-4718-ACFE-D600E349927E}"/>
+              </a:ext>
+            </a:extLst>
+          </p:cNvPr>
+          <p:cNvSpPr>
+            <a:spLocks noGrp="1"/>
+          </p:cNvSpPr>
+          <p:nvPr>
+            <p:ph type="sldNum" sz="quarter" idx="12"/>
+          </p:nvPr>
+        </p:nvSpPr>
+        <p:spPr/>
+        <p:txBody>
+          <a:bodyPr/>
+          <a:lstStyle/>
+          <a:p>
+            <a:fld id="{C5A8F65C-32B6-44AD-B5C6-741E2EBC8CAC}" type="slidenum">
+              <a:rPr lang="zh-CN" altLang="en-US" smtClean="0"/>
+              <a:t>2</a:t>
+            </a:fld>
+            <a:endParaRPr lang="zh-CN" altLang="en-US"/>
+          </a:p>
+        </p:txBody>
+      </p:sp>
     </p:spTree>
   </p:cSld>
   <p:clrMapOvr>
     <a:masterClrMapping/>
   </p:clrMapOvr>
-  <p:timing>
-    <p:tnLst>
-      <p:par>
-        <p:cTn id="1" dur="indefinite" restart="never" nodeType="tmRoot"/>
-      </p:par>
-    </p:tnLst>
-  </p:timing>
 </p:sld>
 </file>
 
@@ -12212,7 +13059,7 @@
     <p:bg>
       <p:bgPr>
         <a:blipFill dpi="0" rotWithShape="1">
-          <a:blip r:embed="rId1">
+          <a:blip r:embed="rId2">
             <a:lum/>
           </a:blip>
           <a:srcRect/>
@@ -12349,7 +13196,7 @@
           <a:lstStyle/>
           <a:p>
             <a:r>
-              <a:rPr lang="en-US" altLang="zh-CN" sz="7200" b="1" dirty="0" smtClean="0">
+              <a:rPr lang="en-US" altLang="zh-CN" sz="7200" b="1" dirty="0">
                 <a:solidFill>
                   <a:schemeClr val="bg1"/>
                 </a:solidFill>
@@ -12366,7 +13213,7 @@
               </a:rPr>
               <a:t>PART   01</a:t>
             </a:r>
-            <a:endParaRPr lang="zh-CN" altLang="en-US" sz="7200" b="1" dirty="0" smtClean="0">
+            <a:endParaRPr lang="zh-CN" altLang="en-US" sz="7200" b="1" dirty="0">
               <a:solidFill>
                 <a:schemeClr val="bg1"/>
               </a:solidFill>
@@ -12384,18 +13231,101 @@
           </a:p>
         </p:txBody>
       </p:sp>
+      <p:sp>
+        <p:nvSpPr>
+          <p:cNvPr id="2" name="日期占位符 1">
+            <a:extLst>
+              <a:ext uri="{FF2B5EF4-FFF2-40B4-BE49-F238E27FC236}">
+                <a16:creationId xmlns:a16="http://schemas.microsoft.com/office/drawing/2014/main" id="{CB08C954-3904-40C4-AE58-F06BCC692F6A}"/>
+              </a:ext>
+            </a:extLst>
+          </p:cNvPr>
+          <p:cNvSpPr>
+            <a:spLocks noGrp="1"/>
+          </p:cNvSpPr>
+          <p:nvPr>
+            <p:ph type="dt" sz="half" idx="10"/>
+          </p:nvPr>
+        </p:nvSpPr>
+        <p:spPr/>
+        <p:txBody>
+          <a:bodyPr/>
+          <a:lstStyle/>
+          <a:p>
+            <a:fld id="{20585611-BF9C-484B-ABC5-622A15C4704A}" type="datetime1">
+              <a:rPr lang="zh-CN" altLang="en-US" smtClean="0"/>
+              <a:t>2019/12/25</a:t>
+            </a:fld>
+            <a:endParaRPr lang="zh-CN" altLang="en-US"/>
+          </a:p>
+        </p:txBody>
+      </p:sp>
+      <p:sp>
+        <p:nvSpPr>
+          <p:cNvPr id="4" name="页脚占位符 3">
+            <a:extLst>
+              <a:ext uri="{FF2B5EF4-FFF2-40B4-BE49-F238E27FC236}">
+                <a16:creationId xmlns:a16="http://schemas.microsoft.com/office/drawing/2014/main" id="{E5ADC5A8-5817-4843-9B82-FD07D5408C89}"/>
+              </a:ext>
+            </a:extLst>
+          </p:cNvPr>
+          <p:cNvSpPr>
+            <a:spLocks noGrp="1"/>
+          </p:cNvSpPr>
+          <p:nvPr>
+            <p:ph type="ftr" sz="quarter" idx="11"/>
+          </p:nvPr>
+        </p:nvSpPr>
+        <p:spPr/>
+        <p:txBody>
+          <a:bodyPr/>
+          <a:lstStyle/>
+          <a:p>
+            <a:r>
+              <a:rPr lang="en-US" altLang="zh-CN"/>
+              <a:t>https://github.com/UncooleBen/SteamedEgg.git </a:t>
+            </a:r>
+            <a:r>
+              <a:rPr lang="zh-CN" altLang="en-US"/>
+              <a:t>李尚真 彭钧涛 郭源杰 </a:t>
+            </a:r>
+          </a:p>
+        </p:txBody>
+      </p:sp>
+      <p:sp>
+        <p:nvSpPr>
+          <p:cNvPr id="5" name="灯片编号占位符 4">
+            <a:extLst>
+              <a:ext uri="{FF2B5EF4-FFF2-40B4-BE49-F238E27FC236}">
+                <a16:creationId xmlns:a16="http://schemas.microsoft.com/office/drawing/2014/main" id="{5F533ED3-88C3-44AD-8AB9-8BAB2C9CC69D}"/>
+              </a:ext>
+            </a:extLst>
+          </p:cNvPr>
+          <p:cNvSpPr>
+            <a:spLocks noGrp="1"/>
+          </p:cNvSpPr>
+          <p:nvPr>
+            <p:ph type="sldNum" sz="quarter" idx="12"/>
+          </p:nvPr>
+        </p:nvSpPr>
+        <p:spPr/>
+        <p:txBody>
+          <a:bodyPr/>
+          <a:lstStyle/>
+          <a:p>
+            <a:fld id="{C5A8F65C-32B6-44AD-B5C6-741E2EBC8CAC}" type="slidenum">
+              <a:rPr lang="zh-CN" altLang="en-US" smtClean="0"/>
+              <a:t>3</a:t>
+            </a:fld>
+            <a:endParaRPr lang="zh-CN" altLang="en-US"/>
+          </a:p>
+        </p:txBody>
+      </p:sp>
     </p:spTree>
   </p:cSld>
   <p:clrMapOvr>
     <a:masterClrMapping/>
   </p:clrMapOvr>
-  <p:timing>
-    <p:tnLst>
-      <p:par>
-        <p:cTn id="1" dur="indefinite" restart="never" nodeType="tmRoot"/>
-      </p:par>
-    </p:tnLst>
-  </p:timing>
 </p:sld>
 </file>
 
@@ -12405,7 +13335,7 @@
     <p:bg>
       <p:bgPr>
         <a:blipFill dpi="0" rotWithShape="1">
-          <a:blip r:embed="rId1">
+          <a:blip r:embed="rId2">
             <a:lum/>
           </a:blip>
           <a:srcRect/>
@@ -12453,7 +13383,7 @@
             <p:nvPr/>
           </p:nvPicPr>
           <p:blipFill>
-            <a:blip r:embed="rId2">
+            <a:blip r:embed="rId3">
               <a:extLst>
                 <a:ext uri="{28A0092B-C50C-407E-A947-70E740481C1C}">
                   <a14:useLocalDpi xmlns:a14="http://schemas.microsoft.com/office/drawing/2010/main" val="0"/>
@@ -12483,7 +13413,7 @@
             <p:nvPr/>
           </p:nvPicPr>
           <p:blipFill rotWithShape="1">
-            <a:blip r:embed="rId2">
+            <a:blip r:embed="rId3">
               <a:extLst>
                 <a:ext uri="{28A0092B-C50C-407E-A947-70E740481C1C}">
                   <a14:useLocalDpi xmlns:a14="http://schemas.microsoft.com/office/drawing/2010/main" val="0"/>
@@ -12570,21 +13500,6 @@
               </a:rPr>
               <a:t>项目简介</a:t>
             </a:r>
-            <a:endParaRPr lang="zh-CN" altLang="en-US" sz="6000" b="1" dirty="0">
-              <a:solidFill>
-                <a:schemeClr val="bg1"/>
-              </a:solidFill>
-              <a:effectLst>
-                <a:outerShdw blurRad="50800" dist="38100" dir="2700000" algn="tl" rotWithShape="0">
-                  <a:prstClr val="black">
-                    <a:alpha val="40000"/>
-                  </a:prstClr>
-                </a:outerShdw>
-              </a:effectLst>
-              <a:latin typeface="微软雅黑" panose="020B0503020204020204" pitchFamily="34" charset="-122"/>
-              <a:ea typeface="微软雅黑" panose="020B0503020204020204" pitchFamily="34" charset="-122"/>
-              <a:sym typeface="微软雅黑" panose="020B0503020204020204" pitchFamily="34" charset="-122"/>
-            </a:endParaRPr>
           </a:p>
         </p:txBody>
       </p:sp>
@@ -12827,7 +13742,7 @@
           <p:nvPr/>
         </p:nvPicPr>
         <p:blipFill>
-          <a:blip r:embed="rId3"/>
+          <a:blip r:embed="rId4"/>
           <a:stretch>
             <a:fillRect/>
           </a:stretch>
@@ -12835,7 +13750,7 @@
         <p:spPr>
           <a:xfrm>
             <a:off x="207645" y="1348105"/>
-            <a:ext cx="9758045" cy="5217160"/>
+            <a:ext cx="9758045" cy="5089271"/>
           </a:xfrm>
           <a:prstGeom prst="rect">
             <a:avLst/>
@@ -12862,6 +13777,7 @@
           <a:bodyPr vert="horz" wrap="square" rtlCol="0">
             <a:spAutoFit/>
           </a:bodyPr>
+          <a:lstStyle/>
           <a:p>
             <a:r>
               <a:rPr lang="en-US" altLang="zh-CN" sz="2000"/>
@@ -12871,7 +13787,96 @@
               <a:rPr lang="zh-CN" altLang="en-US" sz="2000"/>
               <a:t>商店页面</a:t>
             </a:r>
-            <a:endParaRPr lang="zh-CN" altLang="en-US" sz="2000"/>
+          </a:p>
+        </p:txBody>
+      </p:sp>
+      <p:sp>
+        <p:nvSpPr>
+          <p:cNvPr id="4" name="日期占位符 3">
+            <a:extLst>
+              <a:ext uri="{FF2B5EF4-FFF2-40B4-BE49-F238E27FC236}">
+                <a16:creationId xmlns:a16="http://schemas.microsoft.com/office/drawing/2014/main" id="{307D56D4-9016-4205-8480-A0396CBBF3C0}"/>
+              </a:ext>
+            </a:extLst>
+          </p:cNvPr>
+          <p:cNvSpPr>
+            <a:spLocks noGrp="1"/>
+          </p:cNvSpPr>
+          <p:nvPr>
+            <p:ph type="dt" sz="half" idx="10"/>
+          </p:nvPr>
+        </p:nvSpPr>
+        <p:spPr/>
+        <p:txBody>
+          <a:bodyPr/>
+          <a:lstStyle/>
+          <a:p>
+            <a:fld id="{EA8EE3B6-5282-4CB2-8DED-E9199632AD2C}" type="datetime1">
+              <a:rPr lang="zh-CN" altLang="en-US" smtClean="0"/>
+              <a:t>2019/12/25</a:t>
+            </a:fld>
+            <a:endParaRPr lang="zh-CN" altLang="en-US"/>
+          </a:p>
+        </p:txBody>
+      </p:sp>
+      <p:sp>
+        <p:nvSpPr>
+          <p:cNvPr id="5" name="页脚占位符 4">
+            <a:extLst>
+              <a:ext uri="{FF2B5EF4-FFF2-40B4-BE49-F238E27FC236}">
+                <a16:creationId xmlns:a16="http://schemas.microsoft.com/office/drawing/2014/main" id="{F05429BE-B85F-4A47-8060-D4315BB2D575}"/>
+              </a:ext>
+            </a:extLst>
+          </p:cNvPr>
+          <p:cNvSpPr>
+            <a:spLocks noGrp="1"/>
+          </p:cNvSpPr>
+          <p:nvPr>
+            <p:ph type="ftr" sz="quarter" idx="11"/>
+          </p:nvPr>
+        </p:nvSpPr>
+        <p:spPr/>
+        <p:txBody>
+          <a:bodyPr/>
+          <a:lstStyle/>
+          <a:p>
+            <a:r>
+              <a:rPr lang="en-US" altLang="zh-CN"/>
+              <a:t>https://github.com/UncooleBen/SteamedEgg.git </a:t>
+            </a:r>
+            <a:r>
+              <a:rPr lang="zh-CN" altLang="en-US"/>
+              <a:t>李尚真 彭钧涛 郭源杰 </a:t>
+            </a:r>
+          </a:p>
+        </p:txBody>
+      </p:sp>
+      <p:sp>
+        <p:nvSpPr>
+          <p:cNvPr id="6" name="灯片编号占位符 5">
+            <a:extLst>
+              <a:ext uri="{FF2B5EF4-FFF2-40B4-BE49-F238E27FC236}">
+                <a16:creationId xmlns:a16="http://schemas.microsoft.com/office/drawing/2014/main" id="{2A326E85-58EE-4DA7-BB1E-F290BACEBCB4}"/>
+              </a:ext>
+            </a:extLst>
+          </p:cNvPr>
+          <p:cNvSpPr>
+            <a:spLocks noGrp="1"/>
+          </p:cNvSpPr>
+          <p:nvPr>
+            <p:ph type="sldNum" sz="quarter" idx="12"/>
+          </p:nvPr>
+        </p:nvSpPr>
+        <p:spPr/>
+        <p:txBody>
+          <a:bodyPr/>
+          <a:lstStyle/>
+          <a:p>
+            <a:fld id="{C5A8F65C-32B6-44AD-B5C6-741E2EBC8CAC}" type="slidenum">
+              <a:rPr lang="zh-CN" altLang="en-US" smtClean="0"/>
+              <a:t>4</a:t>
+            </a:fld>
+            <a:endParaRPr lang="zh-CN" altLang="en-US"/>
           </a:p>
         </p:txBody>
       </p:sp>
@@ -13066,7 +14071,7 @@
     <p:bg>
       <p:bgPr>
         <a:blipFill dpi="0" rotWithShape="1">
-          <a:blip r:embed="rId1">
+          <a:blip r:embed="rId2">
             <a:lum/>
           </a:blip>
           <a:srcRect/>
@@ -13104,6 +14109,7 @@
         <p:spPr/>
         <p:txBody>
           <a:bodyPr/>
+          <a:lstStyle/>
           <a:p>
             <a:endParaRPr lang="zh-CN" altLang="en-US"/>
           </a:p>
@@ -13122,6 +14128,7 @@
         <p:spPr/>
         <p:txBody>
           <a:bodyPr/>
+          <a:lstStyle/>
           <a:p>
             <a:r>
               <a:rPr lang="zh-CN" altLang="en-US"/>
@@ -13153,15 +14160,7 @@
                   <a:srgbClr val="FF0000"/>
                 </a:solidFill>
               </a:rPr>
-              <a:t>历史价格</a:t>
-            </a:r>
-            <a:r>
-              <a:rPr lang="zh-CN" altLang="en-US">
-                <a:solidFill>
-                  <a:srgbClr val="FF0000"/>
-                </a:solidFill>
-              </a:rPr>
-              <a:t>查询</a:t>
+              <a:t>历史价格查询</a:t>
             </a:r>
             <a:endParaRPr lang="zh-CN" altLang="en-US"/>
           </a:p>
@@ -13178,7 +14177,6 @@
               <a:rPr lang="zh-CN" altLang="en-US"/>
               <a:t>用户为主</a:t>
             </a:r>
-            <a:endParaRPr lang="zh-CN" altLang="en-US"/>
           </a:p>
         </p:txBody>
       </p:sp>
@@ -13205,7 +14203,7 @@
             <p:nvPr/>
           </p:nvPicPr>
           <p:blipFill>
-            <a:blip r:embed="rId2">
+            <a:blip r:embed="rId3">
               <a:extLst>
                 <a:ext uri="{28A0092B-C50C-407E-A947-70E740481C1C}">
                   <a14:useLocalDpi xmlns:a14="http://schemas.microsoft.com/office/drawing/2010/main" val="0"/>
@@ -13235,7 +14233,7 @@
             <p:nvPr/>
           </p:nvPicPr>
           <p:blipFill rotWithShape="1">
-            <a:blip r:embed="rId2">
+            <a:blip r:embed="rId3">
               <a:extLst>
                 <a:ext uri="{28A0092B-C50C-407E-A947-70E740481C1C}">
                   <a14:useLocalDpi xmlns:a14="http://schemas.microsoft.com/office/drawing/2010/main" val="0"/>
@@ -13322,21 +14320,6 @@
               </a:rPr>
               <a:t>项目简介</a:t>
             </a:r>
-            <a:endParaRPr lang="zh-CN" altLang="en-US" sz="6000" b="1" dirty="0">
-              <a:solidFill>
-                <a:schemeClr val="bg1"/>
-              </a:solidFill>
-              <a:effectLst>
-                <a:outerShdw blurRad="50800" dist="38100" dir="2700000" algn="tl" rotWithShape="0">
-                  <a:prstClr val="black">
-                    <a:alpha val="40000"/>
-                  </a:prstClr>
-                </a:outerShdw>
-              </a:effectLst>
-              <a:latin typeface="微软雅黑" panose="020B0503020204020204" pitchFamily="34" charset="-122"/>
-              <a:ea typeface="微软雅黑" panose="020B0503020204020204" pitchFamily="34" charset="-122"/>
-              <a:sym typeface="微软雅黑" panose="020B0503020204020204" pitchFamily="34" charset="-122"/>
-            </a:endParaRPr>
           </a:p>
         </p:txBody>
       </p:sp>
@@ -13566,6 +14549,96 @@
           <a:lstStyle/>
           <a:p>
             <a:pPr algn="ctr"/>
+            <a:endParaRPr lang="zh-CN" altLang="en-US"/>
+          </a:p>
+        </p:txBody>
+      </p:sp>
+      <p:sp>
+        <p:nvSpPr>
+          <p:cNvPr id="3" name="日期占位符 2">
+            <a:extLst>
+              <a:ext uri="{FF2B5EF4-FFF2-40B4-BE49-F238E27FC236}">
+                <a16:creationId xmlns:a16="http://schemas.microsoft.com/office/drawing/2014/main" id="{92DB522A-C3A3-4407-BE65-C5489707654F}"/>
+              </a:ext>
+            </a:extLst>
+          </p:cNvPr>
+          <p:cNvSpPr>
+            <a:spLocks noGrp="1"/>
+          </p:cNvSpPr>
+          <p:nvPr>
+            <p:ph type="dt" sz="half" idx="10"/>
+          </p:nvPr>
+        </p:nvSpPr>
+        <p:spPr/>
+        <p:txBody>
+          <a:bodyPr/>
+          <a:lstStyle/>
+          <a:p>
+            <a:fld id="{9F6848D6-E49E-46E6-8653-E60825F51AD2}" type="datetime1">
+              <a:rPr lang="zh-CN" altLang="en-US" smtClean="0"/>
+              <a:t>2019/12/25</a:t>
+            </a:fld>
+            <a:endParaRPr lang="zh-CN" altLang="en-US"/>
+          </a:p>
+        </p:txBody>
+      </p:sp>
+      <p:sp>
+        <p:nvSpPr>
+          <p:cNvPr id="4" name="页脚占位符 3">
+            <a:extLst>
+              <a:ext uri="{FF2B5EF4-FFF2-40B4-BE49-F238E27FC236}">
+                <a16:creationId xmlns:a16="http://schemas.microsoft.com/office/drawing/2014/main" id="{F0B195BA-185B-405F-B51D-94B93D49B0C7}"/>
+              </a:ext>
+            </a:extLst>
+          </p:cNvPr>
+          <p:cNvSpPr>
+            <a:spLocks noGrp="1"/>
+          </p:cNvSpPr>
+          <p:nvPr>
+            <p:ph type="ftr" sz="quarter" idx="11"/>
+          </p:nvPr>
+        </p:nvSpPr>
+        <p:spPr/>
+        <p:txBody>
+          <a:bodyPr/>
+          <a:lstStyle/>
+          <a:p>
+            <a:r>
+              <a:rPr lang="en-US" altLang="zh-CN"/>
+              <a:t>https://github.com/UncooleBen/SteamedEgg.git </a:t>
+            </a:r>
+            <a:r>
+              <a:rPr lang="zh-CN" altLang="en-US"/>
+              <a:t>李尚真 彭钧涛 郭源杰 </a:t>
+            </a:r>
+          </a:p>
+        </p:txBody>
+      </p:sp>
+      <p:sp>
+        <p:nvSpPr>
+          <p:cNvPr id="5" name="灯片编号占位符 4">
+            <a:extLst>
+              <a:ext uri="{FF2B5EF4-FFF2-40B4-BE49-F238E27FC236}">
+                <a16:creationId xmlns:a16="http://schemas.microsoft.com/office/drawing/2014/main" id="{706B803F-E634-49D2-9AAC-B617A8AA64B3}"/>
+              </a:ext>
+            </a:extLst>
+          </p:cNvPr>
+          <p:cNvSpPr>
+            <a:spLocks noGrp="1"/>
+          </p:cNvSpPr>
+          <p:nvPr>
+            <p:ph type="sldNum" sz="quarter" idx="12"/>
+          </p:nvPr>
+        </p:nvSpPr>
+        <p:spPr/>
+        <p:txBody>
+          <a:bodyPr/>
+          <a:lstStyle/>
+          <a:p>
+            <a:fld id="{C5A8F65C-32B6-44AD-B5C6-741E2EBC8CAC}" type="slidenum">
+              <a:rPr lang="zh-CN" altLang="en-US" smtClean="0"/>
+              <a:t>5</a:t>
+            </a:fld>
             <a:endParaRPr lang="zh-CN" altLang="en-US"/>
           </a:p>
         </p:txBody>
@@ -13820,7 +14893,7 @@
     <p:bg>
       <p:bgPr>
         <a:blipFill dpi="0" rotWithShape="1">
-          <a:blip r:embed="rId1">
+          <a:blip r:embed="rId2">
             <a:lum/>
           </a:blip>
           <a:srcRect/>
@@ -13892,7 +14965,7 @@
           <a:lstStyle/>
           <a:p>
             <a:r>
-              <a:rPr lang="zh-CN" altLang="en-US" sz="6600" b="1" dirty="0" smtClean="0">
+              <a:rPr lang="zh-CN" altLang="en-US" sz="6600" b="1" dirty="0">
                 <a:solidFill>
                   <a:schemeClr val="tx1">
                     <a:lumMod val="65000"/>
@@ -13912,24 +14985,6 @@
               </a:rPr>
               <a:t>分析</a:t>
             </a:r>
-            <a:endParaRPr lang="zh-CN" altLang="en-US" sz="6600" b="1" dirty="0" smtClean="0">
-              <a:solidFill>
-                <a:schemeClr val="tx1">
-                  <a:lumMod val="65000"/>
-                  <a:lumOff val="35000"/>
-                </a:schemeClr>
-              </a:solidFill>
-              <a:effectLst>
-                <a:outerShdw blurRad="50800" dist="38100" dir="2700000" algn="tl" rotWithShape="0">
-                  <a:prstClr val="black">
-                    <a:alpha val="40000"/>
-                  </a:prstClr>
-                </a:outerShdw>
-              </a:effectLst>
-              <a:latin typeface="微软雅黑" panose="020B0503020204020204" pitchFamily="34" charset="-122"/>
-              <a:ea typeface="微软雅黑" panose="020B0503020204020204" pitchFamily="34" charset="-122"/>
-              <a:sym typeface="微软雅黑" panose="020B0503020204020204" pitchFamily="34" charset="-122"/>
-            </a:endParaRPr>
           </a:p>
         </p:txBody>
       </p:sp>
@@ -13957,7 +15012,7 @@
           <a:lstStyle/>
           <a:p>
             <a:r>
-              <a:rPr lang="en-US" altLang="zh-CN" sz="7200" b="1" dirty="0" smtClean="0">
+              <a:rPr lang="en-US" altLang="zh-CN" sz="7200" b="1" dirty="0">
                 <a:solidFill>
                   <a:schemeClr val="bg1"/>
                 </a:solidFill>
@@ -13972,27 +15027,9 @@
                 <a:ea typeface="方正姚体" panose="02010601030101010101" pitchFamily="2" charset="-122"/>
                 <a:cs typeface="Kartika" panose="02020503030404060203" pitchFamily="18" charset="0"/>
               </a:rPr>
-              <a:t>PART   </a:t>
-            </a:r>
-            <a:r>
-              <a:rPr lang="en-US" altLang="zh-CN" sz="7200" b="1" dirty="0" smtClean="0">
-                <a:solidFill>
-                  <a:schemeClr val="bg1"/>
-                </a:solidFill>
-                <a:effectLst>
-                  <a:outerShdw blurRad="50800" dist="38100" dir="2700000" algn="tl" rotWithShape="0">
-                    <a:prstClr val="black">
-                      <a:alpha val="40000"/>
-                    </a:prstClr>
-                  </a:outerShdw>
-                </a:effectLst>
-                <a:latin typeface="Kartika" panose="02020503030404060203" pitchFamily="18" charset="0"/>
-                <a:ea typeface="方正姚体" panose="02010601030101010101" pitchFamily="2" charset="-122"/>
-                <a:cs typeface="Kartika" panose="02020503030404060203" pitchFamily="18" charset="0"/>
-              </a:rPr>
-              <a:t>02</a:t>
-            </a:r>
-            <a:endParaRPr lang="zh-CN" altLang="en-US" sz="7200" b="1" dirty="0" smtClean="0">
+              <a:t>PART   02</a:t>
+            </a:r>
+            <a:endParaRPr lang="zh-CN" altLang="en-US" sz="7200" b="1" dirty="0">
               <a:solidFill>
                 <a:schemeClr val="bg1"/>
               </a:solidFill>
@@ -14010,18 +15047,101 @@
           </a:p>
         </p:txBody>
       </p:sp>
+      <p:sp>
+        <p:nvSpPr>
+          <p:cNvPr id="2" name="日期占位符 1">
+            <a:extLst>
+              <a:ext uri="{FF2B5EF4-FFF2-40B4-BE49-F238E27FC236}">
+                <a16:creationId xmlns:a16="http://schemas.microsoft.com/office/drawing/2014/main" id="{19CDFA29-ECE2-4F59-B9F9-82D58325C147}"/>
+              </a:ext>
+            </a:extLst>
+          </p:cNvPr>
+          <p:cNvSpPr>
+            <a:spLocks noGrp="1"/>
+          </p:cNvSpPr>
+          <p:nvPr>
+            <p:ph type="dt" sz="half" idx="10"/>
+          </p:nvPr>
+        </p:nvSpPr>
+        <p:spPr/>
+        <p:txBody>
+          <a:bodyPr/>
+          <a:lstStyle/>
+          <a:p>
+            <a:fld id="{E1E9DBE3-CBFB-46C6-BE7E-8A5E13812A52}" type="datetime1">
+              <a:rPr lang="zh-CN" altLang="en-US" smtClean="0"/>
+              <a:t>2019/12/25</a:t>
+            </a:fld>
+            <a:endParaRPr lang="zh-CN" altLang="en-US"/>
+          </a:p>
+        </p:txBody>
+      </p:sp>
+      <p:sp>
+        <p:nvSpPr>
+          <p:cNvPr id="4" name="页脚占位符 3">
+            <a:extLst>
+              <a:ext uri="{FF2B5EF4-FFF2-40B4-BE49-F238E27FC236}">
+                <a16:creationId xmlns:a16="http://schemas.microsoft.com/office/drawing/2014/main" id="{220C9F79-4E57-463B-8B1A-4A6DF69D1363}"/>
+              </a:ext>
+            </a:extLst>
+          </p:cNvPr>
+          <p:cNvSpPr>
+            <a:spLocks noGrp="1"/>
+          </p:cNvSpPr>
+          <p:nvPr>
+            <p:ph type="ftr" sz="quarter" idx="11"/>
+          </p:nvPr>
+        </p:nvSpPr>
+        <p:spPr/>
+        <p:txBody>
+          <a:bodyPr/>
+          <a:lstStyle/>
+          <a:p>
+            <a:r>
+              <a:rPr lang="en-US" altLang="zh-CN"/>
+              <a:t>https://github.com/UncooleBen/SteamedEgg.git </a:t>
+            </a:r>
+            <a:r>
+              <a:rPr lang="zh-CN" altLang="en-US"/>
+              <a:t>李尚真 彭钧涛 郭源杰 </a:t>
+            </a:r>
+          </a:p>
+        </p:txBody>
+      </p:sp>
+      <p:sp>
+        <p:nvSpPr>
+          <p:cNvPr id="5" name="灯片编号占位符 4">
+            <a:extLst>
+              <a:ext uri="{FF2B5EF4-FFF2-40B4-BE49-F238E27FC236}">
+                <a16:creationId xmlns:a16="http://schemas.microsoft.com/office/drawing/2014/main" id="{459AD7F0-30B7-4B89-BB36-50FA99158C35}"/>
+              </a:ext>
+            </a:extLst>
+          </p:cNvPr>
+          <p:cNvSpPr>
+            <a:spLocks noGrp="1"/>
+          </p:cNvSpPr>
+          <p:nvPr>
+            <p:ph type="sldNum" sz="quarter" idx="12"/>
+          </p:nvPr>
+        </p:nvSpPr>
+        <p:spPr/>
+        <p:txBody>
+          <a:bodyPr/>
+          <a:lstStyle/>
+          <a:p>
+            <a:fld id="{C5A8F65C-32B6-44AD-B5C6-741E2EBC8CAC}" type="slidenum">
+              <a:rPr lang="zh-CN" altLang="en-US" smtClean="0"/>
+              <a:t>6</a:t>
+            </a:fld>
+            <a:endParaRPr lang="zh-CN" altLang="en-US"/>
+          </a:p>
+        </p:txBody>
+      </p:sp>
     </p:spTree>
   </p:cSld>
   <p:clrMapOvr>
     <a:masterClrMapping/>
   </p:clrMapOvr>
-  <p:timing>
-    <p:tnLst>
-      <p:par>
-        <p:cTn id="1" dur="indefinite" restart="never" nodeType="tmRoot"/>
-      </p:par>
-    </p:tnLst>
-  </p:timing>
 </p:sld>
 </file>
 
@@ -14031,7 +15151,7 @@
     <p:bg>
       <p:bgPr>
         <a:blipFill dpi="0" rotWithShape="1">
-          <a:blip r:embed="rId1">
+          <a:blip r:embed="rId2">
             <a:lum/>
           </a:blip>
           <a:srcRect/>
@@ -14069,6 +15189,7 @@
         <p:spPr/>
         <p:txBody>
           <a:bodyPr/>
+          <a:lstStyle/>
           <a:p>
             <a:endParaRPr lang="zh-CN" altLang="en-US"/>
           </a:p>
@@ -14097,7 +15218,7 @@
             <p:nvPr/>
           </p:nvPicPr>
           <p:blipFill>
-            <a:blip r:embed="rId2">
+            <a:blip r:embed="rId3">
               <a:extLst>
                 <a:ext uri="{28A0092B-C50C-407E-A947-70E740481C1C}">
                   <a14:useLocalDpi xmlns:a14="http://schemas.microsoft.com/office/drawing/2010/main" val="0"/>
@@ -14127,7 +15248,7 @@
             <p:nvPr/>
           </p:nvPicPr>
           <p:blipFill rotWithShape="1">
-            <a:blip r:embed="rId2">
+            <a:blip r:embed="rId3">
               <a:extLst>
                 <a:ext uri="{28A0092B-C50C-407E-A947-70E740481C1C}">
                   <a14:useLocalDpi xmlns:a14="http://schemas.microsoft.com/office/drawing/2010/main" val="0"/>
@@ -14214,21 +15335,6 @@
               </a:rPr>
               <a:t>需求分析</a:t>
             </a:r>
-            <a:endParaRPr lang="zh-CN" altLang="en-US" sz="6000" b="1" dirty="0">
-              <a:solidFill>
-                <a:schemeClr val="bg1"/>
-              </a:solidFill>
-              <a:effectLst>
-                <a:outerShdw blurRad="50800" dist="38100" dir="2700000" algn="tl" rotWithShape="0">
-                  <a:prstClr val="black">
-                    <a:alpha val="40000"/>
-                  </a:prstClr>
-                </a:outerShdw>
-              </a:effectLst>
-              <a:latin typeface="微软雅黑" panose="020B0503020204020204" pitchFamily="34" charset="-122"/>
-              <a:ea typeface="微软雅黑" panose="020B0503020204020204" pitchFamily="34" charset="-122"/>
-              <a:sym typeface="微软雅黑" panose="020B0503020204020204" pitchFamily="34" charset="-122"/>
-            </a:endParaRPr>
           </a:p>
         </p:txBody>
       </p:sp>
@@ -14466,14 +15572,14 @@
         <p:nvPicPr>
           <p:cNvPr id="5" name="内容占位符 4"/>
           <p:cNvPicPr>
-            <a:picLocks noChangeAspect="1"/>
+            <a:picLocks noGrp="1" noChangeAspect="1"/>
           </p:cNvPicPr>
           <p:nvPr>
             <p:ph idx="1"/>
           </p:nvPr>
         </p:nvPicPr>
         <p:blipFill>
-          <a:blip r:embed="rId3"/>
+          <a:blip r:embed="rId4"/>
           <a:stretch>
             <a:fillRect/>
           </a:stretch>
@@ -14528,6 +15634,7 @@
         </p:style>
         <p:txBody>
           <a:bodyPr rtlCol="0" anchor="ctr"/>
+          <a:lstStyle/>
           <a:p>
             <a:pPr algn="ctr"/>
             <a:endParaRPr lang="zh-CN" altLang="en-US"/>
@@ -14574,8 +15681,99 @@
         </p:style>
         <p:txBody>
           <a:bodyPr rtlCol="0" anchor="ctr"/>
+          <a:lstStyle/>
           <a:p>
             <a:pPr algn="ctr"/>
+            <a:endParaRPr lang="zh-CN" altLang="en-US"/>
+          </a:p>
+        </p:txBody>
+      </p:sp>
+      <p:sp>
+        <p:nvSpPr>
+          <p:cNvPr id="4" name="日期占位符 3">
+            <a:extLst>
+              <a:ext uri="{FF2B5EF4-FFF2-40B4-BE49-F238E27FC236}">
+                <a16:creationId xmlns:a16="http://schemas.microsoft.com/office/drawing/2014/main" id="{B30D78BE-2A30-4743-8A07-F3C7E709747B}"/>
+              </a:ext>
+            </a:extLst>
+          </p:cNvPr>
+          <p:cNvSpPr>
+            <a:spLocks noGrp="1"/>
+          </p:cNvSpPr>
+          <p:nvPr>
+            <p:ph type="dt" sz="half" idx="10"/>
+          </p:nvPr>
+        </p:nvSpPr>
+        <p:spPr/>
+        <p:txBody>
+          <a:bodyPr/>
+          <a:lstStyle/>
+          <a:p>
+            <a:fld id="{1C1AEFA0-0178-495C-9FBF-C260C498E454}" type="datetime1">
+              <a:rPr lang="zh-CN" altLang="en-US" smtClean="0"/>
+              <a:t>2019/12/25</a:t>
+            </a:fld>
+            <a:endParaRPr lang="zh-CN" altLang="en-US"/>
+          </a:p>
+        </p:txBody>
+      </p:sp>
+      <p:sp>
+        <p:nvSpPr>
+          <p:cNvPr id="14" name="页脚占位符 13">
+            <a:extLst>
+              <a:ext uri="{FF2B5EF4-FFF2-40B4-BE49-F238E27FC236}">
+                <a16:creationId xmlns:a16="http://schemas.microsoft.com/office/drawing/2014/main" id="{50F3E47E-3B73-49EE-869B-69E068322036}"/>
+              </a:ext>
+            </a:extLst>
+          </p:cNvPr>
+          <p:cNvSpPr>
+            <a:spLocks noGrp="1"/>
+          </p:cNvSpPr>
+          <p:nvPr>
+            <p:ph type="ftr" sz="quarter" idx="11"/>
+          </p:nvPr>
+        </p:nvSpPr>
+        <p:spPr/>
+        <p:txBody>
+          <a:bodyPr/>
+          <a:lstStyle/>
+          <a:p>
+            <a:r>
+              <a:rPr lang="en-US" altLang="zh-CN"/>
+              <a:t>https://github.com/UncooleBen/SteamedEgg.git </a:t>
+            </a:r>
+            <a:r>
+              <a:rPr lang="zh-CN" altLang="en-US"/>
+              <a:t>李尚真 彭钧涛 郭源杰 </a:t>
+            </a:r>
+          </a:p>
+        </p:txBody>
+      </p:sp>
+      <p:sp>
+        <p:nvSpPr>
+          <p:cNvPr id="17" name="灯片编号占位符 16">
+            <a:extLst>
+              <a:ext uri="{FF2B5EF4-FFF2-40B4-BE49-F238E27FC236}">
+                <a16:creationId xmlns:a16="http://schemas.microsoft.com/office/drawing/2014/main" id="{08460996-F218-4FFA-B68A-A1C8524951B2}"/>
+              </a:ext>
+            </a:extLst>
+          </p:cNvPr>
+          <p:cNvSpPr>
+            <a:spLocks noGrp="1"/>
+          </p:cNvSpPr>
+          <p:nvPr>
+            <p:ph type="sldNum" sz="quarter" idx="12"/>
+          </p:nvPr>
+        </p:nvSpPr>
+        <p:spPr/>
+        <p:txBody>
+          <a:bodyPr/>
+          <a:lstStyle/>
+          <a:p>
+            <a:fld id="{C5A8F65C-32B6-44AD-B5C6-741E2EBC8CAC}" type="slidenum">
+              <a:rPr lang="zh-CN" altLang="en-US" smtClean="0"/>
+              <a:t>7</a:t>
+            </a:fld>
             <a:endParaRPr lang="zh-CN" altLang="en-US"/>
           </a:p>
         </p:txBody>
@@ -14825,7 +16023,7 @@
     <p:bg>
       <p:bgPr>
         <a:blipFill dpi="0" rotWithShape="1">
-          <a:blip r:embed="rId1">
+          <a:blip r:embed="rId2">
             <a:lum/>
           </a:blip>
           <a:srcRect/>
@@ -14873,7 +16071,7 @@
             <p:nvPr/>
           </p:nvPicPr>
           <p:blipFill>
-            <a:blip r:embed="rId2">
+            <a:blip r:embed="rId3">
               <a:extLst>
                 <a:ext uri="{28A0092B-C50C-407E-A947-70E740481C1C}">
                   <a14:useLocalDpi xmlns:a14="http://schemas.microsoft.com/office/drawing/2010/main" val="0"/>
@@ -14903,7 +16101,7 @@
             <p:nvPr/>
           </p:nvPicPr>
           <p:blipFill rotWithShape="1">
-            <a:blip r:embed="rId2">
+            <a:blip r:embed="rId3">
               <a:extLst>
                 <a:ext uri="{28A0092B-C50C-407E-A947-70E740481C1C}">
                   <a14:useLocalDpi xmlns:a14="http://schemas.microsoft.com/office/drawing/2010/main" val="0"/>
@@ -14990,21 +16188,6 @@
               </a:rPr>
               <a:t>需求分析</a:t>
             </a:r>
-            <a:endParaRPr lang="zh-CN" altLang="en-US" sz="6000" b="1" dirty="0">
-              <a:solidFill>
-                <a:schemeClr val="bg1"/>
-              </a:solidFill>
-              <a:effectLst>
-                <a:outerShdw blurRad="50800" dist="38100" dir="2700000" algn="tl" rotWithShape="0">
-                  <a:prstClr val="black">
-                    <a:alpha val="40000"/>
-                  </a:prstClr>
-                </a:outerShdw>
-              </a:effectLst>
-              <a:latin typeface="微软雅黑" panose="020B0503020204020204" pitchFamily="34" charset="-122"/>
-              <a:ea typeface="微软雅黑" panose="020B0503020204020204" pitchFamily="34" charset="-122"/>
-              <a:sym typeface="微软雅黑" panose="020B0503020204020204" pitchFamily="34" charset="-122"/>
-            </a:endParaRPr>
           </a:p>
         </p:txBody>
       </p:sp>
@@ -15247,7 +16430,7 @@
           <p:nvPr/>
         </p:nvPicPr>
         <p:blipFill>
-          <a:blip r:embed="rId3"/>
+          <a:blip r:embed="rId4"/>
           <a:stretch>
             <a:fillRect/>
           </a:stretch>
@@ -15302,6 +16485,7 @@
         </p:style>
         <p:txBody>
           <a:bodyPr rtlCol="0" anchor="ctr"/>
+          <a:lstStyle/>
           <a:p>
             <a:pPr algn="ctr"/>
             <a:endParaRPr lang="zh-CN" altLang="en-US"/>
@@ -15348,6 +16532,7 @@
         </p:style>
         <p:txBody>
           <a:bodyPr rtlCol="0" anchor="ctr"/>
+          <a:lstStyle/>
           <a:p>
             <a:pPr algn="ctr"/>
             <a:endParaRPr lang="zh-CN" altLang="en-US"/>
@@ -15394,6 +16579,7 @@
         </p:style>
         <p:txBody>
           <a:bodyPr rtlCol="0" anchor="ctr"/>
+          <a:lstStyle/>
           <a:p>
             <a:pPr algn="ctr"/>
             <a:endParaRPr lang="zh-CN" altLang="en-US"/>
@@ -15440,6 +16626,7 @@
         </p:style>
         <p:txBody>
           <a:bodyPr rtlCol="0" anchor="ctr"/>
+          <a:lstStyle/>
           <a:p>
             <a:pPr algn="ctr"/>
             <a:endParaRPr lang="zh-CN" altLang="en-US"/>
@@ -15574,12 +16761,12 @@
           <a:bodyPr wrap="square" rtlCol="0">
             <a:spAutoFit/>
           </a:bodyPr>
+          <a:lstStyle/>
           <a:p>
             <a:r>
               <a:rPr lang="zh-CN" altLang="en-US"/>
               <a:t>用户最关心的数据</a:t>
             </a:r>
-            <a:endParaRPr lang="zh-CN" altLang="en-US"/>
           </a:p>
         </p:txBody>
       </p:sp>
@@ -15592,14 +16779,14 @@
           <p:nvPr/>
         </p:nvPicPr>
         <p:blipFill>
-          <a:blip r:embed="rId4"/>
+          <a:blip r:embed="rId5"/>
           <a:stretch>
             <a:fillRect/>
           </a:stretch>
         </p:blipFill>
         <p:spPr>
           <a:xfrm>
-            <a:off x="7310755" y="4133215"/>
+            <a:off x="7182739" y="3913759"/>
             <a:ext cx="4810760" cy="2639060"/>
           </a:xfrm>
           <a:prstGeom prst="rect">
@@ -15607,6 +16794,96 @@
           </a:prstGeom>
         </p:spPr>
       </p:pic>
+      <p:sp>
+        <p:nvSpPr>
+          <p:cNvPr id="14" name="日期占位符 13">
+            <a:extLst>
+              <a:ext uri="{FF2B5EF4-FFF2-40B4-BE49-F238E27FC236}">
+                <a16:creationId xmlns:a16="http://schemas.microsoft.com/office/drawing/2014/main" id="{1A9B3175-5AE5-4049-9511-8702BC76E651}"/>
+              </a:ext>
+            </a:extLst>
+          </p:cNvPr>
+          <p:cNvSpPr>
+            <a:spLocks noGrp="1"/>
+          </p:cNvSpPr>
+          <p:nvPr>
+            <p:ph type="dt" sz="half" idx="10"/>
+          </p:nvPr>
+        </p:nvSpPr>
+        <p:spPr/>
+        <p:txBody>
+          <a:bodyPr/>
+          <a:lstStyle/>
+          <a:p>
+            <a:fld id="{759427CB-B0B5-4E1F-B468-7E8F0B6C34AF}" type="datetime1">
+              <a:rPr lang="zh-CN" altLang="en-US" smtClean="0"/>
+              <a:t>2019/12/25</a:t>
+            </a:fld>
+            <a:endParaRPr lang="zh-CN" altLang="en-US"/>
+          </a:p>
+        </p:txBody>
+      </p:sp>
+      <p:sp>
+        <p:nvSpPr>
+          <p:cNvPr id="15" name="页脚占位符 14">
+            <a:extLst>
+              <a:ext uri="{FF2B5EF4-FFF2-40B4-BE49-F238E27FC236}">
+                <a16:creationId xmlns:a16="http://schemas.microsoft.com/office/drawing/2014/main" id="{0989EF04-9AFC-4F46-A069-44237905C9D3}"/>
+              </a:ext>
+            </a:extLst>
+          </p:cNvPr>
+          <p:cNvSpPr>
+            <a:spLocks noGrp="1"/>
+          </p:cNvSpPr>
+          <p:nvPr>
+            <p:ph type="ftr" sz="quarter" idx="11"/>
+          </p:nvPr>
+        </p:nvSpPr>
+        <p:spPr/>
+        <p:txBody>
+          <a:bodyPr/>
+          <a:lstStyle/>
+          <a:p>
+            <a:r>
+              <a:rPr lang="en-US" altLang="zh-CN"/>
+              <a:t>https://github.com/UncooleBen/SteamedEgg.git </a:t>
+            </a:r>
+            <a:r>
+              <a:rPr lang="zh-CN" altLang="en-US"/>
+              <a:t>李尚真 彭钧涛 郭源杰 </a:t>
+            </a:r>
+          </a:p>
+        </p:txBody>
+      </p:sp>
+      <p:sp>
+        <p:nvSpPr>
+          <p:cNvPr id="16" name="灯片编号占位符 15">
+            <a:extLst>
+              <a:ext uri="{FF2B5EF4-FFF2-40B4-BE49-F238E27FC236}">
+                <a16:creationId xmlns:a16="http://schemas.microsoft.com/office/drawing/2014/main" id="{01049A4D-6D28-4739-997E-28B22FFD8FD9}"/>
+              </a:ext>
+            </a:extLst>
+          </p:cNvPr>
+          <p:cNvSpPr>
+            <a:spLocks noGrp="1"/>
+          </p:cNvSpPr>
+          <p:nvPr>
+            <p:ph type="sldNum" sz="quarter" idx="12"/>
+          </p:nvPr>
+        </p:nvSpPr>
+        <p:spPr/>
+        <p:txBody>
+          <a:bodyPr/>
+          <a:lstStyle/>
+          <a:p>
+            <a:fld id="{C5A8F65C-32B6-44AD-B5C6-741E2EBC8CAC}" type="slidenum">
+              <a:rPr lang="zh-CN" altLang="en-US" smtClean="0"/>
+              <a:t>8</a:t>
+            </a:fld>
+            <a:endParaRPr lang="zh-CN" altLang="en-US"/>
+          </a:p>
+        </p:txBody>
+      </p:sp>
     </p:spTree>
   </p:cSld>
   <p:clrMapOvr>
@@ -16259,7 +17536,7 @@
     <p:bg>
       <p:bgPr>
         <a:blipFill dpi="0" rotWithShape="1">
-          <a:blip r:embed="rId1">
+          <a:blip r:embed="rId2">
             <a:lum/>
           </a:blip>
           <a:srcRect/>
@@ -16307,7 +17584,7 @@
             <p:nvPr/>
           </p:nvPicPr>
           <p:blipFill>
-            <a:blip r:embed="rId2">
+            <a:blip r:embed="rId3">
               <a:extLst>
                 <a:ext uri="{28A0092B-C50C-407E-A947-70E740481C1C}">
                   <a14:useLocalDpi xmlns:a14="http://schemas.microsoft.com/office/drawing/2010/main" val="0"/>
@@ -16337,7 +17614,7 @@
             <p:nvPr/>
           </p:nvPicPr>
           <p:blipFill rotWithShape="1">
-            <a:blip r:embed="rId2">
+            <a:blip r:embed="rId3">
               <a:extLst>
                 <a:ext uri="{28A0092B-C50C-407E-A947-70E740481C1C}">
                   <a14:useLocalDpi xmlns:a14="http://schemas.microsoft.com/office/drawing/2010/main" val="0"/>
@@ -16442,21 +17719,6 @@
               </a:rPr>
               <a:t>分析</a:t>
             </a:r>
-            <a:endParaRPr lang="zh-CN" altLang="en-US" sz="6000" b="1" dirty="0">
-              <a:solidFill>
-                <a:schemeClr val="bg1"/>
-              </a:solidFill>
-              <a:effectLst>
-                <a:outerShdw blurRad="50800" dist="38100" dir="2700000" algn="tl" rotWithShape="0">
-                  <a:prstClr val="black">
-                    <a:alpha val="40000"/>
-                  </a:prstClr>
-                </a:outerShdw>
-              </a:effectLst>
-              <a:latin typeface="微软雅黑" panose="020B0503020204020204" pitchFamily="34" charset="-122"/>
-              <a:ea typeface="微软雅黑" panose="020B0503020204020204" pitchFamily="34" charset="-122"/>
-              <a:sym typeface="微软雅黑" panose="020B0503020204020204" pitchFamily="34" charset="-122"/>
-            </a:endParaRPr>
           </a:p>
         </p:txBody>
       </p:sp>
@@ -16690,35 +17952,6 @@
           </a:p>
         </p:txBody>
       </p:sp>
-      <p:sp>
-        <p:nvSpPr>
-          <p:cNvPr id="50" name="文本框 49"/>
-          <p:cNvSpPr txBox="1"/>
-          <p:nvPr/>
-        </p:nvSpPr>
-        <p:spPr>
-          <a:xfrm>
-            <a:off x="3053080" y="6403975"/>
-            <a:ext cx="7257415" cy="368300"/>
-          </a:xfrm>
-          <a:prstGeom prst="rect">
-            <a:avLst/>
-          </a:prstGeom>
-          <a:noFill/>
-        </p:spPr>
-        <p:txBody>
-          <a:bodyPr wrap="square" rtlCol="0">
-            <a:spAutoFit/>
-          </a:bodyPr>
-          <a:p>
-            <a:r>
-              <a:rPr lang="zh-CN" altLang="en-US"/>
-              <a:t>https://store.steampowered.com/api/appdetails?appids=427520</a:t>
-            </a:r>
-            <a:endParaRPr lang="zh-CN" altLang="en-US"/>
-          </a:p>
-        </p:txBody>
-      </p:sp>
       <p:pic>
         <p:nvPicPr>
           <p:cNvPr id="51" name="图片 50"/>
@@ -16728,7 +17961,7 @@
           <p:nvPr/>
         </p:nvPicPr>
         <p:blipFill>
-          <a:blip r:embed="rId3"/>
+          <a:blip r:embed="rId4"/>
           <a:stretch>
             <a:fillRect/>
           </a:stretch>
@@ -16783,9 +18016,130 @@
         </p:style>
         <p:txBody>
           <a:bodyPr rtlCol="0" anchor="ctr"/>
+          <a:lstStyle/>
           <a:p>
             <a:pPr algn="ctr"/>
             <a:endParaRPr lang="zh-CN" altLang="en-US"/>
+          </a:p>
+        </p:txBody>
+      </p:sp>
+      <p:sp>
+        <p:nvSpPr>
+          <p:cNvPr id="3" name="日期占位符 2">
+            <a:extLst>
+              <a:ext uri="{FF2B5EF4-FFF2-40B4-BE49-F238E27FC236}">
+                <a16:creationId xmlns:a16="http://schemas.microsoft.com/office/drawing/2014/main" id="{E0FDD769-7493-4AA3-9247-9C2949D18FAE}"/>
+              </a:ext>
+            </a:extLst>
+          </p:cNvPr>
+          <p:cNvSpPr>
+            <a:spLocks noGrp="1"/>
+          </p:cNvSpPr>
+          <p:nvPr>
+            <p:ph type="dt" sz="half" idx="10"/>
+          </p:nvPr>
+        </p:nvSpPr>
+        <p:spPr/>
+        <p:txBody>
+          <a:bodyPr/>
+          <a:lstStyle/>
+          <a:p>
+            <a:fld id="{46DC4B64-3D3B-48A3-B8F8-4272169BD4F3}" type="datetime1">
+              <a:rPr lang="zh-CN" altLang="en-US" smtClean="0"/>
+              <a:t>2019/12/25</a:t>
+            </a:fld>
+            <a:endParaRPr lang="zh-CN" altLang="en-US"/>
+          </a:p>
+        </p:txBody>
+      </p:sp>
+      <p:sp>
+        <p:nvSpPr>
+          <p:cNvPr id="4" name="页脚占位符 3">
+            <a:extLst>
+              <a:ext uri="{FF2B5EF4-FFF2-40B4-BE49-F238E27FC236}">
+                <a16:creationId xmlns:a16="http://schemas.microsoft.com/office/drawing/2014/main" id="{B734D407-ECFB-4F12-B6C9-9358EA20FE93}"/>
+              </a:ext>
+            </a:extLst>
+          </p:cNvPr>
+          <p:cNvSpPr>
+            <a:spLocks noGrp="1"/>
+          </p:cNvSpPr>
+          <p:nvPr>
+            <p:ph type="ftr" sz="quarter" idx="11"/>
+          </p:nvPr>
+        </p:nvSpPr>
+        <p:spPr/>
+        <p:txBody>
+          <a:bodyPr/>
+          <a:lstStyle/>
+          <a:p>
+            <a:r>
+              <a:rPr lang="en-US" altLang="zh-CN"/>
+              <a:t>https://github.com/UncooleBen/SteamedEgg.git </a:t>
+            </a:r>
+            <a:r>
+              <a:rPr lang="zh-CN" altLang="en-US"/>
+              <a:t>李尚真 彭钧涛 郭源杰 </a:t>
+            </a:r>
+            <a:endParaRPr lang="zh-CN" altLang="en-US" dirty="0"/>
+          </a:p>
+        </p:txBody>
+      </p:sp>
+      <p:sp>
+        <p:nvSpPr>
+          <p:cNvPr id="5" name="灯片编号占位符 4">
+            <a:extLst>
+              <a:ext uri="{FF2B5EF4-FFF2-40B4-BE49-F238E27FC236}">
+                <a16:creationId xmlns:a16="http://schemas.microsoft.com/office/drawing/2014/main" id="{5D285853-0180-4000-A34D-21C9BFB3D99A}"/>
+              </a:ext>
+            </a:extLst>
+          </p:cNvPr>
+          <p:cNvSpPr>
+            <a:spLocks noGrp="1"/>
+          </p:cNvSpPr>
+          <p:nvPr>
+            <p:ph type="sldNum" sz="quarter" idx="12"/>
+          </p:nvPr>
+        </p:nvSpPr>
+        <p:spPr/>
+        <p:txBody>
+          <a:bodyPr/>
+          <a:lstStyle/>
+          <a:p>
+            <a:fld id="{C5A8F65C-32B6-44AD-B5C6-741E2EBC8CAC}" type="slidenum">
+              <a:rPr lang="zh-CN" altLang="en-US" smtClean="0"/>
+              <a:t>9</a:t>
+            </a:fld>
+            <a:endParaRPr lang="zh-CN" altLang="en-US" dirty="0"/>
+          </a:p>
+        </p:txBody>
+      </p:sp>
+      <p:sp>
+        <p:nvSpPr>
+          <p:cNvPr id="50" name="文本框 49"/>
+          <p:cNvSpPr txBox="1"/>
+          <p:nvPr/>
+        </p:nvSpPr>
+        <p:spPr>
+          <a:xfrm>
+            <a:off x="4333240" y="2261743"/>
+            <a:ext cx="7257415" cy="368300"/>
+          </a:xfrm>
+          <a:prstGeom prst="rect">
+            <a:avLst/>
+          </a:prstGeom>
+          <a:noFill/>
+        </p:spPr>
+        <p:txBody>
+          <a:bodyPr wrap="square" rtlCol="0">
+            <a:spAutoFit/>
+          </a:bodyPr>
+          <a:lstStyle/>
+          <a:p>
+            <a:r>
+              <a:rPr lang="zh-CN" altLang="en-US" dirty="0"/>
+              <a:t>https://store.steampowered.com/api/appdetails?appids=427520</a:t>
+            </a:r>
           </a:p>
         </p:txBody>
       </p:sp>
@@ -16975,14 +18329,14 @@
 </file>
 
 <file path=ppt/tags/tag1.xml><?xml version="1.0" encoding="utf-8"?>
-<p:tagLst xmlns:p="http://schemas.openxmlformats.org/presentationml/2006/main">
-  <p:tag name="KSO_WM_SLIDE_MODEL_TYPE" val="cover"/>
+<p:tagLst xmlns:a="http://schemas.openxmlformats.org/drawingml/2006/main" xmlns:r="http://schemas.openxmlformats.org/officeDocument/2006/relationships" xmlns:p="http://schemas.openxmlformats.org/presentationml/2006/main">
+  <p:tag name="KSO_WM_DOC_GUID" val="{bd68954c-8664-40f0-8bef-da02e89c8067}"/>
 </p:tagLst>
 </file>
 
 <file path=ppt/tags/tag2.xml><?xml version="1.0" encoding="utf-8"?>
-<p:tagLst xmlns:p="http://schemas.openxmlformats.org/presentationml/2006/main">
-  <p:tag name="KSO_WM_DOC_GUID" val="{bd68954c-8664-40f0-8bef-da02e89c8067}"/>
+<p:tagLst xmlns:a="http://schemas.openxmlformats.org/drawingml/2006/main" xmlns:r="http://schemas.openxmlformats.org/officeDocument/2006/relationships" xmlns:p="http://schemas.openxmlformats.org/presentationml/2006/main">
+  <p:tag name="KSO_WM_SLIDE_MODEL_TYPE" val="cover"/>
 </p:tagLst>
 </file>
 
@@ -17237,6 +18591,303 @@
       </a:bgFillStyleLst>
     </a:fmtScheme>
   </a:themeElements>
+  <a:objectDefaults/>
+  <a:extraClrSchemeLst/>
+  <a:extLst>
+    <a:ext uri="{05A4C25C-085E-4340-85A3-A5531E510DB2}">
+      <thm15:themeFamily xmlns:thm15="http://schemas.microsoft.com/office/thememl/2012/main" name="Office Theme" id="{62F939B6-93AF-4DB8-9C6B-D6C7DFDC589F}" vid="{4A3C46E8-61CC-4603-A589-7422A47A8E4A}"/>
+    </a:ext>
+  </a:extLst>
+</a:theme>
+</file>
+
+<file path=ppt/theme/theme2.xml><?xml version="1.0" encoding="utf-8"?>
+<a:theme xmlns:a="http://schemas.openxmlformats.org/drawingml/2006/main" name="Office 主题​​">
+  <a:themeElements>
+    <a:clrScheme name="Office">
+      <a:dk1>
+        <a:sysClr val="windowText" lastClr="000000"/>
+      </a:dk1>
+      <a:lt1>
+        <a:sysClr val="window" lastClr="FFFFFF"/>
+      </a:lt1>
+      <a:dk2>
+        <a:srgbClr val="44546A"/>
+      </a:dk2>
+      <a:lt2>
+        <a:srgbClr val="E7E6E6"/>
+      </a:lt2>
+      <a:accent1>
+        <a:srgbClr val="4472C4"/>
+      </a:accent1>
+      <a:accent2>
+        <a:srgbClr val="ED7D31"/>
+      </a:accent2>
+      <a:accent3>
+        <a:srgbClr val="A5A5A5"/>
+      </a:accent3>
+      <a:accent4>
+        <a:srgbClr val="FFC000"/>
+      </a:accent4>
+      <a:accent5>
+        <a:srgbClr val="5B9BD5"/>
+      </a:accent5>
+      <a:accent6>
+        <a:srgbClr val="70AD47"/>
+      </a:accent6>
+      <a:hlink>
+        <a:srgbClr val="0563C1"/>
+      </a:hlink>
+      <a:folHlink>
+        <a:srgbClr val="954F72"/>
+      </a:folHlink>
+    </a:clrScheme>
+    <a:fontScheme name="Office">
+      <a:majorFont>
+        <a:latin typeface="等线 Light" panose="020F0302020204030204"/>
+        <a:ea typeface=""/>
+        <a:cs typeface=""/>
+        <a:font script="Jpan" typeface="游ゴシック Light"/>
+        <a:font script="Hang" typeface="맑은 고딕"/>
+        <a:font script="Hans" typeface="等线 Light"/>
+        <a:font script="Hant" typeface="新細明體"/>
+        <a:font script="Arab" typeface="Times New Roman"/>
+        <a:font script="Hebr" typeface="Times New Roman"/>
+        <a:font script="Thai" typeface="Angsana New"/>
+        <a:font script="Ethi" typeface="Nyala"/>
+        <a:font script="Beng" typeface="Vrinda"/>
+        <a:font script="Gujr" typeface="Shruti"/>
+        <a:font script="Khmr" typeface="MoolBoran"/>
+        <a:font script="Knda" typeface="Tunga"/>
+        <a:font script="Guru" typeface="Raavi"/>
+        <a:font script="Cans" typeface="Euphemia"/>
+        <a:font script="Cher" typeface="Plantagenet Cherokee"/>
+        <a:font script="Yiii" typeface="Microsoft Yi Baiti"/>
+        <a:font script="Tibt" typeface="Microsoft Himalaya"/>
+        <a:font script="Thaa" typeface="MV Boli"/>
+        <a:font script="Deva" typeface="Mangal"/>
+        <a:font script="Telu" typeface="Gautami"/>
+        <a:font script="Taml" typeface="Latha"/>
+        <a:font script="Syrc" typeface="Estrangelo Edessa"/>
+        <a:font script="Orya" typeface="Kalinga"/>
+        <a:font script="Mlym" typeface="Kartika"/>
+        <a:font script="Laoo" typeface="DokChampa"/>
+        <a:font script="Sinh" typeface="Iskoola Pota"/>
+        <a:font script="Mong" typeface="Mongolian Baiti"/>
+        <a:font script="Viet" typeface="Times New Roman"/>
+        <a:font script="Uigh" typeface="Microsoft Uighur"/>
+        <a:font script="Geor" typeface="Sylfaen"/>
+        <a:font script="Armn" typeface="Arial"/>
+        <a:font script="Bugi" typeface="Leelawadee UI"/>
+        <a:font script="Bopo" typeface="Microsoft JhengHei"/>
+        <a:font script="Java" typeface="Javanese Text"/>
+        <a:font script="Lisu" typeface="Segoe UI"/>
+        <a:font script="Mymr" typeface="Myanmar Text"/>
+        <a:font script="Nkoo" typeface="Ebrima"/>
+        <a:font script="Olck" typeface="Nirmala UI"/>
+        <a:font script="Osma" typeface="Ebrima"/>
+        <a:font script="Phag" typeface="Phagspa"/>
+        <a:font script="Syrn" typeface="Estrangelo Edessa"/>
+        <a:font script="Syrj" typeface="Estrangelo Edessa"/>
+        <a:font script="Syre" typeface="Estrangelo Edessa"/>
+        <a:font script="Sora" typeface="Nirmala UI"/>
+        <a:font script="Tale" typeface="Microsoft Tai Le"/>
+        <a:font script="Talu" typeface="Microsoft New Tai Lue"/>
+        <a:font script="Tfng" typeface="Ebrima"/>
+      </a:majorFont>
+      <a:minorFont>
+        <a:latin typeface="等线" panose="020F0502020204030204"/>
+        <a:ea typeface=""/>
+        <a:cs typeface=""/>
+        <a:font script="Jpan" typeface="游ゴシック"/>
+        <a:font script="Hang" typeface="맑은 고딕"/>
+        <a:font script="Hans" typeface="等线"/>
+        <a:font script="Hant" typeface="新細明體"/>
+        <a:font script="Arab" typeface="Arial"/>
+        <a:font script="Hebr" typeface="Arial"/>
+        <a:font script="Thai" typeface="Cordia New"/>
+        <a:font script="Ethi" typeface="Nyala"/>
+        <a:font script="Beng" typeface="Vrinda"/>
+        <a:font script="Gujr" typeface="Shruti"/>
+        <a:font script="Khmr" typeface="DaunPenh"/>
+        <a:font script="Knda" typeface="Tunga"/>
+        <a:font script="Guru" typeface="Raavi"/>
+        <a:font script="Cans" typeface="Euphemia"/>
+        <a:font script="Cher" typeface="Plantagenet Cherokee"/>
+        <a:font script="Yiii" typeface="Microsoft Yi Baiti"/>
+        <a:font script="Tibt" typeface="Microsoft Himalaya"/>
+        <a:font script="Thaa" typeface="MV Boli"/>
+        <a:font script="Deva" typeface="Mangal"/>
+        <a:font script="Telu" typeface="Gautami"/>
+        <a:font script="Taml" typeface="Latha"/>
+        <a:font script="Syrc" typeface="Estrangelo Edessa"/>
+        <a:font script="Orya" typeface="Kalinga"/>
+        <a:font script="Mlym" typeface="Kartika"/>
+        <a:font script="Laoo" typeface="DokChampa"/>
+        <a:font script="Sinh" typeface="Iskoola Pota"/>
+        <a:font script="Mong" typeface="Mongolian Baiti"/>
+        <a:font script="Viet" typeface="Arial"/>
+        <a:font script="Uigh" typeface="Microsoft Uighur"/>
+        <a:font script="Geor" typeface="Sylfaen"/>
+        <a:font script="Armn" typeface="Arial"/>
+        <a:font script="Bugi" typeface="Leelawadee UI"/>
+        <a:font script="Bopo" typeface="Microsoft JhengHei"/>
+        <a:font script="Java" typeface="Javanese Text"/>
+        <a:font script="Lisu" typeface="Segoe UI"/>
+        <a:font script="Mymr" typeface="Myanmar Text"/>
+        <a:font script="Nkoo" typeface="Ebrima"/>
+        <a:font script="Olck" typeface="Nirmala UI"/>
+        <a:font script="Osma" typeface="Ebrima"/>
+        <a:font script="Phag" typeface="Phagspa"/>
+        <a:font script="Syrn" typeface="Estrangelo Edessa"/>
+        <a:font script="Syrj" typeface="Estrangelo Edessa"/>
+        <a:font script="Syre" typeface="Estrangelo Edessa"/>
+        <a:font script="Sora" typeface="Nirmala UI"/>
+        <a:font script="Tale" typeface="Microsoft Tai Le"/>
+        <a:font script="Talu" typeface="Microsoft New Tai Lue"/>
+        <a:font script="Tfng" typeface="Ebrima"/>
+      </a:minorFont>
+    </a:fontScheme>
+    <a:fmtScheme name="Office">
+      <a:fillStyleLst>
+        <a:solidFill>
+          <a:schemeClr val="phClr"/>
+        </a:solidFill>
+        <a:gradFill rotWithShape="1">
+          <a:gsLst>
+            <a:gs pos="0">
+              <a:schemeClr val="phClr">
+                <a:lumMod val="110000"/>
+                <a:satMod val="105000"/>
+                <a:tint val="67000"/>
+              </a:schemeClr>
+            </a:gs>
+            <a:gs pos="50000">
+              <a:schemeClr val="phClr">
+                <a:lumMod val="105000"/>
+                <a:satMod val="103000"/>
+                <a:tint val="73000"/>
+              </a:schemeClr>
+            </a:gs>
+            <a:gs pos="100000">
+              <a:schemeClr val="phClr">
+                <a:lumMod val="105000"/>
+                <a:satMod val="109000"/>
+                <a:tint val="81000"/>
+              </a:schemeClr>
+            </a:gs>
+          </a:gsLst>
+          <a:lin ang="5400000" scaled="0"/>
+        </a:gradFill>
+        <a:gradFill rotWithShape="1">
+          <a:gsLst>
+            <a:gs pos="0">
+              <a:schemeClr val="phClr">
+                <a:satMod val="103000"/>
+                <a:lumMod val="102000"/>
+                <a:tint val="94000"/>
+              </a:schemeClr>
+            </a:gs>
+            <a:gs pos="50000">
+              <a:schemeClr val="phClr">
+                <a:satMod val="110000"/>
+                <a:lumMod val="100000"/>
+                <a:shade val="100000"/>
+              </a:schemeClr>
+            </a:gs>
+            <a:gs pos="100000">
+              <a:schemeClr val="phClr">
+                <a:lumMod val="99000"/>
+                <a:satMod val="120000"/>
+                <a:shade val="78000"/>
+              </a:schemeClr>
+            </a:gs>
+          </a:gsLst>
+          <a:lin ang="5400000" scaled="0"/>
+        </a:gradFill>
+      </a:fillStyleLst>
+      <a:lnStyleLst>
+        <a:ln w="6350" cap="flat" cmpd="sng" algn="ctr">
+          <a:solidFill>
+            <a:schemeClr val="phClr"/>
+          </a:solidFill>
+          <a:prstDash val="solid"/>
+          <a:miter lim="800000"/>
+        </a:ln>
+        <a:ln w="12700" cap="flat" cmpd="sng" algn="ctr">
+          <a:solidFill>
+            <a:schemeClr val="phClr"/>
+          </a:solidFill>
+          <a:prstDash val="solid"/>
+          <a:miter lim="800000"/>
+        </a:ln>
+        <a:ln w="19050" cap="flat" cmpd="sng" algn="ctr">
+          <a:solidFill>
+            <a:schemeClr val="phClr"/>
+          </a:solidFill>
+          <a:prstDash val="solid"/>
+          <a:miter lim="800000"/>
+        </a:ln>
+      </a:lnStyleLst>
+      <a:effectStyleLst>
+        <a:effectStyle>
+          <a:effectLst/>
+        </a:effectStyle>
+        <a:effectStyle>
+          <a:effectLst/>
+        </a:effectStyle>
+        <a:effectStyle>
+          <a:effectLst>
+            <a:outerShdw blurRad="57150" dist="19050" dir="5400000" algn="ctr" rotWithShape="0">
+              <a:srgbClr val="000000">
+                <a:alpha val="63000"/>
+              </a:srgbClr>
+            </a:outerShdw>
+          </a:effectLst>
+        </a:effectStyle>
+      </a:effectStyleLst>
+      <a:bgFillStyleLst>
+        <a:solidFill>
+          <a:schemeClr val="phClr"/>
+        </a:solidFill>
+        <a:solidFill>
+          <a:schemeClr val="phClr">
+            <a:tint val="95000"/>
+            <a:satMod val="170000"/>
+          </a:schemeClr>
+        </a:solidFill>
+        <a:gradFill rotWithShape="1">
+          <a:gsLst>
+            <a:gs pos="0">
+              <a:schemeClr val="phClr">
+                <a:tint val="93000"/>
+                <a:satMod val="150000"/>
+                <a:shade val="98000"/>
+                <a:lumMod val="102000"/>
+              </a:schemeClr>
+            </a:gs>
+            <a:gs pos="50000">
+              <a:schemeClr val="phClr">
+                <a:tint val="98000"/>
+                <a:satMod val="130000"/>
+                <a:shade val="90000"/>
+                <a:lumMod val="103000"/>
+              </a:schemeClr>
+            </a:gs>
+            <a:gs pos="100000">
+              <a:schemeClr val="phClr">
+                <a:shade val="63000"/>
+                <a:satMod val="120000"/>
+              </a:schemeClr>
+            </a:gs>
+          </a:gsLst>
+          <a:lin ang="5400000" scaled="0"/>
+        </a:gradFill>
+      </a:bgFillStyleLst>
+    </a:fmtScheme>
+  </a:themeElements>
+  <a:objectDefaults/>
+  <a:extraClrSchemeLst/>
   <a:extLst>
     <a:ext uri="{05A4C25C-085E-4340-85A3-A5531E510DB2}">
       <thm15:themeFamily xmlns:thm15="http://schemas.microsoft.com/office/thememl/2012/main" name="Office Theme" id="{62F939B6-93AF-4DB8-9C6B-D6C7DFDC589F}" vid="{4A3C46E8-61CC-4603-A589-7422A47A8E4A}"/>

--- a/docs/Presentation.pptx
+++ b/docs/Presentation.pptx
@@ -5,31 +5,31 @@
     <p:sldMasterId id="2147483648" r:id="rId1"/>
   </p:sldMasterIdLst>
   <p:notesMasterIdLst>
-    <p:notesMasterId r:id="rId19"/>
+    <p:notesMasterId r:id="rId20"/>
   </p:notesMasterIdLst>
   <p:sldIdLst>
-    <p:sldId id="256" r:id="rId2"/>
-    <p:sldId id="257" r:id="rId3"/>
-    <p:sldId id="258" r:id="rId4"/>
-    <p:sldId id="260" r:id="rId5"/>
-    <p:sldId id="259" r:id="rId6"/>
-    <p:sldId id="265" r:id="rId7"/>
-    <p:sldId id="261" r:id="rId8"/>
-    <p:sldId id="262" r:id="rId9"/>
-    <p:sldId id="263" r:id="rId10"/>
-    <p:sldId id="291" r:id="rId11"/>
-    <p:sldId id="277" r:id="rId12"/>
-    <p:sldId id="292" r:id="rId13"/>
-    <p:sldId id="293" r:id="rId14"/>
-    <p:sldId id="279" r:id="rId15"/>
-    <p:sldId id="294" r:id="rId16"/>
-    <p:sldId id="298" r:id="rId17"/>
-    <p:sldId id="285" r:id="rId18"/>
+    <p:sldId id="256" r:id="rId3"/>
+    <p:sldId id="257" r:id="rId4"/>
+    <p:sldId id="258" r:id="rId5"/>
+    <p:sldId id="260" r:id="rId6"/>
+    <p:sldId id="259" r:id="rId7"/>
+    <p:sldId id="265" r:id="rId8"/>
+    <p:sldId id="261" r:id="rId9"/>
+    <p:sldId id="262" r:id="rId10"/>
+    <p:sldId id="263" r:id="rId11"/>
+    <p:sldId id="291" r:id="rId12"/>
+    <p:sldId id="277" r:id="rId13"/>
+    <p:sldId id="292" r:id="rId14"/>
+    <p:sldId id="293" r:id="rId15"/>
+    <p:sldId id="279" r:id="rId16"/>
+    <p:sldId id="294" r:id="rId17"/>
+    <p:sldId id="298" r:id="rId18"/>
+    <p:sldId id="285" r:id="rId19"/>
   </p:sldIdLst>
   <p:sldSz cx="12192000" cy="6858000"/>
   <p:notesSz cx="6858000" cy="9144000"/>
   <p:custDataLst>
-    <p:tags r:id="rId20"/>
+    <p:tags r:id="rId24"/>
   </p:custDataLst>
   <p:defaultTextStyle>
     <a:defPPr>
@@ -126,11 +126,6 @@
       </a:defRPr>
     </a:lvl9pPr>
   </p:defaultTextStyle>
-  <p:extLst>
-    <p:ext uri="{EFAFB233-063F-42B5-8137-9DF3F51BA10A}">
-      <p15:sldGuideLst xmlns:p15="http://schemas.microsoft.com/office/powerpoint/2012/main"/>
-    </p:ext>
-  </p:extLst>
 </p:presentation>
 </file>
 
@@ -920,7 +915,7 @@
         </a:p>
       </dgm:t>
     </dgm:pt>
-    <dgm:pt modelId="{2AFB1B2A-8749-4E5E-9CB9-0B60F81C46F8}" type="parTrans" cxnId="{A075B7AD-C16A-4CED-9C91-8CEB6F04D4F2}">
+    <dgm:pt modelId="{2AFB1B2A-8749-4E5E-9CB9-0B60F81C46F8}" cxnId="{A075B7AD-C16A-4CED-9C91-8CEB6F04D4F2}" type="parTrans">
       <dgm:prSet/>
       <dgm:spPr/>
       <dgm:t>
@@ -931,7 +926,7 @@
         </a:p>
       </dgm:t>
     </dgm:pt>
-    <dgm:pt modelId="{E0FFEB56-236E-4FE9-83BF-31494E265D5A}" type="sibTrans" cxnId="{A075B7AD-C16A-4CED-9C91-8CEB6F04D4F2}">
+    <dgm:pt modelId="{E0FFEB56-236E-4FE9-83BF-31494E265D5A}" cxnId="{A075B7AD-C16A-4CED-9C91-8CEB6F04D4F2}" type="sibTrans">
       <dgm:prSet/>
       <dgm:spPr/>
       <dgm:t>
@@ -967,7 +962,7 @@
         </a:p>
       </dgm:t>
     </dgm:pt>
-    <dgm:pt modelId="{AC2BFF99-DAE2-494A-88AB-85D75BC6D2EE}" type="parTrans" cxnId="{1EF7E714-9C9E-43D5-9D3C-449273D4FB21}">
+    <dgm:pt modelId="{AC2BFF99-DAE2-494A-88AB-85D75BC6D2EE}" cxnId="{1EF7E714-9C9E-43D5-9D3C-449273D4FB21}" type="parTrans">
       <dgm:prSet/>
       <dgm:spPr/>
       <dgm:t>
@@ -978,7 +973,7 @@
         </a:p>
       </dgm:t>
     </dgm:pt>
-    <dgm:pt modelId="{B98A0394-6758-42EB-8D0E-4491BED52B6C}" type="sibTrans" cxnId="{1EF7E714-9C9E-43D5-9D3C-449273D4FB21}">
+    <dgm:pt modelId="{B98A0394-6758-42EB-8D0E-4491BED52B6C}" cxnId="{1EF7E714-9C9E-43D5-9D3C-449273D4FB21}" type="sibTrans">
       <dgm:prSet/>
       <dgm:spPr/>
       <dgm:t>
@@ -1014,7 +1009,7 @@
         </a:p>
       </dgm:t>
     </dgm:pt>
-    <dgm:pt modelId="{581124B7-0397-40F7-9B1D-41220103BA68}" type="parTrans" cxnId="{76611430-BA12-4850-A445-4AE40DCC64C6}">
+    <dgm:pt modelId="{581124B7-0397-40F7-9B1D-41220103BA68}" cxnId="{76611430-BA12-4850-A445-4AE40DCC64C6}" type="parTrans">
       <dgm:prSet/>
       <dgm:spPr/>
       <dgm:t>
@@ -1025,7 +1020,7 @@
         </a:p>
       </dgm:t>
     </dgm:pt>
-    <dgm:pt modelId="{A23C44A9-E7A6-467B-BF93-DD0656347715}" type="sibTrans" cxnId="{76611430-BA12-4850-A445-4AE40DCC64C6}">
+    <dgm:pt modelId="{A23C44A9-E7A6-467B-BF93-DD0656347715}" cxnId="{76611430-BA12-4850-A445-4AE40DCC64C6}" type="sibTrans">
       <dgm:prSet/>
       <dgm:spPr/>
       <dgm:t>
@@ -1078,7 +1073,7 @@
         </a:p>
       </dgm:t>
     </dgm:pt>
-    <dgm:pt modelId="{84391E2C-A639-4BE9-BE0E-0B2906A28317}" type="parTrans" cxnId="{666960AC-BBAA-49BF-9E3C-29EFE22439BA}">
+    <dgm:pt modelId="{84391E2C-A639-4BE9-BE0E-0B2906A28317}" cxnId="{666960AC-BBAA-49BF-9E3C-29EFE22439BA}" type="parTrans">
       <dgm:prSet/>
       <dgm:spPr/>
       <dgm:t>
@@ -1089,7 +1084,7 @@
         </a:p>
       </dgm:t>
     </dgm:pt>
-    <dgm:pt modelId="{CCB268ED-4C0F-4E5E-A38F-E5579941C644}" type="sibTrans" cxnId="{666960AC-BBAA-49BF-9E3C-29EFE22439BA}">
+    <dgm:pt modelId="{CCB268ED-4C0F-4E5E-A38F-E5579941C644}" cxnId="{666960AC-BBAA-49BF-9E3C-29EFE22439BA}" type="sibTrans">
       <dgm:prSet/>
       <dgm:spPr/>
     </dgm:pt>
@@ -1118,7 +1113,7 @@
         </a:p>
       </dgm:t>
     </dgm:pt>
-    <dgm:pt modelId="{367D7799-1E5C-4947-8AD1-85D1E0D367AF}" type="parTrans" cxnId="{78BB98E4-F175-4D78-867D-14BFE3BF29A0}">
+    <dgm:pt modelId="{367D7799-1E5C-4947-8AD1-85D1E0D367AF}" cxnId="{78BB98E4-F175-4D78-867D-14BFE3BF29A0}" type="parTrans">
       <dgm:prSet/>
       <dgm:spPr/>
       <dgm:t>
@@ -1129,7 +1124,7 @@
         </a:p>
       </dgm:t>
     </dgm:pt>
-    <dgm:pt modelId="{7FFEBD18-7D5B-41C0-A8F3-60942A71708D}" type="sibTrans" cxnId="{78BB98E4-F175-4D78-867D-14BFE3BF29A0}">
+    <dgm:pt modelId="{7FFEBD18-7D5B-41C0-A8F3-60942A71708D}" cxnId="{78BB98E4-F175-4D78-867D-14BFE3BF29A0}" type="sibTrans">
       <dgm:prSet/>
       <dgm:spPr/>
       <dgm:t>
@@ -1313,7 +1308,7 @@
   <dgm:whole/>
   <dgm:extLst>
     <a:ext uri="http://schemas.microsoft.com/office/drawing/2008/diagram">
-      <dsp:dataModelExt xmlns:dsp="http://schemas.microsoft.com/office/drawing/2008/diagram" relId="rId8" minVer="http://schemas.openxmlformats.org/drawingml/2006/diagram"/>
+      <dsp:dataModelExt xmlns:dsp="http://schemas.microsoft.com/office/drawing/2008/diagram" relId="rId7" minVer="http://schemas.openxmlformats.org/drawingml/2006/diagram"/>
     </a:ext>
   </dgm:extLst>
 </dgm:dataModel>
@@ -2411,7 +2406,6 @@
       <a:camera prst="orthographicFront"/>
       <a:lightRig rig="threePt" dir="t"/>
     </dgm:scene3d>
-    <dgm:sp3d/>
     <dgm:txPr/>
     <dgm:style>
       <a:lnRef idx="2">
@@ -2431,7 +2425,6 @@
       <a:camera prst="orthographicFront"/>
       <a:lightRig rig="threePt" dir="t"/>
     </dgm:scene3d>
-    <dgm:sp3d/>
     <dgm:txPr/>
     <dgm:style>
       <a:lnRef idx="2">
@@ -2451,7 +2444,6 @@
       <a:camera prst="orthographicFront"/>
       <a:lightRig rig="threePt" dir="t"/>
     </dgm:scene3d>
-    <dgm:sp3d/>
     <dgm:txPr/>
     <dgm:style>
       <a:lnRef idx="2">
@@ -2471,7 +2463,6 @@
       <a:camera prst="orthographicFront"/>
       <a:lightRig rig="threePt" dir="t"/>
     </dgm:scene3d>
-    <dgm:sp3d/>
     <dgm:txPr/>
     <dgm:style>
       <a:lnRef idx="2">
@@ -2493,7 +2484,6 @@
       <a:camera prst="orthographicFront"/>
       <a:lightRig rig="threePt" dir="t"/>
     </dgm:scene3d>
-    <dgm:sp3d/>
     <dgm:txPr/>
     <dgm:style>
       <a:lnRef idx="2">
@@ -2515,7 +2505,6 @@
       <a:camera prst="orthographicFront"/>
       <a:lightRig rig="threePt" dir="t"/>
     </dgm:scene3d>
-    <dgm:sp3d/>
     <dgm:txPr/>
     <dgm:style>
       <a:lnRef idx="2">
@@ -2537,7 +2526,6 @@
       <a:camera prst="orthographicFront"/>
       <a:lightRig rig="threePt" dir="t"/>
     </dgm:scene3d>
-    <dgm:sp3d/>
     <dgm:txPr/>
     <dgm:style>
       <a:lnRef idx="2">
@@ -2559,7 +2547,6 @@
       <a:camera prst="orthographicFront"/>
       <a:lightRig rig="threePt" dir="t"/>
     </dgm:scene3d>
-    <dgm:sp3d/>
     <dgm:txPr/>
     <dgm:style>
       <a:lnRef idx="2">
@@ -2581,7 +2568,6 @@
       <a:camera prst="orthographicFront"/>
       <a:lightRig rig="threePt" dir="t"/>
     </dgm:scene3d>
-    <dgm:sp3d/>
     <dgm:txPr/>
     <dgm:style>
       <a:lnRef idx="2">
@@ -2603,7 +2589,6 @@
       <a:camera prst="orthographicFront"/>
       <a:lightRig rig="threePt" dir="t"/>
     </dgm:scene3d>
-    <dgm:sp3d/>
     <dgm:txPr/>
     <dgm:style>
       <a:lnRef idx="2">
@@ -2623,7 +2608,6 @@
       <a:camera prst="orthographicFront"/>
       <a:lightRig rig="threePt" dir="t"/>
     </dgm:scene3d>
-    <dgm:sp3d/>
     <dgm:txPr/>
     <dgm:style>
       <a:lnRef idx="2">
@@ -2643,7 +2627,6 @@
       <a:camera prst="orthographicFront"/>
       <a:lightRig rig="threePt" dir="t"/>
     </dgm:scene3d>
-    <dgm:sp3d/>
     <dgm:txPr/>
     <dgm:style>
       <a:lnRef idx="2">
@@ -2663,7 +2646,6 @@
       <a:camera prst="orthographicFront"/>
       <a:lightRig rig="threePt" dir="t"/>
     </dgm:scene3d>
-    <dgm:sp3d/>
     <dgm:txPr/>
     <dgm:style>
       <a:lnRef idx="0">
@@ -2683,7 +2665,6 @@
       <a:camera prst="orthographicFront"/>
       <a:lightRig rig="threePt" dir="t"/>
     </dgm:scene3d>
-    <dgm:sp3d/>
     <dgm:txPr/>
     <dgm:style>
       <a:lnRef idx="0">
@@ -2705,7 +2686,6 @@
       <a:camera prst="orthographicFront"/>
       <a:lightRig rig="threePt" dir="t"/>
     </dgm:scene3d>
-    <dgm:sp3d/>
     <dgm:txPr/>
     <dgm:style>
       <a:lnRef idx="2">
@@ -2725,7 +2705,6 @@
       <a:camera prst="orthographicFront"/>
       <a:lightRig rig="threePt" dir="t"/>
     </dgm:scene3d>
-    <dgm:sp3d/>
     <dgm:txPr/>
     <dgm:style>
       <a:lnRef idx="2">
@@ -2745,7 +2724,6 @@
       <a:camera prst="orthographicFront"/>
       <a:lightRig rig="threePt" dir="t"/>
     </dgm:scene3d>
-    <dgm:sp3d/>
     <dgm:txPr/>
     <dgm:style>
       <a:lnRef idx="0">
@@ -2765,7 +2743,6 @@
       <a:camera prst="orthographicFront"/>
       <a:lightRig rig="threePt" dir="t"/>
     </dgm:scene3d>
-    <dgm:sp3d/>
     <dgm:txPr/>
     <dgm:style>
       <a:lnRef idx="2">
@@ -2785,7 +2762,6 @@
       <a:camera prst="orthographicFront"/>
       <a:lightRig rig="threePt" dir="t"/>
     </dgm:scene3d>
-    <dgm:sp3d/>
     <dgm:txPr/>
     <dgm:style>
       <a:lnRef idx="2">
@@ -2805,7 +2781,6 @@
       <a:camera prst="orthographicFront"/>
       <a:lightRig rig="threePt" dir="t"/>
     </dgm:scene3d>
-    <dgm:sp3d/>
     <dgm:txPr/>
     <dgm:style>
       <a:lnRef idx="2">
@@ -2825,7 +2800,6 @@
       <a:camera prst="orthographicFront"/>
       <a:lightRig rig="threePt" dir="t"/>
     </dgm:scene3d>
-    <dgm:sp3d/>
     <dgm:txPr/>
     <dgm:style>
       <a:lnRef idx="2">
@@ -2845,7 +2819,6 @@
       <a:camera prst="orthographicFront"/>
       <a:lightRig rig="threePt" dir="t"/>
     </dgm:scene3d>
-    <dgm:sp3d/>
     <dgm:txPr/>
     <dgm:style>
       <a:lnRef idx="2">
@@ -2865,7 +2838,6 @@
       <a:camera prst="orthographicFront"/>
       <a:lightRig rig="threePt" dir="t"/>
     </dgm:scene3d>
-    <dgm:sp3d/>
     <dgm:txPr/>
     <dgm:style>
       <a:lnRef idx="2">
@@ -2885,7 +2857,6 @@
       <a:camera prst="orthographicFront"/>
       <a:lightRig rig="threePt" dir="t"/>
     </dgm:scene3d>
-    <dgm:sp3d/>
     <dgm:txPr/>
     <dgm:style>
       <a:lnRef idx="2">
@@ -2905,7 +2876,6 @@
       <a:camera prst="orthographicFront"/>
       <a:lightRig rig="threePt" dir="t"/>
     </dgm:scene3d>
-    <dgm:sp3d/>
     <dgm:txPr/>
     <dgm:style>
       <a:lnRef idx="2">
@@ -2925,7 +2895,6 @@
       <a:camera prst="orthographicFront"/>
       <a:lightRig rig="threePt" dir="t"/>
     </dgm:scene3d>
-    <dgm:sp3d/>
     <dgm:txPr/>
     <dgm:style>
       <a:lnRef idx="0">
@@ -2947,7 +2916,6 @@
       <a:camera prst="orthographicFront"/>
       <a:lightRig rig="threePt" dir="t"/>
     </dgm:scene3d>
-    <dgm:sp3d/>
     <dgm:txPr/>
     <dgm:style>
       <a:lnRef idx="2">
@@ -2969,7 +2937,6 @@
       <a:camera prst="orthographicFront"/>
       <a:lightRig rig="threePt" dir="t"/>
     </dgm:scene3d>
-    <dgm:sp3d/>
     <dgm:txPr/>
     <dgm:style>
       <a:lnRef idx="2">
@@ -2991,7 +2958,6 @@
       <a:camera prst="orthographicFront"/>
       <a:lightRig rig="threePt" dir="t"/>
     </dgm:scene3d>
-    <dgm:sp3d/>
     <dgm:txPr/>
     <dgm:style>
       <a:lnRef idx="2">
@@ -3013,7 +2979,6 @@
       <a:camera prst="orthographicFront"/>
       <a:lightRig rig="threePt" dir="t"/>
     </dgm:scene3d>
-    <dgm:sp3d/>
     <dgm:txPr/>
     <dgm:style>
       <a:lnRef idx="2">
@@ -3035,7 +3000,6 @@
       <a:camera prst="orthographicFront"/>
       <a:lightRig rig="threePt" dir="t"/>
     </dgm:scene3d>
-    <dgm:sp3d/>
     <dgm:txPr/>
     <dgm:style>
       <a:lnRef idx="2">
@@ -3057,7 +3021,6 @@
       <a:camera prst="orthographicFront"/>
       <a:lightRig rig="threePt" dir="t"/>
     </dgm:scene3d>
-    <dgm:sp3d/>
     <dgm:txPr/>
     <dgm:style>
       <a:lnRef idx="2">
@@ -3079,7 +3042,6 @@
       <a:camera prst="orthographicFront"/>
       <a:lightRig rig="threePt" dir="t"/>
     </dgm:scene3d>
-    <dgm:sp3d/>
     <dgm:txPr/>
     <dgm:style>
       <a:lnRef idx="2">
@@ -3099,7 +3061,6 @@
       <a:camera prst="orthographicFront"/>
       <a:lightRig rig="threePt" dir="t"/>
     </dgm:scene3d>
-    <dgm:sp3d/>
     <dgm:txPr/>
     <dgm:style>
       <a:lnRef idx="2">
@@ -3119,7 +3080,6 @@
       <a:camera prst="orthographicFront"/>
       <a:lightRig rig="threePt" dir="t"/>
     </dgm:scene3d>
-    <dgm:sp3d/>
     <dgm:txPr/>
     <dgm:style>
       <a:lnRef idx="2">
@@ -3139,7 +3099,6 @@
       <a:camera prst="orthographicFront"/>
       <a:lightRig rig="threePt" dir="t"/>
     </dgm:scene3d>
-    <dgm:sp3d/>
     <dgm:txPr/>
     <dgm:style>
       <a:lnRef idx="2">
@@ -3159,7 +3118,6 @@
       <a:camera prst="orthographicFront"/>
       <a:lightRig rig="threePt" dir="t"/>
     </dgm:scene3d>
-    <dgm:sp3d/>
     <dgm:txPr/>
     <dgm:style>
       <a:lnRef idx="2">
@@ -3181,7 +3139,6 @@
       <a:camera prst="orthographicFront"/>
       <a:lightRig rig="threePt" dir="t"/>
     </dgm:scene3d>
-    <dgm:sp3d/>
     <dgm:txPr/>
     <dgm:style>
       <a:lnRef idx="2">
@@ -3203,7 +3160,6 @@
       <a:camera prst="orthographicFront"/>
       <a:lightRig rig="threePt" dir="t"/>
     </dgm:scene3d>
-    <dgm:sp3d/>
     <dgm:txPr/>
     <dgm:style>
       <a:lnRef idx="2">
@@ -3225,7 +3181,6 @@
       <a:camera prst="orthographicFront"/>
       <a:lightRig rig="threePt" dir="t"/>
     </dgm:scene3d>
-    <dgm:sp3d/>
     <dgm:txPr/>
     <dgm:style>
       <a:lnRef idx="2">
@@ -3247,7 +3202,6 @@
       <a:camera prst="orthographicFront"/>
       <a:lightRig rig="threePt" dir="t"/>
     </dgm:scene3d>
-    <dgm:sp3d/>
     <dgm:txPr/>
     <dgm:style>
       <a:lnRef idx="0">
@@ -3267,7 +3221,6 @@
       <a:camera prst="orthographicFront"/>
       <a:lightRig rig="threePt" dir="t"/>
     </dgm:scene3d>
-    <dgm:sp3d/>
     <dgm:txPr/>
     <dgm:style>
       <a:lnRef idx="1">
@@ -3287,7 +3240,6 @@
       <a:camera prst="orthographicFront"/>
       <a:lightRig rig="threePt" dir="t"/>
     </dgm:scene3d>
-    <dgm:sp3d/>
     <dgm:txPr/>
     <dgm:style>
       <a:lnRef idx="0">
@@ -3309,7 +3261,6 @@
       <a:camera prst="orthographicFront"/>
       <a:lightRig rig="threePt" dir="t"/>
     </dgm:scene3d>
-    <dgm:sp3d/>
     <dgm:txPr/>
     <dgm:style>
       <a:lnRef idx="2">
@@ -3329,7 +3280,6 @@
       <a:camera prst="orthographicFront"/>
       <a:lightRig rig="threePt" dir="t"/>
     </dgm:scene3d>
-    <dgm:sp3d/>
     <dgm:txPr/>
     <dgm:style>
       <a:lnRef idx="2">
@@ -3349,7 +3299,6 @@
       <a:camera prst="orthographicFront"/>
       <a:lightRig rig="threePt" dir="t"/>
     </dgm:scene3d>
-    <dgm:sp3d/>
     <dgm:txPr/>
     <dgm:style>
       <a:lnRef idx="2">
@@ -3369,7 +3318,6 @@
       <a:camera prst="orthographicFront"/>
       <a:lightRig rig="threePt" dir="t"/>
     </dgm:scene3d>
-    <dgm:sp3d/>
     <dgm:txPr/>
     <dgm:style>
       <a:lnRef idx="1">
@@ -3389,7 +3337,6 @@
       <a:camera prst="orthographicFront"/>
       <a:lightRig rig="threePt" dir="t"/>
     </dgm:scene3d>
-    <dgm:sp3d/>
     <dgm:txPr/>
     <dgm:style>
       <a:lnRef idx="0">
@@ -3409,7 +3356,6 @@
       <a:camera prst="orthographicFront"/>
       <a:lightRig rig="threePt" dir="t"/>
     </dgm:scene3d>
-    <dgm:sp3d/>
     <dgm:txPr/>
     <dgm:style>
       <a:lnRef idx="2">
@@ -3511,7 +3457,6 @@
           <a:p>
             <a:fld id="{8B3D9143-04A8-4493-A2F5-F81D52B992B5}" type="datetimeFigureOut">
               <a:rPr lang="zh-CN" altLang="en-US" smtClean="0"/>
-              <a:t>2019/12/25</a:t>
             </a:fld>
             <a:endParaRPr lang="zh-CN" altLang="en-US"/>
           </a:p>
@@ -3578,6 +3523,7 @@
               <a:rPr lang="zh-CN" altLang="en-US"/>
               <a:t>单击此处编辑母版文本样式</a:t>
             </a:r>
+            <a:endParaRPr lang="zh-CN" altLang="en-US"/>
           </a:p>
           <a:p>
             <a:pPr lvl="1"/>
@@ -3585,6 +3531,7 @@
               <a:rPr lang="zh-CN" altLang="en-US"/>
               <a:t>二级</a:t>
             </a:r>
+            <a:endParaRPr lang="zh-CN" altLang="en-US"/>
           </a:p>
           <a:p>
             <a:pPr lvl="2"/>
@@ -3592,6 +3539,7 @@
               <a:rPr lang="zh-CN" altLang="en-US"/>
               <a:t>三级</a:t>
             </a:r>
+            <a:endParaRPr lang="zh-CN" altLang="en-US"/>
           </a:p>
           <a:p>
             <a:pPr lvl="3"/>
@@ -3599,6 +3547,7 @@
               <a:rPr lang="zh-CN" altLang="en-US"/>
               <a:t>四级</a:t>
             </a:r>
+            <a:endParaRPr lang="zh-CN" altLang="en-US"/>
           </a:p>
           <a:p>
             <a:pPr lvl="4"/>
@@ -3606,6 +3555,7 @@
               <a:rPr lang="zh-CN" altLang="en-US"/>
               <a:t>五级</a:t>
             </a:r>
+            <a:endParaRPr lang="zh-CN" altLang="en-US"/>
           </a:p>
         </p:txBody>
       </p:sp>
@@ -3669,18 +3619,12 @@
           <a:p>
             <a:fld id="{0D42372C-F6F8-4EFD-AD9F-D57EBEEA8A4A}" type="slidenum">
               <a:rPr lang="zh-CN" altLang="en-US" smtClean="0"/>
-              <a:t>‹#›</a:t>
             </a:fld>
             <a:endParaRPr lang="zh-CN" altLang="en-US"/>
           </a:p>
         </p:txBody>
       </p:sp>
     </p:spTree>
-    <p:extLst>
-      <p:ext uri="{BB962C8B-B14F-4D97-AF65-F5344CB8AC3E}">
-        <p14:creationId xmlns:p14="http://schemas.microsoft.com/office/powerpoint/2010/main" val="1567977731"/>
-      </p:ext>
-    </p:extLst>
   </p:cSld>
   <p:clrMap bg1="lt1" tx1="dk1" bg2="lt2" tx2="dk2" accent1="accent1" accent2="accent2" accent3="accent3" accent4="accent4" accent5="accent5" accent6="accent6" hlink="hlink" folHlink="folHlink"/>
   <p:notesStyle>
@@ -3823,6 +3767,7 @@
               <a:rPr lang="zh-CN" altLang="en-US"/>
               <a:t>单击此处编辑母版标题样式</a:t>
             </a:r>
+            <a:endParaRPr lang="zh-CN" altLang="en-US"/>
           </a:p>
         </p:txBody>
       </p:sp>
@@ -3887,6 +3832,7 @@
               <a:rPr lang="zh-CN" altLang="en-US"/>
               <a:t>单击此处编辑母版副标题样式</a:t>
             </a:r>
+            <a:endParaRPr lang="zh-CN" altLang="en-US"/>
           </a:p>
         </p:txBody>
       </p:sp>
@@ -3915,7 +3861,6 @@
           <a:p>
             <a:fld id="{1191E6A3-E934-48A3-8E7C-E027E253AB3B}" type="datetime1">
               <a:rPr lang="zh-CN" altLang="en-US" smtClean="0"/>
-              <a:t>2019/12/25</a:t>
             </a:fld>
             <a:endParaRPr lang="zh-CN" altLang="en-US" dirty="0"/>
           </a:p>
@@ -3981,8 +3926,6 @@
           <a:p>
             <a:fld id="{C5A8F65C-32B6-44AD-B5C6-741E2EBC8CAC}" type="slidenum">
               <a:rPr lang="zh-CN" altLang="en-US" smtClean="0"/>
-              <a:pPr/>
-              <a:t>‹#›</a:t>
             </a:fld>
             <a:endParaRPr lang="zh-CN" altLang="en-US"/>
           </a:p>
@@ -4032,6 +3975,7 @@
               <a:rPr lang="zh-CN" altLang="en-US"/>
               <a:t>单击此处编辑母版标题样式</a:t>
             </a:r>
+            <a:endParaRPr lang="zh-CN" altLang="en-US"/>
           </a:p>
         </p:txBody>
       </p:sp>
@@ -4055,6 +3999,7 @@
               <a:rPr lang="zh-CN" altLang="en-US"/>
               <a:t>单击此处编辑母版文本样式</a:t>
             </a:r>
+            <a:endParaRPr lang="zh-CN" altLang="en-US"/>
           </a:p>
           <a:p>
             <a:pPr lvl="1"/>
@@ -4062,6 +4007,7 @@
               <a:rPr lang="zh-CN" altLang="en-US"/>
               <a:t>第二级</a:t>
             </a:r>
+            <a:endParaRPr lang="zh-CN" altLang="en-US"/>
           </a:p>
           <a:p>
             <a:pPr lvl="2"/>
@@ -4069,6 +4015,7 @@
               <a:rPr lang="zh-CN" altLang="en-US"/>
               <a:t>第三级</a:t>
             </a:r>
+            <a:endParaRPr lang="zh-CN" altLang="en-US"/>
           </a:p>
           <a:p>
             <a:pPr lvl="3"/>
@@ -4076,6 +4023,7 @@
               <a:rPr lang="zh-CN" altLang="en-US"/>
               <a:t>第四级</a:t>
             </a:r>
+            <a:endParaRPr lang="zh-CN" altLang="en-US"/>
           </a:p>
           <a:p>
             <a:pPr lvl="4"/>
@@ -4083,6 +4031,7 @@
               <a:rPr lang="zh-CN" altLang="en-US"/>
               <a:t>第五级</a:t>
             </a:r>
+            <a:endParaRPr lang="zh-CN" altLang="en-US"/>
           </a:p>
         </p:txBody>
       </p:sp>
@@ -4103,7 +4052,6 @@
           <a:p>
             <a:fld id="{D64A03BF-5441-4F63-88F6-AA1E20016300}" type="datetime1">
               <a:rPr lang="zh-CN" altLang="en-US" smtClean="0"/>
-              <a:t>2019/12/25</a:t>
             </a:fld>
             <a:endParaRPr lang="zh-CN" altLang="en-US"/>
           </a:p>
@@ -4132,6 +4080,7 @@
               <a:rPr lang="zh-CN" altLang="en-US"/>
               <a:t>李尚真 彭钧涛 郭源杰 </a:t>
             </a:r>
+            <a:endParaRPr lang="zh-CN" altLang="en-US"/>
           </a:p>
         </p:txBody>
       </p:sp>
@@ -4152,7 +4101,6 @@
           <a:p>
             <a:fld id="{C5A8F65C-32B6-44AD-B5C6-741E2EBC8CAC}" type="slidenum">
               <a:rPr lang="zh-CN" altLang="en-US" smtClean="0"/>
-              <a:t>‹#›</a:t>
             </a:fld>
             <a:endParaRPr lang="zh-CN" altLang="en-US"/>
           </a:p>
@@ -4207,6 +4155,7 @@
               <a:rPr lang="zh-CN" altLang="en-US"/>
               <a:t>单击此处编辑母版标题样式</a:t>
             </a:r>
+            <a:endParaRPr lang="zh-CN" altLang="en-US"/>
           </a:p>
         </p:txBody>
       </p:sp>
@@ -4235,6 +4184,7 @@
               <a:rPr lang="zh-CN" altLang="en-US"/>
               <a:t>单击此处编辑母版文本样式</a:t>
             </a:r>
+            <a:endParaRPr lang="zh-CN" altLang="en-US"/>
           </a:p>
           <a:p>
             <a:pPr lvl="1"/>
@@ -4242,6 +4192,7 @@
               <a:rPr lang="zh-CN" altLang="en-US"/>
               <a:t>第二级</a:t>
             </a:r>
+            <a:endParaRPr lang="zh-CN" altLang="en-US"/>
           </a:p>
           <a:p>
             <a:pPr lvl="2"/>
@@ -4249,6 +4200,7 @@
               <a:rPr lang="zh-CN" altLang="en-US"/>
               <a:t>第三级</a:t>
             </a:r>
+            <a:endParaRPr lang="zh-CN" altLang="en-US"/>
           </a:p>
           <a:p>
             <a:pPr lvl="3"/>
@@ -4256,6 +4208,7 @@
               <a:rPr lang="zh-CN" altLang="en-US"/>
               <a:t>第四级</a:t>
             </a:r>
+            <a:endParaRPr lang="zh-CN" altLang="en-US"/>
           </a:p>
           <a:p>
             <a:pPr lvl="4"/>
@@ -4263,6 +4216,7 @@
               <a:rPr lang="zh-CN" altLang="en-US"/>
               <a:t>第五级</a:t>
             </a:r>
+            <a:endParaRPr lang="zh-CN" altLang="en-US"/>
           </a:p>
         </p:txBody>
       </p:sp>
@@ -4283,7 +4237,6 @@
           <a:p>
             <a:fld id="{F519459A-63EC-4227-B4A3-7957399F6623}" type="datetime1">
               <a:rPr lang="zh-CN" altLang="en-US" smtClean="0"/>
-              <a:t>2019/12/25</a:t>
             </a:fld>
             <a:endParaRPr lang="zh-CN" altLang="en-US"/>
           </a:p>
@@ -4312,6 +4265,7 @@
               <a:rPr lang="zh-CN" altLang="en-US"/>
               <a:t>李尚真 彭钧涛 郭源杰 </a:t>
             </a:r>
+            <a:endParaRPr lang="zh-CN" altLang="en-US"/>
           </a:p>
         </p:txBody>
       </p:sp>
@@ -4332,7 +4286,6 @@
           <a:p>
             <a:fld id="{C5A8F65C-32B6-44AD-B5C6-741E2EBC8CAC}" type="slidenum">
               <a:rPr lang="zh-CN" altLang="en-US" smtClean="0"/>
-              <a:t>‹#›</a:t>
             </a:fld>
             <a:endParaRPr lang="zh-CN" altLang="en-US"/>
           </a:p>
@@ -4382,6 +4335,7 @@
               <a:rPr lang="zh-CN" altLang="en-US"/>
               <a:t>单击此处编辑母版标题样式</a:t>
             </a:r>
+            <a:endParaRPr lang="zh-CN" altLang="en-US"/>
           </a:p>
         </p:txBody>
       </p:sp>
@@ -4405,6 +4359,7 @@
               <a:rPr lang="zh-CN" altLang="en-US"/>
               <a:t>单击此处编辑母版文本样式</a:t>
             </a:r>
+            <a:endParaRPr lang="zh-CN" altLang="en-US"/>
           </a:p>
           <a:p>
             <a:pPr lvl="1"/>
@@ -4412,6 +4367,7 @@
               <a:rPr lang="zh-CN" altLang="en-US"/>
               <a:t>第二级</a:t>
             </a:r>
+            <a:endParaRPr lang="zh-CN" altLang="en-US"/>
           </a:p>
           <a:p>
             <a:pPr lvl="2"/>
@@ -4419,6 +4375,7 @@
               <a:rPr lang="zh-CN" altLang="en-US"/>
               <a:t>第三级</a:t>
             </a:r>
+            <a:endParaRPr lang="zh-CN" altLang="en-US"/>
           </a:p>
           <a:p>
             <a:pPr lvl="3"/>
@@ -4426,6 +4383,7 @@
               <a:rPr lang="zh-CN" altLang="en-US"/>
               <a:t>第四级</a:t>
             </a:r>
+            <a:endParaRPr lang="zh-CN" altLang="en-US"/>
           </a:p>
           <a:p>
             <a:pPr lvl="4"/>
@@ -4433,6 +4391,7 @@
               <a:rPr lang="zh-CN" altLang="en-US"/>
               <a:t>第五级</a:t>
             </a:r>
+            <a:endParaRPr lang="zh-CN" altLang="en-US"/>
           </a:p>
         </p:txBody>
       </p:sp>
@@ -4453,7 +4412,6 @@
           <a:p>
             <a:fld id="{9DDEA34F-43D7-49D8-B739-48B55453C9E3}" type="datetime1">
               <a:rPr lang="zh-CN" altLang="en-US" smtClean="0"/>
-              <a:t>2019/12/25</a:t>
             </a:fld>
             <a:endParaRPr lang="zh-CN" altLang="en-US"/>
           </a:p>
@@ -4482,6 +4440,7 @@
               <a:rPr lang="zh-CN" altLang="en-US"/>
               <a:t>李尚真 彭钧涛 郭源杰 </a:t>
             </a:r>
+            <a:endParaRPr lang="zh-CN" altLang="en-US"/>
           </a:p>
         </p:txBody>
       </p:sp>
@@ -4502,7 +4461,6 @@
           <a:p>
             <a:fld id="{C5A8F65C-32B6-44AD-B5C6-741E2EBC8CAC}" type="slidenum">
               <a:rPr lang="zh-CN" altLang="en-US" smtClean="0"/>
-              <a:t>‹#›</a:t>
             </a:fld>
             <a:endParaRPr lang="zh-CN" altLang="en-US"/>
           </a:p>
@@ -4561,6 +4519,7 @@
               <a:rPr lang="zh-CN" altLang="en-US"/>
               <a:t>单击此处编辑母版标题样式</a:t>
             </a:r>
+            <a:endParaRPr lang="zh-CN" altLang="en-US"/>
           </a:p>
         </p:txBody>
       </p:sp>
@@ -4680,6 +4639,7 @@
               <a:rPr lang="zh-CN" altLang="en-US"/>
               <a:t>单击此处编辑母版文本样式</a:t>
             </a:r>
+            <a:endParaRPr lang="zh-CN" altLang="en-US"/>
           </a:p>
         </p:txBody>
       </p:sp>
@@ -4700,7 +4660,6 @@
           <a:p>
             <a:fld id="{6F8B2CE7-9D61-4378-B34C-28860562A975}" type="datetime1">
               <a:rPr lang="zh-CN" altLang="en-US" smtClean="0"/>
-              <a:t>2019/12/25</a:t>
             </a:fld>
             <a:endParaRPr lang="zh-CN" altLang="en-US"/>
           </a:p>
@@ -4729,6 +4688,7 @@
               <a:rPr lang="zh-CN" altLang="en-US"/>
               <a:t>李尚真 彭钧涛 郭源杰 </a:t>
             </a:r>
+            <a:endParaRPr lang="zh-CN" altLang="en-US"/>
           </a:p>
         </p:txBody>
       </p:sp>
@@ -4749,7 +4709,6 @@
           <a:p>
             <a:fld id="{C5A8F65C-32B6-44AD-B5C6-741E2EBC8CAC}" type="slidenum">
               <a:rPr lang="zh-CN" altLang="en-US" smtClean="0"/>
-              <a:t>‹#›</a:t>
             </a:fld>
             <a:endParaRPr lang="zh-CN" altLang="en-US"/>
           </a:p>
@@ -4799,6 +4758,7 @@
               <a:rPr lang="zh-CN" altLang="en-US"/>
               <a:t>单击此处编辑母版标题样式</a:t>
             </a:r>
+            <a:endParaRPr lang="zh-CN" altLang="en-US"/>
           </a:p>
         </p:txBody>
       </p:sp>
@@ -4827,6 +4787,7 @@
               <a:rPr lang="zh-CN" altLang="en-US"/>
               <a:t>单击此处编辑母版文本样式</a:t>
             </a:r>
+            <a:endParaRPr lang="zh-CN" altLang="en-US"/>
           </a:p>
           <a:p>
             <a:pPr lvl="1"/>
@@ -4834,6 +4795,7 @@
               <a:rPr lang="zh-CN" altLang="en-US"/>
               <a:t>第二级</a:t>
             </a:r>
+            <a:endParaRPr lang="zh-CN" altLang="en-US"/>
           </a:p>
           <a:p>
             <a:pPr lvl="2"/>
@@ -4841,6 +4803,7 @@
               <a:rPr lang="zh-CN" altLang="en-US"/>
               <a:t>第三级</a:t>
             </a:r>
+            <a:endParaRPr lang="zh-CN" altLang="en-US"/>
           </a:p>
           <a:p>
             <a:pPr lvl="3"/>
@@ -4848,6 +4811,7 @@
               <a:rPr lang="zh-CN" altLang="en-US"/>
               <a:t>第四级</a:t>
             </a:r>
+            <a:endParaRPr lang="zh-CN" altLang="en-US"/>
           </a:p>
           <a:p>
             <a:pPr lvl="4"/>
@@ -4855,6 +4819,7 @@
               <a:rPr lang="zh-CN" altLang="en-US"/>
               <a:t>第五级</a:t>
             </a:r>
+            <a:endParaRPr lang="zh-CN" altLang="en-US"/>
           </a:p>
         </p:txBody>
       </p:sp>
@@ -4883,6 +4848,7 @@
               <a:rPr lang="zh-CN" altLang="en-US"/>
               <a:t>单击此处编辑母版文本样式</a:t>
             </a:r>
+            <a:endParaRPr lang="zh-CN" altLang="en-US"/>
           </a:p>
           <a:p>
             <a:pPr lvl="1"/>
@@ -4890,6 +4856,7 @@
               <a:rPr lang="zh-CN" altLang="en-US"/>
               <a:t>第二级</a:t>
             </a:r>
+            <a:endParaRPr lang="zh-CN" altLang="en-US"/>
           </a:p>
           <a:p>
             <a:pPr lvl="2"/>
@@ -4897,6 +4864,7 @@
               <a:rPr lang="zh-CN" altLang="en-US"/>
               <a:t>第三级</a:t>
             </a:r>
+            <a:endParaRPr lang="zh-CN" altLang="en-US"/>
           </a:p>
           <a:p>
             <a:pPr lvl="3"/>
@@ -4904,6 +4872,7 @@
               <a:rPr lang="zh-CN" altLang="en-US"/>
               <a:t>第四级</a:t>
             </a:r>
+            <a:endParaRPr lang="zh-CN" altLang="en-US"/>
           </a:p>
           <a:p>
             <a:pPr lvl="4"/>
@@ -4911,6 +4880,7 @@
               <a:rPr lang="zh-CN" altLang="en-US"/>
               <a:t>第五级</a:t>
             </a:r>
+            <a:endParaRPr lang="zh-CN" altLang="en-US"/>
           </a:p>
         </p:txBody>
       </p:sp>
@@ -4931,7 +4901,6 @@
           <a:p>
             <a:fld id="{1D2CCFAF-FF1C-4E00-9C6B-9D4B580A29B4}" type="datetime1">
               <a:rPr lang="zh-CN" altLang="en-US" smtClean="0"/>
-              <a:t>2019/12/25</a:t>
             </a:fld>
             <a:endParaRPr lang="zh-CN" altLang="en-US"/>
           </a:p>
@@ -4960,6 +4929,7 @@
               <a:rPr lang="zh-CN" altLang="en-US"/>
               <a:t>李尚真 彭钧涛 郭源杰 </a:t>
             </a:r>
+            <a:endParaRPr lang="zh-CN" altLang="en-US"/>
           </a:p>
         </p:txBody>
       </p:sp>
@@ -4980,7 +4950,6 @@
           <a:p>
             <a:fld id="{C5A8F65C-32B6-44AD-B5C6-741E2EBC8CAC}" type="slidenum">
               <a:rPr lang="zh-CN" altLang="en-US" smtClean="0"/>
-              <a:t>‹#›</a:t>
             </a:fld>
             <a:endParaRPr lang="zh-CN" altLang="en-US"/>
           </a:p>
@@ -5035,6 +5004,7 @@
               <a:rPr lang="zh-CN" altLang="en-US"/>
               <a:t>单击此处编辑母版标题样式</a:t>
             </a:r>
+            <a:endParaRPr lang="zh-CN" altLang="en-US"/>
           </a:p>
         </p:txBody>
       </p:sp>
@@ -5100,6 +5070,7 @@
               <a:rPr lang="zh-CN" altLang="en-US"/>
               <a:t>单击此处编辑母版文本样式</a:t>
             </a:r>
+            <a:endParaRPr lang="zh-CN" altLang="en-US"/>
           </a:p>
         </p:txBody>
       </p:sp>
@@ -5128,6 +5099,7 @@
               <a:rPr lang="zh-CN" altLang="en-US"/>
               <a:t>单击此处编辑母版文本样式</a:t>
             </a:r>
+            <a:endParaRPr lang="zh-CN" altLang="en-US"/>
           </a:p>
           <a:p>
             <a:pPr lvl="1"/>
@@ -5135,6 +5107,7 @@
               <a:rPr lang="zh-CN" altLang="en-US"/>
               <a:t>第二级</a:t>
             </a:r>
+            <a:endParaRPr lang="zh-CN" altLang="en-US"/>
           </a:p>
           <a:p>
             <a:pPr lvl="2"/>
@@ -5142,6 +5115,7 @@
               <a:rPr lang="zh-CN" altLang="en-US"/>
               <a:t>第三级</a:t>
             </a:r>
+            <a:endParaRPr lang="zh-CN" altLang="en-US"/>
           </a:p>
           <a:p>
             <a:pPr lvl="3"/>
@@ -5149,6 +5123,7 @@
               <a:rPr lang="zh-CN" altLang="en-US"/>
               <a:t>第四级</a:t>
             </a:r>
+            <a:endParaRPr lang="zh-CN" altLang="en-US"/>
           </a:p>
           <a:p>
             <a:pPr lvl="4"/>
@@ -5156,6 +5131,7 @@
               <a:rPr lang="zh-CN" altLang="en-US"/>
               <a:t>第五级</a:t>
             </a:r>
+            <a:endParaRPr lang="zh-CN" altLang="en-US"/>
           </a:p>
         </p:txBody>
       </p:sp>
@@ -5221,6 +5197,7 @@
               <a:rPr lang="zh-CN" altLang="en-US"/>
               <a:t>单击此处编辑母版文本样式</a:t>
             </a:r>
+            <a:endParaRPr lang="zh-CN" altLang="en-US"/>
           </a:p>
         </p:txBody>
       </p:sp>
@@ -5249,6 +5226,7 @@
               <a:rPr lang="zh-CN" altLang="en-US"/>
               <a:t>单击此处编辑母版文本样式</a:t>
             </a:r>
+            <a:endParaRPr lang="zh-CN" altLang="en-US"/>
           </a:p>
           <a:p>
             <a:pPr lvl="1"/>
@@ -5256,6 +5234,7 @@
               <a:rPr lang="zh-CN" altLang="en-US"/>
               <a:t>第二级</a:t>
             </a:r>
+            <a:endParaRPr lang="zh-CN" altLang="en-US"/>
           </a:p>
           <a:p>
             <a:pPr lvl="2"/>
@@ -5263,6 +5242,7 @@
               <a:rPr lang="zh-CN" altLang="en-US"/>
               <a:t>第三级</a:t>
             </a:r>
+            <a:endParaRPr lang="zh-CN" altLang="en-US"/>
           </a:p>
           <a:p>
             <a:pPr lvl="3"/>
@@ -5270,6 +5250,7 @@
               <a:rPr lang="zh-CN" altLang="en-US"/>
               <a:t>第四级</a:t>
             </a:r>
+            <a:endParaRPr lang="zh-CN" altLang="en-US"/>
           </a:p>
           <a:p>
             <a:pPr lvl="4"/>
@@ -5277,6 +5258,7 @@
               <a:rPr lang="zh-CN" altLang="en-US"/>
               <a:t>第五级</a:t>
             </a:r>
+            <a:endParaRPr lang="zh-CN" altLang="en-US"/>
           </a:p>
         </p:txBody>
       </p:sp>
@@ -5297,7 +5279,6 @@
           <a:p>
             <a:fld id="{DD4DDBB5-FB23-40C8-96E3-69F1DD9D07EB}" type="datetime1">
               <a:rPr lang="zh-CN" altLang="en-US" smtClean="0"/>
-              <a:t>2019/12/25</a:t>
             </a:fld>
             <a:endParaRPr lang="zh-CN" altLang="en-US"/>
           </a:p>
@@ -5326,6 +5307,7 @@
               <a:rPr lang="zh-CN" altLang="en-US"/>
               <a:t>李尚真 彭钧涛 郭源杰 </a:t>
             </a:r>
+            <a:endParaRPr lang="zh-CN" altLang="en-US"/>
           </a:p>
         </p:txBody>
       </p:sp>
@@ -5346,7 +5328,6 @@
           <a:p>
             <a:fld id="{C5A8F65C-32B6-44AD-B5C6-741E2EBC8CAC}" type="slidenum">
               <a:rPr lang="zh-CN" altLang="en-US" smtClean="0"/>
-              <a:t>‹#›</a:t>
             </a:fld>
             <a:endParaRPr lang="zh-CN" altLang="en-US"/>
           </a:p>
@@ -5396,6 +5377,7 @@
               <a:rPr lang="zh-CN" altLang="en-US"/>
               <a:t>单击此处编辑母版标题样式</a:t>
             </a:r>
+            <a:endParaRPr lang="zh-CN" altLang="en-US"/>
           </a:p>
         </p:txBody>
       </p:sp>
@@ -5416,7 +5398,6 @@
           <a:p>
             <a:fld id="{A5BE189D-B1FB-4F37-A840-200B4EAAC173}" type="datetime1">
               <a:rPr lang="zh-CN" altLang="en-US" smtClean="0"/>
-              <a:t>2019/12/25</a:t>
             </a:fld>
             <a:endParaRPr lang="zh-CN" altLang="en-US"/>
           </a:p>
@@ -5445,6 +5426,7 @@
               <a:rPr lang="zh-CN" altLang="en-US"/>
               <a:t>李尚真 彭钧涛 郭源杰 </a:t>
             </a:r>
+            <a:endParaRPr lang="zh-CN" altLang="en-US"/>
           </a:p>
         </p:txBody>
       </p:sp>
@@ -5465,7 +5447,6 @@
           <a:p>
             <a:fld id="{C5A8F65C-32B6-44AD-B5C6-741E2EBC8CAC}" type="slidenum">
               <a:rPr lang="zh-CN" altLang="en-US" smtClean="0"/>
-              <a:t>‹#›</a:t>
             </a:fld>
             <a:endParaRPr lang="zh-CN" altLang="en-US"/>
           </a:p>
@@ -5513,7 +5494,6 @@
           <a:p>
             <a:fld id="{1ED857DF-65F8-4DB9-ADDB-3A706D887929}" type="datetime1">
               <a:rPr lang="zh-CN" altLang="en-US" smtClean="0"/>
-              <a:t>2019/12/25</a:t>
             </a:fld>
             <a:endParaRPr lang="zh-CN" altLang="en-US"/>
           </a:p>
@@ -5542,6 +5522,7 @@
               <a:rPr lang="zh-CN" altLang="en-US"/>
               <a:t>李尚真 彭钧涛 郭源杰 </a:t>
             </a:r>
+            <a:endParaRPr lang="zh-CN" altLang="en-US"/>
           </a:p>
         </p:txBody>
       </p:sp>
@@ -5562,7 +5543,6 @@
           <a:p>
             <a:fld id="{C5A8F65C-32B6-44AD-B5C6-741E2EBC8CAC}" type="slidenum">
               <a:rPr lang="zh-CN" altLang="en-US" smtClean="0"/>
-              <a:t>‹#›</a:t>
             </a:fld>
             <a:endParaRPr lang="zh-CN" altLang="en-US"/>
           </a:p>
@@ -5621,6 +5601,7 @@
               <a:rPr lang="zh-CN" altLang="en-US"/>
               <a:t>单击此处编辑母版标题样式</a:t>
             </a:r>
+            <a:endParaRPr lang="zh-CN" altLang="en-US"/>
           </a:p>
         </p:txBody>
       </p:sp>
@@ -5677,6 +5658,7 @@
               <a:rPr lang="zh-CN" altLang="en-US"/>
               <a:t>单击此处编辑母版文本样式</a:t>
             </a:r>
+            <a:endParaRPr lang="zh-CN" altLang="en-US"/>
           </a:p>
           <a:p>
             <a:pPr lvl="1"/>
@@ -5684,6 +5666,7 @@
               <a:rPr lang="zh-CN" altLang="en-US"/>
               <a:t>第二级</a:t>
             </a:r>
+            <a:endParaRPr lang="zh-CN" altLang="en-US"/>
           </a:p>
           <a:p>
             <a:pPr lvl="2"/>
@@ -5691,6 +5674,7 @@
               <a:rPr lang="zh-CN" altLang="en-US"/>
               <a:t>第三级</a:t>
             </a:r>
+            <a:endParaRPr lang="zh-CN" altLang="en-US"/>
           </a:p>
           <a:p>
             <a:pPr lvl="3"/>
@@ -5698,6 +5682,7 @@
               <a:rPr lang="zh-CN" altLang="en-US"/>
               <a:t>第四级</a:t>
             </a:r>
+            <a:endParaRPr lang="zh-CN" altLang="en-US"/>
           </a:p>
           <a:p>
             <a:pPr lvl="4"/>
@@ -5705,6 +5690,7 @@
               <a:rPr lang="zh-CN" altLang="en-US"/>
               <a:t>第五级</a:t>
             </a:r>
+            <a:endParaRPr lang="zh-CN" altLang="en-US"/>
           </a:p>
         </p:txBody>
       </p:sp>
@@ -5770,6 +5756,7 @@
               <a:rPr lang="zh-CN" altLang="en-US"/>
               <a:t>单击此处编辑母版文本样式</a:t>
             </a:r>
+            <a:endParaRPr lang="zh-CN" altLang="en-US"/>
           </a:p>
         </p:txBody>
       </p:sp>
@@ -5790,7 +5777,6 @@
           <a:p>
             <a:fld id="{0E4343CB-31C3-410A-A31D-F0245317B46F}" type="datetime1">
               <a:rPr lang="zh-CN" altLang="en-US" smtClean="0"/>
-              <a:t>2019/12/25</a:t>
             </a:fld>
             <a:endParaRPr lang="zh-CN" altLang="en-US"/>
           </a:p>
@@ -5819,6 +5805,7 @@
               <a:rPr lang="zh-CN" altLang="en-US"/>
               <a:t>李尚真 彭钧涛 郭源杰 </a:t>
             </a:r>
+            <a:endParaRPr lang="zh-CN" altLang="en-US"/>
           </a:p>
         </p:txBody>
       </p:sp>
@@ -5839,7 +5826,6 @@
           <a:p>
             <a:fld id="{C5A8F65C-32B6-44AD-B5C6-741E2EBC8CAC}" type="slidenum">
               <a:rPr lang="zh-CN" altLang="en-US" smtClean="0"/>
-              <a:t>‹#›</a:t>
             </a:fld>
             <a:endParaRPr lang="zh-CN" altLang="en-US"/>
           </a:p>
@@ -5898,6 +5884,7 @@
               <a:rPr lang="zh-CN" altLang="en-US"/>
               <a:t>单击此处编辑母版标题样式</a:t>
             </a:r>
+            <a:endParaRPr lang="zh-CN" altLang="en-US"/>
           </a:p>
         </p:txBody>
       </p:sp>
@@ -6024,6 +6011,7 @@
               <a:rPr lang="zh-CN" altLang="en-US"/>
               <a:t>单击此处编辑母版文本样式</a:t>
             </a:r>
+            <a:endParaRPr lang="zh-CN" altLang="en-US"/>
           </a:p>
         </p:txBody>
       </p:sp>
@@ -6044,7 +6032,6 @@
           <a:p>
             <a:fld id="{02A17163-7903-4F90-BD5B-F2A756FAB604}" type="datetime1">
               <a:rPr lang="zh-CN" altLang="en-US" smtClean="0"/>
-              <a:t>2019/12/25</a:t>
             </a:fld>
             <a:endParaRPr lang="zh-CN" altLang="en-US"/>
           </a:p>
@@ -6073,6 +6060,7 @@
               <a:rPr lang="zh-CN" altLang="en-US"/>
               <a:t>李尚真 彭钧涛 郭源杰 </a:t>
             </a:r>
+            <a:endParaRPr lang="zh-CN" altLang="en-US"/>
           </a:p>
         </p:txBody>
       </p:sp>
@@ -6093,7 +6081,6 @@
           <a:p>
             <a:fld id="{C5A8F65C-32B6-44AD-B5C6-741E2EBC8CAC}" type="slidenum">
               <a:rPr lang="zh-CN" altLang="en-US" smtClean="0"/>
-              <a:t>‹#›</a:t>
             </a:fld>
             <a:endParaRPr lang="zh-CN" altLang="en-US"/>
           </a:p>
@@ -6158,6 +6145,7 @@
               <a:rPr lang="zh-CN" altLang="en-US"/>
               <a:t>单击此处编辑母版标题样式</a:t>
             </a:r>
+            <a:endParaRPr lang="zh-CN" altLang="en-US"/>
           </a:p>
         </p:txBody>
       </p:sp>
@@ -6191,6 +6179,7 @@
               <a:rPr lang="zh-CN" altLang="en-US"/>
               <a:t>单击此处编辑母版文本样式</a:t>
             </a:r>
+            <a:endParaRPr lang="zh-CN" altLang="en-US"/>
           </a:p>
           <a:p>
             <a:pPr lvl="1"/>
@@ -6198,6 +6187,7 @@
               <a:rPr lang="zh-CN" altLang="en-US"/>
               <a:t>第二级</a:t>
             </a:r>
+            <a:endParaRPr lang="zh-CN" altLang="en-US"/>
           </a:p>
           <a:p>
             <a:pPr lvl="2"/>
@@ -6205,6 +6195,7 @@
               <a:rPr lang="zh-CN" altLang="en-US"/>
               <a:t>第三级</a:t>
             </a:r>
+            <a:endParaRPr lang="zh-CN" altLang="en-US"/>
           </a:p>
           <a:p>
             <a:pPr lvl="3"/>
@@ -6212,6 +6203,7 @@
               <a:rPr lang="zh-CN" altLang="en-US"/>
               <a:t>第四级</a:t>
             </a:r>
+            <a:endParaRPr lang="zh-CN" altLang="en-US"/>
           </a:p>
           <a:p>
             <a:pPr lvl="4"/>
@@ -6219,6 +6211,7 @@
               <a:rPr lang="zh-CN" altLang="en-US"/>
               <a:t>第五级</a:t>
             </a:r>
+            <a:endParaRPr lang="zh-CN" altLang="en-US"/>
           </a:p>
         </p:txBody>
       </p:sp>
@@ -6255,7 +6248,6 @@
           <a:p>
             <a:fld id="{1CB38B2F-6E57-49A0-BF38-ADA41B6CDBDE}" type="datetime1">
               <a:rPr lang="zh-CN" altLang="en-US" smtClean="0"/>
-              <a:t>2019/12/25</a:t>
             </a:fld>
             <a:endParaRPr lang="zh-CN" altLang="en-US"/>
           </a:p>
@@ -6300,6 +6292,7 @@
               <a:rPr lang="zh-CN" altLang="en-US"/>
               <a:t>李尚真 彭钧涛 郭源杰 </a:t>
             </a:r>
+            <a:endParaRPr lang="zh-CN" altLang="en-US"/>
           </a:p>
         </p:txBody>
       </p:sp>
@@ -6336,8 +6329,6 @@
           <a:p>
             <a:fld id="{C5A8F65C-32B6-44AD-B5C6-741E2EBC8CAC}" type="slidenum">
               <a:rPr lang="zh-CN" altLang="en-US" smtClean="0"/>
-              <a:pPr/>
-              <a:t>‹#›</a:t>
             </a:fld>
             <a:endParaRPr lang="zh-CN" altLang="en-US"/>
           </a:p>
@@ -6649,7 +6640,7 @@
     <p:bg>
       <p:bgPr>
         <a:blipFill dpi="0" rotWithShape="1">
-          <a:blip r:embed="rId3">
+          <a:blip r:embed="rId1">
             <a:lum/>
           </a:blip>
           <a:srcRect/>
@@ -6741,6 +6732,24 @@
               </a:rPr>
               <a:t>Steamed Egg</a:t>
             </a:r>
+            <a:endParaRPr lang="en-US" sz="6000" b="1" dirty="0">
+              <a:solidFill>
+                <a:schemeClr val="tx1">
+                  <a:lumMod val="65000"/>
+                  <a:lumOff val="35000"/>
+                </a:schemeClr>
+              </a:solidFill>
+              <a:effectLst>
+                <a:outerShdw blurRad="63500" dist="38100" dir="2700000" algn="tl" rotWithShape="0">
+                  <a:prstClr val="black">
+                    <a:alpha val="40000"/>
+                  </a:prstClr>
+                </a:outerShdw>
+              </a:effectLst>
+              <a:latin typeface="微软雅黑" panose="020B0503020204020204" pitchFamily="34" charset="-122"/>
+              <a:ea typeface="微软雅黑" panose="020B0503020204020204" pitchFamily="34" charset="-122"/>
+              <a:sym typeface="微软雅黑" panose="020B0503020204020204" pitchFamily="34" charset="-122"/>
+            </a:endParaRPr>
           </a:p>
         </p:txBody>
       </p:sp>
@@ -6804,6 +6813,21 @@
               </a:rPr>
               <a:t>李尚真</a:t>
             </a:r>
+            <a:endParaRPr lang="zh-CN" altLang="en-US" sz="2800" b="1" dirty="0">
+              <a:solidFill>
+                <a:srgbClr val="FEFEFE"/>
+              </a:solidFill>
+              <a:effectLst>
+                <a:outerShdw blurRad="50800" dist="38100" dir="2700000" algn="tl" rotWithShape="0">
+                  <a:prstClr val="black">
+                    <a:alpha val="40000"/>
+                  </a:prstClr>
+                </a:outerShdw>
+              </a:effectLst>
+              <a:latin typeface="Kartika" panose="02020503030404060203" pitchFamily="18" charset="0"/>
+              <a:ea typeface="方正姚体" panose="02010601030101010101" pitchFamily="2" charset="-122"/>
+              <a:cs typeface="Kartika" panose="02020503030404060203" pitchFamily="18" charset="0"/>
+            </a:endParaRPr>
           </a:p>
           <a:p>
             <a:pPr algn="l"/>
@@ -6825,6 +6849,21 @@
               </a:rPr>
               <a:t>10164601140 彭钧涛</a:t>
             </a:r>
+            <a:endParaRPr lang="zh-CN" altLang="en-US" sz="2800" b="1" dirty="0">
+              <a:solidFill>
+                <a:srgbClr val="FEFEFE"/>
+              </a:solidFill>
+              <a:effectLst>
+                <a:outerShdw blurRad="50800" dist="38100" dir="2700000" algn="tl" rotWithShape="0">
+                  <a:prstClr val="black">
+                    <a:alpha val="40000"/>
+                  </a:prstClr>
+                </a:outerShdw>
+              </a:effectLst>
+              <a:latin typeface="Kartika" panose="02020503030404060203" pitchFamily="18" charset="0"/>
+              <a:ea typeface="方正姚体" panose="02010601030101010101" pitchFamily="2" charset="-122"/>
+              <a:cs typeface="Kartika" panose="02020503030404060203" pitchFamily="18" charset="0"/>
+            </a:endParaRPr>
           </a:p>
           <a:p>
             <a:pPr algn="l"/>
@@ -6846,18 +6885,27 @@
               </a:rPr>
               <a:t>10164800305 郭源杰</a:t>
             </a:r>
-          </a:p>
-        </p:txBody>
-      </p:sp>
-      <p:sp>
-        <p:nvSpPr>
-          <p:cNvPr id="2" name="日期占位符 1">
-            <a:extLst>
-              <a:ext uri="{FF2B5EF4-FFF2-40B4-BE49-F238E27FC236}">
-                <a16:creationId xmlns:a16="http://schemas.microsoft.com/office/drawing/2014/main" id="{C38CCD9D-0C81-49C3-A9EF-90ED9CF9661B}"/>
-              </a:ext>
-            </a:extLst>
-          </p:cNvPr>
+            <a:endParaRPr lang="zh-CN" altLang="en-US" sz="2800" b="1" dirty="0">
+              <a:solidFill>
+                <a:srgbClr val="FEFEFE"/>
+              </a:solidFill>
+              <a:effectLst>
+                <a:outerShdw blurRad="50800" dist="38100" dir="2700000" algn="tl" rotWithShape="0">
+                  <a:prstClr val="black">
+                    <a:alpha val="40000"/>
+                  </a:prstClr>
+                </a:outerShdw>
+              </a:effectLst>
+              <a:latin typeface="Kartika" panose="02020503030404060203" pitchFamily="18" charset="0"/>
+              <a:ea typeface="方正姚体" panose="02010601030101010101" pitchFamily="2" charset="-122"/>
+              <a:cs typeface="Kartika" panose="02020503030404060203" pitchFamily="18" charset="0"/>
+            </a:endParaRPr>
+          </a:p>
+        </p:txBody>
+      </p:sp>
+      <p:sp>
+        <p:nvSpPr>
+          <p:cNvPr id="2" name="日期占位符 1"/>
           <p:cNvSpPr>
             <a:spLocks noGrp="1"/>
           </p:cNvSpPr>
@@ -6872,7 +6920,6 @@
           <a:p>
             <a:fld id="{5A8F99F1-FADF-4667-B00E-E6E8AA9223FB}" type="datetime1">
               <a:rPr lang="zh-CN" altLang="en-US" smtClean="0"/>
-              <a:t>2019/12/25</a:t>
             </a:fld>
             <a:endParaRPr lang="zh-CN" altLang="en-US"/>
           </a:p>
@@ -6880,13 +6927,7 @@
       </p:sp>
       <p:sp>
         <p:nvSpPr>
-          <p:cNvPr id="3" name="页脚占位符 2">
-            <a:extLst>
-              <a:ext uri="{FF2B5EF4-FFF2-40B4-BE49-F238E27FC236}">
-                <a16:creationId xmlns:a16="http://schemas.microsoft.com/office/drawing/2014/main" id="{3FE07938-1B53-4805-A7E2-BD49D0DA149F}"/>
-              </a:ext>
-            </a:extLst>
-          </p:cNvPr>
+          <p:cNvPr id="3" name="页脚占位符 2"/>
           <p:cNvSpPr>
             <a:spLocks noGrp="1"/>
           </p:cNvSpPr>
@@ -6907,18 +6948,13 @@
               <a:rPr lang="zh-CN" altLang="en-US"/>
               <a:t>李尚真 彭钧涛 郭源杰 </a:t>
             </a:r>
-          </a:p>
-        </p:txBody>
-      </p:sp>
-      <p:sp>
-        <p:nvSpPr>
-          <p:cNvPr id="4" name="灯片编号占位符 3">
-            <a:extLst>
-              <a:ext uri="{FF2B5EF4-FFF2-40B4-BE49-F238E27FC236}">
-                <a16:creationId xmlns:a16="http://schemas.microsoft.com/office/drawing/2014/main" id="{88FDC65A-9173-487E-A764-FC7A700BCC44}"/>
-              </a:ext>
-            </a:extLst>
-          </p:cNvPr>
+            <a:endParaRPr lang="zh-CN" altLang="en-US"/>
+          </a:p>
+        </p:txBody>
+      </p:sp>
+      <p:sp>
+        <p:nvSpPr>
+          <p:cNvPr id="4" name="灯片编号占位符 3"/>
           <p:cNvSpPr>
             <a:spLocks noGrp="1"/>
           </p:cNvSpPr>
@@ -6933,7 +6969,6 @@
           <a:p>
             <a:fld id="{C5A8F65C-32B6-44AD-B5C6-741E2EBC8CAC}" type="slidenum">
               <a:rPr lang="zh-CN" altLang="en-US" smtClean="0"/>
-              <a:t>1</a:t>
             </a:fld>
             <a:endParaRPr lang="zh-CN" altLang="en-US"/>
           </a:p>
@@ -6941,7 +6976,7 @@
       </p:sp>
     </p:spTree>
     <p:custDataLst>
-      <p:tags r:id="rId1"/>
+      <p:tags r:id="rId2"/>
     </p:custDataLst>
   </p:cSld>
   <p:clrMapOvr>
@@ -6956,7 +6991,7 @@
     <p:bg>
       <p:bgPr>
         <a:blipFill dpi="0" rotWithShape="1">
-          <a:blip r:embed="rId2">
+          <a:blip r:embed="rId1">
             <a:lum/>
           </a:blip>
           <a:srcRect/>
@@ -7004,7 +7039,7 @@
             <p:nvPr/>
           </p:nvPicPr>
           <p:blipFill>
-            <a:blip r:embed="rId3">
+            <a:blip r:embed="rId2">
               <a:extLst>
                 <a:ext uri="{28A0092B-C50C-407E-A947-70E740481C1C}">
                   <a14:useLocalDpi xmlns:a14="http://schemas.microsoft.com/office/drawing/2010/main" val="0"/>
@@ -7034,7 +7069,7 @@
             <p:nvPr/>
           </p:nvPicPr>
           <p:blipFill rotWithShape="1">
-            <a:blip r:embed="rId3">
+            <a:blip r:embed="rId2">
               <a:extLst>
                 <a:ext uri="{28A0092B-C50C-407E-A947-70E740481C1C}">
                   <a14:useLocalDpi xmlns:a14="http://schemas.microsoft.com/office/drawing/2010/main" val="0"/>
@@ -7139,6 +7174,21 @@
               </a:rPr>
               <a:t>分析</a:t>
             </a:r>
+            <a:endParaRPr lang="zh-CN" altLang="en-US" sz="6000" b="1" dirty="0">
+              <a:solidFill>
+                <a:schemeClr val="bg1"/>
+              </a:solidFill>
+              <a:effectLst>
+                <a:outerShdw blurRad="50800" dist="38100" dir="2700000" algn="tl" rotWithShape="0">
+                  <a:prstClr val="black">
+                    <a:alpha val="40000"/>
+                  </a:prstClr>
+                </a:outerShdw>
+              </a:effectLst>
+              <a:latin typeface="微软雅黑" panose="020B0503020204020204" pitchFamily="34" charset="-122"/>
+              <a:ea typeface="微软雅黑" panose="020B0503020204020204" pitchFamily="34" charset="-122"/>
+              <a:sym typeface="微软雅黑" panose="020B0503020204020204" pitchFamily="34" charset="-122"/>
+            </a:endParaRPr>
           </a:p>
         </p:txBody>
       </p:sp>
@@ -7381,7 +7431,7 @@
           <p:nvPr/>
         </p:nvPicPr>
         <p:blipFill>
-          <a:blip r:embed="rId4"/>
+          <a:blip r:embed="rId3"/>
           <a:stretch>
             <a:fillRect/>
           </a:stretch>
@@ -7405,7 +7455,7 @@
           <p:nvPr/>
         </p:nvPicPr>
         <p:blipFill>
-          <a:blip r:embed="rId5"/>
+          <a:blip r:embed="rId4"/>
           <a:stretch>
             <a:fillRect/>
           </a:stretch>
@@ -7429,7 +7479,7 @@
           <p:nvPr/>
         </p:nvPicPr>
         <p:blipFill>
-          <a:blip r:embed="rId6"/>
+          <a:blip r:embed="rId5"/>
           <a:stretch>
             <a:fillRect/>
           </a:stretch>
@@ -7453,7 +7503,7 @@
           <p:nvPr/>
         </p:nvPicPr>
         <p:blipFill>
-          <a:blip r:embed="rId7"/>
+          <a:blip r:embed="rId6"/>
           <a:stretch>
             <a:fillRect/>
           </a:stretch>
@@ -7596,7 +7646,7 @@
                   <a:prstDash val="solid"/>
                 </a:ln>
                 <a:blipFill>
-                  <a:blip r:embed="rId8">
+                  <a:blip r:embed="rId7">
                     <a:alphaModFix amt="80000"/>
                   </a:blip>
                   <a:tile tx="0" ty="0" sx="82000" sy="72000" flip="none" algn="bl"/>
@@ -7611,18 +7661,49 @@
               </a:rPr>
               <a:t>MongoDB YES!</a:t>
             </a:r>
-          </a:p>
-        </p:txBody>
-      </p:sp>
-      <p:sp>
-        <p:nvSpPr>
-          <p:cNvPr id="16" name="日期占位符 15">
-            <a:extLst>
-              <a:ext uri="{FF2B5EF4-FFF2-40B4-BE49-F238E27FC236}">
-                <a16:creationId xmlns:a16="http://schemas.microsoft.com/office/drawing/2014/main" id="{A806527A-2404-4DA6-9C30-C286D4D18CA7}"/>
-              </a:ext>
-            </a:extLst>
-          </p:cNvPr>
+            <a:endParaRPr lang="en-US" altLang="zh-CN" sz="7200" b="1">
+              <a:ln w="19050" cmpd="sng">
+                <a:gradFill>
+                  <a:gsLst>
+                    <a:gs pos="30000">
+                      <a:srgbClr val="DBEEC0"/>
+                    </a:gs>
+                    <a:gs pos="22000">
+                      <a:srgbClr val="2F8B93">
+                        <a:alpha val="100000"/>
+                      </a:srgbClr>
+                    </a:gs>
+                    <a:gs pos="63000">
+                      <a:srgbClr val="3088B5"/>
+                    </a:gs>
+                    <a:gs pos="81000">
+                      <a:srgbClr val="2D8E70"/>
+                    </a:gs>
+                  </a:gsLst>
+                  <a:lin ang="5400000" scaled="1"/>
+                </a:gradFill>
+                <a:prstDash val="solid"/>
+              </a:ln>
+              <a:blipFill>
+                <a:blip r:embed="rId7">
+                  <a:alphaModFix amt="80000"/>
+                </a:blip>
+                <a:tile tx="0" ty="0" sx="82000" sy="72000" flip="none" algn="bl"/>
+              </a:blipFill>
+              <a:effectLst>
+                <a:glow rad="50800">
+                  <a:srgbClr val="C5E499">
+                    <a:alpha val="49000"/>
+                  </a:srgbClr>
+                </a:glow>
+              </a:effectLst>
+            </a:endParaRPr>
+          </a:p>
+        </p:txBody>
+      </p:sp>
+      <p:sp>
+        <p:nvSpPr>
+          <p:cNvPr id="16" name="日期占位符 15"/>
           <p:cNvSpPr>
             <a:spLocks noGrp="1"/>
           </p:cNvSpPr>
@@ -7637,7 +7718,6 @@
           <a:p>
             <a:fld id="{59176A7E-135F-469B-86ED-A921D6EA299C}" type="datetime1">
               <a:rPr lang="zh-CN" altLang="en-US" smtClean="0"/>
-              <a:t>2019/12/25</a:t>
             </a:fld>
             <a:endParaRPr lang="zh-CN" altLang="en-US"/>
           </a:p>
@@ -7645,13 +7725,7 @@
       </p:sp>
       <p:sp>
         <p:nvSpPr>
-          <p:cNvPr id="18" name="页脚占位符 17">
-            <a:extLst>
-              <a:ext uri="{FF2B5EF4-FFF2-40B4-BE49-F238E27FC236}">
-                <a16:creationId xmlns:a16="http://schemas.microsoft.com/office/drawing/2014/main" id="{A5F9D4D7-2136-4FC5-AB58-5A4DCD88E2B3}"/>
-              </a:ext>
-            </a:extLst>
-          </p:cNvPr>
+          <p:cNvPr id="18" name="页脚占位符 17"/>
           <p:cNvSpPr>
             <a:spLocks noGrp="1"/>
           </p:cNvSpPr>
@@ -7672,18 +7746,13 @@
               <a:rPr lang="zh-CN" altLang="en-US"/>
               <a:t>李尚真 彭钧涛 郭源杰 </a:t>
             </a:r>
-          </a:p>
-        </p:txBody>
-      </p:sp>
-      <p:sp>
-        <p:nvSpPr>
-          <p:cNvPr id="19" name="灯片编号占位符 18">
-            <a:extLst>
-              <a:ext uri="{FF2B5EF4-FFF2-40B4-BE49-F238E27FC236}">
-                <a16:creationId xmlns:a16="http://schemas.microsoft.com/office/drawing/2014/main" id="{F77D18BB-6658-4A25-8FCC-AA34CC8BE265}"/>
-              </a:ext>
-            </a:extLst>
-          </p:cNvPr>
+            <a:endParaRPr lang="zh-CN" altLang="en-US"/>
+          </a:p>
+        </p:txBody>
+      </p:sp>
+      <p:sp>
+        <p:nvSpPr>
+          <p:cNvPr id="19" name="灯片编号占位符 18"/>
           <p:cNvSpPr>
             <a:spLocks noGrp="1"/>
           </p:cNvSpPr>
@@ -7698,7 +7767,6 @@
           <a:p>
             <a:fld id="{C5A8F65C-32B6-44AD-B5C6-741E2EBC8CAC}" type="slidenum">
               <a:rPr lang="zh-CN" altLang="en-US" smtClean="0"/>
-              <a:t>10</a:t>
             </a:fld>
             <a:endParaRPr lang="zh-CN" altLang="en-US"/>
           </a:p>
@@ -8160,7 +8228,7 @@
     <p:bg>
       <p:bgPr>
         <a:blipFill dpi="0" rotWithShape="1">
-          <a:blip r:embed="rId2">
+          <a:blip r:embed="rId1">
             <a:lum/>
           </a:blip>
           <a:srcRect/>
@@ -8252,6 +8320,24 @@
               </a:rPr>
               <a:t>开发框架</a:t>
             </a:r>
+            <a:endParaRPr lang="zh-CN" altLang="en-US" sz="6600" b="1" dirty="0">
+              <a:solidFill>
+                <a:schemeClr val="tx1">
+                  <a:lumMod val="65000"/>
+                  <a:lumOff val="35000"/>
+                </a:schemeClr>
+              </a:solidFill>
+              <a:effectLst>
+                <a:outerShdw blurRad="50800" dist="38100" dir="2700000" algn="tl" rotWithShape="0">
+                  <a:prstClr val="black">
+                    <a:alpha val="40000"/>
+                  </a:prstClr>
+                </a:outerShdw>
+              </a:effectLst>
+              <a:latin typeface="微软雅黑" panose="020B0503020204020204" pitchFamily="34" charset="-122"/>
+              <a:ea typeface="微软雅黑" panose="020B0503020204020204" pitchFamily="34" charset="-122"/>
+              <a:sym typeface="微软雅黑" panose="020B0503020204020204" pitchFamily="34" charset="-122"/>
+            </a:endParaRPr>
           </a:p>
         </p:txBody>
       </p:sp>
@@ -8316,13 +8402,7 @@
       </p:sp>
       <p:sp>
         <p:nvSpPr>
-          <p:cNvPr id="2" name="日期占位符 1">
-            <a:extLst>
-              <a:ext uri="{FF2B5EF4-FFF2-40B4-BE49-F238E27FC236}">
-                <a16:creationId xmlns:a16="http://schemas.microsoft.com/office/drawing/2014/main" id="{39088D04-8E91-49B4-AA79-EDB90418317C}"/>
-              </a:ext>
-            </a:extLst>
-          </p:cNvPr>
+          <p:cNvPr id="2" name="日期占位符 1"/>
           <p:cNvSpPr>
             <a:spLocks noGrp="1"/>
           </p:cNvSpPr>
@@ -8337,7 +8417,6 @@
           <a:p>
             <a:fld id="{EDA3E460-0E34-4888-BE69-7CFB11E9A5F3}" type="datetime1">
               <a:rPr lang="zh-CN" altLang="en-US" smtClean="0"/>
-              <a:t>2019/12/25</a:t>
             </a:fld>
             <a:endParaRPr lang="zh-CN" altLang="en-US"/>
           </a:p>
@@ -8345,13 +8424,7 @@
       </p:sp>
       <p:sp>
         <p:nvSpPr>
-          <p:cNvPr id="4" name="页脚占位符 3">
-            <a:extLst>
-              <a:ext uri="{FF2B5EF4-FFF2-40B4-BE49-F238E27FC236}">
-                <a16:creationId xmlns:a16="http://schemas.microsoft.com/office/drawing/2014/main" id="{503545D3-8310-4EBE-BA5D-62445229E785}"/>
-              </a:ext>
-            </a:extLst>
-          </p:cNvPr>
+          <p:cNvPr id="4" name="页脚占位符 3"/>
           <p:cNvSpPr>
             <a:spLocks noGrp="1"/>
           </p:cNvSpPr>
@@ -8372,18 +8445,13 @@
               <a:rPr lang="zh-CN" altLang="en-US"/>
               <a:t>李尚真 彭钧涛 郭源杰 </a:t>
             </a:r>
-          </a:p>
-        </p:txBody>
-      </p:sp>
-      <p:sp>
-        <p:nvSpPr>
-          <p:cNvPr id="5" name="灯片编号占位符 4">
-            <a:extLst>
-              <a:ext uri="{FF2B5EF4-FFF2-40B4-BE49-F238E27FC236}">
-                <a16:creationId xmlns:a16="http://schemas.microsoft.com/office/drawing/2014/main" id="{C7CB7F1B-01B4-460E-B48D-2B9D44D26991}"/>
-              </a:ext>
-            </a:extLst>
-          </p:cNvPr>
+            <a:endParaRPr lang="zh-CN" altLang="en-US"/>
+          </a:p>
+        </p:txBody>
+      </p:sp>
+      <p:sp>
+        <p:nvSpPr>
+          <p:cNvPr id="5" name="灯片编号占位符 4"/>
           <p:cNvSpPr>
             <a:spLocks noGrp="1"/>
           </p:cNvSpPr>
@@ -8398,7 +8466,6 @@
           <a:p>
             <a:fld id="{C5A8F65C-32B6-44AD-B5C6-741E2EBC8CAC}" type="slidenum">
               <a:rPr lang="zh-CN" altLang="en-US" smtClean="0"/>
-              <a:t>11</a:t>
             </a:fld>
             <a:endParaRPr lang="zh-CN" altLang="en-US"/>
           </a:p>
@@ -8418,7 +8485,7 @@
     <p:bg>
       <p:bgPr>
         <a:blipFill dpi="0" rotWithShape="1">
-          <a:blip r:embed="rId2">
+          <a:blip r:embed="rId1">
             <a:lum/>
           </a:blip>
           <a:srcRect/>
@@ -8466,7 +8533,7 @@
             <p:nvPr/>
           </p:nvPicPr>
           <p:blipFill>
-            <a:blip r:embed="rId3">
+            <a:blip r:embed="rId2">
               <a:extLst>
                 <a:ext uri="{28A0092B-C50C-407E-A947-70E740481C1C}">
                   <a14:useLocalDpi xmlns:a14="http://schemas.microsoft.com/office/drawing/2010/main" val="0"/>
@@ -8496,7 +8563,7 @@
             <p:nvPr/>
           </p:nvPicPr>
           <p:blipFill rotWithShape="1">
-            <a:blip r:embed="rId3">
+            <a:blip r:embed="rId2">
               <a:extLst>
                 <a:ext uri="{28A0092B-C50C-407E-A947-70E740481C1C}">
                   <a14:useLocalDpi xmlns:a14="http://schemas.microsoft.com/office/drawing/2010/main" val="0"/>
@@ -8583,6 +8650,21 @@
               </a:rPr>
               <a:t>开发框架</a:t>
             </a:r>
+            <a:endParaRPr lang="zh-CN" altLang="en-US" sz="6000" b="1" dirty="0">
+              <a:solidFill>
+                <a:schemeClr val="bg1"/>
+              </a:solidFill>
+              <a:effectLst>
+                <a:outerShdw blurRad="50800" dist="38100" dir="2700000" algn="tl" rotWithShape="0">
+                  <a:prstClr val="black">
+                    <a:alpha val="40000"/>
+                  </a:prstClr>
+                </a:outerShdw>
+              </a:effectLst>
+              <a:latin typeface="微软雅黑" panose="020B0503020204020204" pitchFamily="34" charset="-122"/>
+              <a:ea typeface="微软雅黑" panose="020B0503020204020204" pitchFamily="34" charset="-122"/>
+              <a:sym typeface="微软雅黑" panose="020B0503020204020204" pitchFamily="34" charset="-122"/>
+            </a:endParaRPr>
           </a:p>
         </p:txBody>
       </p:sp>
@@ -8828,19 +8910,13 @@
         </p:xfrm>
         <a:graphic>
           <a:graphicData uri="http://schemas.openxmlformats.org/drawingml/2006/diagram">
-            <dgm:relIds xmlns:dgm="http://schemas.openxmlformats.org/drawingml/2006/diagram" xmlns:r="http://schemas.openxmlformats.org/officeDocument/2006/relationships" r:dm="rId4" r:lo="rId5" r:qs="rId6" r:cs="rId7"/>
+            <dgm:relIds xmlns:dgm="http://schemas.openxmlformats.org/drawingml/2006/diagram" xmlns:r="http://schemas.openxmlformats.org/officeDocument/2006/relationships" r:dm="rId3" r:lo="rId4" r:qs="rId5" r:cs="rId6"/>
           </a:graphicData>
         </a:graphic>
       </p:graphicFrame>
       <p:sp>
         <p:nvSpPr>
-          <p:cNvPr id="4" name="日期占位符 3">
-            <a:extLst>
-              <a:ext uri="{FF2B5EF4-FFF2-40B4-BE49-F238E27FC236}">
-                <a16:creationId xmlns:a16="http://schemas.microsoft.com/office/drawing/2014/main" id="{215D797B-F2FD-4D71-ADA9-0E233BEECF1A}"/>
-              </a:ext>
-            </a:extLst>
-          </p:cNvPr>
+          <p:cNvPr id="4" name="日期占位符 3"/>
           <p:cNvSpPr>
             <a:spLocks noGrp="1"/>
           </p:cNvSpPr>
@@ -8855,7 +8931,6 @@
           <a:p>
             <a:fld id="{40537DBD-BC54-41D0-BE49-7E226A709AE1}" type="datetime1">
               <a:rPr lang="zh-CN" altLang="en-US" smtClean="0"/>
-              <a:t>2019/12/25</a:t>
             </a:fld>
             <a:endParaRPr lang="zh-CN" altLang="en-US"/>
           </a:p>
@@ -8863,13 +8938,7 @@
       </p:sp>
       <p:sp>
         <p:nvSpPr>
-          <p:cNvPr id="5" name="页脚占位符 4">
-            <a:extLst>
-              <a:ext uri="{FF2B5EF4-FFF2-40B4-BE49-F238E27FC236}">
-                <a16:creationId xmlns:a16="http://schemas.microsoft.com/office/drawing/2014/main" id="{3AB4F074-FCE6-4F90-B93B-A25E5D6076F4}"/>
-              </a:ext>
-            </a:extLst>
-          </p:cNvPr>
+          <p:cNvPr id="5" name="页脚占位符 4"/>
           <p:cNvSpPr>
             <a:spLocks noGrp="1"/>
           </p:cNvSpPr>
@@ -8890,18 +8959,13 @@
               <a:rPr lang="zh-CN" altLang="en-US"/>
               <a:t>李尚真 彭钧涛 郭源杰 </a:t>
             </a:r>
-          </a:p>
-        </p:txBody>
-      </p:sp>
-      <p:sp>
-        <p:nvSpPr>
-          <p:cNvPr id="14" name="灯片编号占位符 13">
-            <a:extLst>
-              <a:ext uri="{FF2B5EF4-FFF2-40B4-BE49-F238E27FC236}">
-                <a16:creationId xmlns:a16="http://schemas.microsoft.com/office/drawing/2014/main" id="{3A8AEC8B-6BB9-42DE-913D-E153489DBBE2}"/>
-              </a:ext>
-            </a:extLst>
-          </p:cNvPr>
+            <a:endParaRPr lang="zh-CN" altLang="en-US"/>
+          </a:p>
+        </p:txBody>
+      </p:sp>
+      <p:sp>
+        <p:nvSpPr>
+          <p:cNvPr id="14" name="灯片编号占位符 13"/>
           <p:cNvSpPr>
             <a:spLocks noGrp="1"/>
           </p:cNvSpPr>
@@ -8916,7 +8980,6 @@
           <a:p>
             <a:fld id="{C5A8F65C-32B6-44AD-B5C6-741E2EBC8CAC}" type="slidenum">
               <a:rPr lang="zh-CN" altLang="en-US" smtClean="0"/>
-              <a:t>12</a:t>
             </a:fld>
             <a:endParaRPr lang="zh-CN" altLang="en-US"/>
           </a:p>
@@ -8936,7 +8999,7 @@
     <p:bg>
       <p:bgPr>
         <a:blipFill dpi="0" rotWithShape="1">
-          <a:blip r:embed="rId2">
+          <a:blip r:embed="rId1">
             <a:lum/>
           </a:blip>
           <a:srcRect/>
@@ -9014,6 +9077,7 @@
               <a:rPr lang="en-US" altLang="zh-CN"/>
               <a:t>SpringMVC</a:t>
             </a:r>
+            <a:endParaRPr lang="en-US" altLang="zh-CN"/>
           </a:p>
           <a:p>
             <a:r>
@@ -9028,6 +9092,7 @@
               <a:rPr lang="zh-CN" altLang="en-US"/>
               <a:t>脚本</a:t>
             </a:r>
+            <a:endParaRPr lang="zh-CN" altLang="en-US"/>
           </a:p>
         </p:txBody>
       </p:sp>
@@ -9054,7 +9119,7 @@
             <p:nvPr/>
           </p:nvPicPr>
           <p:blipFill>
-            <a:blip r:embed="rId3">
+            <a:blip r:embed="rId2">
               <a:extLst>
                 <a:ext uri="{28A0092B-C50C-407E-A947-70E740481C1C}">
                   <a14:useLocalDpi xmlns:a14="http://schemas.microsoft.com/office/drawing/2010/main" val="0"/>
@@ -9084,7 +9149,7 @@
             <p:nvPr/>
           </p:nvPicPr>
           <p:blipFill rotWithShape="1">
-            <a:blip r:embed="rId3">
+            <a:blip r:embed="rId2">
               <a:extLst>
                 <a:ext uri="{28A0092B-C50C-407E-A947-70E740481C1C}">
                   <a14:useLocalDpi xmlns:a14="http://schemas.microsoft.com/office/drawing/2010/main" val="0"/>
@@ -9171,6 +9236,21 @@
               </a:rPr>
               <a:t>开发框架</a:t>
             </a:r>
+            <a:endParaRPr lang="zh-CN" altLang="en-US" sz="6000" b="1" dirty="0">
+              <a:solidFill>
+                <a:schemeClr val="bg1"/>
+              </a:solidFill>
+              <a:effectLst>
+                <a:outerShdw blurRad="50800" dist="38100" dir="2700000" algn="tl" rotWithShape="0">
+                  <a:prstClr val="black">
+                    <a:alpha val="40000"/>
+                  </a:prstClr>
+                </a:outerShdw>
+              </a:effectLst>
+              <a:latin typeface="微软雅黑" panose="020B0503020204020204" pitchFamily="34" charset="-122"/>
+              <a:ea typeface="微软雅黑" panose="020B0503020204020204" pitchFamily="34" charset="-122"/>
+              <a:sym typeface="微软雅黑" panose="020B0503020204020204" pitchFamily="34" charset="-122"/>
+            </a:endParaRPr>
           </a:p>
         </p:txBody>
       </p:sp>
@@ -9406,13 +9486,7 @@
       </p:sp>
       <p:sp>
         <p:nvSpPr>
-          <p:cNvPr id="5" name="日期占位符 4">
-            <a:extLst>
-              <a:ext uri="{FF2B5EF4-FFF2-40B4-BE49-F238E27FC236}">
-                <a16:creationId xmlns:a16="http://schemas.microsoft.com/office/drawing/2014/main" id="{2FE45FEB-F805-43A3-8F37-E08FE6DF931D}"/>
-              </a:ext>
-            </a:extLst>
-          </p:cNvPr>
+          <p:cNvPr id="5" name="日期占位符 4"/>
           <p:cNvSpPr>
             <a:spLocks noGrp="1"/>
           </p:cNvSpPr>
@@ -9427,7 +9501,6 @@
           <a:p>
             <a:fld id="{4AFF6B32-20A4-4D35-8213-A8EEBBE854D6}" type="datetime1">
               <a:rPr lang="zh-CN" altLang="en-US" smtClean="0"/>
-              <a:t>2019/12/25</a:t>
             </a:fld>
             <a:endParaRPr lang="zh-CN" altLang="en-US"/>
           </a:p>
@@ -9435,13 +9508,7 @@
       </p:sp>
       <p:sp>
         <p:nvSpPr>
-          <p:cNvPr id="14" name="页脚占位符 13">
-            <a:extLst>
-              <a:ext uri="{FF2B5EF4-FFF2-40B4-BE49-F238E27FC236}">
-                <a16:creationId xmlns:a16="http://schemas.microsoft.com/office/drawing/2014/main" id="{8135BF1E-D642-4B7C-9147-B7659FA92564}"/>
-              </a:ext>
-            </a:extLst>
-          </p:cNvPr>
+          <p:cNvPr id="14" name="页脚占位符 13"/>
           <p:cNvSpPr>
             <a:spLocks noGrp="1"/>
           </p:cNvSpPr>
@@ -9462,18 +9529,13 @@
               <a:rPr lang="zh-CN" altLang="en-US"/>
               <a:t>李尚真 彭钧涛 郭源杰 </a:t>
             </a:r>
-          </a:p>
-        </p:txBody>
-      </p:sp>
-      <p:sp>
-        <p:nvSpPr>
-          <p:cNvPr id="15" name="灯片编号占位符 14">
-            <a:extLst>
-              <a:ext uri="{FF2B5EF4-FFF2-40B4-BE49-F238E27FC236}">
-                <a16:creationId xmlns:a16="http://schemas.microsoft.com/office/drawing/2014/main" id="{06911C72-5373-4FC7-A5B3-2EF06451AF6E}"/>
-              </a:ext>
-            </a:extLst>
-          </p:cNvPr>
+            <a:endParaRPr lang="zh-CN" altLang="en-US"/>
+          </a:p>
+        </p:txBody>
+      </p:sp>
+      <p:sp>
+        <p:nvSpPr>
+          <p:cNvPr id="15" name="灯片编号占位符 14"/>
           <p:cNvSpPr>
             <a:spLocks noGrp="1"/>
           </p:cNvSpPr>
@@ -9488,7 +9550,6 @@
           <a:p>
             <a:fld id="{C5A8F65C-32B6-44AD-B5C6-741E2EBC8CAC}" type="slidenum">
               <a:rPr lang="zh-CN" altLang="en-US" smtClean="0"/>
-              <a:t>13</a:t>
             </a:fld>
             <a:endParaRPr lang="zh-CN" altLang="en-US"/>
           </a:p>
@@ -9508,7 +9569,7 @@
     <p:bg>
       <p:bgPr>
         <a:blipFill dpi="0" rotWithShape="1">
-          <a:blip r:embed="rId2">
+          <a:blip r:embed="rId1">
             <a:lum/>
           </a:blip>
           <a:srcRect/>
@@ -9600,6 +9661,24 @@
               </a:rPr>
               <a:t>难点和挑战</a:t>
             </a:r>
+            <a:endParaRPr lang="zh-CN" altLang="en-US" sz="6600" b="1" dirty="0">
+              <a:solidFill>
+                <a:schemeClr val="tx1">
+                  <a:lumMod val="65000"/>
+                  <a:lumOff val="35000"/>
+                </a:schemeClr>
+              </a:solidFill>
+              <a:effectLst>
+                <a:outerShdw blurRad="50800" dist="38100" dir="2700000" algn="tl" rotWithShape="0">
+                  <a:prstClr val="black">
+                    <a:alpha val="40000"/>
+                  </a:prstClr>
+                </a:outerShdw>
+              </a:effectLst>
+              <a:latin typeface="微软雅黑" panose="020B0503020204020204" pitchFamily="34" charset="-122"/>
+              <a:ea typeface="微软雅黑" panose="020B0503020204020204" pitchFamily="34" charset="-122"/>
+              <a:sym typeface="微软雅黑" panose="020B0503020204020204" pitchFamily="34" charset="-122"/>
+            </a:endParaRPr>
           </a:p>
         </p:txBody>
       </p:sp>
@@ -9664,13 +9743,7 @@
       </p:sp>
       <p:sp>
         <p:nvSpPr>
-          <p:cNvPr id="2" name="日期占位符 1">
-            <a:extLst>
-              <a:ext uri="{FF2B5EF4-FFF2-40B4-BE49-F238E27FC236}">
-                <a16:creationId xmlns:a16="http://schemas.microsoft.com/office/drawing/2014/main" id="{844E58CF-82E2-4A54-B837-F915A73975A1}"/>
-              </a:ext>
-            </a:extLst>
-          </p:cNvPr>
+          <p:cNvPr id="2" name="日期占位符 1"/>
           <p:cNvSpPr>
             <a:spLocks noGrp="1"/>
           </p:cNvSpPr>
@@ -9685,7 +9758,6 @@
           <a:p>
             <a:fld id="{9B83B3D3-4757-4565-8501-D0E06CAE1B4A}" type="datetime1">
               <a:rPr lang="zh-CN" altLang="en-US" smtClean="0"/>
-              <a:t>2019/12/25</a:t>
             </a:fld>
             <a:endParaRPr lang="zh-CN" altLang="en-US"/>
           </a:p>
@@ -9693,13 +9765,7 @@
       </p:sp>
       <p:sp>
         <p:nvSpPr>
-          <p:cNvPr id="4" name="页脚占位符 3">
-            <a:extLst>
-              <a:ext uri="{FF2B5EF4-FFF2-40B4-BE49-F238E27FC236}">
-                <a16:creationId xmlns:a16="http://schemas.microsoft.com/office/drawing/2014/main" id="{A56290EA-60FE-4C2C-8333-BBB80AFA9263}"/>
-              </a:ext>
-            </a:extLst>
-          </p:cNvPr>
+          <p:cNvPr id="4" name="页脚占位符 3"/>
           <p:cNvSpPr>
             <a:spLocks noGrp="1"/>
           </p:cNvSpPr>
@@ -9720,18 +9786,13 @@
               <a:rPr lang="zh-CN" altLang="en-US"/>
               <a:t>李尚真 彭钧涛 郭源杰 </a:t>
             </a:r>
-          </a:p>
-        </p:txBody>
-      </p:sp>
-      <p:sp>
-        <p:nvSpPr>
-          <p:cNvPr id="5" name="灯片编号占位符 4">
-            <a:extLst>
-              <a:ext uri="{FF2B5EF4-FFF2-40B4-BE49-F238E27FC236}">
-                <a16:creationId xmlns:a16="http://schemas.microsoft.com/office/drawing/2014/main" id="{9FD3911F-B3A6-4CDC-9676-05BFBAD7AE18}"/>
-              </a:ext>
-            </a:extLst>
-          </p:cNvPr>
+            <a:endParaRPr lang="zh-CN" altLang="en-US"/>
+          </a:p>
+        </p:txBody>
+      </p:sp>
+      <p:sp>
+        <p:nvSpPr>
+          <p:cNvPr id="5" name="灯片编号占位符 4"/>
           <p:cNvSpPr>
             <a:spLocks noGrp="1"/>
           </p:cNvSpPr>
@@ -9746,7 +9807,6 @@
           <a:p>
             <a:fld id="{C5A8F65C-32B6-44AD-B5C6-741E2EBC8CAC}" type="slidenum">
               <a:rPr lang="zh-CN" altLang="en-US" smtClean="0"/>
-              <a:t>14</a:t>
             </a:fld>
             <a:endParaRPr lang="zh-CN" altLang="en-US"/>
           </a:p>
@@ -9766,7 +9826,7 @@
     <p:bg>
       <p:bgPr>
         <a:blipFill dpi="0" rotWithShape="1">
-          <a:blip r:embed="rId2">
+          <a:blip r:embed="rId1">
             <a:lum/>
           </a:blip>
           <a:srcRect/>
@@ -9838,6 +9898,7 @@
               <a:rPr lang="zh-CN" altLang="en-US"/>
               <a:t>服务器限制访问频率</a:t>
             </a:r>
+            <a:endParaRPr lang="zh-CN" altLang="en-US"/>
           </a:p>
           <a:p>
             <a:pPr lvl="1"/>
@@ -9860,12 +9921,14 @@
               <a:rPr lang="zh-CN" altLang="en-US"/>
               <a:t>策略及反爬虫人机验证</a:t>
             </a:r>
+            <a:endParaRPr lang="zh-CN" altLang="en-US"/>
           </a:p>
           <a:p>
             <a:r>
               <a:rPr lang="zh-CN" altLang="en-US"/>
               <a:t>表格上等距显示价格数据</a:t>
             </a:r>
+            <a:endParaRPr lang="zh-CN" altLang="en-US"/>
           </a:p>
           <a:p>
             <a:r>
@@ -9888,6 +9951,7 @@
               <a:rPr lang="zh-CN" altLang="en-US"/>
               <a:t>内存限制</a:t>
             </a:r>
+            <a:endParaRPr lang="zh-CN" altLang="en-US"/>
           </a:p>
           <a:p>
             <a:pPr lvl="1"/>
@@ -9903,7 +9967,7 @@
         </p:nvGrpSpPr>
         <p:grpSpPr>
           <a:xfrm>
-            <a:off x="0" y="0"/>
+            <a:off x="-7620" y="0"/>
             <a:ext cx="12192000" cy="6855543"/>
             <a:chOff x="0" y="0"/>
             <a:chExt cx="12192000" cy="6855543"/>
@@ -9918,7 +9982,7 @@
             <p:nvPr/>
           </p:nvPicPr>
           <p:blipFill>
-            <a:blip r:embed="rId3">
+            <a:blip r:embed="rId2">
               <a:extLst>
                 <a:ext uri="{28A0092B-C50C-407E-A947-70E740481C1C}">
                   <a14:useLocalDpi xmlns:a14="http://schemas.microsoft.com/office/drawing/2010/main" val="0"/>
@@ -9948,7 +10012,7 @@
             <p:nvPr/>
           </p:nvPicPr>
           <p:blipFill rotWithShape="1">
-            <a:blip r:embed="rId3">
+            <a:blip r:embed="rId2">
               <a:extLst>
                 <a:ext uri="{28A0092B-C50C-407E-A947-70E740481C1C}">
                   <a14:useLocalDpi xmlns:a14="http://schemas.microsoft.com/office/drawing/2010/main" val="0"/>
@@ -10035,6 +10099,21 @@
               </a:rPr>
               <a:t>难点和挑战</a:t>
             </a:r>
+            <a:endParaRPr lang="zh-CN" altLang="en-US" sz="6000" b="1" dirty="0">
+              <a:solidFill>
+                <a:schemeClr val="bg1"/>
+              </a:solidFill>
+              <a:effectLst>
+                <a:outerShdw blurRad="50800" dist="38100" dir="2700000" algn="tl" rotWithShape="0">
+                  <a:prstClr val="black">
+                    <a:alpha val="40000"/>
+                  </a:prstClr>
+                </a:outerShdw>
+              </a:effectLst>
+              <a:latin typeface="微软雅黑" panose="020B0503020204020204" pitchFamily="34" charset="-122"/>
+              <a:ea typeface="微软雅黑" panose="020B0503020204020204" pitchFamily="34" charset="-122"/>
+              <a:sym typeface="微软雅黑" panose="020B0503020204020204" pitchFamily="34" charset="-122"/>
+            </a:endParaRPr>
           </a:p>
         </p:txBody>
       </p:sp>
@@ -10277,7 +10356,7 @@
           <p:nvPr/>
         </p:nvPicPr>
         <p:blipFill>
-          <a:blip r:embed="rId4"/>
+          <a:blip r:embed="rId3"/>
           <a:stretch>
             <a:fillRect/>
           </a:stretch>
@@ -10294,13 +10373,7 @@
       </p:pic>
       <p:sp>
         <p:nvSpPr>
-          <p:cNvPr id="14" name="日期占位符 13">
-            <a:extLst>
-              <a:ext uri="{FF2B5EF4-FFF2-40B4-BE49-F238E27FC236}">
-                <a16:creationId xmlns:a16="http://schemas.microsoft.com/office/drawing/2014/main" id="{68DD98E2-E504-4867-A828-B938C30B0091}"/>
-              </a:ext>
-            </a:extLst>
-          </p:cNvPr>
+          <p:cNvPr id="14" name="日期占位符 13"/>
           <p:cNvSpPr>
             <a:spLocks noGrp="1"/>
           </p:cNvSpPr>
@@ -10315,7 +10388,6 @@
           <a:p>
             <a:fld id="{1DDB3D9A-3679-44DE-A95C-3EC26AC03856}" type="datetime1">
               <a:rPr lang="zh-CN" altLang="en-US" smtClean="0"/>
-              <a:t>2019/12/25</a:t>
             </a:fld>
             <a:endParaRPr lang="zh-CN" altLang="en-US"/>
           </a:p>
@@ -10323,13 +10395,7 @@
       </p:sp>
       <p:sp>
         <p:nvSpPr>
-          <p:cNvPr id="15" name="页脚占位符 14">
-            <a:extLst>
-              <a:ext uri="{FF2B5EF4-FFF2-40B4-BE49-F238E27FC236}">
-                <a16:creationId xmlns:a16="http://schemas.microsoft.com/office/drawing/2014/main" id="{3C620652-B81C-4115-ABF6-1C8DB284ADFA}"/>
-              </a:ext>
-            </a:extLst>
-          </p:cNvPr>
+          <p:cNvPr id="15" name="页脚占位符 14"/>
           <p:cNvSpPr>
             <a:spLocks noGrp="1"/>
           </p:cNvSpPr>
@@ -10350,18 +10416,13 @@
               <a:rPr lang="zh-CN" altLang="en-US"/>
               <a:t>李尚真 彭钧涛 郭源杰 </a:t>
             </a:r>
-          </a:p>
-        </p:txBody>
-      </p:sp>
-      <p:sp>
-        <p:nvSpPr>
-          <p:cNvPr id="16" name="灯片编号占位符 15">
-            <a:extLst>
-              <a:ext uri="{FF2B5EF4-FFF2-40B4-BE49-F238E27FC236}">
-                <a16:creationId xmlns:a16="http://schemas.microsoft.com/office/drawing/2014/main" id="{6C13EA9E-E13E-4D81-AAED-1151544ED0E9}"/>
-              </a:ext>
-            </a:extLst>
-          </p:cNvPr>
+            <a:endParaRPr lang="zh-CN" altLang="en-US"/>
+          </a:p>
+        </p:txBody>
+      </p:sp>
+      <p:sp>
+        <p:nvSpPr>
+          <p:cNvPr id="16" name="灯片编号占位符 15"/>
           <p:cNvSpPr>
             <a:spLocks noGrp="1"/>
           </p:cNvSpPr>
@@ -10376,7 +10437,6 @@
           <a:p>
             <a:fld id="{C5A8F65C-32B6-44AD-B5C6-741E2EBC8CAC}" type="slidenum">
               <a:rPr lang="zh-CN" altLang="en-US" smtClean="0"/>
-              <a:t>15</a:t>
             </a:fld>
             <a:endParaRPr lang="zh-CN" altLang="en-US"/>
           </a:p>
@@ -10804,7 +10864,7 @@
     <p:bg>
       <p:bgPr>
         <a:blipFill dpi="0" rotWithShape="1">
-          <a:blip r:embed="rId2">
+          <a:blip r:embed="rId1">
             <a:lum/>
           </a:blip>
           <a:srcRect/>
@@ -10876,6 +10936,7 @@
               <a:rPr lang="zh-CN" altLang="en-US"/>
               <a:t>中有重复项，需要去重</a:t>
             </a:r>
+            <a:endParaRPr lang="zh-CN" altLang="en-US"/>
           </a:p>
           <a:p>
             <a:pPr lvl="1"/>
@@ -10906,7 +10967,7 @@
             <p:nvPr/>
           </p:nvPicPr>
           <p:blipFill>
-            <a:blip r:embed="rId3">
+            <a:blip r:embed="rId2">
               <a:extLst>
                 <a:ext uri="{28A0092B-C50C-407E-A947-70E740481C1C}">
                   <a14:useLocalDpi xmlns:a14="http://schemas.microsoft.com/office/drawing/2010/main" val="0"/>
@@ -10936,7 +10997,7 @@
             <p:nvPr/>
           </p:nvPicPr>
           <p:blipFill rotWithShape="1">
-            <a:blip r:embed="rId3">
+            <a:blip r:embed="rId2">
               <a:extLst>
                 <a:ext uri="{28A0092B-C50C-407E-A947-70E740481C1C}">
                   <a14:useLocalDpi xmlns:a14="http://schemas.microsoft.com/office/drawing/2010/main" val="0"/>
@@ -11023,6 +11084,21 @@
               </a:rPr>
               <a:t>难点和挑战</a:t>
             </a:r>
+            <a:endParaRPr lang="zh-CN" altLang="en-US" sz="6000" b="1" dirty="0">
+              <a:solidFill>
+                <a:schemeClr val="bg1"/>
+              </a:solidFill>
+              <a:effectLst>
+                <a:outerShdw blurRad="50800" dist="38100" dir="2700000" algn="tl" rotWithShape="0">
+                  <a:prstClr val="black">
+                    <a:alpha val="40000"/>
+                  </a:prstClr>
+                </a:outerShdw>
+              </a:effectLst>
+              <a:latin typeface="微软雅黑" panose="020B0503020204020204" pitchFamily="34" charset="-122"/>
+              <a:ea typeface="微软雅黑" panose="020B0503020204020204" pitchFamily="34" charset="-122"/>
+              <a:sym typeface="微软雅黑" panose="020B0503020204020204" pitchFamily="34" charset="-122"/>
+            </a:endParaRPr>
           </a:p>
         </p:txBody>
       </p:sp>
@@ -11258,13 +11334,7 @@
       </p:sp>
       <p:sp>
         <p:nvSpPr>
-          <p:cNvPr id="5" name="日期占位符 4">
-            <a:extLst>
-              <a:ext uri="{FF2B5EF4-FFF2-40B4-BE49-F238E27FC236}">
-                <a16:creationId xmlns:a16="http://schemas.microsoft.com/office/drawing/2014/main" id="{9B86F6B2-DF25-4711-AD70-CE83B7D18661}"/>
-              </a:ext>
-            </a:extLst>
-          </p:cNvPr>
+          <p:cNvPr id="5" name="日期占位符 4"/>
           <p:cNvSpPr>
             <a:spLocks noGrp="1"/>
           </p:cNvSpPr>
@@ -11279,7 +11349,6 @@
           <a:p>
             <a:fld id="{6D609CE2-BA4D-46A9-A8AB-8120BA24ED07}" type="datetime1">
               <a:rPr lang="zh-CN" altLang="en-US" smtClean="0"/>
-              <a:t>2019/12/25</a:t>
             </a:fld>
             <a:endParaRPr lang="zh-CN" altLang="en-US"/>
           </a:p>
@@ -11287,13 +11356,7 @@
       </p:sp>
       <p:sp>
         <p:nvSpPr>
-          <p:cNvPr id="14" name="页脚占位符 13">
-            <a:extLst>
-              <a:ext uri="{FF2B5EF4-FFF2-40B4-BE49-F238E27FC236}">
-                <a16:creationId xmlns:a16="http://schemas.microsoft.com/office/drawing/2014/main" id="{159085BC-A95B-451A-AA46-C99A85230805}"/>
-              </a:ext>
-            </a:extLst>
-          </p:cNvPr>
+          <p:cNvPr id="14" name="页脚占位符 13"/>
           <p:cNvSpPr>
             <a:spLocks noGrp="1"/>
           </p:cNvSpPr>
@@ -11314,18 +11377,13 @@
               <a:rPr lang="zh-CN" altLang="en-US"/>
               <a:t>李尚真 彭钧涛 郭源杰 </a:t>
             </a:r>
-          </a:p>
-        </p:txBody>
-      </p:sp>
-      <p:sp>
-        <p:nvSpPr>
-          <p:cNvPr id="15" name="灯片编号占位符 14">
-            <a:extLst>
-              <a:ext uri="{FF2B5EF4-FFF2-40B4-BE49-F238E27FC236}">
-                <a16:creationId xmlns:a16="http://schemas.microsoft.com/office/drawing/2014/main" id="{25A26B9C-E958-422E-A122-CFE1F2FF4ABC}"/>
-              </a:ext>
-            </a:extLst>
-          </p:cNvPr>
+            <a:endParaRPr lang="zh-CN" altLang="en-US"/>
+          </a:p>
+        </p:txBody>
+      </p:sp>
+      <p:sp>
+        <p:nvSpPr>
+          <p:cNvPr id="15" name="灯片编号占位符 14"/>
           <p:cNvSpPr>
             <a:spLocks noGrp="1"/>
           </p:cNvSpPr>
@@ -11340,7 +11398,6 @@
           <a:p>
             <a:fld id="{C5A8F65C-32B6-44AD-B5C6-741E2EBC8CAC}" type="slidenum">
               <a:rPr lang="zh-CN" altLang="en-US" smtClean="0"/>
-              <a:t>16</a:t>
             </a:fld>
             <a:endParaRPr lang="zh-CN" altLang="en-US"/>
           </a:p>
@@ -11451,7 +11508,7 @@
     <p:bg>
       <p:bgPr>
         <a:blipFill dpi="0" rotWithShape="1">
-          <a:blip r:embed="rId2">
+          <a:blip r:embed="rId1">
             <a:lum/>
           </a:blip>
           <a:srcRect/>
@@ -11624,6 +11681,21 @@
               </a:rPr>
               <a:t>李尚真</a:t>
             </a:r>
+            <a:endParaRPr lang="zh-CN" altLang="en-US" sz="2800" b="1" dirty="0">
+              <a:solidFill>
+                <a:srgbClr val="FEFEFE"/>
+              </a:solidFill>
+              <a:effectLst>
+                <a:outerShdw blurRad="50800" dist="38100" dir="2700000" algn="tl" rotWithShape="0">
+                  <a:prstClr val="black">
+                    <a:alpha val="40000"/>
+                  </a:prstClr>
+                </a:outerShdw>
+              </a:effectLst>
+              <a:latin typeface="Kartika" panose="02020503030404060203" pitchFamily="18" charset="0"/>
+              <a:ea typeface="方正姚体" panose="02010601030101010101" pitchFamily="2" charset="-122"/>
+              <a:cs typeface="Kartika" panose="02020503030404060203" pitchFamily="18" charset="0"/>
+            </a:endParaRPr>
           </a:p>
           <a:p>
             <a:pPr algn="l"/>
@@ -11645,6 +11717,21 @@
               </a:rPr>
               <a:t>10164601140 彭钧涛</a:t>
             </a:r>
+            <a:endParaRPr lang="zh-CN" altLang="en-US" sz="2800" b="1" dirty="0">
+              <a:solidFill>
+                <a:srgbClr val="FEFEFE"/>
+              </a:solidFill>
+              <a:effectLst>
+                <a:outerShdw blurRad="50800" dist="38100" dir="2700000" algn="tl" rotWithShape="0">
+                  <a:prstClr val="black">
+                    <a:alpha val="40000"/>
+                  </a:prstClr>
+                </a:outerShdw>
+              </a:effectLst>
+              <a:latin typeface="Kartika" panose="02020503030404060203" pitchFamily="18" charset="0"/>
+              <a:ea typeface="方正姚体" panose="02010601030101010101" pitchFamily="2" charset="-122"/>
+              <a:cs typeface="Kartika" panose="02020503030404060203" pitchFamily="18" charset="0"/>
+            </a:endParaRPr>
           </a:p>
           <a:p>
             <a:pPr algn="l"/>
@@ -11666,18 +11753,27 @@
               </a:rPr>
               <a:t>10164800305 郭源杰</a:t>
             </a:r>
-          </a:p>
-        </p:txBody>
-      </p:sp>
-      <p:sp>
-        <p:nvSpPr>
-          <p:cNvPr id="3" name="日期占位符 2">
-            <a:extLst>
-              <a:ext uri="{FF2B5EF4-FFF2-40B4-BE49-F238E27FC236}">
-                <a16:creationId xmlns:a16="http://schemas.microsoft.com/office/drawing/2014/main" id="{5ACB122F-9496-4B6C-9C2C-15FEF3DAEB68}"/>
-              </a:ext>
-            </a:extLst>
-          </p:cNvPr>
+            <a:endParaRPr lang="zh-CN" altLang="en-US" sz="2800" b="1" dirty="0">
+              <a:solidFill>
+                <a:srgbClr val="FEFEFE"/>
+              </a:solidFill>
+              <a:effectLst>
+                <a:outerShdw blurRad="50800" dist="38100" dir="2700000" algn="tl" rotWithShape="0">
+                  <a:prstClr val="black">
+                    <a:alpha val="40000"/>
+                  </a:prstClr>
+                </a:outerShdw>
+              </a:effectLst>
+              <a:latin typeface="Kartika" panose="02020503030404060203" pitchFamily="18" charset="0"/>
+              <a:ea typeface="方正姚体" panose="02010601030101010101" pitchFamily="2" charset="-122"/>
+              <a:cs typeface="Kartika" panose="02020503030404060203" pitchFamily="18" charset="0"/>
+            </a:endParaRPr>
+          </a:p>
+        </p:txBody>
+      </p:sp>
+      <p:sp>
+        <p:nvSpPr>
+          <p:cNvPr id="3" name="日期占位符 2"/>
           <p:cNvSpPr>
             <a:spLocks noGrp="1"/>
           </p:cNvSpPr>
@@ -11692,7 +11788,6 @@
           <a:p>
             <a:fld id="{03DCF7B2-A8D2-4CC0-90BE-7ECBB038ED20}" type="datetime1">
               <a:rPr lang="zh-CN" altLang="en-US" smtClean="0"/>
-              <a:t>2019/12/25</a:t>
             </a:fld>
             <a:endParaRPr lang="zh-CN" altLang="en-US"/>
           </a:p>
@@ -11700,13 +11795,7 @@
       </p:sp>
       <p:sp>
         <p:nvSpPr>
-          <p:cNvPr id="4" name="页脚占位符 3">
-            <a:extLst>
-              <a:ext uri="{FF2B5EF4-FFF2-40B4-BE49-F238E27FC236}">
-                <a16:creationId xmlns:a16="http://schemas.microsoft.com/office/drawing/2014/main" id="{64CEA395-11A4-437E-B748-3972353B6CFC}"/>
-              </a:ext>
-            </a:extLst>
-          </p:cNvPr>
+          <p:cNvPr id="4" name="页脚占位符 3"/>
           <p:cNvSpPr>
             <a:spLocks noGrp="1"/>
           </p:cNvSpPr>
@@ -11745,13 +11834,7 @@
       </p:sp>
       <p:sp>
         <p:nvSpPr>
-          <p:cNvPr id="5" name="灯片编号占位符 4">
-            <a:extLst>
-              <a:ext uri="{FF2B5EF4-FFF2-40B4-BE49-F238E27FC236}">
-                <a16:creationId xmlns:a16="http://schemas.microsoft.com/office/drawing/2014/main" id="{F11503AC-8335-49BA-BC1E-EEC507BEC1FC}"/>
-              </a:ext>
-            </a:extLst>
-          </p:cNvPr>
+          <p:cNvPr id="5" name="灯片编号占位符 4"/>
           <p:cNvSpPr>
             <a:spLocks noGrp="1"/>
           </p:cNvSpPr>
@@ -11766,7 +11849,6 @@
           <a:p>
             <a:fld id="{C5A8F65C-32B6-44AD-B5C6-741E2EBC8CAC}" type="slidenum">
               <a:rPr lang="zh-CN" altLang="en-US" smtClean="0"/>
-              <a:t>17</a:t>
             </a:fld>
             <a:endParaRPr lang="zh-CN" altLang="en-US"/>
           </a:p>
@@ -11786,7 +11868,7 @@
     <p:bg>
       <p:bgPr>
         <a:blipFill dpi="0" rotWithShape="1">
-          <a:blip r:embed="rId2">
+          <a:blip r:embed="rId1">
             <a:lum/>
           </a:blip>
           <a:srcRect/>
@@ -12548,6 +12630,24 @@
               </a:rPr>
               <a:t>分析</a:t>
             </a:r>
+            <a:endParaRPr lang="zh-CN" altLang="en-US" sz="3200" b="1" dirty="0">
+              <a:solidFill>
+                <a:schemeClr val="tx1">
+                  <a:lumMod val="65000"/>
+                  <a:lumOff val="35000"/>
+                </a:schemeClr>
+              </a:solidFill>
+              <a:effectLst>
+                <a:outerShdw blurRad="50800" dist="38100" dir="2700000" algn="tl" rotWithShape="0">
+                  <a:prstClr val="black">
+                    <a:alpha val="40000"/>
+                  </a:prstClr>
+                </a:outerShdw>
+              </a:effectLst>
+              <a:latin typeface="微软雅黑" panose="020B0503020204020204" pitchFamily="34" charset="-122"/>
+              <a:ea typeface="微软雅黑" panose="020B0503020204020204" pitchFamily="34" charset="-122"/>
+              <a:sym typeface="微软雅黑" panose="020B0503020204020204" pitchFamily="34" charset="-122"/>
+            </a:endParaRPr>
           </a:p>
         </p:txBody>
       </p:sp>
@@ -12618,6 +12718,24 @@
               </a:rPr>
               <a:t>开发框架</a:t>
             </a:r>
+            <a:endParaRPr lang="zh-CN" altLang="en-US" sz="3200" b="1" dirty="0">
+              <a:solidFill>
+                <a:schemeClr val="tx1">
+                  <a:lumMod val="65000"/>
+                  <a:lumOff val="35000"/>
+                </a:schemeClr>
+              </a:solidFill>
+              <a:effectLst>
+                <a:outerShdw blurRad="50800" dist="38100" dir="2700000" algn="tl" rotWithShape="0">
+                  <a:prstClr val="black">
+                    <a:alpha val="40000"/>
+                  </a:prstClr>
+                </a:outerShdw>
+              </a:effectLst>
+              <a:latin typeface="微软雅黑" panose="020B0503020204020204" pitchFamily="34" charset="-122"/>
+              <a:ea typeface="微软雅黑" panose="020B0503020204020204" pitchFamily="34" charset="-122"/>
+              <a:sym typeface="微软雅黑" panose="020B0503020204020204" pitchFamily="34" charset="-122"/>
+            </a:endParaRPr>
           </a:p>
         </p:txBody>
       </p:sp>
@@ -12688,6 +12806,24 @@
               </a:rPr>
               <a:t>难点和挑战</a:t>
             </a:r>
+            <a:endParaRPr lang="zh-CN" altLang="en-US" sz="3200" b="1" dirty="0">
+              <a:solidFill>
+                <a:schemeClr val="tx1">
+                  <a:lumMod val="65000"/>
+                  <a:lumOff val="35000"/>
+                </a:schemeClr>
+              </a:solidFill>
+              <a:effectLst>
+                <a:outerShdw blurRad="50800" dist="38100" dir="2700000" algn="tl" rotWithShape="0">
+                  <a:prstClr val="black">
+                    <a:alpha val="40000"/>
+                  </a:prstClr>
+                </a:outerShdw>
+              </a:effectLst>
+              <a:latin typeface="微软雅黑" panose="020B0503020204020204" pitchFamily="34" charset="-122"/>
+              <a:ea typeface="微软雅黑" panose="020B0503020204020204" pitchFamily="34" charset="-122"/>
+              <a:sym typeface="微软雅黑" panose="020B0503020204020204" pitchFamily="34" charset="-122"/>
+            </a:endParaRPr>
           </a:p>
         </p:txBody>
       </p:sp>
@@ -12957,13 +13093,7 @@
       </p:sp>
       <p:sp>
         <p:nvSpPr>
-          <p:cNvPr id="21" name="日期占位符 20">
-            <a:extLst>
-              <a:ext uri="{FF2B5EF4-FFF2-40B4-BE49-F238E27FC236}">
-                <a16:creationId xmlns:a16="http://schemas.microsoft.com/office/drawing/2014/main" id="{D912BF2C-E576-490E-9176-1A360B16FD3B}"/>
-              </a:ext>
-            </a:extLst>
-          </p:cNvPr>
+          <p:cNvPr id="21" name="日期占位符 20"/>
           <p:cNvSpPr>
             <a:spLocks noGrp="1"/>
           </p:cNvSpPr>
@@ -12978,7 +13108,6 @@
           <a:p>
             <a:fld id="{846164F1-DB9E-4944-BF40-812C77BDAB93}" type="datetime1">
               <a:rPr lang="zh-CN" altLang="en-US" smtClean="0"/>
-              <a:t>2019/12/25</a:t>
             </a:fld>
             <a:endParaRPr lang="zh-CN" altLang="en-US"/>
           </a:p>
@@ -12986,13 +13115,7 @@
       </p:sp>
       <p:sp>
         <p:nvSpPr>
-          <p:cNvPr id="22" name="页脚占位符 21">
-            <a:extLst>
-              <a:ext uri="{FF2B5EF4-FFF2-40B4-BE49-F238E27FC236}">
-                <a16:creationId xmlns:a16="http://schemas.microsoft.com/office/drawing/2014/main" id="{C286534C-5F17-4858-896B-6462E1C21B05}"/>
-              </a:ext>
-            </a:extLst>
-          </p:cNvPr>
+          <p:cNvPr id="22" name="页脚占位符 21"/>
           <p:cNvSpPr>
             <a:spLocks noGrp="1"/>
           </p:cNvSpPr>
@@ -13013,18 +13136,13 @@
               <a:rPr lang="zh-CN" altLang="en-US"/>
               <a:t>李尚真 彭钧涛 郭源杰 </a:t>
             </a:r>
-          </a:p>
-        </p:txBody>
-      </p:sp>
-      <p:sp>
-        <p:nvSpPr>
-          <p:cNvPr id="23" name="灯片编号占位符 22">
-            <a:extLst>
-              <a:ext uri="{FF2B5EF4-FFF2-40B4-BE49-F238E27FC236}">
-                <a16:creationId xmlns:a16="http://schemas.microsoft.com/office/drawing/2014/main" id="{C7D99AE4-2FC2-4718-ACFE-D600E349927E}"/>
-              </a:ext>
-            </a:extLst>
-          </p:cNvPr>
+            <a:endParaRPr lang="zh-CN" altLang="en-US"/>
+          </a:p>
+        </p:txBody>
+      </p:sp>
+      <p:sp>
+        <p:nvSpPr>
+          <p:cNvPr id="23" name="灯片编号占位符 22"/>
           <p:cNvSpPr>
             <a:spLocks noGrp="1"/>
           </p:cNvSpPr>
@@ -13039,7 +13157,6 @@
           <a:p>
             <a:fld id="{C5A8F65C-32B6-44AD-B5C6-741E2EBC8CAC}" type="slidenum">
               <a:rPr lang="zh-CN" altLang="en-US" smtClean="0"/>
-              <a:t>2</a:t>
             </a:fld>
             <a:endParaRPr lang="zh-CN" altLang="en-US"/>
           </a:p>
@@ -13059,7 +13176,7 @@
     <p:bg>
       <p:bgPr>
         <a:blipFill dpi="0" rotWithShape="1">
-          <a:blip r:embed="rId2">
+          <a:blip r:embed="rId1">
             <a:lum/>
           </a:blip>
           <a:srcRect/>
@@ -13233,13 +13350,7 @@
       </p:sp>
       <p:sp>
         <p:nvSpPr>
-          <p:cNvPr id="2" name="日期占位符 1">
-            <a:extLst>
-              <a:ext uri="{FF2B5EF4-FFF2-40B4-BE49-F238E27FC236}">
-                <a16:creationId xmlns:a16="http://schemas.microsoft.com/office/drawing/2014/main" id="{CB08C954-3904-40C4-AE58-F06BCC692F6A}"/>
-              </a:ext>
-            </a:extLst>
-          </p:cNvPr>
+          <p:cNvPr id="2" name="日期占位符 1"/>
           <p:cNvSpPr>
             <a:spLocks noGrp="1"/>
           </p:cNvSpPr>
@@ -13254,7 +13365,6 @@
           <a:p>
             <a:fld id="{20585611-BF9C-484B-ABC5-622A15C4704A}" type="datetime1">
               <a:rPr lang="zh-CN" altLang="en-US" smtClean="0"/>
-              <a:t>2019/12/25</a:t>
             </a:fld>
             <a:endParaRPr lang="zh-CN" altLang="en-US"/>
           </a:p>
@@ -13262,13 +13372,7 @@
       </p:sp>
       <p:sp>
         <p:nvSpPr>
-          <p:cNvPr id="4" name="页脚占位符 3">
-            <a:extLst>
-              <a:ext uri="{FF2B5EF4-FFF2-40B4-BE49-F238E27FC236}">
-                <a16:creationId xmlns:a16="http://schemas.microsoft.com/office/drawing/2014/main" id="{E5ADC5A8-5817-4843-9B82-FD07D5408C89}"/>
-              </a:ext>
-            </a:extLst>
-          </p:cNvPr>
+          <p:cNvPr id="4" name="页脚占位符 3"/>
           <p:cNvSpPr>
             <a:spLocks noGrp="1"/>
           </p:cNvSpPr>
@@ -13289,18 +13393,13 @@
               <a:rPr lang="zh-CN" altLang="en-US"/>
               <a:t>李尚真 彭钧涛 郭源杰 </a:t>
             </a:r>
-          </a:p>
-        </p:txBody>
-      </p:sp>
-      <p:sp>
-        <p:nvSpPr>
-          <p:cNvPr id="5" name="灯片编号占位符 4">
-            <a:extLst>
-              <a:ext uri="{FF2B5EF4-FFF2-40B4-BE49-F238E27FC236}">
-                <a16:creationId xmlns:a16="http://schemas.microsoft.com/office/drawing/2014/main" id="{5F533ED3-88C3-44AD-8AB9-8BAB2C9CC69D}"/>
-              </a:ext>
-            </a:extLst>
-          </p:cNvPr>
+            <a:endParaRPr lang="zh-CN" altLang="en-US"/>
+          </a:p>
+        </p:txBody>
+      </p:sp>
+      <p:sp>
+        <p:nvSpPr>
+          <p:cNvPr id="5" name="灯片编号占位符 4"/>
           <p:cNvSpPr>
             <a:spLocks noGrp="1"/>
           </p:cNvSpPr>
@@ -13315,7 +13414,6 @@
           <a:p>
             <a:fld id="{C5A8F65C-32B6-44AD-B5C6-741E2EBC8CAC}" type="slidenum">
               <a:rPr lang="zh-CN" altLang="en-US" smtClean="0"/>
-              <a:t>3</a:t>
             </a:fld>
             <a:endParaRPr lang="zh-CN" altLang="en-US"/>
           </a:p>
@@ -13335,7 +13433,7 @@
     <p:bg>
       <p:bgPr>
         <a:blipFill dpi="0" rotWithShape="1">
-          <a:blip r:embed="rId2">
+          <a:blip r:embed="rId1">
             <a:lum/>
           </a:blip>
           <a:srcRect/>
@@ -13383,7 +13481,7 @@
             <p:nvPr/>
           </p:nvPicPr>
           <p:blipFill>
-            <a:blip r:embed="rId3">
+            <a:blip r:embed="rId2">
               <a:extLst>
                 <a:ext uri="{28A0092B-C50C-407E-A947-70E740481C1C}">
                   <a14:useLocalDpi xmlns:a14="http://schemas.microsoft.com/office/drawing/2010/main" val="0"/>
@@ -13413,7 +13511,7 @@
             <p:nvPr/>
           </p:nvPicPr>
           <p:blipFill rotWithShape="1">
-            <a:blip r:embed="rId3">
+            <a:blip r:embed="rId2">
               <a:extLst>
                 <a:ext uri="{28A0092B-C50C-407E-A947-70E740481C1C}">
                   <a14:useLocalDpi xmlns:a14="http://schemas.microsoft.com/office/drawing/2010/main" val="0"/>
@@ -13500,6 +13598,21 @@
               </a:rPr>
               <a:t>项目简介</a:t>
             </a:r>
+            <a:endParaRPr lang="zh-CN" altLang="en-US" sz="6000" b="1" dirty="0">
+              <a:solidFill>
+                <a:schemeClr val="bg1"/>
+              </a:solidFill>
+              <a:effectLst>
+                <a:outerShdw blurRad="50800" dist="38100" dir="2700000" algn="tl" rotWithShape="0">
+                  <a:prstClr val="black">
+                    <a:alpha val="40000"/>
+                  </a:prstClr>
+                </a:outerShdw>
+              </a:effectLst>
+              <a:latin typeface="微软雅黑" panose="020B0503020204020204" pitchFamily="34" charset="-122"/>
+              <a:ea typeface="微软雅黑" panose="020B0503020204020204" pitchFamily="34" charset="-122"/>
+              <a:sym typeface="微软雅黑" panose="020B0503020204020204" pitchFamily="34" charset="-122"/>
+            </a:endParaRPr>
           </a:p>
         </p:txBody>
       </p:sp>
@@ -13742,7 +13855,7 @@
           <p:nvPr/>
         </p:nvPicPr>
         <p:blipFill>
-          <a:blip r:embed="rId4"/>
+          <a:blip r:embed="rId3"/>
           <a:stretch>
             <a:fillRect/>
           </a:stretch>
@@ -13787,18 +13900,13 @@
               <a:rPr lang="zh-CN" altLang="en-US" sz="2000"/>
               <a:t>商店页面</a:t>
             </a:r>
-          </a:p>
-        </p:txBody>
-      </p:sp>
-      <p:sp>
-        <p:nvSpPr>
-          <p:cNvPr id="4" name="日期占位符 3">
-            <a:extLst>
-              <a:ext uri="{FF2B5EF4-FFF2-40B4-BE49-F238E27FC236}">
-                <a16:creationId xmlns:a16="http://schemas.microsoft.com/office/drawing/2014/main" id="{307D56D4-9016-4205-8480-A0396CBBF3C0}"/>
-              </a:ext>
-            </a:extLst>
-          </p:cNvPr>
+            <a:endParaRPr lang="zh-CN" altLang="en-US" sz="2000"/>
+          </a:p>
+        </p:txBody>
+      </p:sp>
+      <p:sp>
+        <p:nvSpPr>
+          <p:cNvPr id="4" name="日期占位符 3"/>
           <p:cNvSpPr>
             <a:spLocks noGrp="1"/>
           </p:cNvSpPr>
@@ -13813,7 +13921,6 @@
           <a:p>
             <a:fld id="{EA8EE3B6-5282-4CB2-8DED-E9199632AD2C}" type="datetime1">
               <a:rPr lang="zh-CN" altLang="en-US" smtClean="0"/>
-              <a:t>2019/12/25</a:t>
             </a:fld>
             <a:endParaRPr lang="zh-CN" altLang="en-US"/>
           </a:p>
@@ -13821,13 +13928,7 @@
       </p:sp>
       <p:sp>
         <p:nvSpPr>
-          <p:cNvPr id="5" name="页脚占位符 4">
-            <a:extLst>
-              <a:ext uri="{FF2B5EF4-FFF2-40B4-BE49-F238E27FC236}">
-                <a16:creationId xmlns:a16="http://schemas.microsoft.com/office/drawing/2014/main" id="{F05429BE-B85F-4A47-8060-D4315BB2D575}"/>
-              </a:ext>
-            </a:extLst>
-          </p:cNvPr>
+          <p:cNvPr id="5" name="页脚占位符 4"/>
           <p:cNvSpPr>
             <a:spLocks noGrp="1"/>
           </p:cNvSpPr>
@@ -13848,18 +13949,13 @@
               <a:rPr lang="zh-CN" altLang="en-US"/>
               <a:t>李尚真 彭钧涛 郭源杰 </a:t>
             </a:r>
-          </a:p>
-        </p:txBody>
-      </p:sp>
-      <p:sp>
-        <p:nvSpPr>
-          <p:cNvPr id="6" name="灯片编号占位符 5">
-            <a:extLst>
-              <a:ext uri="{FF2B5EF4-FFF2-40B4-BE49-F238E27FC236}">
-                <a16:creationId xmlns:a16="http://schemas.microsoft.com/office/drawing/2014/main" id="{2A326E85-58EE-4DA7-BB1E-F290BACEBCB4}"/>
-              </a:ext>
-            </a:extLst>
-          </p:cNvPr>
+            <a:endParaRPr lang="zh-CN" altLang="en-US"/>
+          </a:p>
+        </p:txBody>
+      </p:sp>
+      <p:sp>
+        <p:nvSpPr>
+          <p:cNvPr id="6" name="灯片编号占位符 5"/>
           <p:cNvSpPr>
             <a:spLocks noGrp="1"/>
           </p:cNvSpPr>
@@ -13874,7 +13970,6 @@
           <a:p>
             <a:fld id="{C5A8F65C-32B6-44AD-B5C6-741E2EBC8CAC}" type="slidenum">
               <a:rPr lang="zh-CN" altLang="en-US" smtClean="0"/>
-              <a:t>4</a:t>
             </a:fld>
             <a:endParaRPr lang="zh-CN" altLang="en-US"/>
           </a:p>
@@ -14071,7 +14166,7 @@
     <p:bg>
       <p:bgPr>
         <a:blipFill dpi="0" rotWithShape="1">
-          <a:blip r:embed="rId2">
+          <a:blip r:embed="rId1">
             <a:lum/>
           </a:blip>
           <a:srcRect/>
@@ -14177,6 +14272,7 @@
               <a:rPr lang="zh-CN" altLang="en-US"/>
               <a:t>用户为主</a:t>
             </a:r>
+            <a:endParaRPr lang="zh-CN" altLang="en-US"/>
           </a:p>
         </p:txBody>
       </p:sp>
@@ -14203,7 +14299,7 @@
             <p:nvPr/>
           </p:nvPicPr>
           <p:blipFill>
-            <a:blip r:embed="rId3">
+            <a:blip r:embed="rId2">
               <a:extLst>
                 <a:ext uri="{28A0092B-C50C-407E-A947-70E740481C1C}">
                   <a14:useLocalDpi xmlns:a14="http://schemas.microsoft.com/office/drawing/2010/main" val="0"/>
@@ -14233,7 +14329,7 @@
             <p:nvPr/>
           </p:nvPicPr>
           <p:blipFill rotWithShape="1">
-            <a:blip r:embed="rId3">
+            <a:blip r:embed="rId2">
               <a:extLst>
                 <a:ext uri="{28A0092B-C50C-407E-A947-70E740481C1C}">
                   <a14:useLocalDpi xmlns:a14="http://schemas.microsoft.com/office/drawing/2010/main" val="0"/>
@@ -14320,6 +14416,21 @@
               </a:rPr>
               <a:t>项目简介</a:t>
             </a:r>
+            <a:endParaRPr lang="zh-CN" altLang="en-US" sz="6000" b="1" dirty="0">
+              <a:solidFill>
+                <a:schemeClr val="bg1"/>
+              </a:solidFill>
+              <a:effectLst>
+                <a:outerShdw blurRad="50800" dist="38100" dir="2700000" algn="tl" rotWithShape="0">
+                  <a:prstClr val="black">
+                    <a:alpha val="40000"/>
+                  </a:prstClr>
+                </a:outerShdw>
+              </a:effectLst>
+              <a:latin typeface="微软雅黑" panose="020B0503020204020204" pitchFamily="34" charset="-122"/>
+              <a:ea typeface="微软雅黑" panose="020B0503020204020204" pitchFamily="34" charset="-122"/>
+              <a:sym typeface="微软雅黑" panose="020B0503020204020204" pitchFamily="34" charset="-122"/>
+            </a:endParaRPr>
           </a:p>
         </p:txBody>
       </p:sp>
@@ -14555,13 +14666,7 @@
       </p:sp>
       <p:sp>
         <p:nvSpPr>
-          <p:cNvPr id="3" name="日期占位符 2">
-            <a:extLst>
-              <a:ext uri="{FF2B5EF4-FFF2-40B4-BE49-F238E27FC236}">
-                <a16:creationId xmlns:a16="http://schemas.microsoft.com/office/drawing/2014/main" id="{92DB522A-C3A3-4407-BE65-C5489707654F}"/>
-              </a:ext>
-            </a:extLst>
-          </p:cNvPr>
+          <p:cNvPr id="3" name="日期占位符 2"/>
           <p:cNvSpPr>
             <a:spLocks noGrp="1"/>
           </p:cNvSpPr>
@@ -14576,7 +14681,6 @@
           <a:p>
             <a:fld id="{9F6848D6-E49E-46E6-8653-E60825F51AD2}" type="datetime1">
               <a:rPr lang="zh-CN" altLang="en-US" smtClean="0"/>
-              <a:t>2019/12/25</a:t>
             </a:fld>
             <a:endParaRPr lang="zh-CN" altLang="en-US"/>
           </a:p>
@@ -14584,13 +14688,7 @@
       </p:sp>
       <p:sp>
         <p:nvSpPr>
-          <p:cNvPr id="4" name="页脚占位符 3">
-            <a:extLst>
-              <a:ext uri="{FF2B5EF4-FFF2-40B4-BE49-F238E27FC236}">
-                <a16:creationId xmlns:a16="http://schemas.microsoft.com/office/drawing/2014/main" id="{F0B195BA-185B-405F-B51D-94B93D49B0C7}"/>
-              </a:ext>
-            </a:extLst>
-          </p:cNvPr>
+          <p:cNvPr id="4" name="页脚占位符 3"/>
           <p:cNvSpPr>
             <a:spLocks noGrp="1"/>
           </p:cNvSpPr>
@@ -14611,18 +14709,13 @@
               <a:rPr lang="zh-CN" altLang="en-US"/>
               <a:t>李尚真 彭钧涛 郭源杰 </a:t>
             </a:r>
-          </a:p>
-        </p:txBody>
-      </p:sp>
-      <p:sp>
-        <p:nvSpPr>
-          <p:cNvPr id="5" name="灯片编号占位符 4">
-            <a:extLst>
-              <a:ext uri="{FF2B5EF4-FFF2-40B4-BE49-F238E27FC236}">
-                <a16:creationId xmlns:a16="http://schemas.microsoft.com/office/drawing/2014/main" id="{706B803F-E634-49D2-9AAC-B617A8AA64B3}"/>
-              </a:ext>
-            </a:extLst>
-          </p:cNvPr>
+            <a:endParaRPr lang="zh-CN" altLang="en-US"/>
+          </a:p>
+        </p:txBody>
+      </p:sp>
+      <p:sp>
+        <p:nvSpPr>
+          <p:cNvPr id="5" name="灯片编号占位符 4"/>
           <p:cNvSpPr>
             <a:spLocks noGrp="1"/>
           </p:cNvSpPr>
@@ -14637,7 +14730,6 @@
           <a:p>
             <a:fld id="{C5A8F65C-32B6-44AD-B5C6-741E2EBC8CAC}" type="slidenum">
               <a:rPr lang="zh-CN" altLang="en-US" smtClean="0"/>
-              <a:t>5</a:t>
             </a:fld>
             <a:endParaRPr lang="zh-CN" altLang="en-US"/>
           </a:p>
@@ -14893,7 +14985,7 @@
     <p:bg>
       <p:bgPr>
         <a:blipFill dpi="0" rotWithShape="1">
-          <a:blip r:embed="rId2">
+          <a:blip r:embed="rId1">
             <a:lum/>
           </a:blip>
           <a:srcRect/>
@@ -14985,6 +15077,24 @@
               </a:rPr>
               <a:t>分析</a:t>
             </a:r>
+            <a:endParaRPr lang="zh-CN" altLang="en-US" sz="6600" b="1" dirty="0">
+              <a:solidFill>
+                <a:schemeClr val="tx1">
+                  <a:lumMod val="65000"/>
+                  <a:lumOff val="35000"/>
+                </a:schemeClr>
+              </a:solidFill>
+              <a:effectLst>
+                <a:outerShdw blurRad="50800" dist="38100" dir="2700000" algn="tl" rotWithShape="0">
+                  <a:prstClr val="black">
+                    <a:alpha val="40000"/>
+                  </a:prstClr>
+                </a:outerShdw>
+              </a:effectLst>
+              <a:latin typeface="微软雅黑" panose="020B0503020204020204" pitchFamily="34" charset="-122"/>
+              <a:ea typeface="微软雅黑" panose="020B0503020204020204" pitchFamily="34" charset="-122"/>
+              <a:sym typeface="微软雅黑" panose="020B0503020204020204" pitchFamily="34" charset="-122"/>
+            </a:endParaRPr>
           </a:p>
         </p:txBody>
       </p:sp>
@@ -15049,13 +15159,7 @@
       </p:sp>
       <p:sp>
         <p:nvSpPr>
-          <p:cNvPr id="2" name="日期占位符 1">
-            <a:extLst>
-              <a:ext uri="{FF2B5EF4-FFF2-40B4-BE49-F238E27FC236}">
-                <a16:creationId xmlns:a16="http://schemas.microsoft.com/office/drawing/2014/main" id="{19CDFA29-ECE2-4F59-B9F9-82D58325C147}"/>
-              </a:ext>
-            </a:extLst>
-          </p:cNvPr>
+          <p:cNvPr id="2" name="日期占位符 1"/>
           <p:cNvSpPr>
             <a:spLocks noGrp="1"/>
           </p:cNvSpPr>
@@ -15070,7 +15174,6 @@
           <a:p>
             <a:fld id="{E1E9DBE3-CBFB-46C6-BE7E-8A5E13812A52}" type="datetime1">
               <a:rPr lang="zh-CN" altLang="en-US" smtClean="0"/>
-              <a:t>2019/12/25</a:t>
             </a:fld>
             <a:endParaRPr lang="zh-CN" altLang="en-US"/>
           </a:p>
@@ -15078,13 +15181,7 @@
       </p:sp>
       <p:sp>
         <p:nvSpPr>
-          <p:cNvPr id="4" name="页脚占位符 3">
-            <a:extLst>
-              <a:ext uri="{FF2B5EF4-FFF2-40B4-BE49-F238E27FC236}">
-                <a16:creationId xmlns:a16="http://schemas.microsoft.com/office/drawing/2014/main" id="{220C9F79-4E57-463B-8B1A-4A6DF69D1363}"/>
-              </a:ext>
-            </a:extLst>
-          </p:cNvPr>
+          <p:cNvPr id="4" name="页脚占位符 3"/>
           <p:cNvSpPr>
             <a:spLocks noGrp="1"/>
           </p:cNvSpPr>
@@ -15105,18 +15202,13 @@
               <a:rPr lang="zh-CN" altLang="en-US"/>
               <a:t>李尚真 彭钧涛 郭源杰 </a:t>
             </a:r>
-          </a:p>
-        </p:txBody>
-      </p:sp>
-      <p:sp>
-        <p:nvSpPr>
-          <p:cNvPr id="5" name="灯片编号占位符 4">
-            <a:extLst>
-              <a:ext uri="{FF2B5EF4-FFF2-40B4-BE49-F238E27FC236}">
-                <a16:creationId xmlns:a16="http://schemas.microsoft.com/office/drawing/2014/main" id="{459AD7F0-30B7-4B89-BB36-50FA99158C35}"/>
-              </a:ext>
-            </a:extLst>
-          </p:cNvPr>
+            <a:endParaRPr lang="zh-CN" altLang="en-US"/>
+          </a:p>
+        </p:txBody>
+      </p:sp>
+      <p:sp>
+        <p:nvSpPr>
+          <p:cNvPr id="5" name="灯片编号占位符 4"/>
           <p:cNvSpPr>
             <a:spLocks noGrp="1"/>
           </p:cNvSpPr>
@@ -15131,7 +15223,6 @@
           <a:p>
             <a:fld id="{C5A8F65C-32B6-44AD-B5C6-741E2EBC8CAC}" type="slidenum">
               <a:rPr lang="zh-CN" altLang="en-US" smtClean="0"/>
-              <a:t>6</a:t>
             </a:fld>
             <a:endParaRPr lang="zh-CN" altLang="en-US"/>
           </a:p>
@@ -15151,7 +15242,7 @@
     <p:bg>
       <p:bgPr>
         <a:blipFill dpi="0" rotWithShape="1">
-          <a:blip r:embed="rId2">
+          <a:blip r:embed="rId1">
             <a:lum/>
           </a:blip>
           <a:srcRect/>
@@ -15218,7 +15309,7 @@
             <p:nvPr/>
           </p:nvPicPr>
           <p:blipFill>
-            <a:blip r:embed="rId3">
+            <a:blip r:embed="rId2">
               <a:extLst>
                 <a:ext uri="{28A0092B-C50C-407E-A947-70E740481C1C}">
                   <a14:useLocalDpi xmlns:a14="http://schemas.microsoft.com/office/drawing/2010/main" val="0"/>
@@ -15248,7 +15339,7 @@
             <p:nvPr/>
           </p:nvPicPr>
           <p:blipFill rotWithShape="1">
-            <a:blip r:embed="rId3">
+            <a:blip r:embed="rId2">
               <a:extLst>
                 <a:ext uri="{28A0092B-C50C-407E-A947-70E740481C1C}">
                   <a14:useLocalDpi xmlns:a14="http://schemas.microsoft.com/office/drawing/2010/main" val="0"/>
@@ -15335,6 +15426,21 @@
               </a:rPr>
               <a:t>需求分析</a:t>
             </a:r>
+            <a:endParaRPr lang="zh-CN" altLang="en-US" sz="6000" b="1" dirty="0">
+              <a:solidFill>
+                <a:schemeClr val="bg1"/>
+              </a:solidFill>
+              <a:effectLst>
+                <a:outerShdw blurRad="50800" dist="38100" dir="2700000" algn="tl" rotWithShape="0">
+                  <a:prstClr val="black">
+                    <a:alpha val="40000"/>
+                  </a:prstClr>
+                </a:outerShdw>
+              </a:effectLst>
+              <a:latin typeface="微软雅黑" panose="020B0503020204020204" pitchFamily="34" charset="-122"/>
+              <a:ea typeface="微软雅黑" panose="020B0503020204020204" pitchFamily="34" charset="-122"/>
+              <a:sym typeface="微软雅黑" panose="020B0503020204020204" pitchFamily="34" charset="-122"/>
+            </a:endParaRPr>
           </a:p>
         </p:txBody>
       </p:sp>
@@ -15579,7 +15685,7 @@
           </p:nvPr>
         </p:nvPicPr>
         <p:blipFill>
-          <a:blip r:embed="rId4"/>
+          <a:blip r:embed="rId3"/>
           <a:stretch>
             <a:fillRect/>
           </a:stretch>
@@ -15690,13 +15796,7 @@
       </p:sp>
       <p:sp>
         <p:nvSpPr>
-          <p:cNvPr id="4" name="日期占位符 3">
-            <a:extLst>
-              <a:ext uri="{FF2B5EF4-FFF2-40B4-BE49-F238E27FC236}">
-                <a16:creationId xmlns:a16="http://schemas.microsoft.com/office/drawing/2014/main" id="{B30D78BE-2A30-4743-8A07-F3C7E709747B}"/>
-              </a:ext>
-            </a:extLst>
-          </p:cNvPr>
+          <p:cNvPr id="4" name="日期占位符 3"/>
           <p:cNvSpPr>
             <a:spLocks noGrp="1"/>
           </p:cNvSpPr>
@@ -15711,7 +15811,6 @@
           <a:p>
             <a:fld id="{1C1AEFA0-0178-495C-9FBF-C260C498E454}" type="datetime1">
               <a:rPr lang="zh-CN" altLang="en-US" smtClean="0"/>
-              <a:t>2019/12/25</a:t>
             </a:fld>
             <a:endParaRPr lang="zh-CN" altLang="en-US"/>
           </a:p>
@@ -15719,13 +15818,7 @@
       </p:sp>
       <p:sp>
         <p:nvSpPr>
-          <p:cNvPr id="14" name="页脚占位符 13">
-            <a:extLst>
-              <a:ext uri="{FF2B5EF4-FFF2-40B4-BE49-F238E27FC236}">
-                <a16:creationId xmlns:a16="http://schemas.microsoft.com/office/drawing/2014/main" id="{50F3E47E-3B73-49EE-869B-69E068322036}"/>
-              </a:ext>
-            </a:extLst>
-          </p:cNvPr>
+          <p:cNvPr id="14" name="页脚占位符 13"/>
           <p:cNvSpPr>
             <a:spLocks noGrp="1"/>
           </p:cNvSpPr>
@@ -15746,18 +15839,13 @@
               <a:rPr lang="zh-CN" altLang="en-US"/>
               <a:t>李尚真 彭钧涛 郭源杰 </a:t>
             </a:r>
-          </a:p>
-        </p:txBody>
-      </p:sp>
-      <p:sp>
-        <p:nvSpPr>
-          <p:cNvPr id="17" name="灯片编号占位符 16">
-            <a:extLst>
-              <a:ext uri="{FF2B5EF4-FFF2-40B4-BE49-F238E27FC236}">
-                <a16:creationId xmlns:a16="http://schemas.microsoft.com/office/drawing/2014/main" id="{08460996-F218-4FFA-B68A-A1C8524951B2}"/>
-              </a:ext>
-            </a:extLst>
-          </p:cNvPr>
+            <a:endParaRPr lang="zh-CN" altLang="en-US"/>
+          </a:p>
+        </p:txBody>
+      </p:sp>
+      <p:sp>
+        <p:nvSpPr>
+          <p:cNvPr id="17" name="灯片编号占位符 16"/>
           <p:cNvSpPr>
             <a:spLocks noGrp="1"/>
           </p:cNvSpPr>
@@ -15772,7 +15860,6 @@
           <a:p>
             <a:fld id="{C5A8F65C-32B6-44AD-B5C6-741E2EBC8CAC}" type="slidenum">
               <a:rPr lang="zh-CN" altLang="en-US" smtClean="0"/>
-              <a:t>7</a:t>
             </a:fld>
             <a:endParaRPr lang="zh-CN" altLang="en-US"/>
           </a:p>
@@ -16023,7 +16110,7 @@
     <p:bg>
       <p:bgPr>
         <a:blipFill dpi="0" rotWithShape="1">
-          <a:blip r:embed="rId2">
+          <a:blip r:embed="rId1">
             <a:lum/>
           </a:blip>
           <a:srcRect/>
@@ -16071,7 +16158,7 @@
             <p:nvPr/>
           </p:nvPicPr>
           <p:blipFill>
-            <a:blip r:embed="rId3">
+            <a:blip r:embed="rId2">
               <a:extLst>
                 <a:ext uri="{28A0092B-C50C-407E-A947-70E740481C1C}">
                   <a14:useLocalDpi xmlns:a14="http://schemas.microsoft.com/office/drawing/2010/main" val="0"/>
@@ -16101,7 +16188,7 @@
             <p:nvPr/>
           </p:nvPicPr>
           <p:blipFill rotWithShape="1">
-            <a:blip r:embed="rId3">
+            <a:blip r:embed="rId2">
               <a:extLst>
                 <a:ext uri="{28A0092B-C50C-407E-A947-70E740481C1C}">
                   <a14:useLocalDpi xmlns:a14="http://schemas.microsoft.com/office/drawing/2010/main" val="0"/>
@@ -16188,6 +16275,21 @@
               </a:rPr>
               <a:t>需求分析</a:t>
             </a:r>
+            <a:endParaRPr lang="zh-CN" altLang="en-US" sz="6000" b="1" dirty="0">
+              <a:solidFill>
+                <a:schemeClr val="bg1"/>
+              </a:solidFill>
+              <a:effectLst>
+                <a:outerShdw blurRad="50800" dist="38100" dir="2700000" algn="tl" rotWithShape="0">
+                  <a:prstClr val="black">
+                    <a:alpha val="40000"/>
+                  </a:prstClr>
+                </a:outerShdw>
+              </a:effectLst>
+              <a:latin typeface="微软雅黑" panose="020B0503020204020204" pitchFamily="34" charset="-122"/>
+              <a:ea typeface="微软雅黑" panose="020B0503020204020204" pitchFamily="34" charset="-122"/>
+              <a:sym typeface="微软雅黑" panose="020B0503020204020204" pitchFamily="34" charset="-122"/>
+            </a:endParaRPr>
           </a:p>
         </p:txBody>
       </p:sp>
@@ -16430,7 +16532,7 @@
           <p:nvPr/>
         </p:nvPicPr>
         <p:blipFill>
-          <a:blip r:embed="rId4"/>
+          <a:blip r:embed="rId3"/>
           <a:stretch>
             <a:fillRect/>
           </a:stretch>
@@ -16767,6 +16869,7 @@
               <a:rPr lang="zh-CN" altLang="en-US"/>
               <a:t>用户最关心的数据</a:t>
             </a:r>
+            <a:endParaRPr lang="zh-CN" altLang="en-US"/>
           </a:p>
         </p:txBody>
       </p:sp>
@@ -16779,7 +16882,7 @@
           <p:nvPr/>
         </p:nvPicPr>
         <p:blipFill>
-          <a:blip r:embed="rId5"/>
+          <a:blip r:embed="rId4"/>
           <a:stretch>
             <a:fillRect/>
           </a:stretch>
@@ -16796,13 +16899,7 @@
       </p:pic>
       <p:sp>
         <p:nvSpPr>
-          <p:cNvPr id="14" name="日期占位符 13">
-            <a:extLst>
-              <a:ext uri="{FF2B5EF4-FFF2-40B4-BE49-F238E27FC236}">
-                <a16:creationId xmlns:a16="http://schemas.microsoft.com/office/drawing/2014/main" id="{1A9B3175-5AE5-4049-9511-8702BC76E651}"/>
-              </a:ext>
-            </a:extLst>
-          </p:cNvPr>
+          <p:cNvPr id="14" name="日期占位符 13"/>
           <p:cNvSpPr>
             <a:spLocks noGrp="1"/>
           </p:cNvSpPr>
@@ -16817,7 +16914,6 @@
           <a:p>
             <a:fld id="{759427CB-B0B5-4E1F-B468-7E8F0B6C34AF}" type="datetime1">
               <a:rPr lang="zh-CN" altLang="en-US" smtClean="0"/>
-              <a:t>2019/12/25</a:t>
             </a:fld>
             <a:endParaRPr lang="zh-CN" altLang="en-US"/>
           </a:p>
@@ -16825,13 +16921,7 @@
       </p:sp>
       <p:sp>
         <p:nvSpPr>
-          <p:cNvPr id="15" name="页脚占位符 14">
-            <a:extLst>
-              <a:ext uri="{FF2B5EF4-FFF2-40B4-BE49-F238E27FC236}">
-                <a16:creationId xmlns:a16="http://schemas.microsoft.com/office/drawing/2014/main" id="{0989EF04-9AFC-4F46-A069-44237905C9D3}"/>
-              </a:ext>
-            </a:extLst>
-          </p:cNvPr>
+          <p:cNvPr id="15" name="页脚占位符 14"/>
           <p:cNvSpPr>
             <a:spLocks noGrp="1"/>
           </p:cNvSpPr>
@@ -16852,18 +16942,13 @@
               <a:rPr lang="zh-CN" altLang="en-US"/>
               <a:t>李尚真 彭钧涛 郭源杰 </a:t>
             </a:r>
-          </a:p>
-        </p:txBody>
-      </p:sp>
-      <p:sp>
-        <p:nvSpPr>
-          <p:cNvPr id="16" name="灯片编号占位符 15">
-            <a:extLst>
-              <a:ext uri="{FF2B5EF4-FFF2-40B4-BE49-F238E27FC236}">
-                <a16:creationId xmlns:a16="http://schemas.microsoft.com/office/drawing/2014/main" id="{01049A4D-6D28-4739-997E-28B22FFD8FD9}"/>
-              </a:ext>
-            </a:extLst>
-          </p:cNvPr>
+            <a:endParaRPr lang="zh-CN" altLang="en-US"/>
+          </a:p>
+        </p:txBody>
+      </p:sp>
+      <p:sp>
+        <p:nvSpPr>
+          <p:cNvPr id="16" name="灯片编号占位符 15"/>
           <p:cNvSpPr>
             <a:spLocks noGrp="1"/>
           </p:cNvSpPr>
@@ -16878,7 +16963,6 @@
           <a:p>
             <a:fld id="{C5A8F65C-32B6-44AD-B5C6-741E2EBC8CAC}" type="slidenum">
               <a:rPr lang="zh-CN" altLang="en-US" smtClean="0"/>
-              <a:t>8</a:t>
             </a:fld>
             <a:endParaRPr lang="zh-CN" altLang="en-US"/>
           </a:p>
@@ -16963,7 +17047,7 @@
                             </p:stCondLst>
                             <p:childTnLst>
                               <p:par>
-                                <p:cTn id="10" presetID="3" presetClass="entr" presetSubtype="10" fill="hold" nodeType="clickEffect">
+                                <p:cTn id="10" presetID="3" presetClass="entr" presetSubtype="10" fill="hold" grpId="0" nodeType="clickEffect">
                                   <p:stCondLst>
                                     <p:cond delay="0"/>
                                   </p:stCondLst>
@@ -16971,59 +17055,6 @@
                                     <p:set>
                                       <p:cBhvr>
                                         <p:cTn id="11" dur="1" fill="hold">
-                                          <p:stCondLst>
-                                            <p:cond delay="0"/>
-                                          </p:stCondLst>
-                                        </p:cTn>
-                                        <p:tgtEl>
-                                          <p:spTgt spid="52"/>
-                                        </p:tgtEl>
-                                        <p:attrNameLst>
-                                          <p:attrName>style.visibility</p:attrName>
-                                        </p:attrNameLst>
-                                      </p:cBhvr>
-                                      <p:to>
-                                        <p:strVal val="visible"/>
-                                      </p:to>
-                                    </p:set>
-                                    <p:animEffect transition="in" filter="blinds(horizontal)">
-                                      <p:cBhvr>
-                                        <p:cTn id="12" dur="500"/>
-                                        <p:tgtEl>
-                                          <p:spTgt spid="52"/>
-                                        </p:tgtEl>
-                                      </p:cBhvr>
-                                    </p:animEffect>
-                                  </p:childTnLst>
-                                </p:cTn>
-                              </p:par>
-                            </p:childTnLst>
-                          </p:cTn>
-                        </p:par>
-                      </p:childTnLst>
-                    </p:cTn>
-                  </p:par>
-                  <p:par>
-                    <p:cTn id="13" fill="hold">
-                      <p:stCondLst>
-                        <p:cond delay="indefinite"/>
-                      </p:stCondLst>
-                      <p:childTnLst>
-                        <p:par>
-                          <p:cTn id="14" fill="hold">
-                            <p:stCondLst>
-                              <p:cond delay="0"/>
-                            </p:stCondLst>
-                            <p:childTnLst>
-                              <p:par>
-                                <p:cTn id="15" presetID="3" presetClass="entr" presetSubtype="10" fill="hold" grpId="0" nodeType="clickEffect">
-                                  <p:stCondLst>
-                                    <p:cond delay="0"/>
-                                  </p:stCondLst>
-                                  <p:childTnLst>
-                                    <p:set>
-                                      <p:cBhvr>
-                                        <p:cTn id="16" dur="1" fill="hold">
                                           <p:stCondLst>
                                             <p:cond delay="0"/>
                                           </p:stCondLst>
@@ -17041,7 +17072,7 @@
                                     </p:set>
                                     <p:animEffect transition="in" filter="blinds(horizontal)">
                                       <p:cBhvr>
-                                        <p:cTn id="17" dur="500"/>
+                                        <p:cTn id="12" dur="500"/>
                                         <p:tgtEl>
                                           <p:spTgt spid="4"/>
                                         </p:tgtEl>
@@ -17051,14 +17082,14 @@
                                 </p:cTn>
                               </p:par>
                               <p:par>
-                                <p:cTn id="18" presetID="3" presetClass="entr" presetSubtype="10" fill="hold" grpId="0" nodeType="withEffect">
+                                <p:cTn id="13" presetID="3" presetClass="entr" presetSubtype="10" fill="hold" grpId="0" nodeType="withEffect">
                                   <p:stCondLst>
                                     <p:cond delay="0"/>
                                   </p:stCondLst>
                                   <p:childTnLst>
                                     <p:set>
                                       <p:cBhvr>
-                                        <p:cTn id="19" dur="1" fill="hold">
+                                        <p:cTn id="14" dur="1" fill="hold">
                                           <p:stCondLst>
                                             <p:cond delay="0"/>
                                           </p:stCondLst>
@@ -17076,7 +17107,7 @@
                                     </p:set>
                                     <p:animEffect transition="in" filter="blinds(horizontal)">
                                       <p:cBhvr>
-                                        <p:cTn id="20" dur="500"/>
+                                        <p:cTn id="15" dur="500"/>
                                         <p:tgtEl>
                                           <p:spTgt spid="5"/>
                                         </p:tgtEl>
@@ -17086,14 +17117,14 @@
                                 </p:cTn>
                               </p:par>
                               <p:par>
-                                <p:cTn id="21" presetID="3" presetClass="entr" presetSubtype="10" fill="hold" grpId="0" nodeType="withEffect">
+                                <p:cTn id="16" presetID="3" presetClass="entr" presetSubtype="10" fill="hold" grpId="0" nodeType="withEffect">
                                   <p:stCondLst>
                                     <p:cond delay="0"/>
                                   </p:stCondLst>
                                   <p:childTnLst>
                                     <p:set>
                                       <p:cBhvr>
-                                        <p:cTn id="22" dur="1" fill="hold">
+                                        <p:cTn id="17" dur="1" fill="hold">
                                           <p:stCondLst>
                                             <p:cond delay="0"/>
                                           </p:stCondLst>
@@ -17111,9 +17142,62 @@
                                     </p:set>
                                     <p:animEffect transition="in" filter="blinds(horizontal)">
                                       <p:cBhvr>
+                                        <p:cTn id="18" dur="500"/>
+                                        <p:tgtEl>
+                                          <p:spTgt spid="45"/>
+                                        </p:tgtEl>
+                                      </p:cBhvr>
+                                    </p:animEffect>
+                                  </p:childTnLst>
+                                </p:cTn>
+                              </p:par>
+                            </p:childTnLst>
+                          </p:cTn>
+                        </p:par>
+                      </p:childTnLst>
+                    </p:cTn>
+                  </p:par>
+                  <p:par>
+                    <p:cTn id="19" fill="hold">
+                      <p:stCondLst>
+                        <p:cond delay="indefinite"/>
+                      </p:stCondLst>
+                      <p:childTnLst>
+                        <p:par>
+                          <p:cTn id="20" fill="hold">
+                            <p:stCondLst>
+                              <p:cond delay="0"/>
+                            </p:stCondLst>
+                            <p:childTnLst>
+                              <p:par>
+                                <p:cTn id="21" presetID="3" presetClass="entr" presetSubtype="10" fill="hold" grpId="0" nodeType="clickEffect">
+                                  <p:stCondLst>
+                                    <p:cond delay="0"/>
+                                  </p:stCondLst>
+                                  <p:childTnLst>
+                                    <p:set>
+                                      <p:cBhvr>
+                                        <p:cTn id="22" dur="1" fill="hold">
+                                          <p:stCondLst>
+                                            <p:cond delay="0"/>
+                                          </p:stCondLst>
+                                        </p:cTn>
+                                        <p:tgtEl>
+                                          <p:spTgt spid="46"/>
+                                        </p:tgtEl>
+                                        <p:attrNameLst>
+                                          <p:attrName>style.visibility</p:attrName>
+                                        </p:attrNameLst>
+                                      </p:cBhvr>
+                                      <p:to>
+                                        <p:strVal val="visible"/>
+                                      </p:to>
+                                    </p:set>
+                                    <p:animEffect transition="in" filter="blinds(horizontal)">
+                                      <p:cBhvr>
                                         <p:cTn id="23" dur="500"/>
                                         <p:tgtEl>
-                                          <p:spTgt spid="45"/>
+                                          <p:spTgt spid="46"/>
                                         </p:tgtEl>
                                       </p:cBhvr>
                                     </p:animEffect>
@@ -17139,7 +17223,7 @@
                             </p:stCondLst>
                             <p:childTnLst>
                               <p:par>
-                                <p:cTn id="26" presetID="3" presetClass="entr" presetSubtype="10" fill="hold" grpId="0" nodeType="clickEffect">
+                                <p:cTn id="26" presetID="3" presetClass="entr" presetSubtype="10" fill="hold" nodeType="clickEffect">
                                   <p:stCondLst>
                                     <p:cond delay="0"/>
                                   </p:stCondLst>
@@ -17152,7 +17236,7 @@
                                           </p:stCondLst>
                                         </p:cTn>
                                         <p:tgtEl>
-                                          <p:spTgt spid="46"/>
+                                          <p:spTgt spid="52"/>
                                         </p:tgtEl>
                                         <p:attrNameLst>
                                           <p:attrName>style.visibility</p:attrName>
@@ -17166,7 +17250,7 @@
                                       <p:cBhvr>
                                         <p:cTn id="28" dur="500"/>
                                         <p:tgtEl>
-                                          <p:spTgt spid="46"/>
+                                          <p:spTgt spid="52"/>
                                         </p:tgtEl>
                                       </p:cBhvr>
                                     </p:animEffect>
@@ -17536,7 +17620,7 @@
     <p:bg>
       <p:bgPr>
         <a:blipFill dpi="0" rotWithShape="1">
-          <a:blip r:embed="rId2">
+          <a:blip r:embed="rId1">
             <a:lum/>
           </a:blip>
           <a:srcRect/>
@@ -17584,7 +17668,7 @@
             <p:nvPr/>
           </p:nvPicPr>
           <p:blipFill>
-            <a:blip r:embed="rId3">
+            <a:blip r:embed="rId2">
               <a:extLst>
                 <a:ext uri="{28A0092B-C50C-407E-A947-70E740481C1C}">
                   <a14:useLocalDpi xmlns:a14="http://schemas.microsoft.com/office/drawing/2010/main" val="0"/>
@@ -17614,7 +17698,7 @@
             <p:nvPr/>
           </p:nvPicPr>
           <p:blipFill rotWithShape="1">
-            <a:blip r:embed="rId3">
+            <a:blip r:embed="rId2">
               <a:extLst>
                 <a:ext uri="{28A0092B-C50C-407E-A947-70E740481C1C}">
                   <a14:useLocalDpi xmlns:a14="http://schemas.microsoft.com/office/drawing/2010/main" val="0"/>
@@ -17719,6 +17803,21 @@
               </a:rPr>
               <a:t>分析</a:t>
             </a:r>
+            <a:endParaRPr lang="zh-CN" altLang="en-US" sz="6000" b="1" dirty="0">
+              <a:solidFill>
+                <a:schemeClr val="bg1"/>
+              </a:solidFill>
+              <a:effectLst>
+                <a:outerShdw blurRad="50800" dist="38100" dir="2700000" algn="tl" rotWithShape="0">
+                  <a:prstClr val="black">
+                    <a:alpha val="40000"/>
+                  </a:prstClr>
+                </a:outerShdw>
+              </a:effectLst>
+              <a:latin typeface="微软雅黑" panose="020B0503020204020204" pitchFamily="34" charset="-122"/>
+              <a:ea typeface="微软雅黑" panose="020B0503020204020204" pitchFamily="34" charset="-122"/>
+              <a:sym typeface="微软雅黑" panose="020B0503020204020204" pitchFamily="34" charset="-122"/>
+            </a:endParaRPr>
           </a:p>
         </p:txBody>
       </p:sp>
@@ -17961,7 +18060,7 @@
           <p:nvPr/>
         </p:nvPicPr>
         <p:blipFill>
-          <a:blip r:embed="rId4"/>
+          <a:blip r:embed="rId3"/>
           <a:stretch>
             <a:fillRect/>
           </a:stretch>
@@ -18025,13 +18124,7 @@
       </p:sp>
       <p:sp>
         <p:nvSpPr>
-          <p:cNvPr id="3" name="日期占位符 2">
-            <a:extLst>
-              <a:ext uri="{FF2B5EF4-FFF2-40B4-BE49-F238E27FC236}">
-                <a16:creationId xmlns:a16="http://schemas.microsoft.com/office/drawing/2014/main" id="{E0FDD769-7493-4AA3-9247-9C2949D18FAE}"/>
-              </a:ext>
-            </a:extLst>
-          </p:cNvPr>
+          <p:cNvPr id="3" name="日期占位符 2"/>
           <p:cNvSpPr>
             <a:spLocks noGrp="1"/>
           </p:cNvSpPr>
@@ -18046,7 +18139,6 @@
           <a:p>
             <a:fld id="{46DC4B64-3D3B-48A3-B8F8-4272169BD4F3}" type="datetime1">
               <a:rPr lang="zh-CN" altLang="en-US" smtClean="0"/>
-              <a:t>2019/12/25</a:t>
             </a:fld>
             <a:endParaRPr lang="zh-CN" altLang="en-US"/>
           </a:p>
@@ -18054,13 +18146,7 @@
       </p:sp>
       <p:sp>
         <p:nvSpPr>
-          <p:cNvPr id="4" name="页脚占位符 3">
-            <a:extLst>
-              <a:ext uri="{FF2B5EF4-FFF2-40B4-BE49-F238E27FC236}">
-                <a16:creationId xmlns:a16="http://schemas.microsoft.com/office/drawing/2014/main" id="{B734D407-ECFB-4F12-B6C9-9358EA20FE93}"/>
-              </a:ext>
-            </a:extLst>
-          </p:cNvPr>
+          <p:cNvPr id="4" name="页脚占位符 3"/>
           <p:cNvSpPr>
             <a:spLocks noGrp="1"/>
           </p:cNvSpPr>
@@ -18087,13 +18173,7 @@
       </p:sp>
       <p:sp>
         <p:nvSpPr>
-          <p:cNvPr id="5" name="灯片编号占位符 4">
-            <a:extLst>
-              <a:ext uri="{FF2B5EF4-FFF2-40B4-BE49-F238E27FC236}">
-                <a16:creationId xmlns:a16="http://schemas.microsoft.com/office/drawing/2014/main" id="{5D285853-0180-4000-A34D-21C9BFB3D99A}"/>
-              </a:ext>
-            </a:extLst>
-          </p:cNvPr>
+          <p:cNvPr id="5" name="灯片编号占位符 4"/>
           <p:cNvSpPr>
             <a:spLocks noGrp="1"/>
           </p:cNvSpPr>
@@ -18108,7 +18188,6 @@
           <a:p>
             <a:fld id="{C5A8F65C-32B6-44AD-B5C6-741E2EBC8CAC}" type="slidenum">
               <a:rPr lang="zh-CN" altLang="en-US" smtClean="0"/>
-              <a:t>9</a:t>
             </a:fld>
             <a:endParaRPr lang="zh-CN" altLang="en-US" dirty="0"/>
           </a:p>
@@ -18140,6 +18219,7 @@
               <a:rPr lang="zh-CN" altLang="en-US" dirty="0"/>
               <a:t>https://store.steampowered.com/api/appdetails?appids=427520</a:t>
             </a:r>
+            <a:endParaRPr lang="zh-CN" altLang="en-US" dirty="0"/>
           </a:p>
         </p:txBody>
       </p:sp>
@@ -18169,7 +18249,7 @@
                             </p:stCondLst>
                             <p:childTnLst>
                               <p:par>
-                                <p:cTn id="5" presetID="2" presetClass="entr" presetSubtype="4" fill="hold" nodeType="clickEffect">
+                                <p:cTn id="5" presetID="3" presetClass="entr" presetSubtype="10" fill="hold" grpId="0" nodeType="clickEffect">
                                   <p:stCondLst>
                                     <p:cond delay="0"/>
                                   </p:stCondLst>
@@ -18177,6 +18257,59 @@
                                     <p:set>
                                       <p:cBhvr>
                                         <p:cTn id="6" dur="1" fill="hold">
+                                          <p:stCondLst>
+                                            <p:cond delay="0"/>
+                                          </p:stCondLst>
+                                        </p:cTn>
+                                        <p:tgtEl>
+                                          <p:spTgt spid="50"/>
+                                        </p:tgtEl>
+                                        <p:attrNameLst>
+                                          <p:attrName>style.visibility</p:attrName>
+                                        </p:attrNameLst>
+                                      </p:cBhvr>
+                                      <p:to>
+                                        <p:strVal val="visible"/>
+                                      </p:to>
+                                    </p:set>
+                                    <p:animEffect transition="in" filter="blinds(horizontal)">
+                                      <p:cBhvr>
+                                        <p:cTn id="7" dur="500"/>
+                                        <p:tgtEl>
+                                          <p:spTgt spid="50"/>
+                                        </p:tgtEl>
+                                      </p:cBhvr>
+                                    </p:animEffect>
+                                  </p:childTnLst>
+                                </p:cTn>
+                              </p:par>
+                            </p:childTnLst>
+                          </p:cTn>
+                        </p:par>
+                      </p:childTnLst>
+                    </p:cTn>
+                  </p:par>
+                  <p:par>
+                    <p:cTn id="8" fill="hold">
+                      <p:stCondLst>
+                        <p:cond delay="indefinite"/>
+                      </p:stCondLst>
+                      <p:childTnLst>
+                        <p:par>
+                          <p:cTn id="9" fill="hold">
+                            <p:stCondLst>
+                              <p:cond delay="0"/>
+                            </p:stCondLst>
+                            <p:childTnLst>
+                              <p:par>
+                                <p:cTn id="10" presetID="2" presetClass="entr" presetSubtype="4" fill="hold" nodeType="clickEffect">
+                                  <p:stCondLst>
+                                    <p:cond delay="0"/>
+                                  </p:stCondLst>
+                                  <p:childTnLst>
+                                    <p:set>
+                                      <p:cBhvr>
+                                        <p:cTn id="11" dur="1" fill="hold">
                                           <p:stCondLst>
                                             <p:cond delay="0"/>
                                           </p:stCondLst>
@@ -18194,7 +18327,7 @@
                                     </p:set>
                                     <p:anim calcmode="lin" valueType="num">
                                       <p:cBhvr additive="base">
-                                        <p:cTn id="7" dur="500" fill="hold"/>
+                                        <p:cTn id="12" dur="500" fill="hold"/>
                                         <p:tgtEl>
                                           <p:spTgt spid="51"/>
                                         </p:tgtEl>
@@ -18217,7 +18350,7 @@
                                     </p:anim>
                                     <p:anim calcmode="lin" valueType="num">
                                       <p:cBhvr additive="base">
-                                        <p:cTn id="8" dur="500" fill="hold"/>
+                                        <p:cTn id="13" dur="500" fill="hold"/>
                                         <p:tgtEl>
                                           <p:spTgt spid="51"/>
                                         </p:tgtEl>
@@ -18248,26 +18381,26 @@
                     </p:cTn>
                   </p:par>
                   <p:par>
-                    <p:cTn id="9" fill="hold">
+                    <p:cTn id="14" fill="hold">
                       <p:stCondLst>
                         <p:cond delay="indefinite"/>
                       </p:stCondLst>
                       <p:childTnLst>
                         <p:par>
-                          <p:cTn id="10" fill="hold">
+                          <p:cTn id="15" fill="hold">
                             <p:stCondLst>
                               <p:cond delay="0"/>
                             </p:stCondLst>
                             <p:childTnLst>
                               <p:par>
-                                <p:cTn id="11" presetID="3" presetClass="entr" presetSubtype="10" fill="hold" grpId="0" nodeType="clickEffect">
+                                <p:cTn id="16" presetID="3" presetClass="entr" presetSubtype="10" fill="hold" grpId="0" nodeType="clickEffect">
                                   <p:stCondLst>
                                     <p:cond delay="0"/>
                                   </p:stCondLst>
                                   <p:childTnLst>
                                     <p:set>
                                       <p:cBhvr>
-                                        <p:cTn id="12" dur="1" fill="hold">
+                                        <p:cTn id="17" dur="1" fill="hold">
                                           <p:stCondLst>
                                             <p:cond delay="0"/>
                                           </p:stCondLst>
@@ -18285,7 +18418,7 @@
                                     </p:set>
                                     <p:animEffect transition="in" filter="blinds(horizontal)">
                                       <p:cBhvr>
-                                        <p:cTn id="13" dur="500"/>
+                                        <p:cTn id="18" dur="500"/>
                                         <p:tgtEl>
                                           <p:spTgt spid="52"/>
                                         </p:tgtEl>
@@ -18323,20 +18456,21 @@
     </p:tnLst>
     <p:bldLst>
       <p:bldP spid="52" grpId="0" animBg="1"/>
+      <p:bldP spid="50" grpId="0"/>
     </p:bldLst>
   </p:timing>
 </p:sld>
 </file>
 
 <file path=ppt/tags/tag1.xml><?xml version="1.0" encoding="utf-8"?>
-<p:tagLst xmlns:a="http://schemas.openxmlformats.org/drawingml/2006/main" xmlns:r="http://schemas.openxmlformats.org/officeDocument/2006/relationships" xmlns:p="http://schemas.openxmlformats.org/presentationml/2006/main">
-  <p:tag name="KSO_WM_DOC_GUID" val="{bd68954c-8664-40f0-8bef-da02e89c8067}"/>
+<p:tagLst xmlns:p="http://schemas.openxmlformats.org/presentationml/2006/main">
+  <p:tag name="KSO_WM_SLIDE_MODEL_TYPE" val="cover"/>
 </p:tagLst>
 </file>
 
 <file path=ppt/tags/tag2.xml><?xml version="1.0" encoding="utf-8"?>
-<p:tagLst xmlns:a="http://schemas.openxmlformats.org/drawingml/2006/main" xmlns:r="http://schemas.openxmlformats.org/officeDocument/2006/relationships" xmlns:p="http://schemas.openxmlformats.org/presentationml/2006/main">
-  <p:tag name="KSO_WM_SLIDE_MODEL_TYPE" val="cover"/>
+<p:tagLst xmlns:p="http://schemas.openxmlformats.org/presentationml/2006/main">
+  <p:tag name="KSO_WM_DOC_GUID" val="{bd68954c-8664-40f0-8bef-da02e89c8067}"/>
 </p:tagLst>
 </file>
 
@@ -18591,8 +18725,6 @@
       </a:bgFillStyleLst>
     </a:fmtScheme>
   </a:themeElements>
-  <a:objectDefaults/>
-  <a:extraClrSchemeLst/>
   <a:extLst>
     <a:ext uri="{05A4C25C-085E-4340-85A3-A5531E510DB2}">
       <thm15:themeFamily xmlns:thm15="http://schemas.microsoft.com/office/thememl/2012/main" name="Office Theme" id="{62F939B6-93AF-4DB8-9C6B-D6C7DFDC589F}" vid="{4A3C46E8-61CC-4603-A589-7422A47A8E4A}"/>
@@ -18644,7 +18776,7 @@
     </a:clrScheme>
     <a:fontScheme name="Office">
       <a:majorFont>
-        <a:latin typeface="等线 Light" panose="020F0302020204030204"/>
+        <a:latin typeface="等线 Light"/>
         <a:ea typeface=""/>
         <a:cs typeface=""/>
         <a:font script="Jpan" typeface="游ゴシック Light"/>
@@ -18677,26 +18809,9 @@
         <a:font script="Viet" typeface="Times New Roman"/>
         <a:font script="Uigh" typeface="Microsoft Uighur"/>
         <a:font script="Geor" typeface="Sylfaen"/>
-        <a:font script="Armn" typeface="Arial"/>
-        <a:font script="Bugi" typeface="Leelawadee UI"/>
-        <a:font script="Bopo" typeface="Microsoft JhengHei"/>
-        <a:font script="Java" typeface="Javanese Text"/>
-        <a:font script="Lisu" typeface="Segoe UI"/>
-        <a:font script="Mymr" typeface="Myanmar Text"/>
-        <a:font script="Nkoo" typeface="Ebrima"/>
-        <a:font script="Olck" typeface="Nirmala UI"/>
-        <a:font script="Osma" typeface="Ebrima"/>
-        <a:font script="Phag" typeface="Phagspa"/>
-        <a:font script="Syrn" typeface="Estrangelo Edessa"/>
-        <a:font script="Syrj" typeface="Estrangelo Edessa"/>
-        <a:font script="Syre" typeface="Estrangelo Edessa"/>
-        <a:font script="Sora" typeface="Nirmala UI"/>
-        <a:font script="Tale" typeface="Microsoft Tai Le"/>
-        <a:font script="Talu" typeface="Microsoft New Tai Lue"/>
-        <a:font script="Tfng" typeface="Ebrima"/>
       </a:majorFont>
       <a:minorFont>
-        <a:latin typeface="等线" panose="020F0502020204030204"/>
+        <a:latin typeface="等线"/>
         <a:ea typeface=""/>
         <a:cs typeface=""/>
         <a:font script="Jpan" typeface="游ゴシック"/>
@@ -18729,23 +18844,6 @@
         <a:font script="Viet" typeface="Arial"/>
         <a:font script="Uigh" typeface="Microsoft Uighur"/>
         <a:font script="Geor" typeface="Sylfaen"/>
-        <a:font script="Armn" typeface="Arial"/>
-        <a:font script="Bugi" typeface="Leelawadee UI"/>
-        <a:font script="Bopo" typeface="Microsoft JhengHei"/>
-        <a:font script="Java" typeface="Javanese Text"/>
-        <a:font script="Lisu" typeface="Segoe UI"/>
-        <a:font script="Mymr" typeface="Myanmar Text"/>
-        <a:font script="Nkoo" typeface="Ebrima"/>
-        <a:font script="Olck" typeface="Nirmala UI"/>
-        <a:font script="Osma" typeface="Ebrima"/>
-        <a:font script="Phag" typeface="Phagspa"/>
-        <a:font script="Syrn" typeface="Estrangelo Edessa"/>
-        <a:font script="Syrj" typeface="Estrangelo Edessa"/>
-        <a:font script="Syre" typeface="Estrangelo Edessa"/>
-        <a:font script="Sora" typeface="Nirmala UI"/>
-        <a:font script="Tale" typeface="Microsoft Tai Le"/>
-        <a:font script="Talu" typeface="Microsoft New Tai Lue"/>
-        <a:font script="Tfng" typeface="Ebrima"/>
       </a:minorFont>
     </a:fontScheme>
     <a:fmtScheme name="Office">
@@ -18886,8 +18984,6 @@
       </a:bgFillStyleLst>
     </a:fmtScheme>
   </a:themeElements>
-  <a:objectDefaults/>
-  <a:extraClrSchemeLst/>
   <a:extLst>
     <a:ext uri="{05A4C25C-085E-4340-85A3-A5531E510DB2}">
       <thm15:themeFamily xmlns:thm15="http://schemas.microsoft.com/office/thememl/2012/main" name="Office Theme" id="{62F939B6-93AF-4DB8-9C6B-D6C7DFDC589F}" vid="{4A3C46E8-61CC-4603-A589-7422A47A8E4A}"/>
